--- a/OS161 Project/PDS.pptx
+++ b/OS161 Project/PDS.pptx
@@ -5,10 +5,10 @@
     <p:sldMasterId id="2147483658" r:id="rId4"/>
   </p:sldMasterIdLst>
   <p:notesMasterIdLst>
-    <p:notesMasterId r:id="rId14"/>
+    <p:notesMasterId r:id="rId32"/>
   </p:notesMasterIdLst>
   <p:handoutMasterIdLst>
-    <p:handoutMasterId r:id="rId15"/>
+    <p:handoutMasterId r:id="rId33"/>
   </p:handoutMasterIdLst>
   <p:sldIdLst>
     <p:sldId id="365" r:id="rId5"/>
@@ -20,6 +20,24 @@
     <p:sldId id="372" r:id="rId11"/>
     <p:sldId id="368" r:id="rId12"/>
     <p:sldId id="373" r:id="rId13"/>
+    <p:sldId id="375" r:id="rId14"/>
+    <p:sldId id="376" r:id="rId15"/>
+    <p:sldId id="377" r:id="rId16"/>
+    <p:sldId id="378" r:id="rId17"/>
+    <p:sldId id="379" r:id="rId18"/>
+    <p:sldId id="380" r:id="rId19"/>
+    <p:sldId id="381" r:id="rId20"/>
+    <p:sldId id="382" r:id="rId21"/>
+    <p:sldId id="383" r:id="rId22"/>
+    <p:sldId id="384" r:id="rId23"/>
+    <p:sldId id="385" r:id="rId24"/>
+    <p:sldId id="386" r:id="rId25"/>
+    <p:sldId id="387" r:id="rId26"/>
+    <p:sldId id="388" r:id="rId27"/>
+    <p:sldId id="389" r:id="rId28"/>
+    <p:sldId id="390" r:id="rId29"/>
+    <p:sldId id="391" r:id="rId30"/>
+    <p:sldId id="392" r:id="rId31"/>
   </p:sldIdLst>
   <p:sldSz cx="12192000" cy="6858000"/>
   <p:notesSz cx="6858000" cy="9144000"/>
@@ -364,7 +382,7 @@
           <a:p>
             <a:fld id="{6EE7A52F-9D89-7442-A8E9-48D1527B5F6B}" type="datetimeFigureOut">
               <a:rPr lang="en-US" smtClean="0"/>
-              <a:t>12/21/2023</a:t>
+              <a:t>12/27/23</a:t>
             </a:fld>
             <a:endParaRPr lang="en-US" dirty="0"/>
           </a:p>
@@ -12294,7 +12312,7 @@
             <a:fld id="{6FCA8E82-58CD-E045-8B98-B7A85B79B752}" type="datetime4">
               <a:rPr lang="en-US" smtClean="0"/>
               <a:pPr/>
-              <a:t>December 21, 2023</a:t>
+              <a:t>December 27, 2023</a:t>
             </a:fld>
             <a:endParaRPr lang="en-US" dirty="0">
               <a:latin typeface="+mn-lt"/>
@@ -12974,6 +12992,2855 @@
 </p:sld>
 </file>
 
+<file path=ppt/slides/slide10.xml><?xml version="1.0" encoding="utf-8"?>
+<p:sld xmlns:a="http://schemas.openxmlformats.org/drawingml/2006/main" xmlns:r="http://schemas.openxmlformats.org/officeDocument/2006/relationships" xmlns:p="http://schemas.openxmlformats.org/presentationml/2006/main">
+  <p:cSld>
+    <p:spTree>
+      <p:nvGrpSpPr>
+        <p:cNvPr id="1" name=""/>
+        <p:cNvGrpSpPr/>
+        <p:nvPr/>
+      </p:nvGrpSpPr>
+      <p:grpSpPr>
+        <a:xfrm>
+          <a:off x="0" y="0"/>
+          <a:ext cx="0" cy="0"/>
+          <a:chOff x="0" y="0"/>
+          <a:chExt cx="0" cy="0"/>
+        </a:xfrm>
+      </p:grpSpPr>
+      <p:sp>
+        <p:nvSpPr>
+          <p:cNvPr id="2" name="Segnaposto immagine 1">
+            <a:extLst>
+              <a:ext uri="{FF2B5EF4-FFF2-40B4-BE49-F238E27FC236}">
+                <a16:creationId xmlns:a16="http://schemas.microsoft.com/office/drawing/2014/main" id="{81F8BCC6-4F31-B2FB-A3C1-A884B08546A6}"/>
+              </a:ext>
+            </a:extLst>
+          </p:cNvPr>
+          <p:cNvSpPr>
+            <a:spLocks noGrp="1"/>
+          </p:cNvSpPr>
+          <p:nvPr>
+            <p:ph type="pic" sz="quarter" idx="13"/>
+          </p:nvPr>
+        </p:nvSpPr>
+        <p:spPr/>
+        <p:txBody>
+          <a:bodyPr/>
+          <a:lstStyle/>
+          <a:p>
+            <a:endParaRPr lang="en-US"/>
+          </a:p>
+        </p:txBody>
+      </p:sp>
+      <p:sp>
+        <p:nvSpPr>
+          <p:cNvPr id="3" name="Titolo 2">
+            <a:extLst>
+              <a:ext uri="{FF2B5EF4-FFF2-40B4-BE49-F238E27FC236}">
+                <a16:creationId xmlns:a16="http://schemas.microsoft.com/office/drawing/2014/main" id="{B9054134-716F-1CBD-D466-A5813A3D817F}"/>
+              </a:ext>
+            </a:extLst>
+          </p:cNvPr>
+          <p:cNvSpPr>
+            <a:spLocks noGrp="1"/>
+          </p:cNvSpPr>
+          <p:nvPr>
+            <p:ph type="title"/>
+          </p:nvPr>
+        </p:nvSpPr>
+        <p:spPr/>
+        <p:txBody>
+          <a:bodyPr>
+            <a:normAutofit fontScale="90000"/>
+          </a:bodyPr>
+          <a:lstStyle/>
+          <a:p>
+            <a:r>
+              <a:rPr lang="en-US" dirty="0" err="1"/>
+              <a:t>Meccanismi</a:t>
+            </a:r>
+            <a:r>
+              <a:rPr lang="en-US" dirty="0"/>
+              <a:t> di </a:t>
+            </a:r>
+            <a:r>
+              <a:rPr lang="en-US" dirty="0" err="1"/>
+              <a:t>sincronizzazione</a:t>
+            </a:r>
+            <a:endParaRPr lang="en-US" dirty="0"/>
+          </a:p>
+        </p:txBody>
+      </p:sp>
+      <p:sp>
+        <p:nvSpPr>
+          <p:cNvPr id="4" name="Segnaposto testo 3">
+            <a:extLst>
+              <a:ext uri="{FF2B5EF4-FFF2-40B4-BE49-F238E27FC236}">
+                <a16:creationId xmlns:a16="http://schemas.microsoft.com/office/drawing/2014/main" id="{FE7B1D6D-BD82-2AD6-2E20-AB168A315F39}"/>
+              </a:ext>
+            </a:extLst>
+          </p:cNvPr>
+          <p:cNvSpPr>
+            <a:spLocks noGrp="1"/>
+          </p:cNvSpPr>
+          <p:nvPr>
+            <p:ph type="body" sz="quarter" idx="11"/>
+          </p:nvPr>
+        </p:nvSpPr>
+        <p:spPr/>
+        <p:txBody>
+          <a:bodyPr/>
+          <a:lstStyle/>
+          <a:p>
+            <a:r>
+              <a:rPr lang="en-US" dirty="0"/>
+              <a:t>SPINLOCK</a:t>
+            </a:r>
+          </a:p>
+        </p:txBody>
+      </p:sp>
+      <p:sp>
+        <p:nvSpPr>
+          <p:cNvPr id="5" name="Segnaposto piè di pagina 4">
+            <a:extLst>
+              <a:ext uri="{FF2B5EF4-FFF2-40B4-BE49-F238E27FC236}">
+                <a16:creationId xmlns:a16="http://schemas.microsoft.com/office/drawing/2014/main" id="{03C001CA-E2A8-7CFD-414C-A2FDAEBF1FC9}"/>
+              </a:ext>
+            </a:extLst>
+          </p:cNvPr>
+          <p:cNvSpPr>
+            <a:spLocks noGrp="1"/>
+          </p:cNvSpPr>
+          <p:nvPr>
+            <p:ph type="ftr" sz="quarter" idx="15"/>
+          </p:nvPr>
+        </p:nvSpPr>
+        <p:spPr>
+          <a:xfrm>
+            <a:off x="1494789" y="6332220"/>
+            <a:ext cx="2552277" cy="247651"/>
+          </a:xfrm>
+        </p:spPr>
+        <p:txBody>
+          <a:bodyPr/>
+          <a:lstStyle/>
+          <a:p>
+            <a:r>
+              <a:rPr lang="it-IT" b="0" dirty="0"/>
+              <a:t>Programmazione</a:t>
+            </a:r>
+            <a:r>
+              <a:rPr lang="en-US" b="0" dirty="0"/>
+              <a:t> di Sistema – 2023/24</a:t>
+            </a:r>
+          </a:p>
+        </p:txBody>
+      </p:sp>
+      <p:sp>
+        <p:nvSpPr>
+          <p:cNvPr id="6" name="Segnaposto numero diapositiva 5">
+            <a:extLst>
+              <a:ext uri="{FF2B5EF4-FFF2-40B4-BE49-F238E27FC236}">
+                <a16:creationId xmlns:a16="http://schemas.microsoft.com/office/drawing/2014/main" id="{333800D2-0446-E7C1-8ED8-FC146DDB7BBE}"/>
+              </a:ext>
+            </a:extLst>
+          </p:cNvPr>
+          <p:cNvSpPr>
+            <a:spLocks noGrp="1"/>
+          </p:cNvSpPr>
+          <p:nvPr>
+            <p:ph type="sldNum" sz="quarter" idx="16"/>
+          </p:nvPr>
+        </p:nvSpPr>
+        <p:spPr/>
+        <p:txBody>
+          <a:bodyPr/>
+          <a:lstStyle/>
+          <a:p>
+            <a:fld id="{294A09A9-5501-47C1-A89A-A340965A2BE2}" type="slidenum">
+              <a:rPr lang="en-US" smtClean="0"/>
+              <a:pPr/>
+              <a:t>10</a:t>
+            </a:fld>
+            <a:endParaRPr lang="en-US" dirty="0">
+              <a:latin typeface="+mn-lt"/>
+            </a:endParaRPr>
+          </a:p>
+        </p:txBody>
+      </p:sp>
+    </p:spTree>
+    <p:extLst>
+      <p:ext uri="{BB962C8B-B14F-4D97-AF65-F5344CB8AC3E}">
+        <p14:creationId xmlns:p14="http://schemas.microsoft.com/office/powerpoint/2010/main" val="1185501570"/>
+      </p:ext>
+    </p:extLst>
+  </p:cSld>
+  <p:clrMapOvr>
+    <a:masterClrMapping/>
+  </p:clrMapOvr>
+</p:sld>
+</file>
+
+<file path=ppt/slides/slide11.xml><?xml version="1.0" encoding="utf-8"?>
+<p:sld xmlns:a="http://schemas.openxmlformats.org/drawingml/2006/main" xmlns:r="http://schemas.openxmlformats.org/officeDocument/2006/relationships" xmlns:p="http://schemas.openxmlformats.org/presentationml/2006/main">
+  <p:cSld>
+    <p:spTree>
+      <p:nvGrpSpPr>
+        <p:cNvPr id="1" name=""/>
+        <p:cNvGrpSpPr/>
+        <p:nvPr/>
+      </p:nvGrpSpPr>
+      <p:grpSpPr>
+        <a:xfrm>
+          <a:off x="0" y="0"/>
+          <a:ext cx="0" cy="0"/>
+          <a:chOff x="0" y="0"/>
+          <a:chExt cx="0" cy="0"/>
+        </a:xfrm>
+      </p:grpSpPr>
+      <p:sp>
+        <p:nvSpPr>
+          <p:cNvPr id="3" name="Titolo 2">
+            <a:extLst>
+              <a:ext uri="{FF2B5EF4-FFF2-40B4-BE49-F238E27FC236}">
+                <a16:creationId xmlns:a16="http://schemas.microsoft.com/office/drawing/2014/main" id="{B9054134-716F-1CBD-D466-A5813A3D817F}"/>
+              </a:ext>
+            </a:extLst>
+          </p:cNvPr>
+          <p:cNvSpPr>
+            <a:spLocks noGrp="1"/>
+          </p:cNvSpPr>
+          <p:nvPr>
+            <p:ph type="title"/>
+          </p:nvPr>
+        </p:nvSpPr>
+        <p:spPr/>
+        <p:txBody>
+          <a:bodyPr>
+            <a:normAutofit fontScale="90000"/>
+          </a:bodyPr>
+          <a:lstStyle/>
+          <a:p>
+            <a:r>
+              <a:rPr lang="en-US" dirty="0" err="1"/>
+              <a:t>Meccanismi</a:t>
+            </a:r>
+            <a:r>
+              <a:rPr lang="en-US" dirty="0"/>
+              <a:t> di </a:t>
+            </a:r>
+            <a:r>
+              <a:rPr lang="en-US" dirty="0" err="1"/>
+              <a:t>sincronizzazione</a:t>
+            </a:r>
+            <a:endParaRPr lang="en-US" dirty="0"/>
+          </a:p>
+        </p:txBody>
+      </p:sp>
+      <p:sp>
+        <p:nvSpPr>
+          <p:cNvPr id="4" name="Segnaposto testo 3">
+            <a:extLst>
+              <a:ext uri="{FF2B5EF4-FFF2-40B4-BE49-F238E27FC236}">
+                <a16:creationId xmlns:a16="http://schemas.microsoft.com/office/drawing/2014/main" id="{FE7B1D6D-BD82-2AD6-2E20-AB168A315F39}"/>
+              </a:ext>
+            </a:extLst>
+          </p:cNvPr>
+          <p:cNvSpPr>
+            <a:spLocks noGrp="1"/>
+          </p:cNvSpPr>
+          <p:nvPr>
+            <p:ph type="body" sz="quarter" idx="11"/>
+          </p:nvPr>
+        </p:nvSpPr>
+        <p:spPr/>
+        <p:txBody>
+          <a:bodyPr/>
+          <a:lstStyle/>
+          <a:p>
+            <a:r>
+              <a:rPr lang="en-US" sz="2400" dirty="0"/>
+              <a:t>SPINLOCK</a:t>
+            </a:r>
+          </a:p>
+        </p:txBody>
+      </p:sp>
+      <p:sp>
+        <p:nvSpPr>
+          <p:cNvPr id="5" name="Segnaposto piè di pagina 4">
+            <a:extLst>
+              <a:ext uri="{FF2B5EF4-FFF2-40B4-BE49-F238E27FC236}">
+                <a16:creationId xmlns:a16="http://schemas.microsoft.com/office/drawing/2014/main" id="{03C001CA-E2A8-7CFD-414C-A2FDAEBF1FC9}"/>
+              </a:ext>
+            </a:extLst>
+          </p:cNvPr>
+          <p:cNvSpPr>
+            <a:spLocks noGrp="1"/>
+          </p:cNvSpPr>
+          <p:nvPr>
+            <p:ph type="ftr" sz="quarter" idx="15"/>
+          </p:nvPr>
+        </p:nvSpPr>
+        <p:spPr>
+          <a:xfrm>
+            <a:off x="1494789" y="6332220"/>
+            <a:ext cx="2552277" cy="247651"/>
+          </a:xfrm>
+        </p:spPr>
+        <p:txBody>
+          <a:bodyPr/>
+          <a:lstStyle/>
+          <a:p>
+            <a:r>
+              <a:rPr lang="it-IT" b="0" dirty="0"/>
+              <a:t>Programmazione</a:t>
+            </a:r>
+            <a:r>
+              <a:rPr lang="en-US" b="0" dirty="0"/>
+              <a:t> di Sistema – 2023/24</a:t>
+            </a:r>
+          </a:p>
+        </p:txBody>
+      </p:sp>
+      <p:sp>
+        <p:nvSpPr>
+          <p:cNvPr id="6" name="Segnaposto numero diapositiva 5">
+            <a:extLst>
+              <a:ext uri="{FF2B5EF4-FFF2-40B4-BE49-F238E27FC236}">
+                <a16:creationId xmlns:a16="http://schemas.microsoft.com/office/drawing/2014/main" id="{333800D2-0446-E7C1-8ED8-FC146DDB7BBE}"/>
+              </a:ext>
+            </a:extLst>
+          </p:cNvPr>
+          <p:cNvSpPr>
+            <a:spLocks noGrp="1"/>
+          </p:cNvSpPr>
+          <p:nvPr>
+            <p:ph type="sldNum" sz="quarter" idx="16"/>
+          </p:nvPr>
+        </p:nvSpPr>
+        <p:spPr/>
+        <p:txBody>
+          <a:bodyPr/>
+          <a:lstStyle/>
+          <a:p>
+            <a:fld id="{294A09A9-5501-47C1-A89A-A340965A2BE2}" type="slidenum">
+              <a:rPr lang="en-US" smtClean="0"/>
+              <a:pPr/>
+              <a:t>11</a:t>
+            </a:fld>
+            <a:endParaRPr lang="en-US" dirty="0">
+              <a:latin typeface="+mn-lt"/>
+            </a:endParaRPr>
+          </a:p>
+        </p:txBody>
+      </p:sp>
+      <p:pic>
+        <p:nvPicPr>
+          <p:cNvPr id="7" name="Immagine 6" descr="Immagine che contiene schermata, testo, Carattere&#10;&#10;Descrizione generata automaticamente">
+            <a:extLst>
+              <a:ext uri="{FF2B5EF4-FFF2-40B4-BE49-F238E27FC236}">
+                <a16:creationId xmlns:a16="http://schemas.microsoft.com/office/drawing/2014/main" id="{64D112CA-FCB4-E79B-12D4-FFE8B08D108F}"/>
+              </a:ext>
+            </a:extLst>
+          </p:cNvPr>
+          <p:cNvPicPr>
+            <a:picLocks noChangeAspect="1"/>
+          </p:cNvPicPr>
+          <p:nvPr/>
+        </p:nvPicPr>
+        <p:blipFill>
+          <a:blip r:embed="rId2"/>
+          <a:stretch>
+            <a:fillRect/>
+          </a:stretch>
+        </p:blipFill>
+        <p:spPr>
+          <a:xfrm>
+            <a:off x="3955930" y="2766748"/>
+            <a:ext cx="7772400" cy="1088740"/>
+          </a:xfrm>
+          <a:prstGeom prst="rect">
+            <a:avLst/>
+          </a:prstGeom>
+        </p:spPr>
+      </p:pic>
+      <p:sp>
+        <p:nvSpPr>
+          <p:cNvPr id="9" name="Segnaposto testo 3">
+            <a:extLst>
+              <a:ext uri="{FF2B5EF4-FFF2-40B4-BE49-F238E27FC236}">
+                <a16:creationId xmlns:a16="http://schemas.microsoft.com/office/drawing/2014/main" id="{5443B68E-FE03-58B3-B5CD-576DD949444C}"/>
+              </a:ext>
+            </a:extLst>
+          </p:cNvPr>
+          <p:cNvSpPr txBox="1">
+            <a:spLocks/>
+          </p:cNvSpPr>
+          <p:nvPr/>
+        </p:nvSpPr>
+        <p:spPr>
+          <a:xfrm>
+            <a:off x="3955930" y="2328569"/>
+            <a:ext cx="871046" cy="295788"/>
+          </a:xfrm>
+          <a:prstGeom prst="rect">
+            <a:avLst/>
+          </a:prstGeom>
+        </p:spPr>
+        <p:txBody>
+          <a:bodyPr vert="horz" lIns="0" tIns="0" rIns="0" bIns="0" rtlCol="0">
+            <a:noAutofit/>
+          </a:bodyPr>
+          <a:lstStyle>
+            <a:lvl1pPr marL="0" indent="0" algn="l" defTabSz="914400" rtl="0" eaLnBrk="1" latinLnBrk="0" hangingPunct="1">
+              <a:lnSpc>
+                <a:spcPct val="100000"/>
+              </a:lnSpc>
+              <a:spcBef>
+                <a:spcPts val="1000"/>
+              </a:spcBef>
+              <a:buFont typeface="Arial" panose="020B0604020202020204" pitchFamily="34" charset="0"/>
+              <a:buNone/>
+              <a:defRPr sz="1600" b="0" i="0" kern="1200">
+                <a:solidFill>
+                  <a:schemeClr val="bg1"/>
+                </a:solidFill>
+                <a:latin typeface="+mn-lt"/>
+                <a:ea typeface="+mn-ea"/>
+                <a:cs typeface="+mn-cs"/>
+              </a:defRPr>
+            </a:lvl1pPr>
+            <a:lvl2pPr marL="685800" indent="-228600" algn="l" defTabSz="914400" rtl="0" eaLnBrk="1" latinLnBrk="0" hangingPunct="1">
+              <a:lnSpc>
+                <a:spcPct val="90000"/>
+              </a:lnSpc>
+              <a:spcBef>
+                <a:spcPts val="500"/>
+              </a:spcBef>
+              <a:buFont typeface="Arial" panose="020B0604020202020204" pitchFamily="34" charset="0"/>
+              <a:buChar char="•"/>
+              <a:defRPr sz="4000" b="0" i="0" kern="1200">
+                <a:solidFill>
+                  <a:schemeClr val="bg1"/>
+                </a:solidFill>
+                <a:latin typeface="+mn-lt"/>
+                <a:ea typeface="+mn-ea"/>
+                <a:cs typeface="+mn-cs"/>
+              </a:defRPr>
+            </a:lvl2pPr>
+            <a:lvl3pPr marL="1143000" indent="-228600" algn="l" defTabSz="914400" rtl="0" eaLnBrk="1" latinLnBrk="0" hangingPunct="1">
+              <a:lnSpc>
+                <a:spcPct val="90000"/>
+              </a:lnSpc>
+              <a:spcBef>
+                <a:spcPts val="500"/>
+              </a:spcBef>
+              <a:buFont typeface="Arial" panose="020B0604020202020204" pitchFamily="34" charset="0"/>
+              <a:buChar char="•"/>
+              <a:defRPr sz="4000" b="0" i="0" kern="1200">
+                <a:solidFill>
+                  <a:schemeClr val="bg1"/>
+                </a:solidFill>
+                <a:latin typeface="+mn-lt"/>
+                <a:ea typeface="+mn-ea"/>
+                <a:cs typeface="+mn-cs"/>
+              </a:defRPr>
+            </a:lvl3pPr>
+            <a:lvl4pPr marL="1600200" indent="-228600" algn="l" defTabSz="914400" rtl="0" eaLnBrk="1" latinLnBrk="0" hangingPunct="1">
+              <a:lnSpc>
+                <a:spcPct val="90000"/>
+              </a:lnSpc>
+              <a:spcBef>
+                <a:spcPts val="500"/>
+              </a:spcBef>
+              <a:buFont typeface="Arial" panose="020B0604020202020204" pitchFamily="34" charset="0"/>
+              <a:buChar char="•"/>
+              <a:defRPr sz="4000" b="0" i="0" kern="1200">
+                <a:solidFill>
+                  <a:schemeClr val="bg1"/>
+                </a:solidFill>
+                <a:latin typeface="+mn-lt"/>
+                <a:ea typeface="+mn-ea"/>
+                <a:cs typeface="+mn-cs"/>
+              </a:defRPr>
+            </a:lvl4pPr>
+            <a:lvl5pPr marL="2057400" indent="-228600" algn="l" defTabSz="914400" rtl="0" eaLnBrk="1" latinLnBrk="0" hangingPunct="1">
+              <a:lnSpc>
+                <a:spcPct val="90000"/>
+              </a:lnSpc>
+              <a:spcBef>
+                <a:spcPts val="500"/>
+              </a:spcBef>
+              <a:buFont typeface="Arial" panose="020B0604020202020204" pitchFamily="34" charset="0"/>
+              <a:buChar char="•"/>
+              <a:defRPr sz="4000" b="0" i="0" kern="1200">
+                <a:solidFill>
+                  <a:schemeClr val="bg1"/>
+                </a:solidFill>
+                <a:latin typeface="+mn-lt"/>
+                <a:ea typeface="+mn-ea"/>
+                <a:cs typeface="+mn-cs"/>
+              </a:defRPr>
+            </a:lvl5pPr>
+            <a:lvl6pPr marL="2514600" indent="-228600" algn="l" defTabSz="914400" rtl="0" eaLnBrk="1" latinLnBrk="0" hangingPunct="1">
+              <a:lnSpc>
+                <a:spcPct val="90000"/>
+              </a:lnSpc>
+              <a:spcBef>
+                <a:spcPts val="500"/>
+              </a:spcBef>
+              <a:buFont typeface="Arial" panose="020B0604020202020204" pitchFamily="34" charset="0"/>
+              <a:buChar char="•"/>
+              <a:defRPr sz="1800" kern="1200">
+                <a:solidFill>
+                  <a:schemeClr val="tx1"/>
+                </a:solidFill>
+                <a:latin typeface="+mn-lt"/>
+                <a:ea typeface="+mn-ea"/>
+                <a:cs typeface="+mn-cs"/>
+              </a:defRPr>
+            </a:lvl6pPr>
+            <a:lvl7pPr marL="2971800" indent="-228600" algn="l" defTabSz="914400" rtl="0" eaLnBrk="1" latinLnBrk="0" hangingPunct="1">
+              <a:lnSpc>
+                <a:spcPct val="90000"/>
+              </a:lnSpc>
+              <a:spcBef>
+                <a:spcPts val="500"/>
+              </a:spcBef>
+              <a:buFont typeface="Arial" panose="020B0604020202020204" pitchFamily="34" charset="0"/>
+              <a:buChar char="•"/>
+              <a:defRPr sz="1800" kern="1200">
+                <a:solidFill>
+                  <a:schemeClr val="tx1"/>
+                </a:solidFill>
+                <a:latin typeface="+mn-lt"/>
+                <a:ea typeface="+mn-ea"/>
+                <a:cs typeface="+mn-cs"/>
+              </a:defRPr>
+            </a:lvl7pPr>
+            <a:lvl8pPr marL="3429000" indent="-228600" algn="l" defTabSz="914400" rtl="0" eaLnBrk="1" latinLnBrk="0" hangingPunct="1">
+              <a:lnSpc>
+                <a:spcPct val="90000"/>
+              </a:lnSpc>
+              <a:spcBef>
+                <a:spcPts val="500"/>
+              </a:spcBef>
+              <a:buFont typeface="Arial" panose="020B0604020202020204" pitchFamily="34" charset="0"/>
+              <a:buChar char="•"/>
+              <a:defRPr sz="1800" kern="1200">
+                <a:solidFill>
+                  <a:schemeClr val="tx1"/>
+                </a:solidFill>
+                <a:latin typeface="+mn-lt"/>
+                <a:ea typeface="+mn-ea"/>
+                <a:cs typeface="+mn-cs"/>
+              </a:defRPr>
+            </a:lvl8pPr>
+            <a:lvl9pPr marL="3886200" indent="-228600" algn="l" defTabSz="914400" rtl="0" eaLnBrk="1" latinLnBrk="0" hangingPunct="1">
+              <a:lnSpc>
+                <a:spcPct val="90000"/>
+              </a:lnSpc>
+              <a:spcBef>
+                <a:spcPts val="500"/>
+              </a:spcBef>
+              <a:buFont typeface="Arial" panose="020B0604020202020204" pitchFamily="34" charset="0"/>
+              <a:buChar char="•"/>
+              <a:defRPr sz="1800" kern="1200">
+                <a:solidFill>
+                  <a:schemeClr val="tx1"/>
+                </a:solidFill>
+                <a:latin typeface="+mn-lt"/>
+                <a:ea typeface="+mn-ea"/>
+                <a:cs typeface="+mn-cs"/>
+              </a:defRPr>
+            </a:lvl9pPr>
+          </a:lstStyle>
+          <a:p>
+            <a:r>
+              <a:rPr lang="en-US" dirty="0"/>
+              <a:t>OS161</a:t>
+            </a:r>
+          </a:p>
+        </p:txBody>
+      </p:sp>
+      <p:pic>
+        <p:nvPicPr>
+          <p:cNvPr id="10" name="Immagine 9" descr="Immagine che contiene testo, schermata, Carattere&#10;&#10;Descrizione generata automaticamente">
+            <a:extLst>
+              <a:ext uri="{FF2B5EF4-FFF2-40B4-BE49-F238E27FC236}">
+                <a16:creationId xmlns:a16="http://schemas.microsoft.com/office/drawing/2014/main" id="{C59DACB3-FFE6-CB15-4DE2-171B210242BE}"/>
+              </a:ext>
+            </a:extLst>
+          </p:cNvPr>
+          <p:cNvPicPr>
+            <a:picLocks noChangeAspect="1"/>
+          </p:cNvPicPr>
+          <p:nvPr/>
+        </p:nvPicPr>
+        <p:blipFill>
+          <a:blip r:embed="rId3"/>
+          <a:stretch>
+            <a:fillRect/>
+          </a:stretch>
+        </p:blipFill>
+        <p:spPr>
+          <a:xfrm>
+            <a:off x="3955930" y="4634050"/>
+            <a:ext cx="7429500" cy="1117600"/>
+          </a:xfrm>
+          <a:prstGeom prst="rect">
+            <a:avLst/>
+          </a:prstGeom>
+        </p:spPr>
+      </p:pic>
+      <p:sp>
+        <p:nvSpPr>
+          <p:cNvPr id="11" name="Segnaposto testo 3">
+            <a:extLst>
+              <a:ext uri="{FF2B5EF4-FFF2-40B4-BE49-F238E27FC236}">
+                <a16:creationId xmlns:a16="http://schemas.microsoft.com/office/drawing/2014/main" id="{2E132792-F45D-BF1B-F8D4-D96CDF810EB9}"/>
+              </a:ext>
+            </a:extLst>
+          </p:cNvPr>
+          <p:cNvSpPr txBox="1">
+            <a:spLocks/>
+          </p:cNvSpPr>
+          <p:nvPr/>
+        </p:nvSpPr>
+        <p:spPr>
+          <a:xfrm>
+            <a:off x="3958658" y="4288164"/>
+            <a:ext cx="871046" cy="295788"/>
+          </a:xfrm>
+          <a:prstGeom prst="rect">
+            <a:avLst/>
+          </a:prstGeom>
+        </p:spPr>
+        <p:txBody>
+          <a:bodyPr vert="horz" lIns="0" tIns="0" rIns="0" bIns="0" rtlCol="0">
+            <a:noAutofit/>
+          </a:bodyPr>
+          <a:lstStyle>
+            <a:lvl1pPr marL="0" indent="0" algn="l" defTabSz="914400" rtl="0" eaLnBrk="1" latinLnBrk="0" hangingPunct="1">
+              <a:lnSpc>
+                <a:spcPct val="100000"/>
+              </a:lnSpc>
+              <a:spcBef>
+                <a:spcPts val="1000"/>
+              </a:spcBef>
+              <a:buFont typeface="Arial" panose="020B0604020202020204" pitchFamily="34" charset="0"/>
+              <a:buNone/>
+              <a:defRPr sz="1600" b="0" i="0" kern="1200">
+                <a:solidFill>
+                  <a:schemeClr val="bg1"/>
+                </a:solidFill>
+                <a:latin typeface="+mn-lt"/>
+                <a:ea typeface="+mn-ea"/>
+                <a:cs typeface="+mn-cs"/>
+              </a:defRPr>
+            </a:lvl1pPr>
+            <a:lvl2pPr marL="685800" indent="-228600" algn="l" defTabSz="914400" rtl="0" eaLnBrk="1" latinLnBrk="0" hangingPunct="1">
+              <a:lnSpc>
+                <a:spcPct val="90000"/>
+              </a:lnSpc>
+              <a:spcBef>
+                <a:spcPts val="500"/>
+              </a:spcBef>
+              <a:buFont typeface="Arial" panose="020B0604020202020204" pitchFamily="34" charset="0"/>
+              <a:buChar char="•"/>
+              <a:defRPr sz="4000" b="0" i="0" kern="1200">
+                <a:solidFill>
+                  <a:schemeClr val="bg1"/>
+                </a:solidFill>
+                <a:latin typeface="+mn-lt"/>
+                <a:ea typeface="+mn-ea"/>
+                <a:cs typeface="+mn-cs"/>
+              </a:defRPr>
+            </a:lvl2pPr>
+            <a:lvl3pPr marL="1143000" indent="-228600" algn="l" defTabSz="914400" rtl="0" eaLnBrk="1" latinLnBrk="0" hangingPunct="1">
+              <a:lnSpc>
+                <a:spcPct val="90000"/>
+              </a:lnSpc>
+              <a:spcBef>
+                <a:spcPts val="500"/>
+              </a:spcBef>
+              <a:buFont typeface="Arial" panose="020B0604020202020204" pitchFamily="34" charset="0"/>
+              <a:buChar char="•"/>
+              <a:defRPr sz="4000" b="0" i="0" kern="1200">
+                <a:solidFill>
+                  <a:schemeClr val="bg1"/>
+                </a:solidFill>
+                <a:latin typeface="+mn-lt"/>
+                <a:ea typeface="+mn-ea"/>
+                <a:cs typeface="+mn-cs"/>
+              </a:defRPr>
+            </a:lvl3pPr>
+            <a:lvl4pPr marL="1600200" indent="-228600" algn="l" defTabSz="914400" rtl="0" eaLnBrk="1" latinLnBrk="0" hangingPunct="1">
+              <a:lnSpc>
+                <a:spcPct val="90000"/>
+              </a:lnSpc>
+              <a:spcBef>
+                <a:spcPts val="500"/>
+              </a:spcBef>
+              <a:buFont typeface="Arial" panose="020B0604020202020204" pitchFamily="34" charset="0"/>
+              <a:buChar char="•"/>
+              <a:defRPr sz="4000" b="0" i="0" kern="1200">
+                <a:solidFill>
+                  <a:schemeClr val="bg1"/>
+                </a:solidFill>
+                <a:latin typeface="+mn-lt"/>
+                <a:ea typeface="+mn-ea"/>
+                <a:cs typeface="+mn-cs"/>
+              </a:defRPr>
+            </a:lvl4pPr>
+            <a:lvl5pPr marL="2057400" indent="-228600" algn="l" defTabSz="914400" rtl="0" eaLnBrk="1" latinLnBrk="0" hangingPunct="1">
+              <a:lnSpc>
+                <a:spcPct val="90000"/>
+              </a:lnSpc>
+              <a:spcBef>
+                <a:spcPts val="500"/>
+              </a:spcBef>
+              <a:buFont typeface="Arial" panose="020B0604020202020204" pitchFamily="34" charset="0"/>
+              <a:buChar char="•"/>
+              <a:defRPr sz="4000" b="0" i="0" kern="1200">
+                <a:solidFill>
+                  <a:schemeClr val="bg1"/>
+                </a:solidFill>
+                <a:latin typeface="+mn-lt"/>
+                <a:ea typeface="+mn-ea"/>
+                <a:cs typeface="+mn-cs"/>
+              </a:defRPr>
+            </a:lvl5pPr>
+            <a:lvl6pPr marL="2514600" indent="-228600" algn="l" defTabSz="914400" rtl="0" eaLnBrk="1" latinLnBrk="0" hangingPunct="1">
+              <a:lnSpc>
+                <a:spcPct val="90000"/>
+              </a:lnSpc>
+              <a:spcBef>
+                <a:spcPts val="500"/>
+              </a:spcBef>
+              <a:buFont typeface="Arial" panose="020B0604020202020204" pitchFamily="34" charset="0"/>
+              <a:buChar char="•"/>
+              <a:defRPr sz="1800" kern="1200">
+                <a:solidFill>
+                  <a:schemeClr val="tx1"/>
+                </a:solidFill>
+                <a:latin typeface="+mn-lt"/>
+                <a:ea typeface="+mn-ea"/>
+                <a:cs typeface="+mn-cs"/>
+              </a:defRPr>
+            </a:lvl6pPr>
+            <a:lvl7pPr marL="2971800" indent="-228600" algn="l" defTabSz="914400" rtl="0" eaLnBrk="1" latinLnBrk="0" hangingPunct="1">
+              <a:lnSpc>
+                <a:spcPct val="90000"/>
+              </a:lnSpc>
+              <a:spcBef>
+                <a:spcPts val="500"/>
+              </a:spcBef>
+              <a:buFont typeface="Arial" panose="020B0604020202020204" pitchFamily="34" charset="0"/>
+              <a:buChar char="•"/>
+              <a:defRPr sz="1800" kern="1200">
+                <a:solidFill>
+                  <a:schemeClr val="tx1"/>
+                </a:solidFill>
+                <a:latin typeface="+mn-lt"/>
+                <a:ea typeface="+mn-ea"/>
+                <a:cs typeface="+mn-cs"/>
+              </a:defRPr>
+            </a:lvl7pPr>
+            <a:lvl8pPr marL="3429000" indent="-228600" algn="l" defTabSz="914400" rtl="0" eaLnBrk="1" latinLnBrk="0" hangingPunct="1">
+              <a:lnSpc>
+                <a:spcPct val="90000"/>
+              </a:lnSpc>
+              <a:spcBef>
+                <a:spcPts val="500"/>
+              </a:spcBef>
+              <a:buFont typeface="Arial" panose="020B0604020202020204" pitchFamily="34" charset="0"/>
+              <a:buChar char="•"/>
+              <a:defRPr sz="1800" kern="1200">
+                <a:solidFill>
+                  <a:schemeClr val="tx1"/>
+                </a:solidFill>
+                <a:latin typeface="+mn-lt"/>
+                <a:ea typeface="+mn-ea"/>
+                <a:cs typeface="+mn-cs"/>
+              </a:defRPr>
+            </a:lvl8pPr>
+            <a:lvl9pPr marL="3886200" indent="-228600" algn="l" defTabSz="914400" rtl="0" eaLnBrk="1" latinLnBrk="0" hangingPunct="1">
+              <a:lnSpc>
+                <a:spcPct val="90000"/>
+              </a:lnSpc>
+              <a:spcBef>
+                <a:spcPts val="500"/>
+              </a:spcBef>
+              <a:buFont typeface="Arial" panose="020B0604020202020204" pitchFamily="34" charset="0"/>
+              <a:buChar char="•"/>
+              <a:defRPr sz="1800" kern="1200">
+                <a:solidFill>
+                  <a:schemeClr val="tx1"/>
+                </a:solidFill>
+                <a:latin typeface="+mn-lt"/>
+                <a:ea typeface="+mn-ea"/>
+                <a:cs typeface="+mn-cs"/>
+              </a:defRPr>
+            </a:lvl9pPr>
+          </a:lstStyle>
+          <a:p>
+            <a:r>
+              <a:rPr lang="en-US" dirty="0"/>
+              <a:t>XV6</a:t>
+            </a:r>
+          </a:p>
+        </p:txBody>
+      </p:sp>
+    </p:spTree>
+    <p:extLst>
+      <p:ext uri="{BB962C8B-B14F-4D97-AF65-F5344CB8AC3E}">
+        <p14:creationId xmlns:p14="http://schemas.microsoft.com/office/powerpoint/2010/main" val="2678172871"/>
+      </p:ext>
+    </p:extLst>
+  </p:cSld>
+  <p:clrMapOvr>
+    <a:masterClrMapping/>
+  </p:clrMapOvr>
+</p:sld>
+</file>
+
+<file path=ppt/slides/slide12.xml><?xml version="1.0" encoding="utf-8"?>
+<p:sld xmlns:a="http://schemas.openxmlformats.org/drawingml/2006/main" xmlns:r="http://schemas.openxmlformats.org/officeDocument/2006/relationships" xmlns:p="http://schemas.openxmlformats.org/presentationml/2006/main">
+  <p:cSld>
+    <p:spTree>
+      <p:nvGrpSpPr>
+        <p:cNvPr id="1" name=""/>
+        <p:cNvGrpSpPr/>
+        <p:nvPr/>
+      </p:nvGrpSpPr>
+      <p:grpSpPr>
+        <a:xfrm>
+          <a:off x="0" y="0"/>
+          <a:ext cx="0" cy="0"/>
+          <a:chOff x="0" y="0"/>
+          <a:chExt cx="0" cy="0"/>
+        </a:xfrm>
+      </p:grpSpPr>
+      <p:sp>
+        <p:nvSpPr>
+          <p:cNvPr id="3" name="Titolo 2">
+            <a:extLst>
+              <a:ext uri="{FF2B5EF4-FFF2-40B4-BE49-F238E27FC236}">
+                <a16:creationId xmlns:a16="http://schemas.microsoft.com/office/drawing/2014/main" id="{B9054134-716F-1CBD-D466-A5813A3D817F}"/>
+              </a:ext>
+            </a:extLst>
+          </p:cNvPr>
+          <p:cNvSpPr>
+            <a:spLocks noGrp="1"/>
+          </p:cNvSpPr>
+          <p:nvPr>
+            <p:ph type="title"/>
+          </p:nvPr>
+        </p:nvSpPr>
+        <p:spPr>
+          <a:xfrm>
+            <a:off x="952499" y="646310"/>
+            <a:ext cx="4941477" cy="610863"/>
+          </a:xfrm>
+        </p:spPr>
+        <p:txBody>
+          <a:bodyPr>
+            <a:normAutofit fontScale="90000"/>
+          </a:bodyPr>
+          <a:lstStyle/>
+          <a:p>
+            <a:r>
+              <a:rPr lang="en-US" dirty="0"/>
+              <a:t>SPINLOCK_ACQUIRE</a:t>
+            </a:r>
+          </a:p>
+        </p:txBody>
+      </p:sp>
+      <p:sp>
+        <p:nvSpPr>
+          <p:cNvPr id="4" name="Segnaposto testo 3">
+            <a:extLst>
+              <a:ext uri="{FF2B5EF4-FFF2-40B4-BE49-F238E27FC236}">
+                <a16:creationId xmlns:a16="http://schemas.microsoft.com/office/drawing/2014/main" id="{FE7B1D6D-BD82-2AD6-2E20-AB168A315F39}"/>
+              </a:ext>
+            </a:extLst>
+          </p:cNvPr>
+          <p:cNvSpPr>
+            <a:spLocks noGrp="1"/>
+          </p:cNvSpPr>
+          <p:nvPr>
+            <p:ph type="body" sz="quarter" idx="11"/>
+          </p:nvPr>
+        </p:nvSpPr>
+        <p:spPr/>
+        <p:txBody>
+          <a:bodyPr/>
+          <a:lstStyle/>
+          <a:p>
+            <a:r>
+              <a:rPr lang="en-US" sz="2400" dirty="0"/>
+              <a:t>OS161</a:t>
+            </a:r>
+          </a:p>
+          <a:p>
+            <a:pPr marL="285750" indent="-285750">
+              <a:buFont typeface="Arial" panose="020B0604020202020204" pitchFamily="34" charset="0"/>
+              <a:buChar char="•"/>
+            </a:pPr>
+            <a:r>
+              <a:rPr lang="en-US" dirty="0"/>
+              <a:t>Test + </a:t>
+            </a:r>
+            <a:r>
+              <a:rPr lang="en-US" dirty="0" err="1"/>
+              <a:t>test_and_set</a:t>
+            </a:r>
+            <a:endParaRPr lang="en-US" dirty="0"/>
+          </a:p>
+        </p:txBody>
+      </p:sp>
+      <p:sp>
+        <p:nvSpPr>
+          <p:cNvPr id="5" name="Segnaposto piè di pagina 4">
+            <a:extLst>
+              <a:ext uri="{FF2B5EF4-FFF2-40B4-BE49-F238E27FC236}">
+                <a16:creationId xmlns:a16="http://schemas.microsoft.com/office/drawing/2014/main" id="{03C001CA-E2A8-7CFD-414C-A2FDAEBF1FC9}"/>
+              </a:ext>
+            </a:extLst>
+          </p:cNvPr>
+          <p:cNvSpPr>
+            <a:spLocks noGrp="1"/>
+          </p:cNvSpPr>
+          <p:nvPr>
+            <p:ph type="ftr" sz="quarter" idx="15"/>
+          </p:nvPr>
+        </p:nvSpPr>
+        <p:spPr>
+          <a:xfrm>
+            <a:off x="1494789" y="6332220"/>
+            <a:ext cx="2552277" cy="247651"/>
+          </a:xfrm>
+        </p:spPr>
+        <p:txBody>
+          <a:bodyPr/>
+          <a:lstStyle/>
+          <a:p>
+            <a:r>
+              <a:rPr lang="it-IT" b="0" dirty="0"/>
+              <a:t>Programmazione</a:t>
+            </a:r>
+            <a:r>
+              <a:rPr lang="en-US" b="0" dirty="0"/>
+              <a:t> di Sistema – 2023/24</a:t>
+            </a:r>
+          </a:p>
+        </p:txBody>
+      </p:sp>
+      <p:sp>
+        <p:nvSpPr>
+          <p:cNvPr id="6" name="Segnaposto numero diapositiva 5">
+            <a:extLst>
+              <a:ext uri="{FF2B5EF4-FFF2-40B4-BE49-F238E27FC236}">
+                <a16:creationId xmlns:a16="http://schemas.microsoft.com/office/drawing/2014/main" id="{333800D2-0446-E7C1-8ED8-FC146DDB7BBE}"/>
+              </a:ext>
+            </a:extLst>
+          </p:cNvPr>
+          <p:cNvSpPr>
+            <a:spLocks noGrp="1"/>
+          </p:cNvSpPr>
+          <p:nvPr>
+            <p:ph type="sldNum" sz="quarter" idx="16"/>
+          </p:nvPr>
+        </p:nvSpPr>
+        <p:spPr/>
+        <p:txBody>
+          <a:bodyPr/>
+          <a:lstStyle/>
+          <a:p>
+            <a:fld id="{294A09A9-5501-47C1-A89A-A340965A2BE2}" type="slidenum">
+              <a:rPr lang="en-US" smtClean="0"/>
+              <a:pPr/>
+              <a:t>12</a:t>
+            </a:fld>
+            <a:endParaRPr lang="en-US" dirty="0">
+              <a:latin typeface="+mn-lt"/>
+            </a:endParaRPr>
+          </a:p>
+        </p:txBody>
+      </p:sp>
+      <p:pic>
+        <p:nvPicPr>
+          <p:cNvPr id="10" name="Immagine 9" descr="Immagine che contiene testo, schermata, software, Software multimediale&#10;&#10;Descrizione generata automaticamente">
+            <a:extLst>
+              <a:ext uri="{FF2B5EF4-FFF2-40B4-BE49-F238E27FC236}">
+                <a16:creationId xmlns:a16="http://schemas.microsoft.com/office/drawing/2014/main" id="{60986103-95D1-6AC9-4DFE-D6FE333048F5}"/>
+              </a:ext>
+            </a:extLst>
+          </p:cNvPr>
+          <p:cNvPicPr>
+            <a:picLocks noChangeAspect="1"/>
+          </p:cNvPicPr>
+          <p:nvPr/>
+        </p:nvPicPr>
+        <p:blipFill>
+          <a:blip r:embed="rId2"/>
+          <a:stretch>
+            <a:fillRect/>
+          </a:stretch>
+        </p:blipFill>
+        <p:spPr>
+          <a:xfrm>
+            <a:off x="5097518" y="1420334"/>
+            <a:ext cx="6793624" cy="5159538"/>
+          </a:xfrm>
+          <a:prstGeom prst="rect">
+            <a:avLst/>
+          </a:prstGeom>
+        </p:spPr>
+      </p:pic>
+    </p:spTree>
+    <p:extLst>
+      <p:ext uri="{BB962C8B-B14F-4D97-AF65-F5344CB8AC3E}">
+        <p14:creationId xmlns:p14="http://schemas.microsoft.com/office/powerpoint/2010/main" val="3999717768"/>
+      </p:ext>
+    </p:extLst>
+  </p:cSld>
+  <p:clrMapOvr>
+    <a:masterClrMapping/>
+  </p:clrMapOvr>
+</p:sld>
+</file>
+
+<file path=ppt/slides/slide13.xml><?xml version="1.0" encoding="utf-8"?>
+<p:sld xmlns:a="http://schemas.openxmlformats.org/drawingml/2006/main" xmlns:r="http://schemas.openxmlformats.org/officeDocument/2006/relationships" xmlns:p="http://schemas.openxmlformats.org/presentationml/2006/main">
+  <p:cSld>
+    <p:spTree>
+      <p:nvGrpSpPr>
+        <p:cNvPr id="1" name=""/>
+        <p:cNvGrpSpPr/>
+        <p:nvPr/>
+      </p:nvGrpSpPr>
+      <p:grpSpPr>
+        <a:xfrm>
+          <a:off x="0" y="0"/>
+          <a:ext cx="0" cy="0"/>
+          <a:chOff x="0" y="0"/>
+          <a:chExt cx="0" cy="0"/>
+        </a:xfrm>
+      </p:grpSpPr>
+      <p:sp>
+        <p:nvSpPr>
+          <p:cNvPr id="3" name="Titolo 2">
+            <a:extLst>
+              <a:ext uri="{FF2B5EF4-FFF2-40B4-BE49-F238E27FC236}">
+                <a16:creationId xmlns:a16="http://schemas.microsoft.com/office/drawing/2014/main" id="{B9054134-716F-1CBD-D466-A5813A3D817F}"/>
+              </a:ext>
+            </a:extLst>
+          </p:cNvPr>
+          <p:cNvSpPr>
+            <a:spLocks noGrp="1"/>
+          </p:cNvSpPr>
+          <p:nvPr>
+            <p:ph type="title"/>
+          </p:nvPr>
+        </p:nvSpPr>
+        <p:spPr>
+          <a:xfrm>
+            <a:off x="952499" y="646310"/>
+            <a:ext cx="4941477" cy="610863"/>
+          </a:xfrm>
+        </p:spPr>
+        <p:txBody>
+          <a:bodyPr>
+            <a:normAutofit fontScale="90000"/>
+          </a:bodyPr>
+          <a:lstStyle/>
+          <a:p>
+            <a:r>
+              <a:rPr lang="en-US" dirty="0"/>
+              <a:t>SPINLOCK_ACQUIRE</a:t>
+            </a:r>
+          </a:p>
+        </p:txBody>
+      </p:sp>
+      <p:sp>
+        <p:nvSpPr>
+          <p:cNvPr id="4" name="Segnaposto testo 3">
+            <a:extLst>
+              <a:ext uri="{FF2B5EF4-FFF2-40B4-BE49-F238E27FC236}">
+                <a16:creationId xmlns:a16="http://schemas.microsoft.com/office/drawing/2014/main" id="{FE7B1D6D-BD82-2AD6-2E20-AB168A315F39}"/>
+              </a:ext>
+            </a:extLst>
+          </p:cNvPr>
+          <p:cNvSpPr>
+            <a:spLocks noGrp="1"/>
+          </p:cNvSpPr>
+          <p:nvPr>
+            <p:ph type="body" sz="quarter" idx="11"/>
+          </p:nvPr>
+        </p:nvSpPr>
+        <p:spPr/>
+        <p:txBody>
+          <a:bodyPr/>
+          <a:lstStyle/>
+          <a:p>
+            <a:r>
+              <a:rPr lang="en-US" sz="2400" dirty="0"/>
+              <a:t>XV6</a:t>
+            </a:r>
+          </a:p>
+          <a:p>
+            <a:pPr marL="285750" indent="-285750">
+              <a:buFont typeface="Arial" panose="020B0604020202020204" pitchFamily="34" charset="0"/>
+              <a:buChar char="•"/>
+            </a:pPr>
+            <a:r>
+              <a:rPr lang="en-US" dirty="0" err="1"/>
+              <a:t>Test_and_set</a:t>
+            </a:r>
+            <a:endParaRPr lang="en-US" dirty="0"/>
+          </a:p>
+        </p:txBody>
+      </p:sp>
+      <p:sp>
+        <p:nvSpPr>
+          <p:cNvPr id="5" name="Segnaposto piè di pagina 4">
+            <a:extLst>
+              <a:ext uri="{FF2B5EF4-FFF2-40B4-BE49-F238E27FC236}">
+                <a16:creationId xmlns:a16="http://schemas.microsoft.com/office/drawing/2014/main" id="{03C001CA-E2A8-7CFD-414C-A2FDAEBF1FC9}"/>
+              </a:ext>
+            </a:extLst>
+          </p:cNvPr>
+          <p:cNvSpPr>
+            <a:spLocks noGrp="1"/>
+          </p:cNvSpPr>
+          <p:nvPr>
+            <p:ph type="ftr" sz="quarter" idx="15"/>
+          </p:nvPr>
+        </p:nvSpPr>
+        <p:spPr>
+          <a:xfrm>
+            <a:off x="1494789" y="6332220"/>
+            <a:ext cx="2552277" cy="247651"/>
+          </a:xfrm>
+        </p:spPr>
+        <p:txBody>
+          <a:bodyPr/>
+          <a:lstStyle/>
+          <a:p>
+            <a:r>
+              <a:rPr lang="it-IT" b="0" dirty="0"/>
+              <a:t>Programmazione</a:t>
+            </a:r>
+            <a:r>
+              <a:rPr lang="en-US" b="0" dirty="0"/>
+              <a:t> di Sistema – 2023/24</a:t>
+            </a:r>
+          </a:p>
+        </p:txBody>
+      </p:sp>
+      <p:sp>
+        <p:nvSpPr>
+          <p:cNvPr id="6" name="Segnaposto numero diapositiva 5">
+            <a:extLst>
+              <a:ext uri="{FF2B5EF4-FFF2-40B4-BE49-F238E27FC236}">
+                <a16:creationId xmlns:a16="http://schemas.microsoft.com/office/drawing/2014/main" id="{333800D2-0446-E7C1-8ED8-FC146DDB7BBE}"/>
+              </a:ext>
+            </a:extLst>
+          </p:cNvPr>
+          <p:cNvSpPr>
+            <a:spLocks noGrp="1"/>
+          </p:cNvSpPr>
+          <p:nvPr>
+            <p:ph type="sldNum" sz="quarter" idx="16"/>
+          </p:nvPr>
+        </p:nvSpPr>
+        <p:spPr/>
+        <p:txBody>
+          <a:bodyPr/>
+          <a:lstStyle/>
+          <a:p>
+            <a:fld id="{294A09A9-5501-47C1-A89A-A340965A2BE2}" type="slidenum">
+              <a:rPr lang="en-US" smtClean="0"/>
+              <a:pPr/>
+              <a:t>13</a:t>
+            </a:fld>
+            <a:endParaRPr lang="en-US" dirty="0">
+              <a:latin typeface="+mn-lt"/>
+            </a:endParaRPr>
+          </a:p>
+        </p:txBody>
+      </p:sp>
+      <p:pic>
+        <p:nvPicPr>
+          <p:cNvPr id="2" name="Immagine 1" descr="Immagine che contiene testo, schermata, software, Software multimediale&#10;&#10;Descrizione generata automaticamente">
+            <a:extLst>
+              <a:ext uri="{FF2B5EF4-FFF2-40B4-BE49-F238E27FC236}">
+                <a16:creationId xmlns:a16="http://schemas.microsoft.com/office/drawing/2014/main" id="{BB1AD84A-EAC1-4146-9968-582042EE7CD7}"/>
+              </a:ext>
+            </a:extLst>
+          </p:cNvPr>
+          <p:cNvPicPr>
+            <a:picLocks noChangeAspect="1"/>
+          </p:cNvPicPr>
+          <p:nvPr/>
+        </p:nvPicPr>
+        <p:blipFill>
+          <a:blip r:embed="rId2"/>
+          <a:stretch>
+            <a:fillRect/>
+          </a:stretch>
+        </p:blipFill>
+        <p:spPr>
+          <a:xfrm>
+            <a:off x="4427998" y="1967407"/>
+            <a:ext cx="7479894" cy="4244283"/>
+          </a:xfrm>
+          <a:prstGeom prst="rect">
+            <a:avLst/>
+          </a:prstGeom>
+        </p:spPr>
+      </p:pic>
+    </p:spTree>
+    <p:extLst>
+      <p:ext uri="{BB962C8B-B14F-4D97-AF65-F5344CB8AC3E}">
+        <p14:creationId xmlns:p14="http://schemas.microsoft.com/office/powerpoint/2010/main" val="2869476278"/>
+      </p:ext>
+    </p:extLst>
+  </p:cSld>
+  <p:clrMapOvr>
+    <a:masterClrMapping/>
+  </p:clrMapOvr>
+</p:sld>
+</file>
+
+<file path=ppt/slides/slide14.xml><?xml version="1.0" encoding="utf-8"?>
+<p:sld xmlns:a="http://schemas.openxmlformats.org/drawingml/2006/main" xmlns:r="http://schemas.openxmlformats.org/officeDocument/2006/relationships" xmlns:p="http://schemas.openxmlformats.org/presentationml/2006/main">
+  <p:cSld>
+    <p:spTree>
+      <p:nvGrpSpPr>
+        <p:cNvPr id="1" name=""/>
+        <p:cNvGrpSpPr/>
+        <p:nvPr/>
+      </p:nvGrpSpPr>
+      <p:grpSpPr>
+        <a:xfrm>
+          <a:off x="0" y="0"/>
+          <a:ext cx="0" cy="0"/>
+          <a:chOff x="0" y="0"/>
+          <a:chExt cx="0" cy="0"/>
+        </a:xfrm>
+      </p:grpSpPr>
+      <p:sp>
+        <p:nvSpPr>
+          <p:cNvPr id="3" name="Titolo 2">
+            <a:extLst>
+              <a:ext uri="{FF2B5EF4-FFF2-40B4-BE49-F238E27FC236}">
+                <a16:creationId xmlns:a16="http://schemas.microsoft.com/office/drawing/2014/main" id="{B9054134-716F-1CBD-D466-A5813A3D817F}"/>
+              </a:ext>
+            </a:extLst>
+          </p:cNvPr>
+          <p:cNvSpPr>
+            <a:spLocks noGrp="1"/>
+          </p:cNvSpPr>
+          <p:nvPr>
+            <p:ph type="title"/>
+          </p:nvPr>
+        </p:nvSpPr>
+        <p:spPr>
+          <a:xfrm>
+            <a:off x="952499" y="646310"/>
+            <a:ext cx="4941477" cy="610863"/>
+          </a:xfrm>
+        </p:spPr>
+        <p:txBody>
+          <a:bodyPr>
+            <a:normAutofit fontScale="90000"/>
+          </a:bodyPr>
+          <a:lstStyle/>
+          <a:p>
+            <a:r>
+              <a:rPr lang="en-US" dirty="0"/>
+              <a:t>SPINLOCK_RELEASE</a:t>
+            </a:r>
+          </a:p>
+        </p:txBody>
+      </p:sp>
+      <p:sp>
+        <p:nvSpPr>
+          <p:cNvPr id="4" name="Segnaposto testo 3">
+            <a:extLst>
+              <a:ext uri="{FF2B5EF4-FFF2-40B4-BE49-F238E27FC236}">
+                <a16:creationId xmlns:a16="http://schemas.microsoft.com/office/drawing/2014/main" id="{FE7B1D6D-BD82-2AD6-2E20-AB168A315F39}"/>
+              </a:ext>
+            </a:extLst>
+          </p:cNvPr>
+          <p:cNvSpPr>
+            <a:spLocks noGrp="1"/>
+          </p:cNvSpPr>
+          <p:nvPr>
+            <p:ph type="body" sz="quarter" idx="11"/>
+          </p:nvPr>
+        </p:nvSpPr>
+        <p:spPr/>
+        <p:txBody>
+          <a:bodyPr/>
+          <a:lstStyle/>
+          <a:p>
+            <a:r>
+              <a:rPr lang="en-US" sz="2400" dirty="0"/>
+              <a:t>OS161</a:t>
+            </a:r>
+          </a:p>
+        </p:txBody>
+      </p:sp>
+      <p:sp>
+        <p:nvSpPr>
+          <p:cNvPr id="5" name="Segnaposto piè di pagina 4">
+            <a:extLst>
+              <a:ext uri="{FF2B5EF4-FFF2-40B4-BE49-F238E27FC236}">
+                <a16:creationId xmlns:a16="http://schemas.microsoft.com/office/drawing/2014/main" id="{03C001CA-E2A8-7CFD-414C-A2FDAEBF1FC9}"/>
+              </a:ext>
+            </a:extLst>
+          </p:cNvPr>
+          <p:cNvSpPr>
+            <a:spLocks noGrp="1"/>
+          </p:cNvSpPr>
+          <p:nvPr>
+            <p:ph type="ftr" sz="quarter" idx="15"/>
+          </p:nvPr>
+        </p:nvSpPr>
+        <p:spPr>
+          <a:xfrm>
+            <a:off x="1494789" y="6332220"/>
+            <a:ext cx="2552277" cy="247651"/>
+          </a:xfrm>
+        </p:spPr>
+        <p:txBody>
+          <a:bodyPr/>
+          <a:lstStyle/>
+          <a:p>
+            <a:r>
+              <a:rPr lang="it-IT" b="0" dirty="0"/>
+              <a:t>Programmazione</a:t>
+            </a:r>
+            <a:r>
+              <a:rPr lang="en-US" b="0" dirty="0"/>
+              <a:t> di Sistema – 2023/24</a:t>
+            </a:r>
+          </a:p>
+        </p:txBody>
+      </p:sp>
+      <p:sp>
+        <p:nvSpPr>
+          <p:cNvPr id="6" name="Segnaposto numero diapositiva 5">
+            <a:extLst>
+              <a:ext uri="{FF2B5EF4-FFF2-40B4-BE49-F238E27FC236}">
+                <a16:creationId xmlns:a16="http://schemas.microsoft.com/office/drawing/2014/main" id="{333800D2-0446-E7C1-8ED8-FC146DDB7BBE}"/>
+              </a:ext>
+            </a:extLst>
+          </p:cNvPr>
+          <p:cNvSpPr>
+            <a:spLocks noGrp="1"/>
+          </p:cNvSpPr>
+          <p:nvPr>
+            <p:ph type="sldNum" sz="quarter" idx="16"/>
+          </p:nvPr>
+        </p:nvSpPr>
+        <p:spPr/>
+        <p:txBody>
+          <a:bodyPr/>
+          <a:lstStyle/>
+          <a:p>
+            <a:fld id="{294A09A9-5501-47C1-A89A-A340965A2BE2}" type="slidenum">
+              <a:rPr lang="en-US" smtClean="0"/>
+              <a:pPr/>
+              <a:t>14</a:t>
+            </a:fld>
+            <a:endParaRPr lang="en-US" dirty="0">
+              <a:latin typeface="+mn-lt"/>
+            </a:endParaRPr>
+          </a:p>
+        </p:txBody>
+      </p:sp>
+      <p:pic>
+        <p:nvPicPr>
+          <p:cNvPr id="2" name="Immagine 1" descr="Immagine che contiene testo, schermata, software, Software multimediale&#10;&#10;Descrizione generata automaticamente">
+            <a:extLst>
+              <a:ext uri="{FF2B5EF4-FFF2-40B4-BE49-F238E27FC236}">
+                <a16:creationId xmlns:a16="http://schemas.microsoft.com/office/drawing/2014/main" id="{39EB4ACB-85F4-C8A2-D556-A36F57E36007}"/>
+              </a:ext>
+            </a:extLst>
+          </p:cNvPr>
+          <p:cNvPicPr>
+            <a:picLocks noChangeAspect="1"/>
+          </p:cNvPicPr>
+          <p:nvPr/>
+        </p:nvPicPr>
+        <p:blipFill>
+          <a:blip r:embed="rId2"/>
+          <a:stretch>
+            <a:fillRect/>
+          </a:stretch>
+        </p:blipFill>
+        <p:spPr>
+          <a:xfrm>
+            <a:off x="4704693" y="1835478"/>
+            <a:ext cx="7124700" cy="4102100"/>
+          </a:xfrm>
+          <a:prstGeom prst="rect">
+            <a:avLst/>
+          </a:prstGeom>
+        </p:spPr>
+      </p:pic>
+    </p:spTree>
+    <p:extLst>
+      <p:ext uri="{BB962C8B-B14F-4D97-AF65-F5344CB8AC3E}">
+        <p14:creationId xmlns:p14="http://schemas.microsoft.com/office/powerpoint/2010/main" val="1212693893"/>
+      </p:ext>
+    </p:extLst>
+  </p:cSld>
+  <p:clrMapOvr>
+    <a:masterClrMapping/>
+  </p:clrMapOvr>
+</p:sld>
+</file>
+
+<file path=ppt/slides/slide15.xml><?xml version="1.0" encoding="utf-8"?>
+<p:sld xmlns:a="http://schemas.openxmlformats.org/drawingml/2006/main" xmlns:r="http://schemas.openxmlformats.org/officeDocument/2006/relationships" xmlns:p="http://schemas.openxmlformats.org/presentationml/2006/main">
+  <p:cSld>
+    <p:spTree>
+      <p:nvGrpSpPr>
+        <p:cNvPr id="1" name=""/>
+        <p:cNvGrpSpPr/>
+        <p:nvPr/>
+      </p:nvGrpSpPr>
+      <p:grpSpPr>
+        <a:xfrm>
+          <a:off x="0" y="0"/>
+          <a:ext cx="0" cy="0"/>
+          <a:chOff x="0" y="0"/>
+          <a:chExt cx="0" cy="0"/>
+        </a:xfrm>
+      </p:grpSpPr>
+      <p:sp>
+        <p:nvSpPr>
+          <p:cNvPr id="3" name="Titolo 2">
+            <a:extLst>
+              <a:ext uri="{FF2B5EF4-FFF2-40B4-BE49-F238E27FC236}">
+                <a16:creationId xmlns:a16="http://schemas.microsoft.com/office/drawing/2014/main" id="{B9054134-716F-1CBD-D466-A5813A3D817F}"/>
+              </a:ext>
+            </a:extLst>
+          </p:cNvPr>
+          <p:cNvSpPr>
+            <a:spLocks noGrp="1"/>
+          </p:cNvSpPr>
+          <p:nvPr>
+            <p:ph type="title"/>
+          </p:nvPr>
+        </p:nvSpPr>
+        <p:spPr>
+          <a:xfrm>
+            <a:off x="952499" y="646310"/>
+            <a:ext cx="4941477" cy="610863"/>
+          </a:xfrm>
+        </p:spPr>
+        <p:txBody>
+          <a:bodyPr>
+            <a:normAutofit fontScale="90000"/>
+          </a:bodyPr>
+          <a:lstStyle/>
+          <a:p>
+            <a:r>
+              <a:rPr lang="en-US" dirty="0"/>
+              <a:t>SPINLOCK_RELEASE</a:t>
+            </a:r>
+          </a:p>
+        </p:txBody>
+      </p:sp>
+      <p:sp>
+        <p:nvSpPr>
+          <p:cNvPr id="4" name="Segnaposto testo 3">
+            <a:extLst>
+              <a:ext uri="{FF2B5EF4-FFF2-40B4-BE49-F238E27FC236}">
+                <a16:creationId xmlns:a16="http://schemas.microsoft.com/office/drawing/2014/main" id="{FE7B1D6D-BD82-2AD6-2E20-AB168A315F39}"/>
+              </a:ext>
+            </a:extLst>
+          </p:cNvPr>
+          <p:cNvSpPr>
+            <a:spLocks noGrp="1"/>
+          </p:cNvSpPr>
+          <p:nvPr>
+            <p:ph type="body" sz="quarter" idx="11"/>
+          </p:nvPr>
+        </p:nvSpPr>
+        <p:spPr/>
+        <p:txBody>
+          <a:bodyPr/>
+          <a:lstStyle/>
+          <a:p>
+            <a:r>
+              <a:rPr lang="en-US" sz="2400" dirty="0"/>
+              <a:t>XV6</a:t>
+            </a:r>
+          </a:p>
+        </p:txBody>
+      </p:sp>
+      <p:sp>
+        <p:nvSpPr>
+          <p:cNvPr id="5" name="Segnaposto piè di pagina 4">
+            <a:extLst>
+              <a:ext uri="{FF2B5EF4-FFF2-40B4-BE49-F238E27FC236}">
+                <a16:creationId xmlns:a16="http://schemas.microsoft.com/office/drawing/2014/main" id="{03C001CA-E2A8-7CFD-414C-A2FDAEBF1FC9}"/>
+              </a:ext>
+            </a:extLst>
+          </p:cNvPr>
+          <p:cNvSpPr>
+            <a:spLocks noGrp="1"/>
+          </p:cNvSpPr>
+          <p:nvPr>
+            <p:ph type="ftr" sz="quarter" idx="15"/>
+          </p:nvPr>
+        </p:nvSpPr>
+        <p:spPr>
+          <a:xfrm>
+            <a:off x="1494789" y="6332220"/>
+            <a:ext cx="2552277" cy="247651"/>
+          </a:xfrm>
+        </p:spPr>
+        <p:txBody>
+          <a:bodyPr/>
+          <a:lstStyle/>
+          <a:p>
+            <a:r>
+              <a:rPr lang="it-IT" b="0" dirty="0"/>
+              <a:t>Programmazione</a:t>
+            </a:r>
+            <a:r>
+              <a:rPr lang="en-US" b="0" dirty="0"/>
+              <a:t> di Sistema – 2023/24</a:t>
+            </a:r>
+          </a:p>
+        </p:txBody>
+      </p:sp>
+      <p:sp>
+        <p:nvSpPr>
+          <p:cNvPr id="6" name="Segnaposto numero diapositiva 5">
+            <a:extLst>
+              <a:ext uri="{FF2B5EF4-FFF2-40B4-BE49-F238E27FC236}">
+                <a16:creationId xmlns:a16="http://schemas.microsoft.com/office/drawing/2014/main" id="{333800D2-0446-E7C1-8ED8-FC146DDB7BBE}"/>
+              </a:ext>
+            </a:extLst>
+          </p:cNvPr>
+          <p:cNvSpPr>
+            <a:spLocks noGrp="1"/>
+          </p:cNvSpPr>
+          <p:nvPr>
+            <p:ph type="sldNum" sz="quarter" idx="16"/>
+          </p:nvPr>
+        </p:nvSpPr>
+        <p:spPr/>
+        <p:txBody>
+          <a:bodyPr/>
+          <a:lstStyle/>
+          <a:p>
+            <a:fld id="{294A09A9-5501-47C1-A89A-A340965A2BE2}" type="slidenum">
+              <a:rPr lang="en-US" smtClean="0"/>
+              <a:pPr/>
+              <a:t>15</a:t>
+            </a:fld>
+            <a:endParaRPr lang="en-US" dirty="0">
+              <a:latin typeface="+mn-lt"/>
+            </a:endParaRPr>
+          </a:p>
+        </p:txBody>
+      </p:sp>
+      <p:pic>
+        <p:nvPicPr>
+          <p:cNvPr id="7" name="Immagine 6" descr="Immagine che contiene testo, schermata, software, Software multimediale&#10;&#10;Descrizione generata automaticamente">
+            <a:extLst>
+              <a:ext uri="{FF2B5EF4-FFF2-40B4-BE49-F238E27FC236}">
+                <a16:creationId xmlns:a16="http://schemas.microsoft.com/office/drawing/2014/main" id="{7E2B7D20-51C1-7739-7013-4F389E0F13E0}"/>
+              </a:ext>
+            </a:extLst>
+          </p:cNvPr>
+          <p:cNvPicPr>
+            <a:picLocks noChangeAspect="1"/>
+          </p:cNvPicPr>
+          <p:nvPr/>
+        </p:nvPicPr>
+        <p:blipFill>
+          <a:blip r:embed="rId2"/>
+          <a:stretch>
+            <a:fillRect/>
+          </a:stretch>
+        </p:blipFill>
+        <p:spPr>
+          <a:xfrm>
+            <a:off x="4047066" y="1904793"/>
+            <a:ext cx="7772400" cy="3167399"/>
+          </a:xfrm>
+          <a:prstGeom prst="rect">
+            <a:avLst/>
+          </a:prstGeom>
+        </p:spPr>
+      </p:pic>
+    </p:spTree>
+    <p:extLst>
+      <p:ext uri="{BB962C8B-B14F-4D97-AF65-F5344CB8AC3E}">
+        <p14:creationId xmlns:p14="http://schemas.microsoft.com/office/powerpoint/2010/main" val="370736181"/>
+      </p:ext>
+    </p:extLst>
+  </p:cSld>
+  <p:clrMapOvr>
+    <a:masterClrMapping/>
+  </p:clrMapOvr>
+</p:sld>
+</file>
+
+<file path=ppt/slides/slide16.xml><?xml version="1.0" encoding="utf-8"?>
+<p:sld xmlns:a="http://schemas.openxmlformats.org/drawingml/2006/main" xmlns:r="http://schemas.openxmlformats.org/officeDocument/2006/relationships" xmlns:p="http://schemas.openxmlformats.org/presentationml/2006/main">
+  <p:cSld>
+    <p:spTree>
+      <p:nvGrpSpPr>
+        <p:cNvPr id="1" name=""/>
+        <p:cNvGrpSpPr/>
+        <p:nvPr/>
+      </p:nvGrpSpPr>
+      <p:grpSpPr>
+        <a:xfrm>
+          <a:off x="0" y="0"/>
+          <a:ext cx="0" cy="0"/>
+          <a:chOff x="0" y="0"/>
+          <a:chExt cx="0" cy="0"/>
+        </a:xfrm>
+      </p:grpSpPr>
+      <p:sp>
+        <p:nvSpPr>
+          <p:cNvPr id="3" name="Titolo 2">
+            <a:extLst>
+              <a:ext uri="{FF2B5EF4-FFF2-40B4-BE49-F238E27FC236}">
+                <a16:creationId xmlns:a16="http://schemas.microsoft.com/office/drawing/2014/main" id="{B9054134-716F-1CBD-D466-A5813A3D817F}"/>
+              </a:ext>
+            </a:extLst>
+          </p:cNvPr>
+          <p:cNvSpPr>
+            <a:spLocks noGrp="1"/>
+          </p:cNvSpPr>
+          <p:nvPr>
+            <p:ph type="title"/>
+          </p:nvPr>
+        </p:nvSpPr>
+        <p:spPr/>
+        <p:txBody>
+          <a:bodyPr>
+            <a:normAutofit fontScale="90000"/>
+          </a:bodyPr>
+          <a:lstStyle/>
+          <a:p>
+            <a:r>
+              <a:rPr lang="en-US" dirty="0" err="1"/>
+              <a:t>Meccanismi</a:t>
+            </a:r>
+            <a:r>
+              <a:rPr lang="en-US" dirty="0"/>
+              <a:t> di </a:t>
+            </a:r>
+            <a:r>
+              <a:rPr lang="en-US" dirty="0" err="1"/>
+              <a:t>sincronizzazione</a:t>
+            </a:r>
+            <a:endParaRPr lang="en-US" dirty="0"/>
+          </a:p>
+        </p:txBody>
+      </p:sp>
+      <p:sp>
+        <p:nvSpPr>
+          <p:cNvPr id="4" name="Segnaposto testo 3">
+            <a:extLst>
+              <a:ext uri="{FF2B5EF4-FFF2-40B4-BE49-F238E27FC236}">
+                <a16:creationId xmlns:a16="http://schemas.microsoft.com/office/drawing/2014/main" id="{FE7B1D6D-BD82-2AD6-2E20-AB168A315F39}"/>
+              </a:ext>
+            </a:extLst>
+          </p:cNvPr>
+          <p:cNvSpPr>
+            <a:spLocks noGrp="1"/>
+          </p:cNvSpPr>
+          <p:nvPr>
+            <p:ph type="body" sz="quarter" idx="11"/>
+          </p:nvPr>
+        </p:nvSpPr>
+        <p:spPr/>
+        <p:txBody>
+          <a:bodyPr/>
+          <a:lstStyle/>
+          <a:p>
+            <a:r>
+              <a:rPr lang="en-US" sz="2400" dirty="0"/>
+              <a:t>WAIT CHANNELS</a:t>
+            </a:r>
+          </a:p>
+          <a:p>
+            <a:r>
+              <a:rPr lang="en-US" sz="2400" dirty="0"/>
+              <a:t>OS161</a:t>
+            </a:r>
+          </a:p>
+          <a:p>
+            <a:pPr marL="342900" indent="-342900">
+              <a:buFont typeface="Arial" panose="020B0604020202020204" pitchFamily="34" charset="0"/>
+              <a:buChar char="•"/>
+            </a:pPr>
+            <a:r>
+              <a:rPr lang="en-US" dirty="0"/>
+              <a:t>Struct vera e propria</a:t>
+            </a:r>
+          </a:p>
+          <a:p>
+            <a:r>
+              <a:rPr lang="en-US" sz="2400" dirty="0"/>
+              <a:t>XV6</a:t>
+            </a:r>
+          </a:p>
+          <a:p>
+            <a:pPr marL="285750" indent="-285750">
+              <a:buFont typeface="Arial" panose="020B0604020202020204" pitchFamily="34" charset="0"/>
+              <a:buChar char="•"/>
+            </a:pPr>
+            <a:r>
+              <a:rPr lang="en-US" dirty="0"/>
+              <a:t>Campo </a:t>
+            </a:r>
+            <a:r>
+              <a:rPr lang="en-US" dirty="0" err="1"/>
+              <a:t>nella</a:t>
+            </a:r>
+            <a:r>
+              <a:rPr lang="en-US" dirty="0"/>
+              <a:t> struct proc</a:t>
+            </a:r>
+          </a:p>
+        </p:txBody>
+      </p:sp>
+      <p:sp>
+        <p:nvSpPr>
+          <p:cNvPr id="5" name="Segnaposto piè di pagina 4">
+            <a:extLst>
+              <a:ext uri="{FF2B5EF4-FFF2-40B4-BE49-F238E27FC236}">
+                <a16:creationId xmlns:a16="http://schemas.microsoft.com/office/drawing/2014/main" id="{03C001CA-E2A8-7CFD-414C-A2FDAEBF1FC9}"/>
+              </a:ext>
+            </a:extLst>
+          </p:cNvPr>
+          <p:cNvSpPr>
+            <a:spLocks noGrp="1"/>
+          </p:cNvSpPr>
+          <p:nvPr>
+            <p:ph type="ftr" sz="quarter" idx="15"/>
+          </p:nvPr>
+        </p:nvSpPr>
+        <p:spPr>
+          <a:xfrm>
+            <a:off x="1494789" y="6332220"/>
+            <a:ext cx="2552277" cy="247651"/>
+          </a:xfrm>
+        </p:spPr>
+        <p:txBody>
+          <a:bodyPr/>
+          <a:lstStyle/>
+          <a:p>
+            <a:r>
+              <a:rPr lang="it-IT" b="0" dirty="0"/>
+              <a:t>Programmazione</a:t>
+            </a:r>
+            <a:r>
+              <a:rPr lang="en-US" b="0" dirty="0"/>
+              <a:t> di Sistema – 2023/24</a:t>
+            </a:r>
+          </a:p>
+        </p:txBody>
+      </p:sp>
+      <p:sp>
+        <p:nvSpPr>
+          <p:cNvPr id="6" name="Segnaposto numero diapositiva 5">
+            <a:extLst>
+              <a:ext uri="{FF2B5EF4-FFF2-40B4-BE49-F238E27FC236}">
+                <a16:creationId xmlns:a16="http://schemas.microsoft.com/office/drawing/2014/main" id="{333800D2-0446-E7C1-8ED8-FC146DDB7BBE}"/>
+              </a:ext>
+            </a:extLst>
+          </p:cNvPr>
+          <p:cNvSpPr>
+            <a:spLocks noGrp="1"/>
+          </p:cNvSpPr>
+          <p:nvPr>
+            <p:ph type="sldNum" sz="quarter" idx="16"/>
+          </p:nvPr>
+        </p:nvSpPr>
+        <p:spPr/>
+        <p:txBody>
+          <a:bodyPr/>
+          <a:lstStyle/>
+          <a:p>
+            <a:fld id="{294A09A9-5501-47C1-A89A-A340965A2BE2}" type="slidenum">
+              <a:rPr lang="en-US" smtClean="0"/>
+              <a:pPr/>
+              <a:t>16</a:t>
+            </a:fld>
+            <a:endParaRPr lang="en-US" dirty="0">
+              <a:latin typeface="+mn-lt"/>
+            </a:endParaRPr>
+          </a:p>
+        </p:txBody>
+      </p:sp>
+      <p:sp>
+        <p:nvSpPr>
+          <p:cNvPr id="9" name="Segnaposto testo 3">
+            <a:extLst>
+              <a:ext uri="{FF2B5EF4-FFF2-40B4-BE49-F238E27FC236}">
+                <a16:creationId xmlns:a16="http://schemas.microsoft.com/office/drawing/2014/main" id="{5443B68E-FE03-58B3-B5CD-576DD949444C}"/>
+              </a:ext>
+            </a:extLst>
+          </p:cNvPr>
+          <p:cNvSpPr txBox="1">
+            <a:spLocks/>
+          </p:cNvSpPr>
+          <p:nvPr/>
+        </p:nvSpPr>
+        <p:spPr>
+          <a:xfrm>
+            <a:off x="3955930" y="2328569"/>
+            <a:ext cx="871046" cy="295788"/>
+          </a:xfrm>
+          <a:prstGeom prst="rect">
+            <a:avLst/>
+          </a:prstGeom>
+        </p:spPr>
+        <p:txBody>
+          <a:bodyPr vert="horz" lIns="0" tIns="0" rIns="0" bIns="0" rtlCol="0">
+            <a:noAutofit/>
+          </a:bodyPr>
+          <a:lstStyle>
+            <a:lvl1pPr marL="0" indent="0" algn="l" defTabSz="914400" rtl="0" eaLnBrk="1" latinLnBrk="0" hangingPunct="1">
+              <a:lnSpc>
+                <a:spcPct val="100000"/>
+              </a:lnSpc>
+              <a:spcBef>
+                <a:spcPts val="1000"/>
+              </a:spcBef>
+              <a:buFont typeface="Arial" panose="020B0604020202020204" pitchFamily="34" charset="0"/>
+              <a:buNone/>
+              <a:defRPr sz="1600" b="0" i="0" kern="1200">
+                <a:solidFill>
+                  <a:schemeClr val="bg1"/>
+                </a:solidFill>
+                <a:latin typeface="+mn-lt"/>
+                <a:ea typeface="+mn-ea"/>
+                <a:cs typeface="+mn-cs"/>
+              </a:defRPr>
+            </a:lvl1pPr>
+            <a:lvl2pPr marL="685800" indent="-228600" algn="l" defTabSz="914400" rtl="0" eaLnBrk="1" latinLnBrk="0" hangingPunct="1">
+              <a:lnSpc>
+                <a:spcPct val="90000"/>
+              </a:lnSpc>
+              <a:spcBef>
+                <a:spcPts val="500"/>
+              </a:spcBef>
+              <a:buFont typeface="Arial" panose="020B0604020202020204" pitchFamily="34" charset="0"/>
+              <a:buChar char="•"/>
+              <a:defRPr sz="4000" b="0" i="0" kern="1200">
+                <a:solidFill>
+                  <a:schemeClr val="bg1"/>
+                </a:solidFill>
+                <a:latin typeface="+mn-lt"/>
+                <a:ea typeface="+mn-ea"/>
+                <a:cs typeface="+mn-cs"/>
+              </a:defRPr>
+            </a:lvl2pPr>
+            <a:lvl3pPr marL="1143000" indent="-228600" algn="l" defTabSz="914400" rtl="0" eaLnBrk="1" latinLnBrk="0" hangingPunct="1">
+              <a:lnSpc>
+                <a:spcPct val="90000"/>
+              </a:lnSpc>
+              <a:spcBef>
+                <a:spcPts val="500"/>
+              </a:spcBef>
+              <a:buFont typeface="Arial" panose="020B0604020202020204" pitchFamily="34" charset="0"/>
+              <a:buChar char="•"/>
+              <a:defRPr sz="4000" b="0" i="0" kern="1200">
+                <a:solidFill>
+                  <a:schemeClr val="bg1"/>
+                </a:solidFill>
+                <a:latin typeface="+mn-lt"/>
+                <a:ea typeface="+mn-ea"/>
+                <a:cs typeface="+mn-cs"/>
+              </a:defRPr>
+            </a:lvl3pPr>
+            <a:lvl4pPr marL="1600200" indent="-228600" algn="l" defTabSz="914400" rtl="0" eaLnBrk="1" latinLnBrk="0" hangingPunct="1">
+              <a:lnSpc>
+                <a:spcPct val="90000"/>
+              </a:lnSpc>
+              <a:spcBef>
+                <a:spcPts val="500"/>
+              </a:spcBef>
+              <a:buFont typeface="Arial" panose="020B0604020202020204" pitchFamily="34" charset="0"/>
+              <a:buChar char="•"/>
+              <a:defRPr sz="4000" b="0" i="0" kern="1200">
+                <a:solidFill>
+                  <a:schemeClr val="bg1"/>
+                </a:solidFill>
+                <a:latin typeface="+mn-lt"/>
+                <a:ea typeface="+mn-ea"/>
+                <a:cs typeface="+mn-cs"/>
+              </a:defRPr>
+            </a:lvl4pPr>
+            <a:lvl5pPr marL="2057400" indent="-228600" algn="l" defTabSz="914400" rtl="0" eaLnBrk="1" latinLnBrk="0" hangingPunct="1">
+              <a:lnSpc>
+                <a:spcPct val="90000"/>
+              </a:lnSpc>
+              <a:spcBef>
+                <a:spcPts val="500"/>
+              </a:spcBef>
+              <a:buFont typeface="Arial" panose="020B0604020202020204" pitchFamily="34" charset="0"/>
+              <a:buChar char="•"/>
+              <a:defRPr sz="4000" b="0" i="0" kern="1200">
+                <a:solidFill>
+                  <a:schemeClr val="bg1"/>
+                </a:solidFill>
+                <a:latin typeface="+mn-lt"/>
+                <a:ea typeface="+mn-ea"/>
+                <a:cs typeface="+mn-cs"/>
+              </a:defRPr>
+            </a:lvl5pPr>
+            <a:lvl6pPr marL="2514600" indent="-228600" algn="l" defTabSz="914400" rtl="0" eaLnBrk="1" latinLnBrk="0" hangingPunct="1">
+              <a:lnSpc>
+                <a:spcPct val="90000"/>
+              </a:lnSpc>
+              <a:spcBef>
+                <a:spcPts val="500"/>
+              </a:spcBef>
+              <a:buFont typeface="Arial" panose="020B0604020202020204" pitchFamily="34" charset="0"/>
+              <a:buChar char="•"/>
+              <a:defRPr sz="1800" kern="1200">
+                <a:solidFill>
+                  <a:schemeClr val="tx1"/>
+                </a:solidFill>
+                <a:latin typeface="+mn-lt"/>
+                <a:ea typeface="+mn-ea"/>
+                <a:cs typeface="+mn-cs"/>
+              </a:defRPr>
+            </a:lvl6pPr>
+            <a:lvl7pPr marL="2971800" indent="-228600" algn="l" defTabSz="914400" rtl="0" eaLnBrk="1" latinLnBrk="0" hangingPunct="1">
+              <a:lnSpc>
+                <a:spcPct val="90000"/>
+              </a:lnSpc>
+              <a:spcBef>
+                <a:spcPts val="500"/>
+              </a:spcBef>
+              <a:buFont typeface="Arial" panose="020B0604020202020204" pitchFamily="34" charset="0"/>
+              <a:buChar char="•"/>
+              <a:defRPr sz="1800" kern="1200">
+                <a:solidFill>
+                  <a:schemeClr val="tx1"/>
+                </a:solidFill>
+                <a:latin typeface="+mn-lt"/>
+                <a:ea typeface="+mn-ea"/>
+                <a:cs typeface="+mn-cs"/>
+              </a:defRPr>
+            </a:lvl7pPr>
+            <a:lvl8pPr marL="3429000" indent="-228600" algn="l" defTabSz="914400" rtl="0" eaLnBrk="1" latinLnBrk="0" hangingPunct="1">
+              <a:lnSpc>
+                <a:spcPct val="90000"/>
+              </a:lnSpc>
+              <a:spcBef>
+                <a:spcPts val="500"/>
+              </a:spcBef>
+              <a:buFont typeface="Arial" panose="020B0604020202020204" pitchFamily="34" charset="0"/>
+              <a:buChar char="•"/>
+              <a:defRPr sz="1800" kern="1200">
+                <a:solidFill>
+                  <a:schemeClr val="tx1"/>
+                </a:solidFill>
+                <a:latin typeface="+mn-lt"/>
+                <a:ea typeface="+mn-ea"/>
+                <a:cs typeface="+mn-cs"/>
+              </a:defRPr>
+            </a:lvl8pPr>
+            <a:lvl9pPr marL="3886200" indent="-228600" algn="l" defTabSz="914400" rtl="0" eaLnBrk="1" latinLnBrk="0" hangingPunct="1">
+              <a:lnSpc>
+                <a:spcPct val="90000"/>
+              </a:lnSpc>
+              <a:spcBef>
+                <a:spcPts val="500"/>
+              </a:spcBef>
+              <a:buFont typeface="Arial" panose="020B0604020202020204" pitchFamily="34" charset="0"/>
+              <a:buChar char="•"/>
+              <a:defRPr sz="1800" kern="1200">
+                <a:solidFill>
+                  <a:schemeClr val="tx1"/>
+                </a:solidFill>
+                <a:latin typeface="+mn-lt"/>
+                <a:ea typeface="+mn-ea"/>
+                <a:cs typeface="+mn-cs"/>
+              </a:defRPr>
+            </a:lvl9pPr>
+          </a:lstStyle>
+          <a:p>
+            <a:r>
+              <a:rPr lang="en-US" dirty="0"/>
+              <a:t>OS161</a:t>
+            </a:r>
+          </a:p>
+        </p:txBody>
+      </p:sp>
+      <p:sp>
+        <p:nvSpPr>
+          <p:cNvPr id="11" name="Segnaposto testo 3">
+            <a:extLst>
+              <a:ext uri="{FF2B5EF4-FFF2-40B4-BE49-F238E27FC236}">
+                <a16:creationId xmlns:a16="http://schemas.microsoft.com/office/drawing/2014/main" id="{2E132792-F45D-BF1B-F8D4-D96CDF810EB9}"/>
+              </a:ext>
+            </a:extLst>
+          </p:cNvPr>
+          <p:cNvSpPr txBox="1">
+            <a:spLocks/>
+          </p:cNvSpPr>
+          <p:nvPr/>
+        </p:nvSpPr>
+        <p:spPr>
+          <a:xfrm>
+            <a:off x="3958658" y="4288164"/>
+            <a:ext cx="871046" cy="295788"/>
+          </a:xfrm>
+          <a:prstGeom prst="rect">
+            <a:avLst/>
+          </a:prstGeom>
+        </p:spPr>
+        <p:txBody>
+          <a:bodyPr vert="horz" lIns="0" tIns="0" rIns="0" bIns="0" rtlCol="0">
+            <a:noAutofit/>
+          </a:bodyPr>
+          <a:lstStyle>
+            <a:lvl1pPr marL="0" indent="0" algn="l" defTabSz="914400" rtl="0" eaLnBrk="1" latinLnBrk="0" hangingPunct="1">
+              <a:lnSpc>
+                <a:spcPct val="100000"/>
+              </a:lnSpc>
+              <a:spcBef>
+                <a:spcPts val="1000"/>
+              </a:spcBef>
+              <a:buFont typeface="Arial" panose="020B0604020202020204" pitchFamily="34" charset="0"/>
+              <a:buNone/>
+              <a:defRPr sz="1600" b="0" i="0" kern="1200">
+                <a:solidFill>
+                  <a:schemeClr val="bg1"/>
+                </a:solidFill>
+                <a:latin typeface="+mn-lt"/>
+                <a:ea typeface="+mn-ea"/>
+                <a:cs typeface="+mn-cs"/>
+              </a:defRPr>
+            </a:lvl1pPr>
+            <a:lvl2pPr marL="685800" indent="-228600" algn="l" defTabSz="914400" rtl="0" eaLnBrk="1" latinLnBrk="0" hangingPunct="1">
+              <a:lnSpc>
+                <a:spcPct val="90000"/>
+              </a:lnSpc>
+              <a:spcBef>
+                <a:spcPts val="500"/>
+              </a:spcBef>
+              <a:buFont typeface="Arial" panose="020B0604020202020204" pitchFamily="34" charset="0"/>
+              <a:buChar char="•"/>
+              <a:defRPr sz="4000" b="0" i="0" kern="1200">
+                <a:solidFill>
+                  <a:schemeClr val="bg1"/>
+                </a:solidFill>
+                <a:latin typeface="+mn-lt"/>
+                <a:ea typeface="+mn-ea"/>
+                <a:cs typeface="+mn-cs"/>
+              </a:defRPr>
+            </a:lvl2pPr>
+            <a:lvl3pPr marL="1143000" indent="-228600" algn="l" defTabSz="914400" rtl="0" eaLnBrk="1" latinLnBrk="0" hangingPunct="1">
+              <a:lnSpc>
+                <a:spcPct val="90000"/>
+              </a:lnSpc>
+              <a:spcBef>
+                <a:spcPts val="500"/>
+              </a:spcBef>
+              <a:buFont typeface="Arial" panose="020B0604020202020204" pitchFamily="34" charset="0"/>
+              <a:buChar char="•"/>
+              <a:defRPr sz="4000" b="0" i="0" kern="1200">
+                <a:solidFill>
+                  <a:schemeClr val="bg1"/>
+                </a:solidFill>
+                <a:latin typeface="+mn-lt"/>
+                <a:ea typeface="+mn-ea"/>
+                <a:cs typeface="+mn-cs"/>
+              </a:defRPr>
+            </a:lvl3pPr>
+            <a:lvl4pPr marL="1600200" indent="-228600" algn="l" defTabSz="914400" rtl="0" eaLnBrk="1" latinLnBrk="0" hangingPunct="1">
+              <a:lnSpc>
+                <a:spcPct val="90000"/>
+              </a:lnSpc>
+              <a:spcBef>
+                <a:spcPts val="500"/>
+              </a:spcBef>
+              <a:buFont typeface="Arial" panose="020B0604020202020204" pitchFamily="34" charset="0"/>
+              <a:buChar char="•"/>
+              <a:defRPr sz="4000" b="0" i="0" kern="1200">
+                <a:solidFill>
+                  <a:schemeClr val="bg1"/>
+                </a:solidFill>
+                <a:latin typeface="+mn-lt"/>
+                <a:ea typeface="+mn-ea"/>
+                <a:cs typeface="+mn-cs"/>
+              </a:defRPr>
+            </a:lvl4pPr>
+            <a:lvl5pPr marL="2057400" indent="-228600" algn="l" defTabSz="914400" rtl="0" eaLnBrk="1" latinLnBrk="0" hangingPunct="1">
+              <a:lnSpc>
+                <a:spcPct val="90000"/>
+              </a:lnSpc>
+              <a:spcBef>
+                <a:spcPts val="500"/>
+              </a:spcBef>
+              <a:buFont typeface="Arial" panose="020B0604020202020204" pitchFamily="34" charset="0"/>
+              <a:buChar char="•"/>
+              <a:defRPr sz="4000" b="0" i="0" kern="1200">
+                <a:solidFill>
+                  <a:schemeClr val="bg1"/>
+                </a:solidFill>
+                <a:latin typeface="+mn-lt"/>
+                <a:ea typeface="+mn-ea"/>
+                <a:cs typeface="+mn-cs"/>
+              </a:defRPr>
+            </a:lvl5pPr>
+            <a:lvl6pPr marL="2514600" indent="-228600" algn="l" defTabSz="914400" rtl="0" eaLnBrk="1" latinLnBrk="0" hangingPunct="1">
+              <a:lnSpc>
+                <a:spcPct val="90000"/>
+              </a:lnSpc>
+              <a:spcBef>
+                <a:spcPts val="500"/>
+              </a:spcBef>
+              <a:buFont typeface="Arial" panose="020B0604020202020204" pitchFamily="34" charset="0"/>
+              <a:buChar char="•"/>
+              <a:defRPr sz="1800" kern="1200">
+                <a:solidFill>
+                  <a:schemeClr val="tx1"/>
+                </a:solidFill>
+                <a:latin typeface="+mn-lt"/>
+                <a:ea typeface="+mn-ea"/>
+                <a:cs typeface="+mn-cs"/>
+              </a:defRPr>
+            </a:lvl6pPr>
+            <a:lvl7pPr marL="2971800" indent="-228600" algn="l" defTabSz="914400" rtl="0" eaLnBrk="1" latinLnBrk="0" hangingPunct="1">
+              <a:lnSpc>
+                <a:spcPct val="90000"/>
+              </a:lnSpc>
+              <a:spcBef>
+                <a:spcPts val="500"/>
+              </a:spcBef>
+              <a:buFont typeface="Arial" panose="020B0604020202020204" pitchFamily="34" charset="0"/>
+              <a:buChar char="•"/>
+              <a:defRPr sz="1800" kern="1200">
+                <a:solidFill>
+                  <a:schemeClr val="tx1"/>
+                </a:solidFill>
+                <a:latin typeface="+mn-lt"/>
+                <a:ea typeface="+mn-ea"/>
+                <a:cs typeface="+mn-cs"/>
+              </a:defRPr>
+            </a:lvl7pPr>
+            <a:lvl8pPr marL="3429000" indent="-228600" algn="l" defTabSz="914400" rtl="0" eaLnBrk="1" latinLnBrk="0" hangingPunct="1">
+              <a:lnSpc>
+                <a:spcPct val="90000"/>
+              </a:lnSpc>
+              <a:spcBef>
+                <a:spcPts val="500"/>
+              </a:spcBef>
+              <a:buFont typeface="Arial" panose="020B0604020202020204" pitchFamily="34" charset="0"/>
+              <a:buChar char="•"/>
+              <a:defRPr sz="1800" kern="1200">
+                <a:solidFill>
+                  <a:schemeClr val="tx1"/>
+                </a:solidFill>
+                <a:latin typeface="+mn-lt"/>
+                <a:ea typeface="+mn-ea"/>
+                <a:cs typeface="+mn-cs"/>
+              </a:defRPr>
+            </a:lvl8pPr>
+            <a:lvl9pPr marL="3886200" indent="-228600" algn="l" defTabSz="914400" rtl="0" eaLnBrk="1" latinLnBrk="0" hangingPunct="1">
+              <a:lnSpc>
+                <a:spcPct val="90000"/>
+              </a:lnSpc>
+              <a:spcBef>
+                <a:spcPts val="500"/>
+              </a:spcBef>
+              <a:buFont typeface="Arial" panose="020B0604020202020204" pitchFamily="34" charset="0"/>
+              <a:buChar char="•"/>
+              <a:defRPr sz="1800" kern="1200">
+                <a:solidFill>
+                  <a:schemeClr val="tx1"/>
+                </a:solidFill>
+                <a:latin typeface="+mn-lt"/>
+                <a:ea typeface="+mn-ea"/>
+                <a:cs typeface="+mn-cs"/>
+              </a:defRPr>
+            </a:lvl9pPr>
+          </a:lstStyle>
+          <a:p>
+            <a:r>
+              <a:rPr lang="en-US" dirty="0"/>
+              <a:t>XV6</a:t>
+            </a:r>
+          </a:p>
+        </p:txBody>
+      </p:sp>
+      <p:pic>
+        <p:nvPicPr>
+          <p:cNvPr id="2" name="Immagine 1" descr="Immagine che contiene schermata, testo, Carattere&#10;&#10;Descrizione generata automaticamente">
+            <a:extLst>
+              <a:ext uri="{FF2B5EF4-FFF2-40B4-BE49-F238E27FC236}">
+                <a16:creationId xmlns:a16="http://schemas.microsoft.com/office/drawing/2014/main" id="{5C8B376C-8148-9FB7-2C50-9DB05AA66EBD}"/>
+              </a:ext>
+            </a:extLst>
+          </p:cNvPr>
+          <p:cNvPicPr>
+            <a:picLocks noChangeAspect="1"/>
+          </p:cNvPicPr>
+          <p:nvPr/>
+        </p:nvPicPr>
+        <p:blipFill>
+          <a:blip r:embed="rId2"/>
+          <a:stretch>
+            <a:fillRect/>
+          </a:stretch>
+        </p:blipFill>
+        <p:spPr>
+          <a:xfrm>
+            <a:off x="3955930" y="2713528"/>
+            <a:ext cx="7188200" cy="939800"/>
+          </a:xfrm>
+          <a:prstGeom prst="rect">
+            <a:avLst/>
+          </a:prstGeom>
+        </p:spPr>
+      </p:pic>
+      <p:pic>
+        <p:nvPicPr>
+          <p:cNvPr id="8" name="Immagine 7" descr="Immagine che contiene testo, schermata, Carattere&#10;&#10;Descrizione generata automaticamente">
+            <a:extLst>
+              <a:ext uri="{FF2B5EF4-FFF2-40B4-BE49-F238E27FC236}">
+                <a16:creationId xmlns:a16="http://schemas.microsoft.com/office/drawing/2014/main" id="{0E236D79-1C80-B994-E290-FDDAA763A5B9}"/>
+              </a:ext>
+            </a:extLst>
+          </p:cNvPr>
+          <p:cNvPicPr>
+            <a:picLocks noChangeAspect="1"/>
+          </p:cNvPicPr>
+          <p:nvPr/>
+        </p:nvPicPr>
+        <p:blipFill>
+          <a:blip r:embed="rId3"/>
+          <a:stretch>
+            <a:fillRect/>
+          </a:stretch>
+        </p:blipFill>
+        <p:spPr>
+          <a:xfrm>
+            <a:off x="3955930" y="4614935"/>
+            <a:ext cx="7772400" cy="1574156"/>
+          </a:xfrm>
+          <a:prstGeom prst="rect">
+            <a:avLst/>
+          </a:prstGeom>
+        </p:spPr>
+      </p:pic>
+    </p:spTree>
+    <p:extLst>
+      <p:ext uri="{BB962C8B-B14F-4D97-AF65-F5344CB8AC3E}">
+        <p14:creationId xmlns:p14="http://schemas.microsoft.com/office/powerpoint/2010/main" val="2693513622"/>
+      </p:ext>
+    </p:extLst>
+  </p:cSld>
+  <p:clrMapOvr>
+    <a:masterClrMapping/>
+  </p:clrMapOvr>
+</p:sld>
+</file>
+
+<file path=ppt/slides/slide17.xml><?xml version="1.0" encoding="utf-8"?>
+<p:sld xmlns:a="http://schemas.openxmlformats.org/drawingml/2006/main" xmlns:r="http://schemas.openxmlformats.org/officeDocument/2006/relationships" xmlns:p="http://schemas.openxmlformats.org/presentationml/2006/main">
+  <p:cSld>
+    <p:spTree>
+      <p:nvGrpSpPr>
+        <p:cNvPr id="1" name=""/>
+        <p:cNvGrpSpPr/>
+        <p:nvPr/>
+      </p:nvGrpSpPr>
+      <p:grpSpPr>
+        <a:xfrm>
+          <a:off x="0" y="0"/>
+          <a:ext cx="0" cy="0"/>
+          <a:chOff x="0" y="0"/>
+          <a:chExt cx="0" cy="0"/>
+        </a:xfrm>
+      </p:grpSpPr>
+      <p:sp>
+        <p:nvSpPr>
+          <p:cNvPr id="3" name="Titolo 2">
+            <a:extLst>
+              <a:ext uri="{FF2B5EF4-FFF2-40B4-BE49-F238E27FC236}">
+                <a16:creationId xmlns:a16="http://schemas.microsoft.com/office/drawing/2014/main" id="{B9054134-716F-1CBD-D466-A5813A3D817F}"/>
+              </a:ext>
+            </a:extLst>
+          </p:cNvPr>
+          <p:cNvSpPr>
+            <a:spLocks noGrp="1"/>
+          </p:cNvSpPr>
+          <p:nvPr>
+            <p:ph type="title"/>
+          </p:nvPr>
+        </p:nvSpPr>
+        <p:spPr>
+          <a:xfrm>
+            <a:off x="952499" y="646310"/>
+            <a:ext cx="4941477" cy="610863"/>
+          </a:xfrm>
+        </p:spPr>
+        <p:txBody>
+          <a:bodyPr>
+            <a:normAutofit/>
+          </a:bodyPr>
+          <a:lstStyle/>
+          <a:p>
+            <a:r>
+              <a:rPr lang="en-US" dirty="0"/>
+              <a:t>WCHAN_SLEEP</a:t>
+            </a:r>
+          </a:p>
+        </p:txBody>
+      </p:sp>
+      <p:sp>
+        <p:nvSpPr>
+          <p:cNvPr id="4" name="Segnaposto testo 3">
+            <a:extLst>
+              <a:ext uri="{FF2B5EF4-FFF2-40B4-BE49-F238E27FC236}">
+                <a16:creationId xmlns:a16="http://schemas.microsoft.com/office/drawing/2014/main" id="{FE7B1D6D-BD82-2AD6-2E20-AB168A315F39}"/>
+              </a:ext>
+            </a:extLst>
+          </p:cNvPr>
+          <p:cNvSpPr>
+            <a:spLocks noGrp="1"/>
+          </p:cNvSpPr>
+          <p:nvPr>
+            <p:ph type="body" sz="quarter" idx="11"/>
+          </p:nvPr>
+        </p:nvSpPr>
+        <p:spPr/>
+        <p:txBody>
+          <a:bodyPr/>
+          <a:lstStyle/>
+          <a:p>
+            <a:r>
+              <a:rPr lang="en-US" sz="2400" dirty="0"/>
+              <a:t>OS161</a:t>
+            </a:r>
+          </a:p>
+        </p:txBody>
+      </p:sp>
+      <p:sp>
+        <p:nvSpPr>
+          <p:cNvPr id="5" name="Segnaposto piè di pagina 4">
+            <a:extLst>
+              <a:ext uri="{FF2B5EF4-FFF2-40B4-BE49-F238E27FC236}">
+                <a16:creationId xmlns:a16="http://schemas.microsoft.com/office/drawing/2014/main" id="{03C001CA-E2A8-7CFD-414C-A2FDAEBF1FC9}"/>
+              </a:ext>
+            </a:extLst>
+          </p:cNvPr>
+          <p:cNvSpPr>
+            <a:spLocks noGrp="1"/>
+          </p:cNvSpPr>
+          <p:nvPr>
+            <p:ph type="ftr" sz="quarter" idx="15"/>
+          </p:nvPr>
+        </p:nvSpPr>
+        <p:spPr>
+          <a:xfrm>
+            <a:off x="1494789" y="6332220"/>
+            <a:ext cx="2552277" cy="247651"/>
+          </a:xfrm>
+        </p:spPr>
+        <p:txBody>
+          <a:bodyPr/>
+          <a:lstStyle/>
+          <a:p>
+            <a:r>
+              <a:rPr lang="it-IT" b="0" dirty="0"/>
+              <a:t>Programmazione</a:t>
+            </a:r>
+            <a:r>
+              <a:rPr lang="en-US" b="0" dirty="0"/>
+              <a:t> di Sistema – 2023/24</a:t>
+            </a:r>
+          </a:p>
+        </p:txBody>
+      </p:sp>
+      <p:sp>
+        <p:nvSpPr>
+          <p:cNvPr id="6" name="Segnaposto numero diapositiva 5">
+            <a:extLst>
+              <a:ext uri="{FF2B5EF4-FFF2-40B4-BE49-F238E27FC236}">
+                <a16:creationId xmlns:a16="http://schemas.microsoft.com/office/drawing/2014/main" id="{333800D2-0446-E7C1-8ED8-FC146DDB7BBE}"/>
+              </a:ext>
+            </a:extLst>
+          </p:cNvPr>
+          <p:cNvSpPr>
+            <a:spLocks noGrp="1"/>
+          </p:cNvSpPr>
+          <p:nvPr>
+            <p:ph type="sldNum" sz="quarter" idx="16"/>
+          </p:nvPr>
+        </p:nvSpPr>
+        <p:spPr/>
+        <p:txBody>
+          <a:bodyPr/>
+          <a:lstStyle/>
+          <a:p>
+            <a:fld id="{294A09A9-5501-47C1-A89A-A340965A2BE2}" type="slidenum">
+              <a:rPr lang="en-US" smtClean="0"/>
+              <a:pPr/>
+              <a:t>17</a:t>
+            </a:fld>
+            <a:endParaRPr lang="en-US" dirty="0">
+              <a:latin typeface="+mn-lt"/>
+            </a:endParaRPr>
+          </a:p>
+        </p:txBody>
+      </p:sp>
+      <p:pic>
+        <p:nvPicPr>
+          <p:cNvPr id="2" name="Immagine 1">
+            <a:extLst>
+              <a:ext uri="{FF2B5EF4-FFF2-40B4-BE49-F238E27FC236}">
+                <a16:creationId xmlns:a16="http://schemas.microsoft.com/office/drawing/2014/main" id="{9E8ED29F-029C-D59D-2C0B-68A706617A23}"/>
+              </a:ext>
+            </a:extLst>
+          </p:cNvPr>
+          <p:cNvPicPr>
+            <a:picLocks noChangeAspect="1"/>
+          </p:cNvPicPr>
+          <p:nvPr/>
+        </p:nvPicPr>
+        <p:blipFill>
+          <a:blip r:embed="rId2"/>
+          <a:stretch>
+            <a:fillRect/>
+          </a:stretch>
+        </p:blipFill>
+        <p:spPr>
+          <a:xfrm>
+            <a:off x="3864741" y="1858179"/>
+            <a:ext cx="7772400" cy="3657600"/>
+          </a:xfrm>
+          <a:prstGeom prst="rect">
+            <a:avLst/>
+          </a:prstGeom>
+        </p:spPr>
+      </p:pic>
+    </p:spTree>
+    <p:extLst>
+      <p:ext uri="{BB962C8B-B14F-4D97-AF65-F5344CB8AC3E}">
+        <p14:creationId xmlns:p14="http://schemas.microsoft.com/office/powerpoint/2010/main" val="548054875"/>
+      </p:ext>
+    </p:extLst>
+  </p:cSld>
+  <p:clrMapOvr>
+    <a:masterClrMapping/>
+  </p:clrMapOvr>
+</p:sld>
+</file>
+
+<file path=ppt/slides/slide18.xml><?xml version="1.0" encoding="utf-8"?>
+<p:sld xmlns:a="http://schemas.openxmlformats.org/drawingml/2006/main" xmlns:r="http://schemas.openxmlformats.org/officeDocument/2006/relationships" xmlns:p="http://schemas.openxmlformats.org/presentationml/2006/main">
+  <p:cSld>
+    <p:spTree>
+      <p:nvGrpSpPr>
+        <p:cNvPr id="1" name=""/>
+        <p:cNvGrpSpPr/>
+        <p:nvPr/>
+      </p:nvGrpSpPr>
+      <p:grpSpPr>
+        <a:xfrm>
+          <a:off x="0" y="0"/>
+          <a:ext cx="0" cy="0"/>
+          <a:chOff x="0" y="0"/>
+          <a:chExt cx="0" cy="0"/>
+        </a:xfrm>
+      </p:grpSpPr>
+      <p:sp>
+        <p:nvSpPr>
+          <p:cNvPr id="3" name="Titolo 2">
+            <a:extLst>
+              <a:ext uri="{FF2B5EF4-FFF2-40B4-BE49-F238E27FC236}">
+                <a16:creationId xmlns:a16="http://schemas.microsoft.com/office/drawing/2014/main" id="{B9054134-716F-1CBD-D466-A5813A3D817F}"/>
+              </a:ext>
+            </a:extLst>
+          </p:cNvPr>
+          <p:cNvSpPr>
+            <a:spLocks noGrp="1"/>
+          </p:cNvSpPr>
+          <p:nvPr>
+            <p:ph type="title"/>
+          </p:nvPr>
+        </p:nvSpPr>
+        <p:spPr>
+          <a:xfrm>
+            <a:off x="952499" y="646310"/>
+            <a:ext cx="4941477" cy="610863"/>
+          </a:xfrm>
+        </p:spPr>
+        <p:txBody>
+          <a:bodyPr>
+            <a:normAutofit/>
+          </a:bodyPr>
+          <a:lstStyle/>
+          <a:p>
+            <a:r>
+              <a:rPr lang="en-US" dirty="0"/>
+              <a:t>WCHAN_SLEEP</a:t>
+            </a:r>
+          </a:p>
+        </p:txBody>
+      </p:sp>
+      <p:sp>
+        <p:nvSpPr>
+          <p:cNvPr id="4" name="Segnaposto testo 3">
+            <a:extLst>
+              <a:ext uri="{FF2B5EF4-FFF2-40B4-BE49-F238E27FC236}">
+                <a16:creationId xmlns:a16="http://schemas.microsoft.com/office/drawing/2014/main" id="{FE7B1D6D-BD82-2AD6-2E20-AB168A315F39}"/>
+              </a:ext>
+            </a:extLst>
+          </p:cNvPr>
+          <p:cNvSpPr>
+            <a:spLocks noGrp="1"/>
+          </p:cNvSpPr>
+          <p:nvPr>
+            <p:ph type="body" sz="quarter" idx="11"/>
+          </p:nvPr>
+        </p:nvSpPr>
+        <p:spPr/>
+        <p:txBody>
+          <a:bodyPr/>
+          <a:lstStyle/>
+          <a:p>
+            <a:r>
+              <a:rPr lang="en-US" sz="2400" dirty="0"/>
+              <a:t>XV6</a:t>
+            </a:r>
+          </a:p>
+        </p:txBody>
+      </p:sp>
+      <p:sp>
+        <p:nvSpPr>
+          <p:cNvPr id="5" name="Segnaposto piè di pagina 4">
+            <a:extLst>
+              <a:ext uri="{FF2B5EF4-FFF2-40B4-BE49-F238E27FC236}">
+                <a16:creationId xmlns:a16="http://schemas.microsoft.com/office/drawing/2014/main" id="{03C001CA-E2A8-7CFD-414C-A2FDAEBF1FC9}"/>
+              </a:ext>
+            </a:extLst>
+          </p:cNvPr>
+          <p:cNvSpPr>
+            <a:spLocks noGrp="1"/>
+          </p:cNvSpPr>
+          <p:nvPr>
+            <p:ph type="ftr" sz="quarter" idx="15"/>
+          </p:nvPr>
+        </p:nvSpPr>
+        <p:spPr>
+          <a:xfrm>
+            <a:off x="1494789" y="6332220"/>
+            <a:ext cx="2552277" cy="247651"/>
+          </a:xfrm>
+        </p:spPr>
+        <p:txBody>
+          <a:bodyPr/>
+          <a:lstStyle/>
+          <a:p>
+            <a:r>
+              <a:rPr lang="it-IT" b="0" dirty="0"/>
+              <a:t>Programmazione</a:t>
+            </a:r>
+            <a:r>
+              <a:rPr lang="en-US" b="0" dirty="0"/>
+              <a:t> di Sistema – 2023/24</a:t>
+            </a:r>
+          </a:p>
+        </p:txBody>
+      </p:sp>
+      <p:sp>
+        <p:nvSpPr>
+          <p:cNvPr id="6" name="Segnaposto numero diapositiva 5">
+            <a:extLst>
+              <a:ext uri="{FF2B5EF4-FFF2-40B4-BE49-F238E27FC236}">
+                <a16:creationId xmlns:a16="http://schemas.microsoft.com/office/drawing/2014/main" id="{333800D2-0446-E7C1-8ED8-FC146DDB7BBE}"/>
+              </a:ext>
+            </a:extLst>
+          </p:cNvPr>
+          <p:cNvSpPr>
+            <a:spLocks noGrp="1"/>
+          </p:cNvSpPr>
+          <p:nvPr>
+            <p:ph type="sldNum" sz="quarter" idx="16"/>
+          </p:nvPr>
+        </p:nvSpPr>
+        <p:spPr/>
+        <p:txBody>
+          <a:bodyPr/>
+          <a:lstStyle/>
+          <a:p>
+            <a:fld id="{294A09A9-5501-47C1-A89A-A340965A2BE2}" type="slidenum">
+              <a:rPr lang="en-US" smtClean="0"/>
+              <a:pPr/>
+              <a:t>18</a:t>
+            </a:fld>
+            <a:endParaRPr lang="en-US" dirty="0">
+              <a:latin typeface="+mn-lt"/>
+            </a:endParaRPr>
+          </a:p>
+        </p:txBody>
+      </p:sp>
+      <p:pic>
+        <p:nvPicPr>
+          <p:cNvPr id="7" name="Immagine 6">
+            <a:extLst>
+              <a:ext uri="{FF2B5EF4-FFF2-40B4-BE49-F238E27FC236}">
+                <a16:creationId xmlns:a16="http://schemas.microsoft.com/office/drawing/2014/main" id="{C0C69B96-7C2D-3F65-EDD6-389B9D867B05}"/>
+              </a:ext>
+            </a:extLst>
+          </p:cNvPr>
+          <p:cNvPicPr>
+            <a:picLocks noChangeAspect="1"/>
+          </p:cNvPicPr>
+          <p:nvPr/>
+        </p:nvPicPr>
+        <p:blipFill>
+          <a:blip r:embed="rId2"/>
+          <a:stretch>
+            <a:fillRect/>
+          </a:stretch>
+        </p:blipFill>
+        <p:spPr>
+          <a:xfrm>
+            <a:off x="3916637" y="1861864"/>
+            <a:ext cx="7772400" cy="4244835"/>
+          </a:xfrm>
+          <a:prstGeom prst="rect">
+            <a:avLst/>
+          </a:prstGeom>
+        </p:spPr>
+      </p:pic>
+    </p:spTree>
+    <p:extLst>
+      <p:ext uri="{BB962C8B-B14F-4D97-AF65-F5344CB8AC3E}">
+        <p14:creationId xmlns:p14="http://schemas.microsoft.com/office/powerpoint/2010/main" val="1496754796"/>
+      </p:ext>
+    </p:extLst>
+  </p:cSld>
+  <p:clrMapOvr>
+    <a:masterClrMapping/>
+  </p:clrMapOvr>
+</p:sld>
+</file>
+
+<file path=ppt/slides/slide19.xml><?xml version="1.0" encoding="utf-8"?>
+<p:sld xmlns:a="http://schemas.openxmlformats.org/drawingml/2006/main" xmlns:r="http://schemas.openxmlformats.org/officeDocument/2006/relationships" xmlns:p="http://schemas.openxmlformats.org/presentationml/2006/main">
+  <p:cSld>
+    <p:spTree>
+      <p:nvGrpSpPr>
+        <p:cNvPr id="1" name=""/>
+        <p:cNvGrpSpPr/>
+        <p:nvPr/>
+      </p:nvGrpSpPr>
+      <p:grpSpPr>
+        <a:xfrm>
+          <a:off x="0" y="0"/>
+          <a:ext cx="0" cy="0"/>
+          <a:chOff x="0" y="0"/>
+          <a:chExt cx="0" cy="0"/>
+        </a:xfrm>
+      </p:grpSpPr>
+      <p:sp>
+        <p:nvSpPr>
+          <p:cNvPr id="3" name="Titolo 2">
+            <a:extLst>
+              <a:ext uri="{FF2B5EF4-FFF2-40B4-BE49-F238E27FC236}">
+                <a16:creationId xmlns:a16="http://schemas.microsoft.com/office/drawing/2014/main" id="{B9054134-716F-1CBD-D466-A5813A3D817F}"/>
+              </a:ext>
+            </a:extLst>
+          </p:cNvPr>
+          <p:cNvSpPr>
+            <a:spLocks noGrp="1"/>
+          </p:cNvSpPr>
+          <p:nvPr>
+            <p:ph type="title"/>
+          </p:nvPr>
+        </p:nvSpPr>
+        <p:spPr>
+          <a:xfrm>
+            <a:off x="952499" y="646310"/>
+            <a:ext cx="4941477" cy="610863"/>
+          </a:xfrm>
+        </p:spPr>
+        <p:txBody>
+          <a:bodyPr>
+            <a:normAutofit/>
+          </a:bodyPr>
+          <a:lstStyle/>
+          <a:p>
+            <a:r>
+              <a:rPr lang="en-US" dirty="0"/>
+              <a:t>WCHAN_WAKEALL</a:t>
+            </a:r>
+          </a:p>
+        </p:txBody>
+      </p:sp>
+      <p:sp>
+        <p:nvSpPr>
+          <p:cNvPr id="4" name="Segnaposto testo 3">
+            <a:extLst>
+              <a:ext uri="{FF2B5EF4-FFF2-40B4-BE49-F238E27FC236}">
+                <a16:creationId xmlns:a16="http://schemas.microsoft.com/office/drawing/2014/main" id="{FE7B1D6D-BD82-2AD6-2E20-AB168A315F39}"/>
+              </a:ext>
+            </a:extLst>
+          </p:cNvPr>
+          <p:cNvSpPr>
+            <a:spLocks noGrp="1"/>
+          </p:cNvSpPr>
+          <p:nvPr>
+            <p:ph type="body" sz="quarter" idx="11"/>
+          </p:nvPr>
+        </p:nvSpPr>
+        <p:spPr/>
+        <p:txBody>
+          <a:bodyPr/>
+          <a:lstStyle/>
+          <a:p>
+            <a:r>
+              <a:rPr lang="en-US" sz="2400" dirty="0"/>
+              <a:t>OS161</a:t>
+            </a:r>
+          </a:p>
+        </p:txBody>
+      </p:sp>
+      <p:sp>
+        <p:nvSpPr>
+          <p:cNvPr id="5" name="Segnaposto piè di pagina 4">
+            <a:extLst>
+              <a:ext uri="{FF2B5EF4-FFF2-40B4-BE49-F238E27FC236}">
+                <a16:creationId xmlns:a16="http://schemas.microsoft.com/office/drawing/2014/main" id="{03C001CA-E2A8-7CFD-414C-A2FDAEBF1FC9}"/>
+              </a:ext>
+            </a:extLst>
+          </p:cNvPr>
+          <p:cNvSpPr>
+            <a:spLocks noGrp="1"/>
+          </p:cNvSpPr>
+          <p:nvPr>
+            <p:ph type="ftr" sz="quarter" idx="15"/>
+          </p:nvPr>
+        </p:nvSpPr>
+        <p:spPr>
+          <a:xfrm>
+            <a:off x="1494789" y="6332220"/>
+            <a:ext cx="2552277" cy="247651"/>
+          </a:xfrm>
+        </p:spPr>
+        <p:txBody>
+          <a:bodyPr/>
+          <a:lstStyle/>
+          <a:p>
+            <a:r>
+              <a:rPr lang="it-IT" b="0" dirty="0"/>
+              <a:t>Programmazione</a:t>
+            </a:r>
+            <a:r>
+              <a:rPr lang="en-US" b="0" dirty="0"/>
+              <a:t> di Sistema – 2023/24</a:t>
+            </a:r>
+          </a:p>
+        </p:txBody>
+      </p:sp>
+      <p:sp>
+        <p:nvSpPr>
+          <p:cNvPr id="6" name="Segnaposto numero diapositiva 5">
+            <a:extLst>
+              <a:ext uri="{FF2B5EF4-FFF2-40B4-BE49-F238E27FC236}">
+                <a16:creationId xmlns:a16="http://schemas.microsoft.com/office/drawing/2014/main" id="{333800D2-0446-E7C1-8ED8-FC146DDB7BBE}"/>
+              </a:ext>
+            </a:extLst>
+          </p:cNvPr>
+          <p:cNvSpPr>
+            <a:spLocks noGrp="1"/>
+          </p:cNvSpPr>
+          <p:nvPr>
+            <p:ph type="sldNum" sz="quarter" idx="16"/>
+          </p:nvPr>
+        </p:nvSpPr>
+        <p:spPr/>
+        <p:txBody>
+          <a:bodyPr/>
+          <a:lstStyle/>
+          <a:p>
+            <a:fld id="{294A09A9-5501-47C1-A89A-A340965A2BE2}" type="slidenum">
+              <a:rPr lang="en-US" smtClean="0"/>
+              <a:pPr/>
+              <a:t>19</a:t>
+            </a:fld>
+            <a:endParaRPr lang="en-US" dirty="0">
+              <a:latin typeface="+mn-lt"/>
+            </a:endParaRPr>
+          </a:p>
+        </p:txBody>
+      </p:sp>
+      <p:pic>
+        <p:nvPicPr>
+          <p:cNvPr id="2" name="Immagine 1">
+            <a:extLst>
+              <a:ext uri="{FF2B5EF4-FFF2-40B4-BE49-F238E27FC236}">
+                <a16:creationId xmlns:a16="http://schemas.microsoft.com/office/drawing/2014/main" id="{25295836-7944-AB49-E8EE-D808AF3FB7C8}"/>
+              </a:ext>
+            </a:extLst>
+          </p:cNvPr>
+          <p:cNvPicPr>
+            <a:picLocks noChangeAspect="1"/>
+          </p:cNvPicPr>
+          <p:nvPr/>
+        </p:nvPicPr>
+        <p:blipFill>
+          <a:blip r:embed="rId2"/>
+          <a:stretch>
+            <a:fillRect/>
+          </a:stretch>
+        </p:blipFill>
+        <p:spPr>
+          <a:xfrm>
+            <a:off x="4139543" y="1723258"/>
+            <a:ext cx="7772400" cy="4488432"/>
+          </a:xfrm>
+          <a:prstGeom prst="rect">
+            <a:avLst/>
+          </a:prstGeom>
+        </p:spPr>
+      </p:pic>
+    </p:spTree>
+    <p:extLst>
+      <p:ext uri="{BB962C8B-B14F-4D97-AF65-F5344CB8AC3E}">
+        <p14:creationId xmlns:p14="http://schemas.microsoft.com/office/powerpoint/2010/main" val="546106264"/>
+      </p:ext>
+    </p:extLst>
+  </p:cSld>
+  <p:clrMapOvr>
+    <a:masterClrMapping/>
+  </p:clrMapOvr>
+</p:sld>
+</file>
+
 <file path=ppt/slides/slide2.xml><?xml version="1.0" encoding="utf-8"?>
 <p:sld xmlns:a="http://schemas.openxmlformats.org/drawingml/2006/main" xmlns:r="http://schemas.openxmlformats.org/officeDocument/2006/relationships" xmlns:p="http://schemas.openxmlformats.org/presentationml/2006/main">
   <p:cSld>
@@ -13111,7 +15978,10 @@
           <a:bodyPr anchor="ctr"/>
           <a:lstStyle/>
           <a:p>
-            <a:endParaRPr lang="en-US"/>
+            <a:r>
+              <a:rPr lang="en-US" dirty="0"/>
+              <a:t>s317999</a:t>
+            </a:r>
           </a:p>
         </p:txBody>
       </p:sp>
@@ -13391,6 +16261,2559 @@
 </p:sld>
 </file>
 
+<file path=ppt/slides/slide20.xml><?xml version="1.0" encoding="utf-8"?>
+<p:sld xmlns:a="http://schemas.openxmlformats.org/drawingml/2006/main" xmlns:r="http://schemas.openxmlformats.org/officeDocument/2006/relationships" xmlns:p="http://schemas.openxmlformats.org/presentationml/2006/main">
+  <p:cSld>
+    <p:spTree>
+      <p:nvGrpSpPr>
+        <p:cNvPr id="1" name=""/>
+        <p:cNvGrpSpPr/>
+        <p:nvPr/>
+      </p:nvGrpSpPr>
+      <p:grpSpPr>
+        <a:xfrm>
+          <a:off x="0" y="0"/>
+          <a:ext cx="0" cy="0"/>
+          <a:chOff x="0" y="0"/>
+          <a:chExt cx="0" cy="0"/>
+        </a:xfrm>
+      </p:grpSpPr>
+      <p:sp>
+        <p:nvSpPr>
+          <p:cNvPr id="3" name="Titolo 2">
+            <a:extLst>
+              <a:ext uri="{FF2B5EF4-FFF2-40B4-BE49-F238E27FC236}">
+                <a16:creationId xmlns:a16="http://schemas.microsoft.com/office/drawing/2014/main" id="{B9054134-716F-1CBD-D466-A5813A3D817F}"/>
+              </a:ext>
+            </a:extLst>
+          </p:cNvPr>
+          <p:cNvSpPr>
+            <a:spLocks noGrp="1"/>
+          </p:cNvSpPr>
+          <p:nvPr>
+            <p:ph type="title"/>
+          </p:nvPr>
+        </p:nvSpPr>
+        <p:spPr>
+          <a:xfrm>
+            <a:off x="952499" y="646310"/>
+            <a:ext cx="4941477" cy="610863"/>
+          </a:xfrm>
+        </p:spPr>
+        <p:txBody>
+          <a:bodyPr>
+            <a:normAutofit/>
+          </a:bodyPr>
+          <a:lstStyle/>
+          <a:p>
+            <a:r>
+              <a:rPr lang="en-US" dirty="0"/>
+              <a:t>WCHAN_WAKEALL</a:t>
+            </a:r>
+          </a:p>
+        </p:txBody>
+      </p:sp>
+      <p:sp>
+        <p:nvSpPr>
+          <p:cNvPr id="4" name="Segnaposto testo 3">
+            <a:extLst>
+              <a:ext uri="{FF2B5EF4-FFF2-40B4-BE49-F238E27FC236}">
+                <a16:creationId xmlns:a16="http://schemas.microsoft.com/office/drawing/2014/main" id="{FE7B1D6D-BD82-2AD6-2E20-AB168A315F39}"/>
+              </a:ext>
+            </a:extLst>
+          </p:cNvPr>
+          <p:cNvSpPr>
+            <a:spLocks noGrp="1"/>
+          </p:cNvSpPr>
+          <p:nvPr>
+            <p:ph type="body" sz="quarter" idx="11"/>
+          </p:nvPr>
+        </p:nvSpPr>
+        <p:spPr/>
+        <p:txBody>
+          <a:bodyPr/>
+          <a:lstStyle/>
+          <a:p>
+            <a:r>
+              <a:rPr lang="en-US" sz="2400" dirty="0"/>
+              <a:t>XV6</a:t>
+            </a:r>
+          </a:p>
+        </p:txBody>
+      </p:sp>
+      <p:sp>
+        <p:nvSpPr>
+          <p:cNvPr id="5" name="Segnaposto piè di pagina 4">
+            <a:extLst>
+              <a:ext uri="{FF2B5EF4-FFF2-40B4-BE49-F238E27FC236}">
+                <a16:creationId xmlns:a16="http://schemas.microsoft.com/office/drawing/2014/main" id="{03C001CA-E2A8-7CFD-414C-A2FDAEBF1FC9}"/>
+              </a:ext>
+            </a:extLst>
+          </p:cNvPr>
+          <p:cNvSpPr>
+            <a:spLocks noGrp="1"/>
+          </p:cNvSpPr>
+          <p:nvPr>
+            <p:ph type="ftr" sz="quarter" idx="15"/>
+          </p:nvPr>
+        </p:nvSpPr>
+        <p:spPr>
+          <a:xfrm>
+            <a:off x="1494789" y="6332220"/>
+            <a:ext cx="2552277" cy="247651"/>
+          </a:xfrm>
+        </p:spPr>
+        <p:txBody>
+          <a:bodyPr/>
+          <a:lstStyle/>
+          <a:p>
+            <a:r>
+              <a:rPr lang="it-IT" b="0" dirty="0"/>
+              <a:t>Programmazione</a:t>
+            </a:r>
+            <a:r>
+              <a:rPr lang="en-US" b="0" dirty="0"/>
+              <a:t> di Sistema – 2023/24</a:t>
+            </a:r>
+          </a:p>
+        </p:txBody>
+      </p:sp>
+      <p:sp>
+        <p:nvSpPr>
+          <p:cNvPr id="6" name="Segnaposto numero diapositiva 5">
+            <a:extLst>
+              <a:ext uri="{FF2B5EF4-FFF2-40B4-BE49-F238E27FC236}">
+                <a16:creationId xmlns:a16="http://schemas.microsoft.com/office/drawing/2014/main" id="{333800D2-0446-E7C1-8ED8-FC146DDB7BBE}"/>
+              </a:ext>
+            </a:extLst>
+          </p:cNvPr>
+          <p:cNvSpPr>
+            <a:spLocks noGrp="1"/>
+          </p:cNvSpPr>
+          <p:nvPr>
+            <p:ph type="sldNum" sz="quarter" idx="16"/>
+          </p:nvPr>
+        </p:nvSpPr>
+        <p:spPr/>
+        <p:txBody>
+          <a:bodyPr/>
+          <a:lstStyle/>
+          <a:p>
+            <a:fld id="{294A09A9-5501-47C1-A89A-A340965A2BE2}" type="slidenum">
+              <a:rPr lang="en-US" smtClean="0"/>
+              <a:pPr/>
+              <a:t>20</a:t>
+            </a:fld>
+            <a:endParaRPr lang="en-US" dirty="0">
+              <a:latin typeface="+mn-lt"/>
+            </a:endParaRPr>
+          </a:p>
+        </p:txBody>
+      </p:sp>
+      <p:pic>
+        <p:nvPicPr>
+          <p:cNvPr id="7" name="Immagine 6">
+            <a:extLst>
+              <a:ext uri="{FF2B5EF4-FFF2-40B4-BE49-F238E27FC236}">
+                <a16:creationId xmlns:a16="http://schemas.microsoft.com/office/drawing/2014/main" id="{3E4A9091-783C-724A-631F-B9C89598DD9C}"/>
+              </a:ext>
+            </a:extLst>
+          </p:cNvPr>
+          <p:cNvPicPr>
+            <a:picLocks noChangeAspect="1"/>
+          </p:cNvPicPr>
+          <p:nvPr/>
+        </p:nvPicPr>
+        <p:blipFill>
+          <a:blip r:embed="rId2"/>
+          <a:stretch>
+            <a:fillRect/>
+          </a:stretch>
+        </p:blipFill>
+        <p:spPr>
+          <a:xfrm>
+            <a:off x="4047066" y="1873250"/>
+            <a:ext cx="7772400" cy="4058787"/>
+          </a:xfrm>
+          <a:prstGeom prst="rect">
+            <a:avLst/>
+          </a:prstGeom>
+        </p:spPr>
+      </p:pic>
+    </p:spTree>
+    <p:extLst>
+      <p:ext uri="{BB962C8B-B14F-4D97-AF65-F5344CB8AC3E}">
+        <p14:creationId xmlns:p14="http://schemas.microsoft.com/office/powerpoint/2010/main" val="359127352"/>
+      </p:ext>
+    </p:extLst>
+  </p:cSld>
+  <p:clrMapOvr>
+    <a:masterClrMapping/>
+  </p:clrMapOvr>
+</p:sld>
+</file>
+
+<file path=ppt/slides/slide21.xml><?xml version="1.0" encoding="utf-8"?>
+<p:sld xmlns:a="http://schemas.openxmlformats.org/drawingml/2006/main" xmlns:r="http://schemas.openxmlformats.org/officeDocument/2006/relationships" xmlns:p="http://schemas.openxmlformats.org/presentationml/2006/main">
+  <p:cSld>
+    <p:spTree>
+      <p:nvGrpSpPr>
+        <p:cNvPr id="1" name=""/>
+        <p:cNvGrpSpPr/>
+        <p:nvPr/>
+      </p:nvGrpSpPr>
+      <p:grpSpPr>
+        <a:xfrm>
+          <a:off x="0" y="0"/>
+          <a:ext cx="0" cy="0"/>
+          <a:chOff x="0" y="0"/>
+          <a:chExt cx="0" cy="0"/>
+        </a:xfrm>
+      </p:grpSpPr>
+      <p:sp>
+        <p:nvSpPr>
+          <p:cNvPr id="3" name="Titolo 2">
+            <a:extLst>
+              <a:ext uri="{FF2B5EF4-FFF2-40B4-BE49-F238E27FC236}">
+                <a16:creationId xmlns:a16="http://schemas.microsoft.com/office/drawing/2014/main" id="{B9054134-716F-1CBD-D466-A5813A3D817F}"/>
+              </a:ext>
+            </a:extLst>
+          </p:cNvPr>
+          <p:cNvSpPr>
+            <a:spLocks noGrp="1"/>
+          </p:cNvSpPr>
+          <p:nvPr>
+            <p:ph type="title"/>
+          </p:nvPr>
+        </p:nvSpPr>
+        <p:spPr>
+          <a:xfrm>
+            <a:off x="952499" y="646310"/>
+            <a:ext cx="4941477" cy="610863"/>
+          </a:xfrm>
+        </p:spPr>
+        <p:txBody>
+          <a:bodyPr>
+            <a:normAutofit/>
+          </a:bodyPr>
+          <a:lstStyle/>
+          <a:p>
+            <a:r>
+              <a:rPr lang="en-US" dirty="0"/>
+              <a:t>WCHAN_WAKEONE</a:t>
+            </a:r>
+          </a:p>
+        </p:txBody>
+      </p:sp>
+      <p:sp>
+        <p:nvSpPr>
+          <p:cNvPr id="4" name="Segnaposto testo 3">
+            <a:extLst>
+              <a:ext uri="{FF2B5EF4-FFF2-40B4-BE49-F238E27FC236}">
+                <a16:creationId xmlns:a16="http://schemas.microsoft.com/office/drawing/2014/main" id="{FE7B1D6D-BD82-2AD6-2E20-AB168A315F39}"/>
+              </a:ext>
+            </a:extLst>
+          </p:cNvPr>
+          <p:cNvSpPr>
+            <a:spLocks noGrp="1"/>
+          </p:cNvSpPr>
+          <p:nvPr>
+            <p:ph type="body" sz="quarter" idx="11"/>
+          </p:nvPr>
+        </p:nvSpPr>
+        <p:spPr>
+          <a:xfrm>
+            <a:off x="952499" y="2289363"/>
+            <a:ext cx="3094567" cy="2795232"/>
+          </a:xfrm>
+        </p:spPr>
+        <p:txBody>
+          <a:bodyPr/>
+          <a:lstStyle/>
+          <a:p>
+            <a:r>
+              <a:rPr lang="en-US" sz="2400" dirty="0"/>
+              <a:t>OS161</a:t>
+            </a:r>
+          </a:p>
+          <a:p>
+            <a:pPr marL="342900" indent="-342900">
+              <a:buFont typeface="Arial" panose="020B0604020202020204" pitchFamily="34" charset="0"/>
+              <a:buChar char="•"/>
+            </a:pPr>
+            <a:r>
+              <a:rPr lang="en-US" sz="1400" dirty="0"/>
+              <a:t>E’ </a:t>
+            </a:r>
+            <a:r>
+              <a:rPr lang="en-US" sz="1400" dirty="0" err="1"/>
+              <a:t>presente</a:t>
+            </a:r>
+            <a:r>
+              <a:rPr lang="en-US" sz="1400" dirty="0"/>
+              <a:t> </a:t>
+            </a:r>
+            <a:r>
+              <a:rPr lang="en-US" sz="1400" dirty="0" err="1"/>
+              <a:t>questa</a:t>
+            </a:r>
+            <a:r>
+              <a:rPr lang="en-US" sz="1400" dirty="0"/>
+              <a:t> </a:t>
+            </a:r>
+            <a:r>
+              <a:rPr lang="en-US" sz="1400" dirty="0" err="1"/>
+              <a:t>funzione</a:t>
+            </a:r>
+            <a:r>
+              <a:rPr lang="en-US" sz="1400" dirty="0"/>
+              <a:t>.</a:t>
+            </a:r>
+          </a:p>
+          <a:p>
+            <a:endParaRPr lang="en-US" sz="1400" dirty="0"/>
+          </a:p>
+          <a:p>
+            <a:r>
+              <a:rPr lang="en-US" sz="2400" dirty="0"/>
+              <a:t>XV6</a:t>
+            </a:r>
+          </a:p>
+          <a:p>
+            <a:pPr marL="285750" indent="-285750">
+              <a:buFont typeface="Arial" panose="020B0604020202020204" pitchFamily="34" charset="0"/>
+              <a:buChar char="•"/>
+            </a:pPr>
+            <a:r>
+              <a:rPr lang="en-US" dirty="0"/>
+              <a:t>Non </a:t>
+            </a:r>
+            <a:r>
+              <a:rPr lang="en-US" dirty="0" err="1"/>
+              <a:t>esiste</a:t>
+            </a:r>
+            <a:r>
+              <a:rPr lang="en-US" dirty="0"/>
+              <a:t> </a:t>
+            </a:r>
+            <a:r>
+              <a:rPr lang="en-US" dirty="0" err="1"/>
+              <a:t>una</a:t>
+            </a:r>
+            <a:r>
+              <a:rPr lang="en-US" dirty="0"/>
+              <a:t> </a:t>
+            </a:r>
+            <a:r>
+              <a:rPr lang="en-US" dirty="0" err="1"/>
+              <a:t>funzione</a:t>
+            </a:r>
+            <a:r>
+              <a:rPr lang="en-US" dirty="0"/>
+              <a:t> simile in </a:t>
+            </a:r>
+            <a:r>
+              <a:rPr lang="en-US" dirty="0" err="1"/>
+              <a:t>questo</a:t>
+            </a:r>
+            <a:r>
+              <a:rPr lang="en-US" dirty="0"/>
+              <a:t> </a:t>
+            </a:r>
+            <a:r>
+              <a:rPr lang="en-US" dirty="0" err="1"/>
+              <a:t>sistema</a:t>
+            </a:r>
+            <a:r>
+              <a:rPr lang="en-US" dirty="0"/>
+              <a:t>.</a:t>
+            </a:r>
+          </a:p>
+        </p:txBody>
+      </p:sp>
+      <p:sp>
+        <p:nvSpPr>
+          <p:cNvPr id="5" name="Segnaposto piè di pagina 4">
+            <a:extLst>
+              <a:ext uri="{FF2B5EF4-FFF2-40B4-BE49-F238E27FC236}">
+                <a16:creationId xmlns:a16="http://schemas.microsoft.com/office/drawing/2014/main" id="{03C001CA-E2A8-7CFD-414C-A2FDAEBF1FC9}"/>
+              </a:ext>
+            </a:extLst>
+          </p:cNvPr>
+          <p:cNvSpPr>
+            <a:spLocks noGrp="1"/>
+          </p:cNvSpPr>
+          <p:nvPr>
+            <p:ph type="ftr" sz="quarter" idx="15"/>
+          </p:nvPr>
+        </p:nvSpPr>
+        <p:spPr>
+          <a:xfrm>
+            <a:off x="1494789" y="6332220"/>
+            <a:ext cx="2552277" cy="247651"/>
+          </a:xfrm>
+        </p:spPr>
+        <p:txBody>
+          <a:bodyPr/>
+          <a:lstStyle/>
+          <a:p>
+            <a:r>
+              <a:rPr lang="it-IT" b="0" dirty="0"/>
+              <a:t>Programmazione</a:t>
+            </a:r>
+            <a:r>
+              <a:rPr lang="en-US" b="0" dirty="0"/>
+              <a:t> di Sistema – 2023/24</a:t>
+            </a:r>
+          </a:p>
+        </p:txBody>
+      </p:sp>
+      <p:sp>
+        <p:nvSpPr>
+          <p:cNvPr id="6" name="Segnaposto numero diapositiva 5">
+            <a:extLst>
+              <a:ext uri="{FF2B5EF4-FFF2-40B4-BE49-F238E27FC236}">
+                <a16:creationId xmlns:a16="http://schemas.microsoft.com/office/drawing/2014/main" id="{333800D2-0446-E7C1-8ED8-FC146DDB7BBE}"/>
+              </a:ext>
+            </a:extLst>
+          </p:cNvPr>
+          <p:cNvSpPr>
+            <a:spLocks noGrp="1"/>
+          </p:cNvSpPr>
+          <p:nvPr>
+            <p:ph type="sldNum" sz="quarter" idx="16"/>
+          </p:nvPr>
+        </p:nvSpPr>
+        <p:spPr/>
+        <p:txBody>
+          <a:bodyPr/>
+          <a:lstStyle/>
+          <a:p>
+            <a:fld id="{294A09A9-5501-47C1-A89A-A340965A2BE2}" type="slidenum">
+              <a:rPr lang="en-US" smtClean="0"/>
+              <a:pPr/>
+              <a:t>21</a:t>
+            </a:fld>
+            <a:endParaRPr lang="en-US" dirty="0">
+              <a:latin typeface="+mn-lt"/>
+            </a:endParaRPr>
+          </a:p>
+        </p:txBody>
+      </p:sp>
+      <p:pic>
+        <p:nvPicPr>
+          <p:cNvPr id="2" name="Immagine 1">
+            <a:extLst>
+              <a:ext uri="{FF2B5EF4-FFF2-40B4-BE49-F238E27FC236}">
+                <a16:creationId xmlns:a16="http://schemas.microsoft.com/office/drawing/2014/main" id="{773AAE6A-9A27-80C6-FE93-C9F585588DF0}"/>
+              </a:ext>
+            </a:extLst>
+          </p:cNvPr>
+          <p:cNvPicPr>
+            <a:picLocks noChangeAspect="1"/>
+          </p:cNvPicPr>
+          <p:nvPr/>
+        </p:nvPicPr>
+        <p:blipFill>
+          <a:blip r:embed="rId2"/>
+          <a:stretch>
+            <a:fillRect/>
+          </a:stretch>
+        </p:blipFill>
+        <p:spPr>
+          <a:xfrm>
+            <a:off x="4135602" y="1881428"/>
+            <a:ext cx="7772400" cy="4296839"/>
+          </a:xfrm>
+          <a:prstGeom prst="rect">
+            <a:avLst/>
+          </a:prstGeom>
+        </p:spPr>
+      </p:pic>
+    </p:spTree>
+    <p:extLst>
+      <p:ext uri="{BB962C8B-B14F-4D97-AF65-F5344CB8AC3E}">
+        <p14:creationId xmlns:p14="http://schemas.microsoft.com/office/powerpoint/2010/main" val="3316221476"/>
+      </p:ext>
+    </p:extLst>
+  </p:cSld>
+  <p:clrMapOvr>
+    <a:masterClrMapping/>
+  </p:clrMapOvr>
+</p:sld>
+</file>
+
+<file path=ppt/slides/slide22.xml><?xml version="1.0" encoding="utf-8"?>
+<p:sld xmlns:a="http://schemas.openxmlformats.org/drawingml/2006/main" xmlns:r="http://schemas.openxmlformats.org/officeDocument/2006/relationships" xmlns:p="http://schemas.openxmlformats.org/presentationml/2006/main">
+  <p:cSld>
+    <p:spTree>
+      <p:nvGrpSpPr>
+        <p:cNvPr id="1" name=""/>
+        <p:cNvGrpSpPr/>
+        <p:nvPr/>
+      </p:nvGrpSpPr>
+      <p:grpSpPr>
+        <a:xfrm>
+          <a:off x="0" y="0"/>
+          <a:ext cx="0" cy="0"/>
+          <a:chOff x="0" y="0"/>
+          <a:chExt cx="0" cy="0"/>
+        </a:xfrm>
+      </p:grpSpPr>
+      <p:sp>
+        <p:nvSpPr>
+          <p:cNvPr id="3" name="Titolo 2">
+            <a:extLst>
+              <a:ext uri="{FF2B5EF4-FFF2-40B4-BE49-F238E27FC236}">
+                <a16:creationId xmlns:a16="http://schemas.microsoft.com/office/drawing/2014/main" id="{B9054134-716F-1CBD-D466-A5813A3D817F}"/>
+              </a:ext>
+            </a:extLst>
+          </p:cNvPr>
+          <p:cNvSpPr>
+            <a:spLocks noGrp="1"/>
+          </p:cNvSpPr>
+          <p:nvPr>
+            <p:ph type="title"/>
+          </p:nvPr>
+        </p:nvSpPr>
+        <p:spPr/>
+        <p:txBody>
+          <a:bodyPr>
+            <a:normAutofit fontScale="90000"/>
+          </a:bodyPr>
+          <a:lstStyle/>
+          <a:p>
+            <a:r>
+              <a:rPr lang="en-US" dirty="0" err="1"/>
+              <a:t>Meccanismi</a:t>
+            </a:r>
+            <a:r>
+              <a:rPr lang="en-US" dirty="0"/>
+              <a:t> di </a:t>
+            </a:r>
+            <a:r>
+              <a:rPr lang="en-US" dirty="0" err="1"/>
+              <a:t>sincronizzazione</a:t>
+            </a:r>
+            <a:endParaRPr lang="en-US" dirty="0"/>
+          </a:p>
+        </p:txBody>
+      </p:sp>
+      <p:sp>
+        <p:nvSpPr>
+          <p:cNvPr id="4" name="Segnaposto testo 3">
+            <a:extLst>
+              <a:ext uri="{FF2B5EF4-FFF2-40B4-BE49-F238E27FC236}">
+                <a16:creationId xmlns:a16="http://schemas.microsoft.com/office/drawing/2014/main" id="{FE7B1D6D-BD82-2AD6-2E20-AB168A315F39}"/>
+              </a:ext>
+            </a:extLst>
+          </p:cNvPr>
+          <p:cNvSpPr>
+            <a:spLocks noGrp="1"/>
+          </p:cNvSpPr>
+          <p:nvPr>
+            <p:ph type="body" sz="quarter" idx="11"/>
+          </p:nvPr>
+        </p:nvSpPr>
+        <p:spPr/>
+        <p:txBody>
+          <a:bodyPr/>
+          <a:lstStyle/>
+          <a:p>
+            <a:r>
+              <a:rPr lang="en-US" sz="2400" dirty="0"/>
+              <a:t>SEMAFORI</a:t>
+            </a:r>
+          </a:p>
+        </p:txBody>
+      </p:sp>
+      <p:sp>
+        <p:nvSpPr>
+          <p:cNvPr id="5" name="Segnaposto piè di pagina 4">
+            <a:extLst>
+              <a:ext uri="{FF2B5EF4-FFF2-40B4-BE49-F238E27FC236}">
+                <a16:creationId xmlns:a16="http://schemas.microsoft.com/office/drawing/2014/main" id="{03C001CA-E2A8-7CFD-414C-A2FDAEBF1FC9}"/>
+              </a:ext>
+            </a:extLst>
+          </p:cNvPr>
+          <p:cNvSpPr>
+            <a:spLocks noGrp="1"/>
+          </p:cNvSpPr>
+          <p:nvPr>
+            <p:ph type="ftr" sz="quarter" idx="15"/>
+          </p:nvPr>
+        </p:nvSpPr>
+        <p:spPr>
+          <a:xfrm>
+            <a:off x="1494789" y="6332220"/>
+            <a:ext cx="2552277" cy="247651"/>
+          </a:xfrm>
+        </p:spPr>
+        <p:txBody>
+          <a:bodyPr/>
+          <a:lstStyle/>
+          <a:p>
+            <a:r>
+              <a:rPr lang="it-IT" b="0" dirty="0"/>
+              <a:t>Programmazione</a:t>
+            </a:r>
+            <a:r>
+              <a:rPr lang="en-US" b="0" dirty="0"/>
+              <a:t> di Sistema – 2023/24</a:t>
+            </a:r>
+          </a:p>
+        </p:txBody>
+      </p:sp>
+      <p:sp>
+        <p:nvSpPr>
+          <p:cNvPr id="6" name="Segnaposto numero diapositiva 5">
+            <a:extLst>
+              <a:ext uri="{FF2B5EF4-FFF2-40B4-BE49-F238E27FC236}">
+                <a16:creationId xmlns:a16="http://schemas.microsoft.com/office/drawing/2014/main" id="{333800D2-0446-E7C1-8ED8-FC146DDB7BBE}"/>
+              </a:ext>
+            </a:extLst>
+          </p:cNvPr>
+          <p:cNvSpPr>
+            <a:spLocks noGrp="1"/>
+          </p:cNvSpPr>
+          <p:nvPr>
+            <p:ph type="sldNum" sz="quarter" idx="16"/>
+          </p:nvPr>
+        </p:nvSpPr>
+        <p:spPr/>
+        <p:txBody>
+          <a:bodyPr/>
+          <a:lstStyle/>
+          <a:p>
+            <a:fld id="{294A09A9-5501-47C1-A89A-A340965A2BE2}" type="slidenum">
+              <a:rPr lang="en-US" smtClean="0"/>
+              <a:pPr/>
+              <a:t>22</a:t>
+            </a:fld>
+            <a:endParaRPr lang="en-US" dirty="0">
+              <a:latin typeface="+mn-lt"/>
+            </a:endParaRPr>
+          </a:p>
+        </p:txBody>
+      </p:sp>
+      <p:sp>
+        <p:nvSpPr>
+          <p:cNvPr id="9" name="Segnaposto testo 3">
+            <a:extLst>
+              <a:ext uri="{FF2B5EF4-FFF2-40B4-BE49-F238E27FC236}">
+                <a16:creationId xmlns:a16="http://schemas.microsoft.com/office/drawing/2014/main" id="{5443B68E-FE03-58B3-B5CD-576DD949444C}"/>
+              </a:ext>
+            </a:extLst>
+          </p:cNvPr>
+          <p:cNvSpPr txBox="1">
+            <a:spLocks/>
+          </p:cNvSpPr>
+          <p:nvPr/>
+        </p:nvSpPr>
+        <p:spPr>
+          <a:xfrm>
+            <a:off x="3955930" y="2328569"/>
+            <a:ext cx="871046" cy="295788"/>
+          </a:xfrm>
+          <a:prstGeom prst="rect">
+            <a:avLst/>
+          </a:prstGeom>
+        </p:spPr>
+        <p:txBody>
+          <a:bodyPr vert="horz" lIns="0" tIns="0" rIns="0" bIns="0" rtlCol="0">
+            <a:noAutofit/>
+          </a:bodyPr>
+          <a:lstStyle>
+            <a:lvl1pPr marL="0" indent="0" algn="l" defTabSz="914400" rtl="0" eaLnBrk="1" latinLnBrk="0" hangingPunct="1">
+              <a:lnSpc>
+                <a:spcPct val="100000"/>
+              </a:lnSpc>
+              <a:spcBef>
+                <a:spcPts val="1000"/>
+              </a:spcBef>
+              <a:buFont typeface="Arial" panose="020B0604020202020204" pitchFamily="34" charset="0"/>
+              <a:buNone/>
+              <a:defRPr sz="1600" b="0" i="0" kern="1200">
+                <a:solidFill>
+                  <a:schemeClr val="bg1"/>
+                </a:solidFill>
+                <a:latin typeface="+mn-lt"/>
+                <a:ea typeface="+mn-ea"/>
+                <a:cs typeface="+mn-cs"/>
+              </a:defRPr>
+            </a:lvl1pPr>
+            <a:lvl2pPr marL="685800" indent="-228600" algn="l" defTabSz="914400" rtl="0" eaLnBrk="1" latinLnBrk="0" hangingPunct="1">
+              <a:lnSpc>
+                <a:spcPct val="90000"/>
+              </a:lnSpc>
+              <a:spcBef>
+                <a:spcPts val="500"/>
+              </a:spcBef>
+              <a:buFont typeface="Arial" panose="020B0604020202020204" pitchFamily="34" charset="0"/>
+              <a:buChar char="•"/>
+              <a:defRPr sz="4000" b="0" i="0" kern="1200">
+                <a:solidFill>
+                  <a:schemeClr val="bg1"/>
+                </a:solidFill>
+                <a:latin typeface="+mn-lt"/>
+                <a:ea typeface="+mn-ea"/>
+                <a:cs typeface="+mn-cs"/>
+              </a:defRPr>
+            </a:lvl2pPr>
+            <a:lvl3pPr marL="1143000" indent="-228600" algn="l" defTabSz="914400" rtl="0" eaLnBrk="1" latinLnBrk="0" hangingPunct="1">
+              <a:lnSpc>
+                <a:spcPct val="90000"/>
+              </a:lnSpc>
+              <a:spcBef>
+                <a:spcPts val="500"/>
+              </a:spcBef>
+              <a:buFont typeface="Arial" panose="020B0604020202020204" pitchFamily="34" charset="0"/>
+              <a:buChar char="•"/>
+              <a:defRPr sz="4000" b="0" i="0" kern="1200">
+                <a:solidFill>
+                  <a:schemeClr val="bg1"/>
+                </a:solidFill>
+                <a:latin typeface="+mn-lt"/>
+                <a:ea typeface="+mn-ea"/>
+                <a:cs typeface="+mn-cs"/>
+              </a:defRPr>
+            </a:lvl3pPr>
+            <a:lvl4pPr marL="1600200" indent="-228600" algn="l" defTabSz="914400" rtl="0" eaLnBrk="1" latinLnBrk="0" hangingPunct="1">
+              <a:lnSpc>
+                <a:spcPct val="90000"/>
+              </a:lnSpc>
+              <a:spcBef>
+                <a:spcPts val="500"/>
+              </a:spcBef>
+              <a:buFont typeface="Arial" panose="020B0604020202020204" pitchFamily="34" charset="0"/>
+              <a:buChar char="•"/>
+              <a:defRPr sz="4000" b="0" i="0" kern="1200">
+                <a:solidFill>
+                  <a:schemeClr val="bg1"/>
+                </a:solidFill>
+                <a:latin typeface="+mn-lt"/>
+                <a:ea typeface="+mn-ea"/>
+                <a:cs typeface="+mn-cs"/>
+              </a:defRPr>
+            </a:lvl4pPr>
+            <a:lvl5pPr marL="2057400" indent="-228600" algn="l" defTabSz="914400" rtl="0" eaLnBrk="1" latinLnBrk="0" hangingPunct="1">
+              <a:lnSpc>
+                <a:spcPct val="90000"/>
+              </a:lnSpc>
+              <a:spcBef>
+                <a:spcPts val="500"/>
+              </a:spcBef>
+              <a:buFont typeface="Arial" panose="020B0604020202020204" pitchFamily="34" charset="0"/>
+              <a:buChar char="•"/>
+              <a:defRPr sz="4000" b="0" i="0" kern="1200">
+                <a:solidFill>
+                  <a:schemeClr val="bg1"/>
+                </a:solidFill>
+                <a:latin typeface="+mn-lt"/>
+                <a:ea typeface="+mn-ea"/>
+                <a:cs typeface="+mn-cs"/>
+              </a:defRPr>
+            </a:lvl5pPr>
+            <a:lvl6pPr marL="2514600" indent="-228600" algn="l" defTabSz="914400" rtl="0" eaLnBrk="1" latinLnBrk="0" hangingPunct="1">
+              <a:lnSpc>
+                <a:spcPct val="90000"/>
+              </a:lnSpc>
+              <a:spcBef>
+                <a:spcPts val="500"/>
+              </a:spcBef>
+              <a:buFont typeface="Arial" panose="020B0604020202020204" pitchFamily="34" charset="0"/>
+              <a:buChar char="•"/>
+              <a:defRPr sz="1800" kern="1200">
+                <a:solidFill>
+                  <a:schemeClr val="tx1"/>
+                </a:solidFill>
+                <a:latin typeface="+mn-lt"/>
+                <a:ea typeface="+mn-ea"/>
+                <a:cs typeface="+mn-cs"/>
+              </a:defRPr>
+            </a:lvl6pPr>
+            <a:lvl7pPr marL="2971800" indent="-228600" algn="l" defTabSz="914400" rtl="0" eaLnBrk="1" latinLnBrk="0" hangingPunct="1">
+              <a:lnSpc>
+                <a:spcPct val="90000"/>
+              </a:lnSpc>
+              <a:spcBef>
+                <a:spcPts val="500"/>
+              </a:spcBef>
+              <a:buFont typeface="Arial" panose="020B0604020202020204" pitchFamily="34" charset="0"/>
+              <a:buChar char="•"/>
+              <a:defRPr sz="1800" kern="1200">
+                <a:solidFill>
+                  <a:schemeClr val="tx1"/>
+                </a:solidFill>
+                <a:latin typeface="+mn-lt"/>
+                <a:ea typeface="+mn-ea"/>
+                <a:cs typeface="+mn-cs"/>
+              </a:defRPr>
+            </a:lvl7pPr>
+            <a:lvl8pPr marL="3429000" indent="-228600" algn="l" defTabSz="914400" rtl="0" eaLnBrk="1" latinLnBrk="0" hangingPunct="1">
+              <a:lnSpc>
+                <a:spcPct val="90000"/>
+              </a:lnSpc>
+              <a:spcBef>
+                <a:spcPts val="500"/>
+              </a:spcBef>
+              <a:buFont typeface="Arial" panose="020B0604020202020204" pitchFamily="34" charset="0"/>
+              <a:buChar char="•"/>
+              <a:defRPr sz="1800" kern="1200">
+                <a:solidFill>
+                  <a:schemeClr val="tx1"/>
+                </a:solidFill>
+                <a:latin typeface="+mn-lt"/>
+                <a:ea typeface="+mn-ea"/>
+                <a:cs typeface="+mn-cs"/>
+              </a:defRPr>
+            </a:lvl8pPr>
+            <a:lvl9pPr marL="3886200" indent="-228600" algn="l" defTabSz="914400" rtl="0" eaLnBrk="1" latinLnBrk="0" hangingPunct="1">
+              <a:lnSpc>
+                <a:spcPct val="90000"/>
+              </a:lnSpc>
+              <a:spcBef>
+                <a:spcPts val="500"/>
+              </a:spcBef>
+              <a:buFont typeface="Arial" panose="020B0604020202020204" pitchFamily="34" charset="0"/>
+              <a:buChar char="•"/>
+              <a:defRPr sz="1800" kern="1200">
+                <a:solidFill>
+                  <a:schemeClr val="tx1"/>
+                </a:solidFill>
+                <a:latin typeface="+mn-lt"/>
+                <a:ea typeface="+mn-ea"/>
+                <a:cs typeface="+mn-cs"/>
+              </a:defRPr>
+            </a:lvl9pPr>
+          </a:lstStyle>
+          <a:p>
+            <a:r>
+              <a:rPr lang="en-US" dirty="0"/>
+              <a:t>OS161</a:t>
+            </a:r>
+          </a:p>
+        </p:txBody>
+      </p:sp>
+      <p:sp>
+        <p:nvSpPr>
+          <p:cNvPr id="11" name="Segnaposto testo 3">
+            <a:extLst>
+              <a:ext uri="{FF2B5EF4-FFF2-40B4-BE49-F238E27FC236}">
+                <a16:creationId xmlns:a16="http://schemas.microsoft.com/office/drawing/2014/main" id="{2E132792-F45D-BF1B-F8D4-D96CDF810EB9}"/>
+              </a:ext>
+            </a:extLst>
+          </p:cNvPr>
+          <p:cNvSpPr txBox="1">
+            <a:spLocks/>
+          </p:cNvSpPr>
+          <p:nvPr/>
+        </p:nvSpPr>
+        <p:spPr>
+          <a:xfrm>
+            <a:off x="3958657" y="4288164"/>
+            <a:ext cx="3272459" cy="796431"/>
+          </a:xfrm>
+          <a:prstGeom prst="rect">
+            <a:avLst/>
+          </a:prstGeom>
+        </p:spPr>
+        <p:txBody>
+          <a:bodyPr vert="horz" lIns="0" tIns="0" rIns="0" bIns="0" rtlCol="0">
+            <a:noAutofit/>
+          </a:bodyPr>
+          <a:lstStyle>
+            <a:lvl1pPr marL="0" indent="0" algn="l" defTabSz="914400" rtl="0" eaLnBrk="1" latinLnBrk="0" hangingPunct="1">
+              <a:lnSpc>
+                <a:spcPct val="100000"/>
+              </a:lnSpc>
+              <a:spcBef>
+                <a:spcPts val="1000"/>
+              </a:spcBef>
+              <a:buFont typeface="Arial" panose="020B0604020202020204" pitchFamily="34" charset="0"/>
+              <a:buNone/>
+              <a:defRPr sz="1600" b="0" i="0" kern="1200">
+                <a:solidFill>
+                  <a:schemeClr val="bg1"/>
+                </a:solidFill>
+                <a:latin typeface="+mn-lt"/>
+                <a:ea typeface="+mn-ea"/>
+                <a:cs typeface="+mn-cs"/>
+              </a:defRPr>
+            </a:lvl1pPr>
+            <a:lvl2pPr marL="685800" indent="-228600" algn="l" defTabSz="914400" rtl="0" eaLnBrk="1" latinLnBrk="0" hangingPunct="1">
+              <a:lnSpc>
+                <a:spcPct val="90000"/>
+              </a:lnSpc>
+              <a:spcBef>
+                <a:spcPts val="500"/>
+              </a:spcBef>
+              <a:buFont typeface="Arial" panose="020B0604020202020204" pitchFamily="34" charset="0"/>
+              <a:buChar char="•"/>
+              <a:defRPr sz="4000" b="0" i="0" kern="1200">
+                <a:solidFill>
+                  <a:schemeClr val="bg1"/>
+                </a:solidFill>
+                <a:latin typeface="+mn-lt"/>
+                <a:ea typeface="+mn-ea"/>
+                <a:cs typeface="+mn-cs"/>
+              </a:defRPr>
+            </a:lvl2pPr>
+            <a:lvl3pPr marL="1143000" indent="-228600" algn="l" defTabSz="914400" rtl="0" eaLnBrk="1" latinLnBrk="0" hangingPunct="1">
+              <a:lnSpc>
+                <a:spcPct val="90000"/>
+              </a:lnSpc>
+              <a:spcBef>
+                <a:spcPts val="500"/>
+              </a:spcBef>
+              <a:buFont typeface="Arial" panose="020B0604020202020204" pitchFamily="34" charset="0"/>
+              <a:buChar char="•"/>
+              <a:defRPr sz="4000" b="0" i="0" kern="1200">
+                <a:solidFill>
+                  <a:schemeClr val="bg1"/>
+                </a:solidFill>
+                <a:latin typeface="+mn-lt"/>
+                <a:ea typeface="+mn-ea"/>
+                <a:cs typeface="+mn-cs"/>
+              </a:defRPr>
+            </a:lvl3pPr>
+            <a:lvl4pPr marL="1600200" indent="-228600" algn="l" defTabSz="914400" rtl="0" eaLnBrk="1" latinLnBrk="0" hangingPunct="1">
+              <a:lnSpc>
+                <a:spcPct val="90000"/>
+              </a:lnSpc>
+              <a:spcBef>
+                <a:spcPts val="500"/>
+              </a:spcBef>
+              <a:buFont typeface="Arial" panose="020B0604020202020204" pitchFamily="34" charset="0"/>
+              <a:buChar char="•"/>
+              <a:defRPr sz="4000" b="0" i="0" kern="1200">
+                <a:solidFill>
+                  <a:schemeClr val="bg1"/>
+                </a:solidFill>
+                <a:latin typeface="+mn-lt"/>
+                <a:ea typeface="+mn-ea"/>
+                <a:cs typeface="+mn-cs"/>
+              </a:defRPr>
+            </a:lvl4pPr>
+            <a:lvl5pPr marL="2057400" indent="-228600" algn="l" defTabSz="914400" rtl="0" eaLnBrk="1" latinLnBrk="0" hangingPunct="1">
+              <a:lnSpc>
+                <a:spcPct val="90000"/>
+              </a:lnSpc>
+              <a:spcBef>
+                <a:spcPts val="500"/>
+              </a:spcBef>
+              <a:buFont typeface="Arial" panose="020B0604020202020204" pitchFamily="34" charset="0"/>
+              <a:buChar char="•"/>
+              <a:defRPr sz="4000" b="0" i="0" kern="1200">
+                <a:solidFill>
+                  <a:schemeClr val="bg1"/>
+                </a:solidFill>
+                <a:latin typeface="+mn-lt"/>
+                <a:ea typeface="+mn-ea"/>
+                <a:cs typeface="+mn-cs"/>
+              </a:defRPr>
+            </a:lvl5pPr>
+            <a:lvl6pPr marL="2514600" indent="-228600" algn="l" defTabSz="914400" rtl="0" eaLnBrk="1" latinLnBrk="0" hangingPunct="1">
+              <a:lnSpc>
+                <a:spcPct val="90000"/>
+              </a:lnSpc>
+              <a:spcBef>
+                <a:spcPts val="500"/>
+              </a:spcBef>
+              <a:buFont typeface="Arial" panose="020B0604020202020204" pitchFamily="34" charset="0"/>
+              <a:buChar char="•"/>
+              <a:defRPr sz="1800" kern="1200">
+                <a:solidFill>
+                  <a:schemeClr val="tx1"/>
+                </a:solidFill>
+                <a:latin typeface="+mn-lt"/>
+                <a:ea typeface="+mn-ea"/>
+                <a:cs typeface="+mn-cs"/>
+              </a:defRPr>
+            </a:lvl6pPr>
+            <a:lvl7pPr marL="2971800" indent="-228600" algn="l" defTabSz="914400" rtl="0" eaLnBrk="1" latinLnBrk="0" hangingPunct="1">
+              <a:lnSpc>
+                <a:spcPct val="90000"/>
+              </a:lnSpc>
+              <a:spcBef>
+                <a:spcPts val="500"/>
+              </a:spcBef>
+              <a:buFont typeface="Arial" panose="020B0604020202020204" pitchFamily="34" charset="0"/>
+              <a:buChar char="•"/>
+              <a:defRPr sz="1800" kern="1200">
+                <a:solidFill>
+                  <a:schemeClr val="tx1"/>
+                </a:solidFill>
+                <a:latin typeface="+mn-lt"/>
+                <a:ea typeface="+mn-ea"/>
+                <a:cs typeface="+mn-cs"/>
+              </a:defRPr>
+            </a:lvl7pPr>
+            <a:lvl8pPr marL="3429000" indent="-228600" algn="l" defTabSz="914400" rtl="0" eaLnBrk="1" latinLnBrk="0" hangingPunct="1">
+              <a:lnSpc>
+                <a:spcPct val="90000"/>
+              </a:lnSpc>
+              <a:spcBef>
+                <a:spcPts val="500"/>
+              </a:spcBef>
+              <a:buFont typeface="Arial" panose="020B0604020202020204" pitchFamily="34" charset="0"/>
+              <a:buChar char="•"/>
+              <a:defRPr sz="1800" kern="1200">
+                <a:solidFill>
+                  <a:schemeClr val="tx1"/>
+                </a:solidFill>
+                <a:latin typeface="+mn-lt"/>
+                <a:ea typeface="+mn-ea"/>
+                <a:cs typeface="+mn-cs"/>
+              </a:defRPr>
+            </a:lvl8pPr>
+            <a:lvl9pPr marL="3886200" indent="-228600" algn="l" defTabSz="914400" rtl="0" eaLnBrk="1" latinLnBrk="0" hangingPunct="1">
+              <a:lnSpc>
+                <a:spcPct val="90000"/>
+              </a:lnSpc>
+              <a:spcBef>
+                <a:spcPts val="500"/>
+              </a:spcBef>
+              <a:buFont typeface="Arial" panose="020B0604020202020204" pitchFamily="34" charset="0"/>
+              <a:buChar char="•"/>
+              <a:defRPr sz="1800" kern="1200">
+                <a:solidFill>
+                  <a:schemeClr val="tx1"/>
+                </a:solidFill>
+                <a:latin typeface="+mn-lt"/>
+                <a:ea typeface="+mn-ea"/>
+                <a:cs typeface="+mn-cs"/>
+              </a:defRPr>
+            </a:lvl9pPr>
+          </a:lstStyle>
+          <a:p>
+            <a:r>
+              <a:rPr lang="en-US" dirty="0"/>
+              <a:t>XV6</a:t>
+            </a:r>
+          </a:p>
+          <a:p>
+            <a:pPr marL="285750" indent="-285750">
+              <a:buFont typeface="Arial" panose="020B0604020202020204" pitchFamily="34" charset="0"/>
+              <a:buChar char="•"/>
+            </a:pPr>
+            <a:r>
+              <a:rPr lang="en-US" dirty="0"/>
+              <a:t>Non </a:t>
+            </a:r>
+            <a:r>
+              <a:rPr lang="en-US" dirty="0" err="1"/>
+              <a:t>sono</a:t>
+            </a:r>
+            <a:r>
+              <a:rPr lang="en-US" dirty="0"/>
+              <a:t> </a:t>
+            </a:r>
+            <a:r>
+              <a:rPr lang="en-US" dirty="0" err="1"/>
+              <a:t>presenti</a:t>
+            </a:r>
+            <a:r>
+              <a:rPr lang="en-US" dirty="0"/>
+              <a:t> </a:t>
+            </a:r>
+            <a:r>
+              <a:rPr lang="en-US" dirty="0" err="1"/>
+              <a:t>i</a:t>
+            </a:r>
+            <a:r>
+              <a:rPr lang="en-US" dirty="0"/>
+              <a:t> </a:t>
+            </a:r>
+            <a:r>
+              <a:rPr lang="en-US" dirty="0" err="1"/>
+              <a:t>semafori</a:t>
+            </a:r>
+            <a:r>
+              <a:rPr lang="en-US" dirty="0"/>
+              <a:t>.</a:t>
+            </a:r>
+          </a:p>
+        </p:txBody>
+      </p:sp>
+      <p:pic>
+        <p:nvPicPr>
+          <p:cNvPr id="10" name="Immagine 9" descr="Immagine che contiene testo, schermata, Carattere&#10;&#10;Descrizione generata automaticamente">
+            <a:extLst>
+              <a:ext uri="{FF2B5EF4-FFF2-40B4-BE49-F238E27FC236}">
+                <a16:creationId xmlns:a16="http://schemas.microsoft.com/office/drawing/2014/main" id="{6996B82F-C5C1-2CB6-D110-818FF83181AC}"/>
+              </a:ext>
+            </a:extLst>
+          </p:cNvPr>
+          <p:cNvPicPr>
+            <a:picLocks noChangeAspect="1"/>
+          </p:cNvPicPr>
+          <p:nvPr/>
+        </p:nvPicPr>
+        <p:blipFill>
+          <a:blip r:embed="rId2">
+            <a:extLst>
+              <a:ext uri="{28A0092B-C50C-407E-A947-70E740481C1C}">
+                <a14:useLocalDpi xmlns:a14="http://schemas.microsoft.com/office/drawing/2010/main" val="0"/>
+              </a:ext>
+            </a:extLst>
+          </a:blip>
+          <a:stretch>
+            <a:fillRect/>
+          </a:stretch>
+        </p:blipFill>
+        <p:spPr>
+          <a:xfrm>
+            <a:off x="3955930" y="2645592"/>
+            <a:ext cx="5588000" cy="1435100"/>
+          </a:xfrm>
+          <a:prstGeom prst="rect">
+            <a:avLst/>
+          </a:prstGeom>
+        </p:spPr>
+      </p:pic>
+    </p:spTree>
+    <p:extLst>
+      <p:ext uri="{BB962C8B-B14F-4D97-AF65-F5344CB8AC3E}">
+        <p14:creationId xmlns:p14="http://schemas.microsoft.com/office/powerpoint/2010/main" val="3338571859"/>
+      </p:ext>
+    </p:extLst>
+  </p:cSld>
+  <p:clrMapOvr>
+    <a:masterClrMapping/>
+  </p:clrMapOvr>
+</p:sld>
+</file>
+
+<file path=ppt/slides/slide23.xml><?xml version="1.0" encoding="utf-8"?>
+<p:sld xmlns:a="http://schemas.openxmlformats.org/drawingml/2006/main" xmlns:r="http://schemas.openxmlformats.org/officeDocument/2006/relationships" xmlns:p="http://schemas.openxmlformats.org/presentationml/2006/main">
+  <p:cSld>
+    <p:spTree>
+      <p:nvGrpSpPr>
+        <p:cNvPr id="1" name=""/>
+        <p:cNvGrpSpPr/>
+        <p:nvPr/>
+      </p:nvGrpSpPr>
+      <p:grpSpPr>
+        <a:xfrm>
+          <a:off x="0" y="0"/>
+          <a:ext cx="0" cy="0"/>
+          <a:chOff x="0" y="0"/>
+          <a:chExt cx="0" cy="0"/>
+        </a:xfrm>
+      </p:grpSpPr>
+      <p:sp>
+        <p:nvSpPr>
+          <p:cNvPr id="3" name="Titolo 2">
+            <a:extLst>
+              <a:ext uri="{FF2B5EF4-FFF2-40B4-BE49-F238E27FC236}">
+                <a16:creationId xmlns:a16="http://schemas.microsoft.com/office/drawing/2014/main" id="{B9054134-716F-1CBD-D466-A5813A3D817F}"/>
+              </a:ext>
+            </a:extLst>
+          </p:cNvPr>
+          <p:cNvSpPr>
+            <a:spLocks noGrp="1"/>
+          </p:cNvSpPr>
+          <p:nvPr>
+            <p:ph type="title"/>
+          </p:nvPr>
+        </p:nvSpPr>
+        <p:spPr>
+          <a:xfrm>
+            <a:off x="952499" y="646310"/>
+            <a:ext cx="4941477" cy="610863"/>
+          </a:xfrm>
+        </p:spPr>
+        <p:txBody>
+          <a:bodyPr>
+            <a:normAutofit/>
+          </a:bodyPr>
+          <a:lstStyle/>
+          <a:p>
+            <a:r>
+              <a:rPr lang="en-US" dirty="0"/>
+              <a:t>P()</a:t>
+            </a:r>
+          </a:p>
+        </p:txBody>
+      </p:sp>
+      <p:sp>
+        <p:nvSpPr>
+          <p:cNvPr id="4" name="Segnaposto testo 3">
+            <a:extLst>
+              <a:ext uri="{FF2B5EF4-FFF2-40B4-BE49-F238E27FC236}">
+                <a16:creationId xmlns:a16="http://schemas.microsoft.com/office/drawing/2014/main" id="{FE7B1D6D-BD82-2AD6-2E20-AB168A315F39}"/>
+              </a:ext>
+            </a:extLst>
+          </p:cNvPr>
+          <p:cNvSpPr>
+            <a:spLocks noGrp="1"/>
+          </p:cNvSpPr>
+          <p:nvPr>
+            <p:ph type="body" sz="quarter" idx="11"/>
+          </p:nvPr>
+        </p:nvSpPr>
+        <p:spPr/>
+        <p:txBody>
+          <a:bodyPr/>
+          <a:lstStyle/>
+          <a:p>
+            <a:r>
+              <a:rPr lang="en-US" sz="2400" dirty="0"/>
+              <a:t>OS161</a:t>
+            </a:r>
+          </a:p>
+        </p:txBody>
+      </p:sp>
+      <p:sp>
+        <p:nvSpPr>
+          <p:cNvPr id="5" name="Segnaposto piè di pagina 4">
+            <a:extLst>
+              <a:ext uri="{FF2B5EF4-FFF2-40B4-BE49-F238E27FC236}">
+                <a16:creationId xmlns:a16="http://schemas.microsoft.com/office/drawing/2014/main" id="{03C001CA-E2A8-7CFD-414C-A2FDAEBF1FC9}"/>
+              </a:ext>
+            </a:extLst>
+          </p:cNvPr>
+          <p:cNvSpPr>
+            <a:spLocks noGrp="1"/>
+          </p:cNvSpPr>
+          <p:nvPr>
+            <p:ph type="ftr" sz="quarter" idx="15"/>
+          </p:nvPr>
+        </p:nvSpPr>
+        <p:spPr>
+          <a:xfrm>
+            <a:off x="1494789" y="6332220"/>
+            <a:ext cx="2552277" cy="247651"/>
+          </a:xfrm>
+        </p:spPr>
+        <p:txBody>
+          <a:bodyPr/>
+          <a:lstStyle/>
+          <a:p>
+            <a:r>
+              <a:rPr lang="it-IT" b="0" dirty="0"/>
+              <a:t>Programmazione</a:t>
+            </a:r>
+            <a:r>
+              <a:rPr lang="en-US" b="0" dirty="0"/>
+              <a:t> di Sistema – 2023/24</a:t>
+            </a:r>
+          </a:p>
+        </p:txBody>
+      </p:sp>
+      <p:sp>
+        <p:nvSpPr>
+          <p:cNvPr id="6" name="Segnaposto numero diapositiva 5">
+            <a:extLst>
+              <a:ext uri="{FF2B5EF4-FFF2-40B4-BE49-F238E27FC236}">
+                <a16:creationId xmlns:a16="http://schemas.microsoft.com/office/drawing/2014/main" id="{333800D2-0446-E7C1-8ED8-FC146DDB7BBE}"/>
+              </a:ext>
+            </a:extLst>
+          </p:cNvPr>
+          <p:cNvSpPr>
+            <a:spLocks noGrp="1"/>
+          </p:cNvSpPr>
+          <p:nvPr>
+            <p:ph type="sldNum" sz="quarter" idx="16"/>
+          </p:nvPr>
+        </p:nvSpPr>
+        <p:spPr/>
+        <p:txBody>
+          <a:bodyPr/>
+          <a:lstStyle/>
+          <a:p>
+            <a:fld id="{294A09A9-5501-47C1-A89A-A340965A2BE2}" type="slidenum">
+              <a:rPr lang="en-US" smtClean="0"/>
+              <a:pPr/>
+              <a:t>23</a:t>
+            </a:fld>
+            <a:endParaRPr lang="en-US" dirty="0">
+              <a:latin typeface="+mn-lt"/>
+            </a:endParaRPr>
+          </a:p>
+        </p:txBody>
+      </p:sp>
+      <p:pic>
+        <p:nvPicPr>
+          <p:cNvPr id="8" name="Immagine 7" descr="Immagine che contiene testo, schermata, software, Software multimediale&#10;&#10;Descrizione generata automaticamente">
+            <a:extLst>
+              <a:ext uri="{FF2B5EF4-FFF2-40B4-BE49-F238E27FC236}">
+                <a16:creationId xmlns:a16="http://schemas.microsoft.com/office/drawing/2014/main" id="{8DA4BD75-0EF9-3110-5058-760984DBAEDD}"/>
+              </a:ext>
+            </a:extLst>
+          </p:cNvPr>
+          <p:cNvPicPr>
+            <a:picLocks noChangeAspect="1"/>
+          </p:cNvPicPr>
+          <p:nvPr/>
+        </p:nvPicPr>
+        <p:blipFill>
+          <a:blip r:embed="rId2">
+            <a:extLst>
+              <a:ext uri="{28A0092B-C50C-407E-A947-70E740481C1C}">
+                <a14:useLocalDpi xmlns:a14="http://schemas.microsoft.com/office/drawing/2010/main" val="0"/>
+              </a:ext>
+            </a:extLst>
+          </a:blip>
+          <a:stretch>
+            <a:fillRect/>
+          </a:stretch>
+        </p:blipFill>
+        <p:spPr>
+          <a:xfrm>
+            <a:off x="3799298" y="1900665"/>
+            <a:ext cx="7772400" cy="3723659"/>
+          </a:xfrm>
+          <a:prstGeom prst="rect">
+            <a:avLst/>
+          </a:prstGeom>
+        </p:spPr>
+      </p:pic>
+    </p:spTree>
+    <p:extLst>
+      <p:ext uri="{BB962C8B-B14F-4D97-AF65-F5344CB8AC3E}">
+        <p14:creationId xmlns:p14="http://schemas.microsoft.com/office/powerpoint/2010/main" val="2794759816"/>
+      </p:ext>
+    </p:extLst>
+  </p:cSld>
+  <p:clrMapOvr>
+    <a:masterClrMapping/>
+  </p:clrMapOvr>
+</p:sld>
+</file>
+
+<file path=ppt/slides/slide24.xml><?xml version="1.0" encoding="utf-8"?>
+<p:sld xmlns:a="http://schemas.openxmlformats.org/drawingml/2006/main" xmlns:r="http://schemas.openxmlformats.org/officeDocument/2006/relationships" xmlns:p="http://schemas.openxmlformats.org/presentationml/2006/main">
+  <p:cSld>
+    <p:spTree>
+      <p:nvGrpSpPr>
+        <p:cNvPr id="1" name=""/>
+        <p:cNvGrpSpPr/>
+        <p:nvPr/>
+      </p:nvGrpSpPr>
+      <p:grpSpPr>
+        <a:xfrm>
+          <a:off x="0" y="0"/>
+          <a:ext cx="0" cy="0"/>
+          <a:chOff x="0" y="0"/>
+          <a:chExt cx="0" cy="0"/>
+        </a:xfrm>
+      </p:grpSpPr>
+      <p:sp>
+        <p:nvSpPr>
+          <p:cNvPr id="3" name="Titolo 2">
+            <a:extLst>
+              <a:ext uri="{FF2B5EF4-FFF2-40B4-BE49-F238E27FC236}">
+                <a16:creationId xmlns:a16="http://schemas.microsoft.com/office/drawing/2014/main" id="{B9054134-716F-1CBD-D466-A5813A3D817F}"/>
+              </a:ext>
+            </a:extLst>
+          </p:cNvPr>
+          <p:cNvSpPr>
+            <a:spLocks noGrp="1"/>
+          </p:cNvSpPr>
+          <p:nvPr>
+            <p:ph type="title"/>
+          </p:nvPr>
+        </p:nvSpPr>
+        <p:spPr>
+          <a:xfrm>
+            <a:off x="952499" y="646310"/>
+            <a:ext cx="4941477" cy="610863"/>
+          </a:xfrm>
+        </p:spPr>
+        <p:txBody>
+          <a:bodyPr>
+            <a:normAutofit/>
+          </a:bodyPr>
+          <a:lstStyle/>
+          <a:p>
+            <a:r>
+              <a:rPr lang="en-US" dirty="0"/>
+              <a:t>V()</a:t>
+            </a:r>
+          </a:p>
+        </p:txBody>
+      </p:sp>
+      <p:sp>
+        <p:nvSpPr>
+          <p:cNvPr id="4" name="Segnaposto testo 3">
+            <a:extLst>
+              <a:ext uri="{FF2B5EF4-FFF2-40B4-BE49-F238E27FC236}">
+                <a16:creationId xmlns:a16="http://schemas.microsoft.com/office/drawing/2014/main" id="{FE7B1D6D-BD82-2AD6-2E20-AB168A315F39}"/>
+              </a:ext>
+            </a:extLst>
+          </p:cNvPr>
+          <p:cNvSpPr>
+            <a:spLocks noGrp="1"/>
+          </p:cNvSpPr>
+          <p:nvPr>
+            <p:ph type="body" sz="quarter" idx="11"/>
+          </p:nvPr>
+        </p:nvSpPr>
+        <p:spPr/>
+        <p:txBody>
+          <a:bodyPr/>
+          <a:lstStyle/>
+          <a:p>
+            <a:r>
+              <a:rPr lang="en-US" sz="2400" dirty="0"/>
+              <a:t>OS161</a:t>
+            </a:r>
+          </a:p>
+        </p:txBody>
+      </p:sp>
+      <p:sp>
+        <p:nvSpPr>
+          <p:cNvPr id="5" name="Segnaposto piè di pagina 4">
+            <a:extLst>
+              <a:ext uri="{FF2B5EF4-FFF2-40B4-BE49-F238E27FC236}">
+                <a16:creationId xmlns:a16="http://schemas.microsoft.com/office/drawing/2014/main" id="{03C001CA-E2A8-7CFD-414C-A2FDAEBF1FC9}"/>
+              </a:ext>
+            </a:extLst>
+          </p:cNvPr>
+          <p:cNvSpPr>
+            <a:spLocks noGrp="1"/>
+          </p:cNvSpPr>
+          <p:nvPr>
+            <p:ph type="ftr" sz="quarter" idx="15"/>
+          </p:nvPr>
+        </p:nvSpPr>
+        <p:spPr>
+          <a:xfrm>
+            <a:off x="1494789" y="6332220"/>
+            <a:ext cx="2552277" cy="247651"/>
+          </a:xfrm>
+        </p:spPr>
+        <p:txBody>
+          <a:bodyPr/>
+          <a:lstStyle/>
+          <a:p>
+            <a:r>
+              <a:rPr lang="it-IT" b="0" dirty="0"/>
+              <a:t>Programmazione</a:t>
+            </a:r>
+            <a:r>
+              <a:rPr lang="en-US" b="0" dirty="0"/>
+              <a:t> di Sistema – 2023/24</a:t>
+            </a:r>
+          </a:p>
+        </p:txBody>
+      </p:sp>
+      <p:sp>
+        <p:nvSpPr>
+          <p:cNvPr id="6" name="Segnaposto numero diapositiva 5">
+            <a:extLst>
+              <a:ext uri="{FF2B5EF4-FFF2-40B4-BE49-F238E27FC236}">
+                <a16:creationId xmlns:a16="http://schemas.microsoft.com/office/drawing/2014/main" id="{333800D2-0446-E7C1-8ED8-FC146DDB7BBE}"/>
+              </a:ext>
+            </a:extLst>
+          </p:cNvPr>
+          <p:cNvSpPr>
+            <a:spLocks noGrp="1"/>
+          </p:cNvSpPr>
+          <p:nvPr>
+            <p:ph type="sldNum" sz="quarter" idx="16"/>
+          </p:nvPr>
+        </p:nvSpPr>
+        <p:spPr/>
+        <p:txBody>
+          <a:bodyPr/>
+          <a:lstStyle/>
+          <a:p>
+            <a:fld id="{294A09A9-5501-47C1-A89A-A340965A2BE2}" type="slidenum">
+              <a:rPr lang="en-US" smtClean="0"/>
+              <a:pPr/>
+              <a:t>24</a:t>
+            </a:fld>
+            <a:endParaRPr lang="en-US" dirty="0">
+              <a:latin typeface="+mn-lt"/>
+            </a:endParaRPr>
+          </a:p>
+        </p:txBody>
+      </p:sp>
+      <p:pic>
+        <p:nvPicPr>
+          <p:cNvPr id="7" name="Immagine 6" descr="Immagine che contiene testo, schermata, software, Carattere&#10;&#10;Descrizione generata automaticamente">
+            <a:extLst>
+              <a:ext uri="{FF2B5EF4-FFF2-40B4-BE49-F238E27FC236}">
+                <a16:creationId xmlns:a16="http://schemas.microsoft.com/office/drawing/2014/main" id="{1A3354EB-FD9F-49AB-FB25-B18C6646B795}"/>
+              </a:ext>
+            </a:extLst>
+          </p:cNvPr>
+          <p:cNvPicPr>
+            <a:picLocks noChangeAspect="1"/>
+          </p:cNvPicPr>
+          <p:nvPr/>
+        </p:nvPicPr>
+        <p:blipFill>
+          <a:blip r:embed="rId2">
+            <a:extLst>
+              <a:ext uri="{28A0092B-C50C-407E-A947-70E740481C1C}">
+                <a14:useLocalDpi xmlns:a14="http://schemas.microsoft.com/office/drawing/2010/main" val="0"/>
+              </a:ext>
+            </a:extLst>
+          </a:blip>
+          <a:stretch>
+            <a:fillRect/>
+          </a:stretch>
+        </p:blipFill>
+        <p:spPr>
+          <a:xfrm>
+            <a:off x="4226692" y="1890767"/>
+            <a:ext cx="7480300" cy="4127500"/>
+          </a:xfrm>
+          <a:prstGeom prst="rect">
+            <a:avLst/>
+          </a:prstGeom>
+        </p:spPr>
+      </p:pic>
+    </p:spTree>
+    <p:extLst>
+      <p:ext uri="{BB962C8B-B14F-4D97-AF65-F5344CB8AC3E}">
+        <p14:creationId xmlns:p14="http://schemas.microsoft.com/office/powerpoint/2010/main" val="2435411597"/>
+      </p:ext>
+    </p:extLst>
+  </p:cSld>
+  <p:clrMapOvr>
+    <a:masterClrMapping/>
+  </p:clrMapOvr>
+</p:sld>
+</file>
+
+<file path=ppt/slides/slide25.xml><?xml version="1.0" encoding="utf-8"?>
+<p:sld xmlns:a="http://schemas.openxmlformats.org/drawingml/2006/main" xmlns:r="http://schemas.openxmlformats.org/officeDocument/2006/relationships" xmlns:p="http://schemas.openxmlformats.org/presentationml/2006/main">
+  <p:cSld>
+    <p:spTree>
+      <p:nvGrpSpPr>
+        <p:cNvPr id="1" name=""/>
+        <p:cNvGrpSpPr/>
+        <p:nvPr/>
+      </p:nvGrpSpPr>
+      <p:grpSpPr>
+        <a:xfrm>
+          <a:off x="0" y="0"/>
+          <a:ext cx="0" cy="0"/>
+          <a:chOff x="0" y="0"/>
+          <a:chExt cx="0" cy="0"/>
+        </a:xfrm>
+      </p:grpSpPr>
+      <p:sp>
+        <p:nvSpPr>
+          <p:cNvPr id="3" name="Titolo 2">
+            <a:extLst>
+              <a:ext uri="{FF2B5EF4-FFF2-40B4-BE49-F238E27FC236}">
+                <a16:creationId xmlns:a16="http://schemas.microsoft.com/office/drawing/2014/main" id="{B9054134-716F-1CBD-D466-A5813A3D817F}"/>
+              </a:ext>
+            </a:extLst>
+          </p:cNvPr>
+          <p:cNvSpPr>
+            <a:spLocks noGrp="1"/>
+          </p:cNvSpPr>
+          <p:nvPr>
+            <p:ph type="title"/>
+          </p:nvPr>
+        </p:nvSpPr>
+        <p:spPr/>
+        <p:txBody>
+          <a:bodyPr>
+            <a:normAutofit fontScale="90000"/>
+          </a:bodyPr>
+          <a:lstStyle/>
+          <a:p>
+            <a:r>
+              <a:rPr lang="en-US" dirty="0" err="1"/>
+              <a:t>Meccanismi</a:t>
+            </a:r>
+            <a:r>
+              <a:rPr lang="en-US" dirty="0"/>
+              <a:t> di </a:t>
+            </a:r>
+            <a:r>
+              <a:rPr lang="en-US" dirty="0" err="1"/>
+              <a:t>sincronizzazione</a:t>
+            </a:r>
+            <a:endParaRPr lang="en-US" dirty="0"/>
+          </a:p>
+        </p:txBody>
+      </p:sp>
+      <p:sp>
+        <p:nvSpPr>
+          <p:cNvPr id="4" name="Segnaposto testo 3">
+            <a:extLst>
+              <a:ext uri="{FF2B5EF4-FFF2-40B4-BE49-F238E27FC236}">
+                <a16:creationId xmlns:a16="http://schemas.microsoft.com/office/drawing/2014/main" id="{FE7B1D6D-BD82-2AD6-2E20-AB168A315F39}"/>
+              </a:ext>
+            </a:extLst>
+          </p:cNvPr>
+          <p:cNvSpPr>
+            <a:spLocks noGrp="1"/>
+          </p:cNvSpPr>
+          <p:nvPr>
+            <p:ph type="body" sz="quarter" idx="11"/>
+          </p:nvPr>
+        </p:nvSpPr>
+        <p:spPr/>
+        <p:txBody>
+          <a:bodyPr/>
+          <a:lstStyle/>
+          <a:p>
+            <a:r>
+              <a:rPr lang="en-US" sz="2400" dirty="0"/>
+              <a:t>SLEEPLOCK</a:t>
+            </a:r>
+          </a:p>
+        </p:txBody>
+      </p:sp>
+      <p:sp>
+        <p:nvSpPr>
+          <p:cNvPr id="5" name="Segnaposto piè di pagina 4">
+            <a:extLst>
+              <a:ext uri="{FF2B5EF4-FFF2-40B4-BE49-F238E27FC236}">
+                <a16:creationId xmlns:a16="http://schemas.microsoft.com/office/drawing/2014/main" id="{03C001CA-E2A8-7CFD-414C-A2FDAEBF1FC9}"/>
+              </a:ext>
+            </a:extLst>
+          </p:cNvPr>
+          <p:cNvSpPr>
+            <a:spLocks noGrp="1"/>
+          </p:cNvSpPr>
+          <p:nvPr>
+            <p:ph type="ftr" sz="quarter" idx="15"/>
+          </p:nvPr>
+        </p:nvSpPr>
+        <p:spPr>
+          <a:xfrm>
+            <a:off x="1494789" y="6332220"/>
+            <a:ext cx="2552277" cy="247651"/>
+          </a:xfrm>
+        </p:spPr>
+        <p:txBody>
+          <a:bodyPr/>
+          <a:lstStyle/>
+          <a:p>
+            <a:r>
+              <a:rPr lang="it-IT" b="0" dirty="0"/>
+              <a:t>Programmazione</a:t>
+            </a:r>
+            <a:r>
+              <a:rPr lang="en-US" b="0" dirty="0"/>
+              <a:t> di Sistema – 2023/24</a:t>
+            </a:r>
+          </a:p>
+        </p:txBody>
+      </p:sp>
+      <p:sp>
+        <p:nvSpPr>
+          <p:cNvPr id="6" name="Segnaposto numero diapositiva 5">
+            <a:extLst>
+              <a:ext uri="{FF2B5EF4-FFF2-40B4-BE49-F238E27FC236}">
+                <a16:creationId xmlns:a16="http://schemas.microsoft.com/office/drawing/2014/main" id="{333800D2-0446-E7C1-8ED8-FC146DDB7BBE}"/>
+              </a:ext>
+            </a:extLst>
+          </p:cNvPr>
+          <p:cNvSpPr>
+            <a:spLocks noGrp="1"/>
+          </p:cNvSpPr>
+          <p:nvPr>
+            <p:ph type="sldNum" sz="quarter" idx="16"/>
+          </p:nvPr>
+        </p:nvSpPr>
+        <p:spPr/>
+        <p:txBody>
+          <a:bodyPr/>
+          <a:lstStyle/>
+          <a:p>
+            <a:fld id="{294A09A9-5501-47C1-A89A-A340965A2BE2}" type="slidenum">
+              <a:rPr lang="en-US" smtClean="0"/>
+              <a:pPr/>
+              <a:t>25</a:t>
+            </a:fld>
+            <a:endParaRPr lang="en-US" dirty="0">
+              <a:latin typeface="+mn-lt"/>
+            </a:endParaRPr>
+          </a:p>
+        </p:txBody>
+      </p:sp>
+      <p:sp>
+        <p:nvSpPr>
+          <p:cNvPr id="9" name="Segnaposto testo 3">
+            <a:extLst>
+              <a:ext uri="{FF2B5EF4-FFF2-40B4-BE49-F238E27FC236}">
+                <a16:creationId xmlns:a16="http://schemas.microsoft.com/office/drawing/2014/main" id="{5443B68E-FE03-58B3-B5CD-576DD949444C}"/>
+              </a:ext>
+            </a:extLst>
+          </p:cNvPr>
+          <p:cNvSpPr txBox="1">
+            <a:spLocks/>
+          </p:cNvSpPr>
+          <p:nvPr/>
+        </p:nvSpPr>
+        <p:spPr>
+          <a:xfrm>
+            <a:off x="3955929" y="2328568"/>
+            <a:ext cx="2823243" cy="610863"/>
+          </a:xfrm>
+          <a:prstGeom prst="rect">
+            <a:avLst/>
+          </a:prstGeom>
+        </p:spPr>
+        <p:txBody>
+          <a:bodyPr vert="horz" lIns="0" tIns="0" rIns="0" bIns="0" rtlCol="0">
+            <a:noAutofit/>
+          </a:bodyPr>
+          <a:lstStyle>
+            <a:lvl1pPr marL="0" indent="0" algn="l" defTabSz="914400" rtl="0" eaLnBrk="1" latinLnBrk="0" hangingPunct="1">
+              <a:lnSpc>
+                <a:spcPct val="100000"/>
+              </a:lnSpc>
+              <a:spcBef>
+                <a:spcPts val="1000"/>
+              </a:spcBef>
+              <a:buFont typeface="Arial" panose="020B0604020202020204" pitchFamily="34" charset="0"/>
+              <a:buNone/>
+              <a:defRPr sz="1600" b="0" i="0" kern="1200">
+                <a:solidFill>
+                  <a:schemeClr val="bg1"/>
+                </a:solidFill>
+                <a:latin typeface="+mn-lt"/>
+                <a:ea typeface="+mn-ea"/>
+                <a:cs typeface="+mn-cs"/>
+              </a:defRPr>
+            </a:lvl1pPr>
+            <a:lvl2pPr marL="685800" indent="-228600" algn="l" defTabSz="914400" rtl="0" eaLnBrk="1" latinLnBrk="0" hangingPunct="1">
+              <a:lnSpc>
+                <a:spcPct val="90000"/>
+              </a:lnSpc>
+              <a:spcBef>
+                <a:spcPts val="500"/>
+              </a:spcBef>
+              <a:buFont typeface="Arial" panose="020B0604020202020204" pitchFamily="34" charset="0"/>
+              <a:buChar char="•"/>
+              <a:defRPr sz="4000" b="0" i="0" kern="1200">
+                <a:solidFill>
+                  <a:schemeClr val="bg1"/>
+                </a:solidFill>
+                <a:latin typeface="+mn-lt"/>
+                <a:ea typeface="+mn-ea"/>
+                <a:cs typeface="+mn-cs"/>
+              </a:defRPr>
+            </a:lvl2pPr>
+            <a:lvl3pPr marL="1143000" indent="-228600" algn="l" defTabSz="914400" rtl="0" eaLnBrk="1" latinLnBrk="0" hangingPunct="1">
+              <a:lnSpc>
+                <a:spcPct val="90000"/>
+              </a:lnSpc>
+              <a:spcBef>
+                <a:spcPts val="500"/>
+              </a:spcBef>
+              <a:buFont typeface="Arial" panose="020B0604020202020204" pitchFamily="34" charset="0"/>
+              <a:buChar char="•"/>
+              <a:defRPr sz="4000" b="0" i="0" kern="1200">
+                <a:solidFill>
+                  <a:schemeClr val="bg1"/>
+                </a:solidFill>
+                <a:latin typeface="+mn-lt"/>
+                <a:ea typeface="+mn-ea"/>
+                <a:cs typeface="+mn-cs"/>
+              </a:defRPr>
+            </a:lvl3pPr>
+            <a:lvl4pPr marL="1600200" indent="-228600" algn="l" defTabSz="914400" rtl="0" eaLnBrk="1" latinLnBrk="0" hangingPunct="1">
+              <a:lnSpc>
+                <a:spcPct val="90000"/>
+              </a:lnSpc>
+              <a:spcBef>
+                <a:spcPts val="500"/>
+              </a:spcBef>
+              <a:buFont typeface="Arial" panose="020B0604020202020204" pitchFamily="34" charset="0"/>
+              <a:buChar char="•"/>
+              <a:defRPr sz="4000" b="0" i="0" kern="1200">
+                <a:solidFill>
+                  <a:schemeClr val="bg1"/>
+                </a:solidFill>
+                <a:latin typeface="+mn-lt"/>
+                <a:ea typeface="+mn-ea"/>
+                <a:cs typeface="+mn-cs"/>
+              </a:defRPr>
+            </a:lvl4pPr>
+            <a:lvl5pPr marL="2057400" indent="-228600" algn="l" defTabSz="914400" rtl="0" eaLnBrk="1" latinLnBrk="0" hangingPunct="1">
+              <a:lnSpc>
+                <a:spcPct val="90000"/>
+              </a:lnSpc>
+              <a:spcBef>
+                <a:spcPts val="500"/>
+              </a:spcBef>
+              <a:buFont typeface="Arial" panose="020B0604020202020204" pitchFamily="34" charset="0"/>
+              <a:buChar char="•"/>
+              <a:defRPr sz="4000" b="0" i="0" kern="1200">
+                <a:solidFill>
+                  <a:schemeClr val="bg1"/>
+                </a:solidFill>
+                <a:latin typeface="+mn-lt"/>
+                <a:ea typeface="+mn-ea"/>
+                <a:cs typeface="+mn-cs"/>
+              </a:defRPr>
+            </a:lvl5pPr>
+            <a:lvl6pPr marL="2514600" indent="-228600" algn="l" defTabSz="914400" rtl="0" eaLnBrk="1" latinLnBrk="0" hangingPunct="1">
+              <a:lnSpc>
+                <a:spcPct val="90000"/>
+              </a:lnSpc>
+              <a:spcBef>
+                <a:spcPts val="500"/>
+              </a:spcBef>
+              <a:buFont typeface="Arial" panose="020B0604020202020204" pitchFamily="34" charset="0"/>
+              <a:buChar char="•"/>
+              <a:defRPr sz="1800" kern="1200">
+                <a:solidFill>
+                  <a:schemeClr val="tx1"/>
+                </a:solidFill>
+                <a:latin typeface="+mn-lt"/>
+                <a:ea typeface="+mn-ea"/>
+                <a:cs typeface="+mn-cs"/>
+              </a:defRPr>
+            </a:lvl6pPr>
+            <a:lvl7pPr marL="2971800" indent="-228600" algn="l" defTabSz="914400" rtl="0" eaLnBrk="1" latinLnBrk="0" hangingPunct="1">
+              <a:lnSpc>
+                <a:spcPct val="90000"/>
+              </a:lnSpc>
+              <a:spcBef>
+                <a:spcPts val="500"/>
+              </a:spcBef>
+              <a:buFont typeface="Arial" panose="020B0604020202020204" pitchFamily="34" charset="0"/>
+              <a:buChar char="•"/>
+              <a:defRPr sz="1800" kern="1200">
+                <a:solidFill>
+                  <a:schemeClr val="tx1"/>
+                </a:solidFill>
+                <a:latin typeface="+mn-lt"/>
+                <a:ea typeface="+mn-ea"/>
+                <a:cs typeface="+mn-cs"/>
+              </a:defRPr>
+            </a:lvl7pPr>
+            <a:lvl8pPr marL="3429000" indent="-228600" algn="l" defTabSz="914400" rtl="0" eaLnBrk="1" latinLnBrk="0" hangingPunct="1">
+              <a:lnSpc>
+                <a:spcPct val="90000"/>
+              </a:lnSpc>
+              <a:spcBef>
+                <a:spcPts val="500"/>
+              </a:spcBef>
+              <a:buFont typeface="Arial" panose="020B0604020202020204" pitchFamily="34" charset="0"/>
+              <a:buChar char="•"/>
+              <a:defRPr sz="1800" kern="1200">
+                <a:solidFill>
+                  <a:schemeClr val="tx1"/>
+                </a:solidFill>
+                <a:latin typeface="+mn-lt"/>
+                <a:ea typeface="+mn-ea"/>
+                <a:cs typeface="+mn-cs"/>
+              </a:defRPr>
+            </a:lvl8pPr>
+            <a:lvl9pPr marL="3886200" indent="-228600" algn="l" defTabSz="914400" rtl="0" eaLnBrk="1" latinLnBrk="0" hangingPunct="1">
+              <a:lnSpc>
+                <a:spcPct val="90000"/>
+              </a:lnSpc>
+              <a:spcBef>
+                <a:spcPts val="500"/>
+              </a:spcBef>
+              <a:buFont typeface="Arial" panose="020B0604020202020204" pitchFamily="34" charset="0"/>
+              <a:buChar char="•"/>
+              <a:defRPr sz="1800" kern="1200">
+                <a:solidFill>
+                  <a:schemeClr val="tx1"/>
+                </a:solidFill>
+                <a:latin typeface="+mn-lt"/>
+                <a:ea typeface="+mn-ea"/>
+                <a:cs typeface="+mn-cs"/>
+              </a:defRPr>
+            </a:lvl9pPr>
+          </a:lstStyle>
+          <a:p>
+            <a:r>
+              <a:rPr lang="en-US" dirty="0"/>
+              <a:t>OS161</a:t>
+            </a:r>
+          </a:p>
+          <a:p>
+            <a:pPr marL="285750" indent="-285750">
+              <a:buFont typeface="Arial" panose="020B0604020202020204" pitchFamily="34" charset="0"/>
+              <a:buChar char="•"/>
+            </a:pPr>
+            <a:r>
+              <a:rPr lang="en-US" dirty="0"/>
+              <a:t>Non </a:t>
+            </a:r>
+            <a:r>
+              <a:rPr lang="en-US" dirty="0" err="1"/>
+              <a:t>sono</a:t>
+            </a:r>
+            <a:r>
+              <a:rPr lang="en-US" dirty="0"/>
+              <a:t> </a:t>
+            </a:r>
+            <a:r>
+              <a:rPr lang="en-US" dirty="0" err="1"/>
+              <a:t>presenti</a:t>
+            </a:r>
+            <a:r>
+              <a:rPr lang="en-US" dirty="0"/>
+              <a:t> </a:t>
+            </a:r>
+            <a:r>
+              <a:rPr lang="en-US" dirty="0" err="1"/>
+              <a:t>sleeplock</a:t>
+            </a:r>
+            <a:r>
+              <a:rPr lang="en-US" dirty="0"/>
+              <a:t>.</a:t>
+            </a:r>
+          </a:p>
+          <a:p>
+            <a:endParaRPr lang="en-US" dirty="0"/>
+          </a:p>
+        </p:txBody>
+      </p:sp>
+      <p:sp>
+        <p:nvSpPr>
+          <p:cNvPr id="11" name="Segnaposto testo 3">
+            <a:extLst>
+              <a:ext uri="{FF2B5EF4-FFF2-40B4-BE49-F238E27FC236}">
+                <a16:creationId xmlns:a16="http://schemas.microsoft.com/office/drawing/2014/main" id="{2E132792-F45D-BF1B-F8D4-D96CDF810EB9}"/>
+              </a:ext>
+            </a:extLst>
+          </p:cNvPr>
+          <p:cNvSpPr txBox="1">
+            <a:spLocks/>
+          </p:cNvSpPr>
+          <p:nvPr/>
+        </p:nvSpPr>
+        <p:spPr>
+          <a:xfrm>
+            <a:off x="3958657" y="4288164"/>
+            <a:ext cx="3272459" cy="796431"/>
+          </a:xfrm>
+          <a:prstGeom prst="rect">
+            <a:avLst/>
+          </a:prstGeom>
+        </p:spPr>
+        <p:txBody>
+          <a:bodyPr vert="horz" lIns="0" tIns="0" rIns="0" bIns="0" rtlCol="0">
+            <a:noAutofit/>
+          </a:bodyPr>
+          <a:lstStyle>
+            <a:lvl1pPr marL="0" indent="0" algn="l" defTabSz="914400" rtl="0" eaLnBrk="1" latinLnBrk="0" hangingPunct="1">
+              <a:lnSpc>
+                <a:spcPct val="100000"/>
+              </a:lnSpc>
+              <a:spcBef>
+                <a:spcPts val="1000"/>
+              </a:spcBef>
+              <a:buFont typeface="Arial" panose="020B0604020202020204" pitchFamily="34" charset="0"/>
+              <a:buNone/>
+              <a:defRPr sz="1600" b="0" i="0" kern="1200">
+                <a:solidFill>
+                  <a:schemeClr val="bg1"/>
+                </a:solidFill>
+                <a:latin typeface="+mn-lt"/>
+                <a:ea typeface="+mn-ea"/>
+                <a:cs typeface="+mn-cs"/>
+              </a:defRPr>
+            </a:lvl1pPr>
+            <a:lvl2pPr marL="685800" indent="-228600" algn="l" defTabSz="914400" rtl="0" eaLnBrk="1" latinLnBrk="0" hangingPunct="1">
+              <a:lnSpc>
+                <a:spcPct val="90000"/>
+              </a:lnSpc>
+              <a:spcBef>
+                <a:spcPts val="500"/>
+              </a:spcBef>
+              <a:buFont typeface="Arial" panose="020B0604020202020204" pitchFamily="34" charset="0"/>
+              <a:buChar char="•"/>
+              <a:defRPr sz="4000" b="0" i="0" kern="1200">
+                <a:solidFill>
+                  <a:schemeClr val="bg1"/>
+                </a:solidFill>
+                <a:latin typeface="+mn-lt"/>
+                <a:ea typeface="+mn-ea"/>
+                <a:cs typeface="+mn-cs"/>
+              </a:defRPr>
+            </a:lvl2pPr>
+            <a:lvl3pPr marL="1143000" indent="-228600" algn="l" defTabSz="914400" rtl="0" eaLnBrk="1" latinLnBrk="0" hangingPunct="1">
+              <a:lnSpc>
+                <a:spcPct val="90000"/>
+              </a:lnSpc>
+              <a:spcBef>
+                <a:spcPts val="500"/>
+              </a:spcBef>
+              <a:buFont typeface="Arial" panose="020B0604020202020204" pitchFamily="34" charset="0"/>
+              <a:buChar char="•"/>
+              <a:defRPr sz="4000" b="0" i="0" kern="1200">
+                <a:solidFill>
+                  <a:schemeClr val="bg1"/>
+                </a:solidFill>
+                <a:latin typeface="+mn-lt"/>
+                <a:ea typeface="+mn-ea"/>
+                <a:cs typeface="+mn-cs"/>
+              </a:defRPr>
+            </a:lvl3pPr>
+            <a:lvl4pPr marL="1600200" indent="-228600" algn="l" defTabSz="914400" rtl="0" eaLnBrk="1" latinLnBrk="0" hangingPunct="1">
+              <a:lnSpc>
+                <a:spcPct val="90000"/>
+              </a:lnSpc>
+              <a:spcBef>
+                <a:spcPts val="500"/>
+              </a:spcBef>
+              <a:buFont typeface="Arial" panose="020B0604020202020204" pitchFamily="34" charset="0"/>
+              <a:buChar char="•"/>
+              <a:defRPr sz="4000" b="0" i="0" kern="1200">
+                <a:solidFill>
+                  <a:schemeClr val="bg1"/>
+                </a:solidFill>
+                <a:latin typeface="+mn-lt"/>
+                <a:ea typeface="+mn-ea"/>
+                <a:cs typeface="+mn-cs"/>
+              </a:defRPr>
+            </a:lvl4pPr>
+            <a:lvl5pPr marL="2057400" indent="-228600" algn="l" defTabSz="914400" rtl="0" eaLnBrk="1" latinLnBrk="0" hangingPunct="1">
+              <a:lnSpc>
+                <a:spcPct val="90000"/>
+              </a:lnSpc>
+              <a:spcBef>
+                <a:spcPts val="500"/>
+              </a:spcBef>
+              <a:buFont typeface="Arial" panose="020B0604020202020204" pitchFamily="34" charset="0"/>
+              <a:buChar char="•"/>
+              <a:defRPr sz="4000" b="0" i="0" kern="1200">
+                <a:solidFill>
+                  <a:schemeClr val="bg1"/>
+                </a:solidFill>
+                <a:latin typeface="+mn-lt"/>
+                <a:ea typeface="+mn-ea"/>
+                <a:cs typeface="+mn-cs"/>
+              </a:defRPr>
+            </a:lvl5pPr>
+            <a:lvl6pPr marL="2514600" indent="-228600" algn="l" defTabSz="914400" rtl="0" eaLnBrk="1" latinLnBrk="0" hangingPunct="1">
+              <a:lnSpc>
+                <a:spcPct val="90000"/>
+              </a:lnSpc>
+              <a:spcBef>
+                <a:spcPts val="500"/>
+              </a:spcBef>
+              <a:buFont typeface="Arial" panose="020B0604020202020204" pitchFamily="34" charset="0"/>
+              <a:buChar char="•"/>
+              <a:defRPr sz="1800" kern="1200">
+                <a:solidFill>
+                  <a:schemeClr val="tx1"/>
+                </a:solidFill>
+                <a:latin typeface="+mn-lt"/>
+                <a:ea typeface="+mn-ea"/>
+                <a:cs typeface="+mn-cs"/>
+              </a:defRPr>
+            </a:lvl6pPr>
+            <a:lvl7pPr marL="2971800" indent="-228600" algn="l" defTabSz="914400" rtl="0" eaLnBrk="1" latinLnBrk="0" hangingPunct="1">
+              <a:lnSpc>
+                <a:spcPct val="90000"/>
+              </a:lnSpc>
+              <a:spcBef>
+                <a:spcPts val="500"/>
+              </a:spcBef>
+              <a:buFont typeface="Arial" panose="020B0604020202020204" pitchFamily="34" charset="0"/>
+              <a:buChar char="•"/>
+              <a:defRPr sz="1800" kern="1200">
+                <a:solidFill>
+                  <a:schemeClr val="tx1"/>
+                </a:solidFill>
+                <a:latin typeface="+mn-lt"/>
+                <a:ea typeface="+mn-ea"/>
+                <a:cs typeface="+mn-cs"/>
+              </a:defRPr>
+            </a:lvl7pPr>
+            <a:lvl8pPr marL="3429000" indent="-228600" algn="l" defTabSz="914400" rtl="0" eaLnBrk="1" latinLnBrk="0" hangingPunct="1">
+              <a:lnSpc>
+                <a:spcPct val="90000"/>
+              </a:lnSpc>
+              <a:spcBef>
+                <a:spcPts val="500"/>
+              </a:spcBef>
+              <a:buFont typeface="Arial" panose="020B0604020202020204" pitchFamily="34" charset="0"/>
+              <a:buChar char="•"/>
+              <a:defRPr sz="1800" kern="1200">
+                <a:solidFill>
+                  <a:schemeClr val="tx1"/>
+                </a:solidFill>
+                <a:latin typeface="+mn-lt"/>
+                <a:ea typeface="+mn-ea"/>
+                <a:cs typeface="+mn-cs"/>
+              </a:defRPr>
+            </a:lvl8pPr>
+            <a:lvl9pPr marL="3886200" indent="-228600" algn="l" defTabSz="914400" rtl="0" eaLnBrk="1" latinLnBrk="0" hangingPunct="1">
+              <a:lnSpc>
+                <a:spcPct val="90000"/>
+              </a:lnSpc>
+              <a:spcBef>
+                <a:spcPts val="500"/>
+              </a:spcBef>
+              <a:buFont typeface="Arial" panose="020B0604020202020204" pitchFamily="34" charset="0"/>
+              <a:buChar char="•"/>
+              <a:defRPr sz="1800" kern="1200">
+                <a:solidFill>
+                  <a:schemeClr val="tx1"/>
+                </a:solidFill>
+                <a:latin typeface="+mn-lt"/>
+                <a:ea typeface="+mn-ea"/>
+                <a:cs typeface="+mn-cs"/>
+              </a:defRPr>
+            </a:lvl9pPr>
+          </a:lstStyle>
+          <a:p>
+            <a:r>
+              <a:rPr lang="en-US" dirty="0"/>
+              <a:t>XV6</a:t>
+            </a:r>
+          </a:p>
+        </p:txBody>
+      </p:sp>
+      <p:pic>
+        <p:nvPicPr>
+          <p:cNvPr id="7" name="Immagine 6">
+            <a:extLst>
+              <a:ext uri="{FF2B5EF4-FFF2-40B4-BE49-F238E27FC236}">
+                <a16:creationId xmlns:a16="http://schemas.microsoft.com/office/drawing/2014/main" id="{236BBCCD-4B8F-F55C-6185-80112D23C887}"/>
+              </a:ext>
+            </a:extLst>
+          </p:cNvPr>
+          <p:cNvPicPr>
+            <a:picLocks noChangeAspect="1"/>
+          </p:cNvPicPr>
+          <p:nvPr/>
+        </p:nvPicPr>
+        <p:blipFill>
+          <a:blip r:embed="rId2">
+            <a:extLst>
+              <a:ext uri="{28A0092B-C50C-407E-A947-70E740481C1C}">
+                <a14:useLocalDpi xmlns:a14="http://schemas.microsoft.com/office/drawing/2010/main" val="0"/>
+              </a:ext>
+            </a:extLst>
+          </a:blip>
+          <a:stretch>
+            <a:fillRect/>
+          </a:stretch>
+        </p:blipFill>
+        <p:spPr>
+          <a:xfrm>
+            <a:off x="3955929" y="4594637"/>
+            <a:ext cx="7556500" cy="1384300"/>
+          </a:xfrm>
+          <a:prstGeom prst="rect">
+            <a:avLst/>
+          </a:prstGeom>
+        </p:spPr>
+      </p:pic>
+    </p:spTree>
+    <p:extLst>
+      <p:ext uri="{BB962C8B-B14F-4D97-AF65-F5344CB8AC3E}">
+        <p14:creationId xmlns:p14="http://schemas.microsoft.com/office/powerpoint/2010/main" val="2810005028"/>
+      </p:ext>
+    </p:extLst>
+  </p:cSld>
+  <p:clrMapOvr>
+    <a:masterClrMapping/>
+  </p:clrMapOvr>
+</p:sld>
+</file>
+
+<file path=ppt/slides/slide26.xml><?xml version="1.0" encoding="utf-8"?>
+<p:sld xmlns:a="http://schemas.openxmlformats.org/drawingml/2006/main" xmlns:r="http://schemas.openxmlformats.org/officeDocument/2006/relationships" xmlns:p="http://schemas.openxmlformats.org/presentationml/2006/main">
+  <p:cSld>
+    <p:spTree>
+      <p:nvGrpSpPr>
+        <p:cNvPr id="1" name=""/>
+        <p:cNvGrpSpPr/>
+        <p:nvPr/>
+      </p:nvGrpSpPr>
+      <p:grpSpPr>
+        <a:xfrm>
+          <a:off x="0" y="0"/>
+          <a:ext cx="0" cy="0"/>
+          <a:chOff x="0" y="0"/>
+          <a:chExt cx="0" cy="0"/>
+        </a:xfrm>
+      </p:grpSpPr>
+      <p:sp>
+        <p:nvSpPr>
+          <p:cNvPr id="3" name="Titolo 2">
+            <a:extLst>
+              <a:ext uri="{FF2B5EF4-FFF2-40B4-BE49-F238E27FC236}">
+                <a16:creationId xmlns:a16="http://schemas.microsoft.com/office/drawing/2014/main" id="{B9054134-716F-1CBD-D466-A5813A3D817F}"/>
+              </a:ext>
+            </a:extLst>
+          </p:cNvPr>
+          <p:cNvSpPr>
+            <a:spLocks noGrp="1"/>
+          </p:cNvSpPr>
+          <p:nvPr>
+            <p:ph type="title"/>
+          </p:nvPr>
+        </p:nvSpPr>
+        <p:spPr>
+          <a:xfrm>
+            <a:off x="952499" y="646310"/>
+            <a:ext cx="4941477" cy="610863"/>
+          </a:xfrm>
+        </p:spPr>
+        <p:txBody>
+          <a:bodyPr>
+            <a:normAutofit/>
+          </a:bodyPr>
+          <a:lstStyle/>
+          <a:p>
+            <a:r>
+              <a:rPr lang="en-US" dirty="0"/>
+              <a:t>ACQUIRESLEEP</a:t>
+            </a:r>
+          </a:p>
+        </p:txBody>
+      </p:sp>
+      <p:sp>
+        <p:nvSpPr>
+          <p:cNvPr id="4" name="Segnaposto testo 3">
+            <a:extLst>
+              <a:ext uri="{FF2B5EF4-FFF2-40B4-BE49-F238E27FC236}">
+                <a16:creationId xmlns:a16="http://schemas.microsoft.com/office/drawing/2014/main" id="{FE7B1D6D-BD82-2AD6-2E20-AB168A315F39}"/>
+              </a:ext>
+            </a:extLst>
+          </p:cNvPr>
+          <p:cNvSpPr>
+            <a:spLocks noGrp="1"/>
+          </p:cNvSpPr>
+          <p:nvPr>
+            <p:ph type="body" sz="quarter" idx="11"/>
+          </p:nvPr>
+        </p:nvSpPr>
+        <p:spPr/>
+        <p:txBody>
+          <a:bodyPr/>
+          <a:lstStyle/>
+          <a:p>
+            <a:r>
+              <a:rPr lang="en-US" sz="2400" dirty="0"/>
+              <a:t>XV6</a:t>
+            </a:r>
+          </a:p>
+        </p:txBody>
+      </p:sp>
+      <p:sp>
+        <p:nvSpPr>
+          <p:cNvPr id="5" name="Segnaposto piè di pagina 4">
+            <a:extLst>
+              <a:ext uri="{FF2B5EF4-FFF2-40B4-BE49-F238E27FC236}">
+                <a16:creationId xmlns:a16="http://schemas.microsoft.com/office/drawing/2014/main" id="{03C001CA-E2A8-7CFD-414C-A2FDAEBF1FC9}"/>
+              </a:ext>
+            </a:extLst>
+          </p:cNvPr>
+          <p:cNvSpPr>
+            <a:spLocks noGrp="1"/>
+          </p:cNvSpPr>
+          <p:nvPr>
+            <p:ph type="ftr" sz="quarter" idx="15"/>
+          </p:nvPr>
+        </p:nvSpPr>
+        <p:spPr>
+          <a:xfrm>
+            <a:off x="1494789" y="6332220"/>
+            <a:ext cx="2552277" cy="247651"/>
+          </a:xfrm>
+        </p:spPr>
+        <p:txBody>
+          <a:bodyPr/>
+          <a:lstStyle/>
+          <a:p>
+            <a:r>
+              <a:rPr lang="it-IT" b="0" dirty="0"/>
+              <a:t>Programmazione</a:t>
+            </a:r>
+            <a:r>
+              <a:rPr lang="en-US" b="0" dirty="0"/>
+              <a:t> di Sistema – 2023/24</a:t>
+            </a:r>
+          </a:p>
+        </p:txBody>
+      </p:sp>
+      <p:sp>
+        <p:nvSpPr>
+          <p:cNvPr id="6" name="Segnaposto numero diapositiva 5">
+            <a:extLst>
+              <a:ext uri="{FF2B5EF4-FFF2-40B4-BE49-F238E27FC236}">
+                <a16:creationId xmlns:a16="http://schemas.microsoft.com/office/drawing/2014/main" id="{333800D2-0446-E7C1-8ED8-FC146DDB7BBE}"/>
+              </a:ext>
+            </a:extLst>
+          </p:cNvPr>
+          <p:cNvSpPr>
+            <a:spLocks noGrp="1"/>
+          </p:cNvSpPr>
+          <p:nvPr>
+            <p:ph type="sldNum" sz="quarter" idx="16"/>
+          </p:nvPr>
+        </p:nvSpPr>
+        <p:spPr/>
+        <p:txBody>
+          <a:bodyPr/>
+          <a:lstStyle/>
+          <a:p>
+            <a:fld id="{294A09A9-5501-47C1-A89A-A340965A2BE2}" type="slidenum">
+              <a:rPr lang="en-US" smtClean="0"/>
+              <a:pPr/>
+              <a:t>26</a:t>
+            </a:fld>
+            <a:endParaRPr lang="en-US" dirty="0">
+              <a:latin typeface="+mn-lt"/>
+            </a:endParaRPr>
+          </a:p>
+        </p:txBody>
+      </p:sp>
+      <p:pic>
+        <p:nvPicPr>
+          <p:cNvPr id="7" name="Immagine 6">
+            <a:extLst>
+              <a:ext uri="{FF2B5EF4-FFF2-40B4-BE49-F238E27FC236}">
+                <a16:creationId xmlns:a16="http://schemas.microsoft.com/office/drawing/2014/main" id="{E3B87301-4467-0D71-9805-37018A979A15}"/>
+              </a:ext>
+            </a:extLst>
+          </p:cNvPr>
+          <p:cNvPicPr>
+            <a:picLocks noChangeAspect="1"/>
+          </p:cNvPicPr>
+          <p:nvPr/>
+        </p:nvPicPr>
+        <p:blipFill>
+          <a:blip r:embed="rId2">
+            <a:extLst>
+              <a:ext uri="{28A0092B-C50C-407E-A947-70E740481C1C}">
+                <a14:useLocalDpi xmlns:a14="http://schemas.microsoft.com/office/drawing/2010/main" val="0"/>
+              </a:ext>
+            </a:extLst>
+          </a:blip>
+          <a:stretch>
+            <a:fillRect/>
+          </a:stretch>
+        </p:blipFill>
+        <p:spPr>
+          <a:xfrm>
+            <a:off x="3423237" y="2289363"/>
+            <a:ext cx="7772400" cy="1740235"/>
+          </a:xfrm>
+          <a:prstGeom prst="rect">
+            <a:avLst/>
+          </a:prstGeom>
+        </p:spPr>
+      </p:pic>
+    </p:spTree>
+    <p:extLst>
+      <p:ext uri="{BB962C8B-B14F-4D97-AF65-F5344CB8AC3E}">
+        <p14:creationId xmlns:p14="http://schemas.microsoft.com/office/powerpoint/2010/main" val="2846376286"/>
+      </p:ext>
+    </p:extLst>
+  </p:cSld>
+  <p:clrMapOvr>
+    <a:masterClrMapping/>
+  </p:clrMapOvr>
+</p:sld>
+</file>
+
+<file path=ppt/slides/slide27.xml><?xml version="1.0" encoding="utf-8"?>
+<p:sld xmlns:a="http://schemas.openxmlformats.org/drawingml/2006/main" xmlns:r="http://schemas.openxmlformats.org/officeDocument/2006/relationships" xmlns:p="http://schemas.openxmlformats.org/presentationml/2006/main">
+  <p:cSld>
+    <p:spTree>
+      <p:nvGrpSpPr>
+        <p:cNvPr id="1" name=""/>
+        <p:cNvGrpSpPr/>
+        <p:nvPr/>
+      </p:nvGrpSpPr>
+      <p:grpSpPr>
+        <a:xfrm>
+          <a:off x="0" y="0"/>
+          <a:ext cx="0" cy="0"/>
+          <a:chOff x="0" y="0"/>
+          <a:chExt cx="0" cy="0"/>
+        </a:xfrm>
+      </p:grpSpPr>
+      <p:sp>
+        <p:nvSpPr>
+          <p:cNvPr id="3" name="Titolo 2">
+            <a:extLst>
+              <a:ext uri="{FF2B5EF4-FFF2-40B4-BE49-F238E27FC236}">
+                <a16:creationId xmlns:a16="http://schemas.microsoft.com/office/drawing/2014/main" id="{B9054134-716F-1CBD-D466-A5813A3D817F}"/>
+              </a:ext>
+            </a:extLst>
+          </p:cNvPr>
+          <p:cNvSpPr>
+            <a:spLocks noGrp="1"/>
+          </p:cNvSpPr>
+          <p:nvPr>
+            <p:ph type="title"/>
+          </p:nvPr>
+        </p:nvSpPr>
+        <p:spPr>
+          <a:xfrm>
+            <a:off x="952499" y="646310"/>
+            <a:ext cx="4941477" cy="610863"/>
+          </a:xfrm>
+        </p:spPr>
+        <p:txBody>
+          <a:bodyPr>
+            <a:normAutofit/>
+          </a:bodyPr>
+          <a:lstStyle/>
+          <a:p>
+            <a:r>
+              <a:rPr lang="en-US" dirty="0"/>
+              <a:t>RELEASESLEEP</a:t>
+            </a:r>
+          </a:p>
+        </p:txBody>
+      </p:sp>
+      <p:sp>
+        <p:nvSpPr>
+          <p:cNvPr id="4" name="Segnaposto testo 3">
+            <a:extLst>
+              <a:ext uri="{FF2B5EF4-FFF2-40B4-BE49-F238E27FC236}">
+                <a16:creationId xmlns:a16="http://schemas.microsoft.com/office/drawing/2014/main" id="{FE7B1D6D-BD82-2AD6-2E20-AB168A315F39}"/>
+              </a:ext>
+            </a:extLst>
+          </p:cNvPr>
+          <p:cNvSpPr>
+            <a:spLocks noGrp="1"/>
+          </p:cNvSpPr>
+          <p:nvPr>
+            <p:ph type="body" sz="quarter" idx="11"/>
+          </p:nvPr>
+        </p:nvSpPr>
+        <p:spPr/>
+        <p:txBody>
+          <a:bodyPr/>
+          <a:lstStyle/>
+          <a:p>
+            <a:r>
+              <a:rPr lang="en-US" sz="2400" dirty="0"/>
+              <a:t>XV6</a:t>
+            </a:r>
+          </a:p>
+        </p:txBody>
+      </p:sp>
+      <p:sp>
+        <p:nvSpPr>
+          <p:cNvPr id="5" name="Segnaposto piè di pagina 4">
+            <a:extLst>
+              <a:ext uri="{FF2B5EF4-FFF2-40B4-BE49-F238E27FC236}">
+                <a16:creationId xmlns:a16="http://schemas.microsoft.com/office/drawing/2014/main" id="{03C001CA-E2A8-7CFD-414C-A2FDAEBF1FC9}"/>
+              </a:ext>
+            </a:extLst>
+          </p:cNvPr>
+          <p:cNvSpPr>
+            <a:spLocks noGrp="1"/>
+          </p:cNvSpPr>
+          <p:nvPr>
+            <p:ph type="ftr" sz="quarter" idx="15"/>
+          </p:nvPr>
+        </p:nvSpPr>
+        <p:spPr>
+          <a:xfrm>
+            <a:off x="1494789" y="6332220"/>
+            <a:ext cx="2552277" cy="247651"/>
+          </a:xfrm>
+        </p:spPr>
+        <p:txBody>
+          <a:bodyPr/>
+          <a:lstStyle/>
+          <a:p>
+            <a:r>
+              <a:rPr lang="it-IT" b="0" dirty="0"/>
+              <a:t>Programmazione</a:t>
+            </a:r>
+            <a:r>
+              <a:rPr lang="en-US" b="0" dirty="0"/>
+              <a:t> di Sistema – 2023/24</a:t>
+            </a:r>
+          </a:p>
+        </p:txBody>
+      </p:sp>
+      <p:sp>
+        <p:nvSpPr>
+          <p:cNvPr id="6" name="Segnaposto numero diapositiva 5">
+            <a:extLst>
+              <a:ext uri="{FF2B5EF4-FFF2-40B4-BE49-F238E27FC236}">
+                <a16:creationId xmlns:a16="http://schemas.microsoft.com/office/drawing/2014/main" id="{333800D2-0446-E7C1-8ED8-FC146DDB7BBE}"/>
+              </a:ext>
+            </a:extLst>
+          </p:cNvPr>
+          <p:cNvSpPr>
+            <a:spLocks noGrp="1"/>
+          </p:cNvSpPr>
+          <p:nvPr>
+            <p:ph type="sldNum" sz="quarter" idx="16"/>
+          </p:nvPr>
+        </p:nvSpPr>
+        <p:spPr/>
+        <p:txBody>
+          <a:bodyPr/>
+          <a:lstStyle/>
+          <a:p>
+            <a:fld id="{294A09A9-5501-47C1-A89A-A340965A2BE2}" type="slidenum">
+              <a:rPr lang="en-US" smtClean="0"/>
+              <a:pPr/>
+              <a:t>27</a:t>
+            </a:fld>
+            <a:endParaRPr lang="en-US" dirty="0">
+              <a:latin typeface="+mn-lt"/>
+            </a:endParaRPr>
+          </a:p>
+        </p:txBody>
+      </p:sp>
+      <p:pic>
+        <p:nvPicPr>
+          <p:cNvPr id="8" name="Immagine 7">
+            <a:extLst>
+              <a:ext uri="{FF2B5EF4-FFF2-40B4-BE49-F238E27FC236}">
+                <a16:creationId xmlns:a16="http://schemas.microsoft.com/office/drawing/2014/main" id="{E6F9461A-4401-98D1-011E-1EA993276FD3}"/>
+              </a:ext>
+            </a:extLst>
+          </p:cNvPr>
+          <p:cNvPicPr>
+            <a:picLocks noChangeAspect="1"/>
+          </p:cNvPicPr>
+          <p:nvPr/>
+        </p:nvPicPr>
+        <p:blipFill>
+          <a:blip r:embed="rId2">
+            <a:extLst>
+              <a:ext uri="{28A0092B-C50C-407E-A947-70E740481C1C}">
+                <a14:useLocalDpi xmlns:a14="http://schemas.microsoft.com/office/drawing/2010/main" val="0"/>
+              </a:ext>
+            </a:extLst>
+          </a:blip>
+          <a:stretch>
+            <a:fillRect/>
+          </a:stretch>
+        </p:blipFill>
+        <p:spPr>
+          <a:xfrm>
+            <a:off x="3332436" y="2289363"/>
+            <a:ext cx="7772400" cy="1703539"/>
+          </a:xfrm>
+          <a:prstGeom prst="rect">
+            <a:avLst/>
+          </a:prstGeom>
+        </p:spPr>
+      </p:pic>
+    </p:spTree>
+    <p:extLst>
+      <p:ext uri="{BB962C8B-B14F-4D97-AF65-F5344CB8AC3E}">
+        <p14:creationId xmlns:p14="http://schemas.microsoft.com/office/powerpoint/2010/main" val="3924906354"/>
+      </p:ext>
+    </p:extLst>
+  </p:cSld>
+  <p:clrMapOvr>
+    <a:masterClrMapping/>
+  </p:clrMapOvr>
+</p:sld>
+</file>
+
 <file path=ppt/slides/slide3.xml><?xml version="1.0" encoding="utf-8"?>
 <p:sld xmlns:a="http://schemas.openxmlformats.org/drawingml/2006/main" xmlns:r="http://schemas.openxmlformats.org/officeDocument/2006/relationships" xmlns:p="http://schemas.openxmlformats.org/presentationml/2006/main">
   <p:cSld>
@@ -13602,7 +19025,12 @@
             <p:ph type="body" sz="quarter" idx="19"/>
           </p:nvPr>
         </p:nvSpPr>
-        <p:spPr/>
+        <p:spPr>
+          <a:xfrm>
+            <a:off x="952500" y="5037177"/>
+            <a:ext cx="2133600" cy="369332"/>
+          </a:xfrm>
+        </p:spPr>
         <p:txBody>
           <a:bodyPr/>
           <a:lstStyle/>
@@ -13634,7 +19062,12 @@
             <p:ph type="body" sz="quarter" idx="20"/>
           </p:nvPr>
         </p:nvSpPr>
-        <p:spPr/>
+        <p:spPr>
+          <a:xfrm>
+            <a:off x="952500" y="4428680"/>
+            <a:ext cx="2133600" cy="205837"/>
+          </a:xfrm>
+        </p:spPr>
         <p:txBody>
           <a:bodyPr/>
           <a:lstStyle/>
@@ -13666,69 +19099,12 @@
             <p:ph type="body" sz="quarter" idx="21"/>
           </p:nvPr>
         </p:nvSpPr>
-        <p:spPr/>
-        <p:txBody>
-          <a:bodyPr/>
-          <a:lstStyle/>
-          <a:p>
-            <a:endParaRPr lang="en-US"/>
-          </a:p>
-        </p:txBody>
-      </p:sp>
-      <p:sp>
-        <p:nvSpPr>
-          <p:cNvPr id="10" name="Segnaposto testo 9">
-            <a:extLst>
-              <a:ext uri="{FF2B5EF4-FFF2-40B4-BE49-F238E27FC236}">
-                <a16:creationId xmlns:a16="http://schemas.microsoft.com/office/drawing/2014/main" id="{667D8BF5-E3AC-F783-98E8-DDC42497F2B8}"/>
-              </a:ext>
-            </a:extLst>
-          </p:cNvPr>
-          <p:cNvSpPr>
-            <a:spLocks noGrp="1"/>
-          </p:cNvSpPr>
-          <p:nvPr>
-            <p:ph type="body" sz="quarter" idx="22"/>
-          </p:nvPr>
-        </p:nvSpPr>
-        <p:spPr/>
-        <p:txBody>
-          <a:bodyPr/>
-          <a:lstStyle/>
-          <a:p>
-            <a:r>
-              <a:rPr lang="en-US" dirty="0" err="1"/>
-              <a:t>Meccanismi</a:t>
-            </a:r>
-            <a:r>
-              <a:rPr lang="en-US" dirty="0"/>
-              <a:t> di </a:t>
-            </a:r>
-            <a:r>
-              <a:rPr lang="en-US" dirty="0" err="1"/>
-              <a:t>Sincronizzazione</a:t>
-            </a:r>
-            <a:endParaRPr lang="en-US" dirty="0"/>
-          </a:p>
-        </p:txBody>
-      </p:sp>
-      <p:sp>
-        <p:nvSpPr>
-          <p:cNvPr id="11" name="Segnaposto testo 10">
-            <a:extLst>
-              <a:ext uri="{FF2B5EF4-FFF2-40B4-BE49-F238E27FC236}">
-                <a16:creationId xmlns:a16="http://schemas.microsoft.com/office/drawing/2014/main" id="{68ACF311-F0FA-76F8-58CD-102D9C769319}"/>
-              </a:ext>
-            </a:extLst>
-          </p:cNvPr>
-          <p:cNvSpPr>
-            <a:spLocks noGrp="1"/>
-          </p:cNvSpPr>
-          <p:nvPr>
-            <p:ph type="body" sz="quarter" idx="23"/>
-          </p:nvPr>
-        </p:nvSpPr>
-        <p:spPr/>
+        <p:spPr>
+          <a:xfrm>
+            <a:off x="3663042" y="5037177"/>
+            <a:ext cx="2128157" cy="369332"/>
+          </a:xfrm>
+        </p:spPr>
         <p:txBody>
           <a:bodyPr/>
           <a:lstStyle/>
@@ -13738,6 +19114,138 @@
               <a:buChar char="•"/>
             </a:pPr>
             <a:r>
+              <a:rPr lang="en-US" b="1" dirty="0" err="1"/>
+              <a:t>Confronto</a:t>
+            </a:r>
+            <a:r>
+              <a:rPr lang="en-US" b="1" dirty="0"/>
+              <a:t> </a:t>
+            </a:r>
+            <a:r>
+              <a:rPr lang="en-US" b="1" dirty="0" err="1"/>
+              <a:t>tra</a:t>
+            </a:r>
+            <a:r>
+              <a:rPr lang="en-US" b="1" dirty="0"/>
+              <a:t> spinlock</a:t>
+            </a:r>
+          </a:p>
+          <a:p>
+            <a:pPr marL="285750" indent="-285750">
+              <a:buFont typeface="Arial" panose="020B0604020202020204" pitchFamily="34" charset="0"/>
+              <a:buChar char="•"/>
+            </a:pPr>
+            <a:r>
+              <a:rPr lang="en-US" b="1" dirty="0" err="1"/>
+              <a:t>Confronto</a:t>
+            </a:r>
+            <a:r>
+              <a:rPr lang="en-US" b="1" dirty="0"/>
+              <a:t> </a:t>
+            </a:r>
+            <a:r>
+              <a:rPr lang="en-US" b="1" dirty="0" err="1"/>
+              <a:t>tra</a:t>
+            </a:r>
+            <a:r>
+              <a:rPr lang="en-US" b="1" dirty="0"/>
+              <a:t> wait channels</a:t>
+            </a:r>
+          </a:p>
+          <a:p>
+            <a:pPr marL="285750" indent="-285750">
+              <a:buFont typeface="Arial" panose="020B0604020202020204" pitchFamily="34" charset="0"/>
+              <a:buChar char="•"/>
+            </a:pPr>
+            <a:r>
+              <a:rPr lang="en-US" b="1" dirty="0" err="1"/>
+              <a:t>Semafori</a:t>
+            </a:r>
+            <a:r>
+              <a:rPr lang="en-US" b="1" dirty="0"/>
+              <a:t> e </a:t>
+            </a:r>
+            <a:r>
+              <a:rPr lang="en-US" b="1" dirty="0" err="1"/>
+              <a:t>sleeplock</a:t>
+            </a:r>
+            <a:endParaRPr lang="en-US" b="1" dirty="0"/>
+          </a:p>
+        </p:txBody>
+      </p:sp>
+      <p:sp>
+        <p:nvSpPr>
+          <p:cNvPr id="10" name="Segnaposto testo 9">
+            <a:extLst>
+              <a:ext uri="{FF2B5EF4-FFF2-40B4-BE49-F238E27FC236}">
+                <a16:creationId xmlns:a16="http://schemas.microsoft.com/office/drawing/2014/main" id="{667D8BF5-E3AC-F783-98E8-DDC42497F2B8}"/>
+              </a:ext>
+            </a:extLst>
+          </p:cNvPr>
+          <p:cNvSpPr>
+            <a:spLocks noGrp="1"/>
+          </p:cNvSpPr>
+          <p:nvPr>
+            <p:ph type="body" sz="quarter" idx="22"/>
+          </p:nvPr>
+        </p:nvSpPr>
+        <p:spPr>
+          <a:xfrm>
+            <a:off x="3663042" y="4428681"/>
+            <a:ext cx="2128157" cy="205837"/>
+          </a:xfrm>
+        </p:spPr>
+        <p:txBody>
+          <a:bodyPr/>
+          <a:lstStyle/>
+          <a:p>
+            <a:r>
+              <a:rPr lang="en-US" dirty="0" err="1"/>
+              <a:t>Meccanismi</a:t>
+            </a:r>
+            <a:r>
+              <a:rPr lang="en-US" dirty="0"/>
+              <a:t> di </a:t>
+            </a:r>
+            <a:r>
+              <a:rPr lang="en-US" dirty="0" err="1"/>
+              <a:t>Sincronizzazione</a:t>
+            </a:r>
+            <a:endParaRPr lang="en-US" dirty="0"/>
+          </a:p>
+        </p:txBody>
+      </p:sp>
+      <p:sp>
+        <p:nvSpPr>
+          <p:cNvPr id="11" name="Segnaposto testo 10">
+            <a:extLst>
+              <a:ext uri="{FF2B5EF4-FFF2-40B4-BE49-F238E27FC236}">
+                <a16:creationId xmlns:a16="http://schemas.microsoft.com/office/drawing/2014/main" id="{68ACF311-F0FA-76F8-58CD-102D9C769319}"/>
+              </a:ext>
+            </a:extLst>
+          </p:cNvPr>
+          <p:cNvSpPr>
+            <a:spLocks noGrp="1"/>
+          </p:cNvSpPr>
+          <p:nvPr>
+            <p:ph type="body" sz="quarter" idx="23"/>
+          </p:nvPr>
+        </p:nvSpPr>
+        <p:spPr>
+          <a:xfrm>
+            <a:off x="6367054" y="5037177"/>
+            <a:ext cx="2129245" cy="369332"/>
+          </a:xfrm>
+        </p:spPr>
+        <p:txBody>
+          <a:bodyPr/>
+          <a:lstStyle/>
+          <a:p>
+            <a:pPr marL="285750" indent="-285750">
+              <a:buFont typeface="Arial" panose="020B0604020202020204" pitchFamily="34" charset="0"/>
+              <a:buChar char="•"/>
+            </a:pPr>
+            <a:r>
               <a:rPr lang="en-US" b="1" dirty="0"/>
               <a:t>TLB</a:t>
             </a:r>
@@ -13760,7 +19268,12 @@
             <p:ph type="body" sz="quarter" idx="24"/>
           </p:nvPr>
         </p:nvSpPr>
-        <p:spPr/>
+        <p:spPr>
+          <a:xfrm>
+            <a:off x="6367054" y="4428680"/>
+            <a:ext cx="2129245" cy="205837"/>
+          </a:xfrm>
+        </p:spPr>
         <p:txBody>
           <a:bodyPr/>
           <a:lstStyle/>

--- a/OS161 Project/PDS.pptx
+++ b/OS161 Project/PDS.pptx
@@ -15,12 +15,12 @@
     <p:sldId id="374" r:id="rId6"/>
     <p:sldId id="366" r:id="rId7"/>
     <p:sldId id="371" r:id="rId8"/>
-    <p:sldId id="367" r:id="rId9"/>
-    <p:sldId id="369" r:id="rId10"/>
-    <p:sldId id="372" r:id="rId11"/>
-    <p:sldId id="368" r:id="rId12"/>
-    <p:sldId id="373" r:id="rId13"/>
-    <p:sldId id="375" r:id="rId14"/>
+    <p:sldId id="369" r:id="rId9"/>
+    <p:sldId id="372" r:id="rId10"/>
+    <p:sldId id="375" r:id="rId11"/>
+    <p:sldId id="367" r:id="rId12"/>
+    <p:sldId id="368" r:id="rId13"/>
+    <p:sldId id="373" r:id="rId14"/>
     <p:sldId id="376" r:id="rId15"/>
     <p:sldId id="377" r:id="rId16"/>
     <p:sldId id="378" r:id="rId17"/>
@@ -382,7 +382,7 @@
           <a:p>
             <a:fld id="{6EE7A52F-9D89-7442-A8E9-48D1527B5F6B}" type="datetimeFigureOut">
               <a:rPr lang="en-US" smtClean="0"/>
-              <a:t>12/27/23</a:t>
+              <a:t>12/28/2023</a:t>
             </a:fld>
             <a:endParaRPr lang="en-US" dirty="0"/>
           </a:p>
@@ -12312,7 +12312,7 @@
             <a:fld id="{6FCA8E82-58CD-E045-8B98-B7A85B79B752}" type="datetime4">
               <a:rPr lang="en-US" smtClean="0"/>
               <a:pPr/>
-              <a:t>December 27, 2023</a:t>
+              <a:t>December 28, 2023</a:t>
             </a:fld>
             <a:endParaRPr lang="en-US" dirty="0">
               <a:latin typeface="+mn-lt"/>
@@ -13052,24 +13052,13 @@
         </p:nvSpPr>
         <p:spPr/>
         <p:txBody>
-          <a:bodyPr>
-            <a:normAutofit fontScale="90000"/>
-          </a:bodyPr>
+          <a:bodyPr/>
           <a:lstStyle/>
           <a:p>
             <a:r>
-              <a:rPr lang="en-US" dirty="0" err="1"/>
-              <a:t>Meccanismi</a:t>
-            </a:r>
-            <a:r>
               <a:rPr lang="en-US" dirty="0"/>
-              <a:t> di </a:t>
-            </a:r>
-            <a:r>
-              <a:rPr lang="en-US" dirty="0" err="1"/>
-              <a:t>sincronizzazione</a:t>
-            </a:r>
-            <a:endParaRPr lang="en-US" dirty="0"/>
+              <a:t>Scheduling xv6</a:t>
+            </a:r>
           </a:p>
         </p:txBody>
       </p:sp>
@@ -13094,9 +13083,71 @@
           <a:bodyPr/>
           <a:lstStyle/>
           <a:p>
+            <a:pPr marL="342900" indent="-342900">
+              <a:buFont typeface="Arial" panose="020B0604020202020204" pitchFamily="34" charset="0"/>
+              <a:buChar char="•"/>
+            </a:pPr>
             <a:r>
               <a:rPr lang="en-US" dirty="0"/>
-              <a:t>SPINLOCK</a:t>
+              <a:t>Un thread scheduler per </a:t>
+            </a:r>
+            <a:r>
+              <a:rPr lang="en-US" b="1" dirty="0" err="1"/>
+              <a:t>ogni</a:t>
+            </a:r>
+            <a:r>
+              <a:rPr lang="en-US" dirty="0"/>
+              <a:t> CPU</a:t>
+            </a:r>
+          </a:p>
+          <a:p>
+            <a:pPr marL="342900" indent="-342900">
+              <a:buFont typeface="Arial" panose="020B0604020202020204" pitchFamily="34" charset="0"/>
+              <a:buChar char="•"/>
+            </a:pPr>
+            <a:r>
+              <a:rPr lang="en-US" b="1" dirty="0"/>
+              <a:t>Preemptive</a:t>
+            </a:r>
+          </a:p>
+          <a:p>
+            <a:pPr marL="342900" indent="-342900">
+              <a:buFont typeface="Arial" panose="020B0604020202020204" pitchFamily="34" charset="0"/>
+              <a:buChar char="•"/>
+            </a:pPr>
+            <a:r>
+              <a:rPr lang="en-US" b="1" dirty="0"/>
+              <a:t>Round-Robin</a:t>
+            </a:r>
+          </a:p>
+          <a:p>
+            <a:pPr marL="342900" indent="-342900">
+              <a:buFont typeface="Arial" panose="020B0604020202020204" pitchFamily="34" charset="0"/>
+              <a:buChar char="•"/>
+            </a:pPr>
+            <a:r>
+              <a:rPr lang="en-US" dirty="0"/>
+              <a:t>Timer Interrupt </a:t>
+            </a:r>
+            <a:r>
+              <a:rPr lang="en-US" dirty="0" err="1"/>
+              <a:t>chiamato</a:t>
+            </a:r>
+            <a:r>
+              <a:rPr lang="en-US" dirty="0"/>
+              <a:t> </a:t>
+            </a:r>
+            <a:r>
+              <a:rPr lang="en-US" b="1" dirty="0"/>
+              <a:t>10</a:t>
+            </a:r>
+            <a:r>
+              <a:rPr lang="en-US" dirty="0"/>
+              <a:t> volte al </a:t>
+            </a:r>
+            <a:r>
+              <a:rPr lang="en-US" b="1" dirty="0"/>
+              <a:t>secondo</a:t>
             </a:r>
           </a:p>
         </p:txBody>
@@ -13173,7 +13224,7 @@
     </p:spTree>
     <p:extLst>
       <p:ext uri="{BB962C8B-B14F-4D97-AF65-F5344CB8AC3E}">
-        <p14:creationId xmlns:p14="http://schemas.microsoft.com/office/powerpoint/2010/main" val="1185501570"/>
+        <p14:creationId xmlns:p14="http://schemas.microsoft.com/office/powerpoint/2010/main" val="145272086"/>
       </p:ext>
     </p:extLst>
   </p:cSld>
@@ -19417,24 +19468,65 @@
             <p:ph type="title"/>
           </p:nvPr>
         </p:nvSpPr>
-        <p:spPr/>
+        <p:spPr>
+          <a:xfrm>
+            <a:off x="964023" y="879063"/>
+            <a:ext cx="4941477" cy="610863"/>
+          </a:xfrm>
+        </p:spPr>
+        <p:txBody>
+          <a:bodyPr anchor="b">
+            <a:normAutofit/>
+          </a:bodyPr>
+          <a:lstStyle/>
+          <a:p>
+            <a:r>
+              <a:rPr lang="en-US" sz="4100"/>
+              <a:t>Confronto generale</a:t>
+            </a:r>
+          </a:p>
+        </p:txBody>
+      </p:sp>
+      <p:sp>
+        <p:nvSpPr>
+          <p:cNvPr id="13" name="Text Placeholder 2">
+            <a:extLst>
+              <a:ext uri="{FF2B5EF4-FFF2-40B4-BE49-F238E27FC236}">
+                <a16:creationId xmlns:a16="http://schemas.microsoft.com/office/drawing/2014/main" id="{3BFDB665-4D56-9A85-D78B-6C5742014E0C}"/>
+              </a:ext>
+            </a:extLst>
+          </p:cNvPr>
+          <p:cNvSpPr>
+            <a:spLocks noGrp="1"/>
+          </p:cNvSpPr>
+          <p:nvPr>
+            <p:ph type="body" idx="1"/>
+          </p:nvPr>
+        </p:nvSpPr>
+        <p:spPr>
+          <a:xfrm>
+            <a:off x="964023" y="2300984"/>
+            <a:ext cx="4827178" cy="404216"/>
+          </a:xfrm>
+        </p:spPr>
         <p:txBody>
           <a:bodyPr/>
           <a:lstStyle/>
           <a:p>
             <a:r>
-              <a:rPr lang="en-US" dirty="0"/>
-              <a:t>MMU os161</a:t>
-            </a:r>
-          </a:p>
-        </p:txBody>
-      </p:sp>
-      <p:sp>
-        <p:nvSpPr>
-          <p:cNvPr id="4" name="Segnaposto testo 3">
-            <a:extLst>
-              <a:ext uri="{FF2B5EF4-FFF2-40B4-BE49-F238E27FC236}">
-                <a16:creationId xmlns:a16="http://schemas.microsoft.com/office/drawing/2014/main" id="{FE7B1D6D-BD82-2AD6-2E20-AB168A315F39}"/>
+              <a:rPr lang="en-US"/>
+              <a:t>os161</a:t>
+            </a:r>
+            <a:endParaRPr lang="en-US" dirty="0"/>
+          </a:p>
+        </p:txBody>
+      </p:sp>
+      <p:sp>
+        <p:nvSpPr>
+          <p:cNvPr id="15" name="Text Placeholder 3">
+            <a:extLst>
+              <a:ext uri="{FF2B5EF4-FFF2-40B4-BE49-F238E27FC236}">
+                <a16:creationId xmlns:a16="http://schemas.microsoft.com/office/drawing/2014/main" id="{41B1F406-CF83-B8E3-047E-F9F51029092D}"/>
               </a:ext>
             </a:extLst>
           </p:cNvPr>
@@ -19442,18 +19534,64 @@
             <a:spLocks noGrp="1"/>
           </p:cNvSpPr>
           <p:nvPr>
-            <p:ph type="body" sz="quarter" idx="11"/>
+            <p:ph type="body" idx="10"/>
           </p:nvPr>
         </p:nvSpPr>
-        <p:spPr/>
+        <p:spPr>
+          <a:xfrm>
+            <a:off x="6362700" y="2300984"/>
+            <a:ext cx="4764829" cy="404216"/>
+          </a:xfrm>
+        </p:spPr>
         <p:txBody>
           <a:bodyPr/>
           <a:lstStyle/>
           <a:p>
-            <a:endParaRPr lang="en-US"/>
-          </a:p>
-        </p:txBody>
-      </p:sp>
+            <a:r>
+              <a:rPr lang="en-US"/>
+              <a:t>xv6</a:t>
+            </a:r>
+            <a:endParaRPr lang="en-US" dirty="0"/>
+          </a:p>
+        </p:txBody>
+      </p:sp>
+      <p:pic>
+        <p:nvPicPr>
+          <p:cNvPr id="8" name="Immagine 7" descr="Immagine che contiene testo, schermata, Carattere, Rettangolo&#10;&#10;Descrizione generata automaticamente">
+            <a:extLst>
+              <a:ext uri="{FF2B5EF4-FFF2-40B4-BE49-F238E27FC236}">
+                <a16:creationId xmlns:a16="http://schemas.microsoft.com/office/drawing/2014/main" id="{8DD6867B-B061-8194-2BDE-EE9036A46053}"/>
+              </a:ext>
+            </a:extLst>
+          </p:cNvPr>
+          <p:cNvPicPr>
+            <a:picLocks noChangeAspect="1"/>
+          </p:cNvPicPr>
+          <p:nvPr/>
+        </p:nvPicPr>
+        <p:blipFill>
+          <a:blip r:embed="rId2">
+            <a:extLst>
+              <a:ext uri="{28A0092B-C50C-407E-A947-70E740481C1C}">
+                <a14:useLocalDpi xmlns:a14="http://schemas.microsoft.com/office/drawing/2010/main" val="0"/>
+              </a:ext>
+            </a:extLst>
+          </a:blip>
+          <a:stretch>
+            <a:fillRect/>
+          </a:stretch>
+        </p:blipFill>
+        <p:spPr>
+          <a:xfrm>
+            <a:off x="971550" y="3921347"/>
+            <a:ext cx="4827178" cy="1194725"/>
+          </a:xfrm>
+          <a:prstGeom prst="rect">
+            <a:avLst/>
+          </a:prstGeom>
+          <a:noFill/>
+        </p:spPr>
+      </p:pic>
       <p:sp>
         <p:nvSpPr>
           <p:cNvPr id="5" name="Segnaposto piè di pagina 4">
@@ -19472,22 +19610,33 @@
         </p:nvSpPr>
         <p:spPr>
           <a:xfrm>
-            <a:off x="1494789" y="6332220"/>
-            <a:ext cx="2552277" cy="247651"/>
+            <a:off x="1494790" y="6332220"/>
+            <a:ext cx="2680046" cy="247651"/>
           </a:xfrm>
         </p:spPr>
         <p:txBody>
-          <a:bodyPr/>
+          <a:bodyPr anchor="t">
+            <a:normAutofit/>
+          </a:bodyPr>
           <a:lstStyle/>
           <a:p>
-            <a:r>
-              <a:rPr lang="it-IT" b="0" dirty="0"/>
+            <a:pPr>
+              <a:lnSpc>
+                <a:spcPct val="90000"/>
+              </a:lnSpc>
+              <a:spcAft>
+                <a:spcPts val="600"/>
+              </a:spcAft>
+            </a:pPr>
+            <a:r>
+              <a:rPr lang="it-IT"/>
               <a:t>Programmazione</a:t>
             </a:r>
             <a:r>
-              <a:rPr lang="en-US" b="0" dirty="0"/>
+              <a:rPr lang="en-US"/>
               <a:t> di Sistema – 2023/24</a:t>
             </a:r>
+            <a:endParaRPr lang="en-US" dirty="0"/>
           </a:p>
         </p:txBody>
       </p:sp>
@@ -19507,47 +19656,72 @@
             <p:ph type="sldNum" sz="quarter" idx="16"/>
           </p:nvPr>
         </p:nvSpPr>
-        <p:spPr/>
-        <p:txBody>
-          <a:bodyPr/>
+        <p:spPr>
+          <a:xfrm>
+            <a:off x="971550" y="6332220"/>
+            <a:ext cx="523240" cy="247651"/>
+          </a:xfrm>
+        </p:spPr>
+        <p:txBody>
+          <a:bodyPr anchor="t">
+            <a:normAutofit/>
+          </a:bodyPr>
           <a:lstStyle/>
           <a:p>
+            <a:pPr>
+              <a:spcAft>
+                <a:spcPts val="600"/>
+              </a:spcAft>
+            </a:pPr>
             <a:fld id="{294A09A9-5501-47C1-A89A-A340965A2BE2}" type="slidenum">
               <a:rPr lang="en-US" smtClean="0"/>
-              <a:pPr/>
+              <a:pPr>
+                <a:spcAft>
+                  <a:spcPts val="600"/>
+                </a:spcAft>
+              </a:pPr>
               <a:t>4</a:t>
             </a:fld>
-            <a:endParaRPr lang="en-US" dirty="0">
-              <a:latin typeface="+mn-lt"/>
-            </a:endParaRPr>
-          </a:p>
-        </p:txBody>
-      </p:sp>
-      <p:sp>
-        <p:nvSpPr>
-          <p:cNvPr id="7" name="Segnaposto immagine 6">
-            <a:extLst>
-              <a:ext uri="{FF2B5EF4-FFF2-40B4-BE49-F238E27FC236}">
-                <a16:creationId xmlns:a16="http://schemas.microsoft.com/office/drawing/2014/main" id="{24B5BBB5-5C0E-CB43-D9C9-B6E6E6AFEA54}"/>
-              </a:ext>
-            </a:extLst>
-          </p:cNvPr>
-          <p:cNvSpPr>
-            <a:spLocks noGrp="1"/>
-          </p:cNvSpPr>
-          <p:nvPr>
-            <p:ph type="pic" sz="quarter" idx="13"/>
-          </p:nvPr>
-        </p:nvSpPr>
-        <p:spPr/>
-        <p:txBody>
-          <a:bodyPr/>
-          <a:lstStyle/>
-          <a:p>
             <a:endParaRPr lang="en-US"/>
           </a:p>
         </p:txBody>
       </p:sp>
+      <p:pic>
+        <p:nvPicPr>
+          <p:cNvPr id="10" name="Immagine 9" descr="Immagine che contiene testo, diagramma, Parallelo, linea&#10;&#10;Descrizione generata automaticamente">
+            <a:extLst>
+              <a:ext uri="{FF2B5EF4-FFF2-40B4-BE49-F238E27FC236}">
+                <a16:creationId xmlns:a16="http://schemas.microsoft.com/office/drawing/2014/main" id="{6A58D75F-1B49-8A95-2825-29C07E3F9E45}"/>
+              </a:ext>
+            </a:extLst>
+          </p:cNvPr>
+          <p:cNvPicPr>
+            <a:picLocks noChangeAspect="1"/>
+          </p:cNvPicPr>
+          <p:nvPr/>
+        </p:nvPicPr>
+        <p:blipFill>
+          <a:blip r:embed="rId3">
+            <a:extLst>
+              <a:ext uri="{28A0092B-C50C-407E-A947-70E740481C1C}">
+                <a14:useLocalDpi xmlns:a14="http://schemas.microsoft.com/office/drawing/2010/main" val="0"/>
+              </a:ext>
+            </a:extLst>
+          </a:blip>
+          <a:stretch>
+            <a:fillRect/>
+          </a:stretch>
+        </p:blipFill>
+        <p:spPr>
+          <a:xfrm>
+            <a:off x="7043396" y="2705200"/>
+            <a:ext cx="3403436" cy="3627020"/>
+          </a:xfrm>
+          <a:prstGeom prst="rect">
+            <a:avLst/>
+          </a:prstGeom>
+        </p:spPr>
+      </p:pic>
     </p:spTree>
     <p:extLst>
       <p:ext uri="{BB962C8B-B14F-4D97-AF65-F5344CB8AC3E}">
@@ -19578,12 +19752,285 @@
           <a:chExt cx="0" cy="0"/>
         </a:xfrm>
       </p:grpSpPr>
+      <p:sp>
+        <p:nvSpPr>
+          <p:cNvPr id="3" name="Titolo 2">
+            <a:extLst>
+              <a:ext uri="{FF2B5EF4-FFF2-40B4-BE49-F238E27FC236}">
+                <a16:creationId xmlns:a16="http://schemas.microsoft.com/office/drawing/2014/main" id="{B9054134-716F-1CBD-D466-A5813A3D817F}"/>
+              </a:ext>
+            </a:extLst>
+          </p:cNvPr>
+          <p:cNvSpPr>
+            <a:spLocks noGrp="1"/>
+          </p:cNvSpPr>
+          <p:nvPr>
+            <p:ph type="title"/>
+          </p:nvPr>
+        </p:nvSpPr>
+        <p:spPr/>
+        <p:txBody>
+          <a:bodyPr/>
+          <a:lstStyle/>
+          <a:p>
+            <a:r>
+              <a:rPr lang="en-US" dirty="0"/>
+              <a:t>TLB os161</a:t>
+            </a:r>
+          </a:p>
+        </p:txBody>
+      </p:sp>
+      <p:sp>
+        <p:nvSpPr>
+          <p:cNvPr id="4" name="Segnaposto testo 3">
+            <a:extLst>
+              <a:ext uri="{FF2B5EF4-FFF2-40B4-BE49-F238E27FC236}">
+                <a16:creationId xmlns:a16="http://schemas.microsoft.com/office/drawing/2014/main" id="{FE7B1D6D-BD82-2AD6-2E20-AB168A315F39}"/>
+              </a:ext>
+            </a:extLst>
+          </p:cNvPr>
+          <p:cNvSpPr>
+            <a:spLocks noGrp="1"/>
+          </p:cNvSpPr>
+          <p:nvPr>
+            <p:ph type="body" sz="quarter" idx="11"/>
+          </p:nvPr>
+        </p:nvSpPr>
+        <p:spPr/>
+        <p:txBody>
+          <a:bodyPr/>
+          <a:lstStyle/>
+          <a:p>
+            <a:pPr marL="285750" indent="-285750">
+              <a:buFont typeface="Arial" panose="020B0604020202020204" pitchFamily="34" charset="0"/>
+              <a:buChar char="•"/>
+            </a:pPr>
+            <a:r>
+              <a:rPr lang="en-US" b="1" dirty="0"/>
+              <a:t>MIPS R3000 </a:t>
+            </a:r>
+            <a:r>
+              <a:rPr lang="en-US" dirty="0"/>
+              <a:t>TLB</a:t>
+            </a:r>
+          </a:p>
+          <a:p>
+            <a:pPr marL="285750" indent="-285750">
+              <a:buFont typeface="Arial" panose="020B0604020202020204" pitchFamily="34" charset="0"/>
+              <a:buChar char="•"/>
+            </a:pPr>
+            <a:r>
+              <a:rPr lang="en-US" dirty="0" err="1"/>
+              <a:t>Divisione</a:t>
+            </a:r>
+            <a:r>
+              <a:rPr lang="en-US" dirty="0"/>
+              <a:t> </a:t>
+            </a:r>
+            <a:r>
+              <a:rPr lang="en-US" b="1" dirty="0" err="1"/>
+              <a:t>particolare</a:t>
+            </a:r>
+            <a:r>
+              <a:rPr lang="en-US" dirty="0"/>
+              <a:t> </a:t>
+            </a:r>
+            <a:r>
+              <a:rPr lang="en-US" dirty="0" err="1"/>
+              <a:t>della</a:t>
+            </a:r>
+            <a:r>
+              <a:rPr lang="en-US" dirty="0"/>
+              <a:t> </a:t>
+            </a:r>
+            <a:r>
+              <a:rPr lang="en-US" dirty="0" err="1"/>
+              <a:t>memoria</a:t>
+            </a:r>
+            <a:r>
+              <a:rPr lang="en-US" dirty="0"/>
+              <a:t> </a:t>
+            </a:r>
+          </a:p>
+          <a:p>
+            <a:pPr marL="285750" indent="-285750">
+              <a:buFont typeface="Arial" panose="020B0604020202020204" pitchFamily="34" charset="0"/>
+              <a:buChar char="•"/>
+            </a:pPr>
+            <a:r>
+              <a:rPr lang="en-US" dirty="0"/>
+              <a:t>Page size </a:t>
+            </a:r>
+            <a:r>
+              <a:rPr lang="en-US" b="1" dirty="0"/>
+              <a:t>4096 bytes </a:t>
+            </a:r>
+            <a:r>
+              <a:rPr lang="en-US" dirty="0"/>
+              <a:t>(</a:t>
+            </a:r>
+            <a:r>
+              <a:rPr lang="en-US" b="1" dirty="0"/>
+              <a:t>20</a:t>
+            </a:r>
+            <a:r>
+              <a:rPr lang="en-US" dirty="0"/>
+              <a:t> bits </a:t>
+            </a:r>
+            <a:r>
+              <a:rPr lang="en-US" dirty="0" err="1"/>
+              <a:t>numero</a:t>
+            </a:r>
+            <a:r>
+              <a:rPr lang="en-US" dirty="0"/>
+              <a:t> di </a:t>
+            </a:r>
+            <a:r>
+              <a:rPr lang="en-US" dirty="0" err="1"/>
+              <a:t>pagina</a:t>
+            </a:r>
+            <a:r>
+              <a:rPr lang="en-US" dirty="0"/>
+              <a:t> + </a:t>
+            </a:r>
+            <a:r>
+              <a:rPr lang="en-US" b="1" dirty="0"/>
+              <a:t>12</a:t>
+            </a:r>
+            <a:r>
+              <a:rPr lang="en-US" dirty="0"/>
+              <a:t> offset)</a:t>
+            </a:r>
+          </a:p>
+          <a:p>
+            <a:pPr marL="285750" indent="-285750">
+              <a:buFont typeface="Arial" panose="020B0604020202020204" pitchFamily="34" charset="0"/>
+              <a:buChar char="•"/>
+            </a:pPr>
+            <a:r>
+              <a:rPr lang="en-US" b="1" dirty="0"/>
+              <a:t>64 entries </a:t>
+            </a:r>
+            <a:r>
+              <a:rPr lang="en-US" dirty="0"/>
+              <a:t>di grandezza </a:t>
+            </a:r>
+            <a:r>
+              <a:rPr lang="en-US" b="1" dirty="0"/>
+              <a:t>64 bits</a:t>
+            </a:r>
+          </a:p>
+          <a:p>
+            <a:pPr marL="285750" indent="-285750">
+              <a:buFont typeface="Arial" panose="020B0604020202020204" pitchFamily="34" charset="0"/>
+              <a:buChar char="•"/>
+            </a:pPr>
+            <a:r>
+              <a:rPr lang="en-US" dirty="0"/>
+              <a:t>os161 </a:t>
+            </a:r>
+            <a:r>
+              <a:rPr lang="en-US" dirty="0" err="1"/>
+              <a:t>offre</a:t>
+            </a:r>
+            <a:r>
+              <a:rPr lang="en-US" dirty="0"/>
+              <a:t> </a:t>
+            </a:r>
+            <a:r>
+              <a:rPr lang="en-US" dirty="0" err="1"/>
+              <a:t>solamente</a:t>
+            </a:r>
+            <a:r>
+              <a:rPr lang="en-US" dirty="0"/>
+              <a:t> </a:t>
+            </a:r>
+            <a:r>
+              <a:rPr lang="en-US" b="1" dirty="0" err="1"/>
+              <a:t>funzionalià</a:t>
+            </a:r>
+            <a:r>
+              <a:rPr lang="en-US" b="1" dirty="0"/>
+              <a:t> di base </a:t>
+            </a:r>
+          </a:p>
+        </p:txBody>
+      </p:sp>
+      <p:sp>
+        <p:nvSpPr>
+          <p:cNvPr id="5" name="Segnaposto piè di pagina 4">
+            <a:extLst>
+              <a:ext uri="{FF2B5EF4-FFF2-40B4-BE49-F238E27FC236}">
+                <a16:creationId xmlns:a16="http://schemas.microsoft.com/office/drawing/2014/main" id="{03C001CA-E2A8-7CFD-414C-A2FDAEBF1FC9}"/>
+              </a:ext>
+            </a:extLst>
+          </p:cNvPr>
+          <p:cNvSpPr>
+            <a:spLocks noGrp="1"/>
+          </p:cNvSpPr>
+          <p:nvPr>
+            <p:ph type="ftr" sz="quarter" idx="15"/>
+          </p:nvPr>
+        </p:nvSpPr>
+        <p:spPr>
+          <a:xfrm>
+            <a:off x="1494789" y="6332220"/>
+            <a:ext cx="2552277" cy="247651"/>
+          </a:xfrm>
+        </p:spPr>
+        <p:txBody>
+          <a:bodyPr/>
+          <a:lstStyle/>
+          <a:p>
+            <a:r>
+              <a:rPr lang="it-IT" b="0" dirty="0"/>
+              <a:t>Programmazione</a:t>
+            </a:r>
+            <a:r>
+              <a:rPr lang="en-US" b="0" dirty="0"/>
+              <a:t> di Sistema – 2023/24</a:t>
+            </a:r>
+          </a:p>
+        </p:txBody>
+      </p:sp>
+      <p:sp>
+        <p:nvSpPr>
+          <p:cNvPr id="6" name="Segnaposto numero diapositiva 5">
+            <a:extLst>
+              <a:ext uri="{FF2B5EF4-FFF2-40B4-BE49-F238E27FC236}">
+                <a16:creationId xmlns:a16="http://schemas.microsoft.com/office/drawing/2014/main" id="{333800D2-0446-E7C1-8ED8-FC146DDB7BBE}"/>
+              </a:ext>
+            </a:extLst>
+          </p:cNvPr>
+          <p:cNvSpPr>
+            <a:spLocks noGrp="1"/>
+          </p:cNvSpPr>
+          <p:nvPr>
+            <p:ph type="sldNum" sz="quarter" idx="16"/>
+          </p:nvPr>
+        </p:nvSpPr>
+        <p:spPr/>
+        <p:txBody>
+          <a:bodyPr/>
+          <a:lstStyle/>
+          <a:p>
+            <a:fld id="{294A09A9-5501-47C1-A89A-A340965A2BE2}" type="slidenum">
+              <a:rPr lang="en-US" smtClean="0"/>
+              <a:pPr/>
+              <a:t>5</a:t>
+            </a:fld>
+            <a:endParaRPr lang="en-US" dirty="0">
+              <a:latin typeface="+mn-lt"/>
+            </a:endParaRPr>
+          </a:p>
+        </p:txBody>
+      </p:sp>
       <p:pic>
         <p:nvPicPr>
-          <p:cNvPr id="8" name="Segnaposto immagine 7" descr="Immagine che contiene testo, diagramma, schermata, Piano&#10;&#10;Descrizione generata automaticamente">
-            <a:extLst>
-              <a:ext uri="{FF2B5EF4-FFF2-40B4-BE49-F238E27FC236}">
-                <a16:creationId xmlns:a16="http://schemas.microsoft.com/office/drawing/2014/main" id="{DCBE728F-9718-D543-A3EC-50C8C38A8D0D}"/>
+          <p:cNvPr id="12" name="Segnaposto immagine 11" descr="Immagine che contiene testo, diagramma, Carattere, linea&#10;&#10;Descrizione generata automaticamente">
+            <a:extLst>
+              <a:ext uri="{FF2B5EF4-FFF2-40B4-BE49-F238E27FC236}">
+                <a16:creationId xmlns:a16="http://schemas.microsoft.com/office/drawing/2014/main" id="{1885EF0C-4F38-CAFC-3673-74A1B892DB63}"/>
               </a:ext>
             </a:extLst>
           </p:cNvPr>
@@ -19602,142 +20049,20 @@
               </a:ext>
             </a:extLst>
           </a:blip>
-          <a:srcRect l="4917" r="5801"/>
+          <a:srcRect l="-3124" t="-63883" r="-49120" b="-42673"/>
           <a:stretch/>
         </p:blipFill>
         <p:spPr>
           <a:xfrm>
-            <a:off x="6007100" y="86813"/>
-            <a:ext cx="6184900" cy="6657035"/>
+            <a:off x="5905500" y="-22543"/>
+            <a:ext cx="9283700" cy="6728143"/>
           </a:xfrm>
         </p:spPr>
       </p:pic>
-      <p:sp>
-        <p:nvSpPr>
-          <p:cNvPr id="3" name="Titolo 2">
-            <a:extLst>
-              <a:ext uri="{FF2B5EF4-FFF2-40B4-BE49-F238E27FC236}">
-                <a16:creationId xmlns:a16="http://schemas.microsoft.com/office/drawing/2014/main" id="{B9054134-716F-1CBD-D466-A5813A3D817F}"/>
-              </a:ext>
-            </a:extLst>
-          </p:cNvPr>
-          <p:cNvSpPr>
-            <a:spLocks noGrp="1"/>
-          </p:cNvSpPr>
-          <p:nvPr>
-            <p:ph type="title"/>
-          </p:nvPr>
-        </p:nvSpPr>
-        <p:spPr/>
-        <p:txBody>
-          <a:bodyPr/>
-          <a:lstStyle/>
-          <a:p>
-            <a:r>
-              <a:rPr lang="en-US" dirty="0"/>
-              <a:t>MMU xv6</a:t>
-            </a:r>
-          </a:p>
-        </p:txBody>
-      </p:sp>
-      <p:sp>
-        <p:nvSpPr>
-          <p:cNvPr id="4" name="Segnaposto testo 3">
-            <a:extLst>
-              <a:ext uri="{FF2B5EF4-FFF2-40B4-BE49-F238E27FC236}">
-                <a16:creationId xmlns:a16="http://schemas.microsoft.com/office/drawing/2014/main" id="{FE7B1D6D-BD82-2AD6-2E20-AB168A315F39}"/>
-              </a:ext>
-            </a:extLst>
-          </p:cNvPr>
-          <p:cNvSpPr>
-            <a:spLocks noGrp="1"/>
-          </p:cNvSpPr>
-          <p:nvPr>
-            <p:ph type="body" sz="quarter" idx="11"/>
-          </p:nvPr>
-        </p:nvSpPr>
-        <p:spPr/>
-        <p:txBody>
-          <a:bodyPr/>
-          <a:lstStyle/>
-          <a:p>
-            <a:endParaRPr lang="en-US"/>
-          </a:p>
-        </p:txBody>
-      </p:sp>
-      <p:sp>
-        <p:nvSpPr>
-          <p:cNvPr id="5" name="Segnaposto piè di pagina 4">
-            <a:extLst>
-              <a:ext uri="{FF2B5EF4-FFF2-40B4-BE49-F238E27FC236}">
-                <a16:creationId xmlns:a16="http://schemas.microsoft.com/office/drawing/2014/main" id="{03C001CA-E2A8-7CFD-414C-A2FDAEBF1FC9}"/>
-              </a:ext>
-            </a:extLst>
-          </p:cNvPr>
-          <p:cNvSpPr>
-            <a:spLocks noGrp="1"/>
-          </p:cNvSpPr>
-          <p:nvPr>
-            <p:ph type="ftr" sz="quarter" idx="15"/>
-          </p:nvPr>
-        </p:nvSpPr>
-        <p:spPr>
-          <a:xfrm>
-            <a:off x="1494789" y="6332220"/>
-            <a:ext cx="2552277" cy="247651"/>
-          </a:xfrm>
-        </p:spPr>
-        <p:txBody>
-          <a:bodyPr/>
-          <a:lstStyle/>
-          <a:p>
-            <a:r>
-              <a:rPr lang="it-IT" b="0" dirty="0"/>
-              <a:t>Programmazione</a:t>
-            </a:r>
-            <a:r>
-              <a:rPr lang="en-US" b="0" dirty="0"/>
-              <a:t> di Sistema – 2023/24</a:t>
-            </a:r>
-          </a:p>
-        </p:txBody>
-      </p:sp>
-      <p:sp>
-        <p:nvSpPr>
-          <p:cNvPr id="6" name="Segnaposto numero diapositiva 5">
-            <a:extLst>
-              <a:ext uri="{FF2B5EF4-FFF2-40B4-BE49-F238E27FC236}">
-                <a16:creationId xmlns:a16="http://schemas.microsoft.com/office/drawing/2014/main" id="{333800D2-0446-E7C1-8ED8-FC146DDB7BBE}"/>
-              </a:ext>
-            </a:extLst>
-          </p:cNvPr>
-          <p:cNvSpPr>
-            <a:spLocks noGrp="1"/>
-          </p:cNvSpPr>
-          <p:nvPr>
-            <p:ph type="sldNum" sz="quarter" idx="16"/>
-          </p:nvPr>
-        </p:nvSpPr>
-        <p:spPr/>
-        <p:txBody>
-          <a:bodyPr/>
-          <a:lstStyle/>
-          <a:p>
-            <a:fld id="{294A09A9-5501-47C1-A89A-A340965A2BE2}" type="slidenum">
-              <a:rPr lang="en-US" smtClean="0"/>
-              <a:pPr/>
-              <a:t>5</a:t>
-            </a:fld>
-            <a:endParaRPr lang="en-US" dirty="0">
-              <a:latin typeface="+mn-lt"/>
-            </a:endParaRPr>
-          </a:p>
-        </p:txBody>
-      </p:sp>
     </p:spTree>
     <p:extLst>
       <p:ext uri="{BB962C8B-B14F-4D97-AF65-F5344CB8AC3E}">
-        <p14:creationId xmlns:p14="http://schemas.microsoft.com/office/powerpoint/2010/main" val="1257716117"/>
+        <p14:creationId xmlns:p14="http://schemas.microsoft.com/office/powerpoint/2010/main" val="2896385716"/>
       </p:ext>
     </p:extLst>
   </p:cSld>
@@ -19787,7 +20112,7 @@
           <a:p>
             <a:r>
               <a:rPr lang="en-US" dirty="0"/>
-              <a:t>TLB os161</a:t>
+              <a:t>TLB xv6</a:t>
             </a:r>
           </a:p>
         </p:txBody>
@@ -19808,12 +20133,422 @@
             <p:ph type="body" sz="quarter" idx="11"/>
           </p:nvPr>
         </p:nvSpPr>
-        <p:spPr/>
+        <p:spPr>
+          <a:xfrm>
+            <a:off x="952499" y="2289363"/>
+            <a:ext cx="4598069" cy="3689574"/>
+          </a:xfrm>
+        </p:spPr>
         <p:txBody>
           <a:bodyPr/>
           <a:lstStyle/>
           <a:p>
-            <a:endParaRPr lang="en-US"/>
+            <a:pPr marL="285750" indent="-285750">
+              <a:buFont typeface="Arial" panose="020B0604020202020204" pitchFamily="34" charset="0"/>
+              <a:buChar char="•"/>
+            </a:pPr>
+            <a:r>
+              <a:rPr lang="en-US" dirty="0"/>
+              <a:t>Page size </a:t>
+            </a:r>
+            <a:r>
+              <a:rPr lang="en-US" b="1" dirty="0">
+                <a:latin typeface="Courier New" panose="02070309020205020404" pitchFamily="49" charset="0"/>
+                <a:cs typeface="Courier New" panose="02070309020205020404" pitchFamily="49" charset="0"/>
+              </a:rPr>
+              <a:t>4096 bytes </a:t>
+            </a:r>
+          </a:p>
+          <a:p>
+            <a:pPr marL="285750" indent="-285750">
+              <a:buFont typeface="Arial" panose="020B0604020202020204" pitchFamily="34" charset="0"/>
+              <a:buChar char="•"/>
+            </a:pPr>
+            <a:r>
+              <a:rPr lang="en-US" b="1" dirty="0" err="1">
+                <a:latin typeface="Courier New" panose="02070309020205020404" pitchFamily="49" charset="0"/>
+                <a:cs typeface="Courier New" panose="02070309020205020404" pitchFamily="49" charset="0"/>
+              </a:rPr>
+              <a:t>satp</a:t>
+            </a:r>
+            <a:r>
+              <a:rPr lang="en-US" dirty="0">
+                <a:latin typeface="Courier New" panose="02070309020205020404" pitchFamily="49" charset="0"/>
+                <a:cs typeface="Courier New" panose="02070309020205020404" pitchFamily="49" charset="0"/>
+              </a:rPr>
+              <a:t> </a:t>
+            </a:r>
+            <a:r>
+              <a:rPr lang="en-US" dirty="0" err="1">
+                <a:cs typeface="Courier New" panose="02070309020205020404" pitchFamily="49" charset="0"/>
+              </a:rPr>
+              <a:t>composto</a:t>
+            </a:r>
+            <a:r>
+              <a:rPr lang="en-US" dirty="0">
+                <a:cs typeface="Courier New" panose="02070309020205020404" pitchFamily="49" charset="0"/>
+              </a:rPr>
+              <a:t> da </a:t>
+            </a:r>
+          </a:p>
+          <a:p>
+            <a:pPr marL="971550" lvl="1" indent="-285750"/>
+            <a:r>
+              <a:rPr lang="en-US" sz="1600" b="1" dirty="0">
+                <a:latin typeface="Courier New" panose="02070309020205020404" pitchFamily="49" charset="0"/>
+                <a:cs typeface="Courier New" panose="02070309020205020404" pitchFamily="49" charset="0"/>
+              </a:rPr>
+              <a:t>MODE</a:t>
+            </a:r>
+            <a:r>
+              <a:rPr lang="en-US" sz="1600" dirty="0">
+                <a:cs typeface="Courier New" panose="02070309020205020404" pitchFamily="49" charset="0"/>
+              </a:rPr>
+              <a:t>: indica Sv39</a:t>
+            </a:r>
+            <a:endParaRPr lang="en-US" sz="1600" dirty="0">
+              <a:latin typeface="Courier New" panose="02070309020205020404" pitchFamily="49" charset="0"/>
+              <a:cs typeface="Courier New" panose="02070309020205020404" pitchFamily="49" charset="0"/>
+            </a:endParaRPr>
+          </a:p>
+          <a:p>
+            <a:pPr marL="971550" lvl="1" indent="-285750"/>
+            <a:r>
+              <a:rPr lang="en-US" sz="1600" b="1" dirty="0">
+                <a:latin typeface="Courier New" panose="02070309020205020404" pitchFamily="49" charset="0"/>
+                <a:cs typeface="Courier New" panose="02070309020205020404" pitchFamily="49" charset="0"/>
+              </a:rPr>
+              <a:t>ASID</a:t>
+            </a:r>
+            <a:r>
+              <a:rPr lang="en-US" sz="1600" dirty="0">
+                <a:cs typeface="Courier New" panose="02070309020205020404" pitchFamily="49" charset="0"/>
+              </a:rPr>
+              <a:t>: </a:t>
+            </a:r>
+            <a:r>
+              <a:rPr lang="en-US" sz="1600" dirty="0" err="1">
+                <a:cs typeface="Courier New" panose="02070309020205020404" pitchFamily="49" charset="0"/>
+              </a:rPr>
+              <a:t>indentificatore</a:t>
+            </a:r>
+            <a:r>
+              <a:rPr lang="en-US" sz="1600" dirty="0">
+                <a:cs typeface="Courier New" panose="02070309020205020404" pitchFamily="49" charset="0"/>
+              </a:rPr>
+              <a:t> </a:t>
+            </a:r>
+            <a:r>
+              <a:rPr lang="en-US" sz="1600" dirty="0" err="1">
+                <a:cs typeface="Courier New" panose="02070309020205020404" pitchFamily="49" charset="0"/>
+              </a:rPr>
+              <a:t>dello</a:t>
+            </a:r>
+            <a:r>
+              <a:rPr lang="en-US" sz="1600" dirty="0">
+                <a:cs typeface="Courier New" panose="02070309020205020404" pitchFamily="49" charset="0"/>
+              </a:rPr>
+              <a:t> </a:t>
+            </a:r>
+            <a:r>
+              <a:rPr lang="en-US" sz="1600" dirty="0" err="1">
+                <a:cs typeface="Courier New" panose="02070309020205020404" pitchFamily="49" charset="0"/>
+              </a:rPr>
+              <a:t>spazio</a:t>
+            </a:r>
+            <a:r>
+              <a:rPr lang="en-US" sz="1600" dirty="0">
+                <a:cs typeface="Courier New" panose="02070309020205020404" pitchFamily="49" charset="0"/>
+              </a:rPr>
+              <a:t> di </a:t>
+            </a:r>
+            <a:r>
+              <a:rPr lang="en-US" sz="1600" dirty="0" err="1">
+                <a:cs typeface="Courier New" panose="02070309020205020404" pitchFamily="49" charset="0"/>
+              </a:rPr>
+              <a:t>indirizzamento</a:t>
+            </a:r>
+            <a:endParaRPr lang="en-US" sz="1600" dirty="0">
+              <a:latin typeface="Courier New" panose="02070309020205020404" pitchFamily="49" charset="0"/>
+              <a:cs typeface="Courier New" panose="02070309020205020404" pitchFamily="49" charset="0"/>
+            </a:endParaRPr>
+          </a:p>
+          <a:p>
+            <a:pPr marL="971550" lvl="1" indent="-285750"/>
+            <a:r>
+              <a:rPr lang="en-US" sz="1600" b="1" dirty="0">
+                <a:latin typeface="Courier New" panose="02070309020205020404" pitchFamily="49" charset="0"/>
+                <a:cs typeface="Courier New" panose="02070309020205020404" pitchFamily="49" charset="0"/>
+              </a:rPr>
+              <a:t>PPN</a:t>
+            </a:r>
+            <a:r>
+              <a:rPr lang="en-US" sz="1600" dirty="0">
+                <a:cs typeface="Courier New" panose="02070309020205020404" pitchFamily="49" charset="0"/>
+              </a:rPr>
+              <a:t>: </a:t>
+            </a:r>
+            <a:r>
+              <a:rPr lang="en-US" sz="1600" dirty="0" err="1">
+                <a:cs typeface="Courier New" panose="02070309020205020404" pitchFamily="49" charset="0"/>
+              </a:rPr>
+              <a:t>numero</a:t>
+            </a:r>
+            <a:r>
+              <a:rPr lang="en-US" sz="1600" dirty="0">
+                <a:cs typeface="Courier New" panose="02070309020205020404" pitchFamily="49" charset="0"/>
+              </a:rPr>
+              <a:t> di </a:t>
+            </a:r>
+            <a:r>
+              <a:rPr lang="en-US" sz="1600" dirty="0" err="1">
+                <a:cs typeface="Courier New" panose="02070309020205020404" pitchFamily="49" charset="0"/>
+              </a:rPr>
+              <a:t>pagina</a:t>
+            </a:r>
+            <a:r>
+              <a:rPr lang="en-US" sz="1600" dirty="0">
+                <a:cs typeface="Courier New" panose="02070309020205020404" pitchFamily="49" charset="0"/>
+              </a:rPr>
+              <a:t> </a:t>
+            </a:r>
+            <a:r>
+              <a:rPr lang="en-US" sz="1600" dirty="0" err="1">
+                <a:cs typeface="Courier New" panose="02070309020205020404" pitchFamily="49" charset="0"/>
+              </a:rPr>
+              <a:t>fisica</a:t>
+            </a:r>
+            <a:r>
+              <a:rPr lang="en-US" sz="1600" dirty="0">
+                <a:cs typeface="Courier New" panose="02070309020205020404" pitchFamily="49" charset="0"/>
+              </a:rPr>
+              <a:t> </a:t>
+            </a:r>
+            <a:r>
+              <a:rPr lang="en-US" sz="1600" dirty="0" err="1">
+                <a:cs typeface="Courier New" panose="02070309020205020404" pitchFamily="49" charset="0"/>
+              </a:rPr>
+              <a:t>che</a:t>
+            </a:r>
+            <a:r>
+              <a:rPr lang="en-US" sz="1600" dirty="0">
+                <a:cs typeface="Courier New" panose="02070309020205020404" pitchFamily="49" charset="0"/>
+              </a:rPr>
+              <a:t> </a:t>
+            </a:r>
+            <a:r>
+              <a:rPr lang="en-US" sz="1600" dirty="0" err="1">
+                <a:cs typeface="Courier New" panose="02070309020205020404" pitchFamily="49" charset="0"/>
+              </a:rPr>
+              <a:t>deve</a:t>
+            </a:r>
+            <a:r>
+              <a:rPr lang="en-US" sz="1600" dirty="0">
+                <a:cs typeface="Courier New" panose="02070309020205020404" pitchFamily="49" charset="0"/>
+              </a:rPr>
+              <a:t> </a:t>
+            </a:r>
+            <a:r>
+              <a:rPr lang="en-US" sz="1600" dirty="0" err="1">
+                <a:cs typeface="Courier New" panose="02070309020205020404" pitchFamily="49" charset="0"/>
+              </a:rPr>
+              <a:t>essere</a:t>
+            </a:r>
+            <a:r>
+              <a:rPr lang="en-US" sz="1600" dirty="0">
+                <a:cs typeface="Courier New" panose="02070309020205020404" pitchFamily="49" charset="0"/>
+              </a:rPr>
+              <a:t> </a:t>
+            </a:r>
+            <a:r>
+              <a:rPr lang="en-US" sz="1600" dirty="0" err="1">
+                <a:cs typeface="Courier New" panose="02070309020205020404" pitchFamily="49" charset="0"/>
+              </a:rPr>
+              <a:t>shiftato</a:t>
+            </a:r>
+            <a:r>
+              <a:rPr lang="en-US" sz="1600" dirty="0">
+                <a:cs typeface="Courier New" panose="02070309020205020404" pitchFamily="49" charset="0"/>
+              </a:rPr>
+              <a:t> di 12 </a:t>
+            </a:r>
+            <a:r>
+              <a:rPr lang="en-US" sz="1600" dirty="0" err="1">
+                <a:cs typeface="Courier New" panose="02070309020205020404" pitchFamily="49" charset="0"/>
+              </a:rPr>
+              <a:t>posizioni</a:t>
+            </a:r>
+            <a:r>
+              <a:rPr lang="en-US" sz="1600" dirty="0">
+                <a:cs typeface="Courier New" panose="02070309020205020404" pitchFamily="49" charset="0"/>
+              </a:rPr>
+              <a:t> per </a:t>
+            </a:r>
+            <a:r>
+              <a:rPr lang="en-US" sz="1600" dirty="0" err="1">
+                <a:cs typeface="Courier New" panose="02070309020205020404" pitchFamily="49" charset="0"/>
+              </a:rPr>
+              <a:t>accedere</a:t>
+            </a:r>
+            <a:r>
+              <a:rPr lang="en-US" sz="1600" dirty="0">
+                <a:cs typeface="Courier New" panose="02070309020205020404" pitchFamily="49" charset="0"/>
+              </a:rPr>
+              <a:t> </a:t>
+            </a:r>
+            <a:r>
+              <a:rPr lang="en-US" sz="1600" dirty="0" err="1">
+                <a:cs typeface="Courier New" panose="02070309020205020404" pitchFamily="49" charset="0"/>
+              </a:rPr>
+              <a:t>all’indirizzo</a:t>
+            </a:r>
+            <a:r>
+              <a:rPr lang="en-US" sz="1600" dirty="0">
+                <a:cs typeface="Courier New" panose="02070309020205020404" pitchFamily="49" charset="0"/>
+              </a:rPr>
+              <a:t> </a:t>
+            </a:r>
+            <a:r>
+              <a:rPr lang="en-US" sz="1600" dirty="0" err="1">
+                <a:cs typeface="Courier New" panose="02070309020205020404" pitchFamily="49" charset="0"/>
+              </a:rPr>
+              <a:t>originale</a:t>
+            </a:r>
+            <a:endParaRPr lang="en-US" sz="1600" dirty="0">
+              <a:latin typeface="Courier New" panose="02070309020205020404" pitchFamily="49" charset="0"/>
+              <a:cs typeface="Courier New" panose="02070309020205020404" pitchFamily="49" charset="0"/>
+            </a:endParaRPr>
+          </a:p>
+          <a:p>
+            <a:pPr marL="285750" indent="-285750">
+              <a:buFont typeface="Arial" panose="020B0604020202020204" pitchFamily="34" charset="0"/>
+              <a:buChar char="•"/>
+            </a:pPr>
+            <a:r>
+              <a:rPr lang="en-US" b="1" dirty="0" err="1">
+                <a:latin typeface="Courier New" panose="02070309020205020404" pitchFamily="49" charset="0"/>
+                <a:cs typeface="Courier New" panose="02070309020205020404" pitchFamily="49" charset="0"/>
+              </a:rPr>
+              <a:t>sfence.vma</a:t>
+            </a:r>
+            <a:r>
+              <a:rPr lang="en-US" b="1" dirty="0">
+                <a:latin typeface="Courier New" panose="02070309020205020404" pitchFamily="49" charset="0"/>
+                <a:cs typeface="Courier New" panose="02070309020205020404" pitchFamily="49" charset="0"/>
+              </a:rPr>
+              <a:t> </a:t>
+            </a:r>
+            <a:r>
+              <a:rPr lang="en-US" dirty="0" err="1">
+                <a:cs typeface="Courier New" panose="02070309020205020404" pitchFamily="49" charset="0"/>
+              </a:rPr>
+              <a:t>elimina</a:t>
+            </a:r>
+            <a:r>
+              <a:rPr lang="en-US" dirty="0">
+                <a:cs typeface="Courier New" panose="02070309020205020404" pitchFamily="49" charset="0"/>
+              </a:rPr>
+              <a:t> </a:t>
+            </a:r>
+            <a:r>
+              <a:rPr lang="en-US" dirty="0" err="1">
+                <a:cs typeface="Courier New" panose="02070309020205020404" pitchFamily="49" charset="0"/>
+              </a:rPr>
+              <a:t>tutte</a:t>
+            </a:r>
+            <a:r>
+              <a:rPr lang="en-US" dirty="0">
+                <a:cs typeface="Courier New" panose="02070309020205020404" pitchFamily="49" charset="0"/>
+              </a:rPr>
+              <a:t> le entry</a:t>
+            </a:r>
+          </a:p>
+          <a:p>
+            <a:pPr marL="285750" indent="-285750">
+              <a:buFont typeface="Arial" panose="020B0604020202020204" pitchFamily="34" charset="0"/>
+              <a:buChar char="•"/>
+            </a:pPr>
+            <a:r>
+              <a:rPr lang="en-US" dirty="0">
+                <a:cs typeface="Courier New" panose="02070309020205020404" pitchFamily="49" charset="0"/>
+              </a:rPr>
+              <a:t>RISC-V </a:t>
+            </a:r>
+            <a:r>
+              <a:rPr lang="en-US" dirty="0" err="1">
+                <a:cs typeface="Courier New" panose="02070309020205020404" pitchFamily="49" charset="0"/>
+              </a:rPr>
+              <a:t>supporta</a:t>
+            </a:r>
+            <a:r>
+              <a:rPr lang="en-US" dirty="0">
+                <a:cs typeface="Courier New" panose="02070309020205020404" pitchFamily="49" charset="0"/>
+              </a:rPr>
+              <a:t> </a:t>
+            </a:r>
+            <a:r>
+              <a:rPr lang="en-US" dirty="0" err="1">
+                <a:cs typeface="Courier New" panose="02070309020205020404" pitchFamily="49" charset="0"/>
+              </a:rPr>
+              <a:t>l’eliminazione</a:t>
+            </a:r>
+            <a:r>
+              <a:rPr lang="en-US" dirty="0">
+                <a:cs typeface="Courier New" panose="02070309020205020404" pitchFamily="49" charset="0"/>
+              </a:rPr>
+              <a:t> di uno </a:t>
+            </a:r>
+            <a:r>
+              <a:rPr lang="en-US" dirty="0" err="1">
+                <a:cs typeface="Courier New" panose="02070309020205020404" pitchFamily="49" charset="0"/>
+              </a:rPr>
+              <a:t>specifico</a:t>
+            </a:r>
+            <a:r>
+              <a:rPr lang="en-US" dirty="0">
+                <a:cs typeface="Courier New" panose="02070309020205020404" pitchFamily="49" charset="0"/>
+              </a:rPr>
+              <a:t> </a:t>
+            </a:r>
+            <a:r>
+              <a:rPr lang="en-US" dirty="0" err="1">
+                <a:cs typeface="Courier New" panose="02070309020205020404" pitchFamily="49" charset="0"/>
+              </a:rPr>
+              <a:t>spazio</a:t>
+            </a:r>
+            <a:r>
+              <a:rPr lang="en-US" dirty="0">
+                <a:cs typeface="Courier New" panose="02070309020205020404" pitchFamily="49" charset="0"/>
+              </a:rPr>
+              <a:t> di </a:t>
+            </a:r>
+            <a:r>
+              <a:rPr lang="en-US" dirty="0" err="1">
+                <a:cs typeface="Courier New" panose="02070309020205020404" pitchFamily="49" charset="0"/>
+              </a:rPr>
+              <a:t>indirizzamento</a:t>
+            </a:r>
+            <a:r>
+              <a:rPr lang="en-US" dirty="0">
+                <a:cs typeface="Courier New" panose="02070309020205020404" pitchFamily="49" charset="0"/>
+              </a:rPr>
+              <a:t>, ma </a:t>
+            </a:r>
+            <a:r>
+              <a:rPr lang="en-US" b="1" dirty="0">
+                <a:cs typeface="Courier New" panose="02070309020205020404" pitchFamily="49" charset="0"/>
+              </a:rPr>
+              <a:t>non xv6</a:t>
+            </a:r>
+          </a:p>
+          <a:p>
+            <a:pPr marL="285750" indent="-285750">
+              <a:buFont typeface="Arial" panose="020B0604020202020204" pitchFamily="34" charset="0"/>
+              <a:buChar char="•"/>
+            </a:pPr>
+            <a:endParaRPr lang="en-US" dirty="0">
+              <a:cs typeface="Courier New" panose="02070309020205020404" pitchFamily="49" charset="0"/>
+            </a:endParaRPr>
           </a:p>
         </p:txBody>
       </p:sp>
@@ -19879,207 +20614,6 @@
               <a:rPr lang="en-US" smtClean="0"/>
               <a:pPr/>
               <a:t>6</a:t>
-            </a:fld>
-            <a:endParaRPr lang="en-US" dirty="0">
-              <a:latin typeface="+mn-lt"/>
-            </a:endParaRPr>
-          </a:p>
-        </p:txBody>
-      </p:sp>
-      <p:pic>
-        <p:nvPicPr>
-          <p:cNvPr id="12" name="Segnaposto immagine 11" descr="Immagine che contiene testo, diagramma, Carattere, linea&#10;&#10;Descrizione generata automaticamente">
-            <a:extLst>
-              <a:ext uri="{FF2B5EF4-FFF2-40B4-BE49-F238E27FC236}">
-                <a16:creationId xmlns:a16="http://schemas.microsoft.com/office/drawing/2014/main" id="{1885EF0C-4F38-CAFC-3673-74A1B892DB63}"/>
-              </a:ext>
-            </a:extLst>
-          </p:cNvPr>
-          <p:cNvPicPr>
-            <a:picLocks noGrp="1" noChangeAspect="1"/>
-          </p:cNvPicPr>
-          <p:nvPr>
-            <p:ph type="pic" sz="quarter" idx="13"/>
-          </p:nvPr>
-        </p:nvPicPr>
-        <p:blipFill rotWithShape="1">
-          <a:blip r:embed="rId2">
-            <a:extLst>
-              <a:ext uri="{28A0092B-C50C-407E-A947-70E740481C1C}">
-                <a14:useLocalDpi xmlns:a14="http://schemas.microsoft.com/office/drawing/2010/main" val="0"/>
-              </a:ext>
-            </a:extLst>
-          </a:blip>
-          <a:srcRect l="-56857" t="-63883" r="-49120" b="-48044"/>
-          <a:stretch/>
-        </p:blipFill>
-        <p:spPr>
-          <a:xfrm>
-            <a:off x="2628900" y="-22543"/>
-            <a:ext cx="12560300" cy="6903086"/>
-          </a:xfrm>
-        </p:spPr>
-      </p:pic>
-    </p:spTree>
-    <p:extLst>
-      <p:ext uri="{BB962C8B-B14F-4D97-AF65-F5344CB8AC3E}">
-        <p14:creationId xmlns:p14="http://schemas.microsoft.com/office/powerpoint/2010/main" val="2896385716"/>
-      </p:ext>
-    </p:extLst>
-  </p:cSld>
-  <p:clrMapOvr>
-    <a:masterClrMapping/>
-  </p:clrMapOvr>
-</p:sld>
-</file>
-
-<file path=ppt/slides/slide7.xml><?xml version="1.0" encoding="utf-8"?>
-<p:sld xmlns:a="http://schemas.openxmlformats.org/drawingml/2006/main" xmlns:r="http://schemas.openxmlformats.org/officeDocument/2006/relationships" xmlns:p="http://schemas.openxmlformats.org/presentationml/2006/main">
-  <p:cSld>
-    <p:spTree>
-      <p:nvGrpSpPr>
-        <p:cNvPr id="1" name=""/>
-        <p:cNvGrpSpPr/>
-        <p:nvPr/>
-      </p:nvGrpSpPr>
-      <p:grpSpPr>
-        <a:xfrm>
-          <a:off x="0" y="0"/>
-          <a:ext cx="0" cy="0"/>
-          <a:chOff x="0" y="0"/>
-          <a:chExt cx="0" cy="0"/>
-        </a:xfrm>
-      </p:grpSpPr>
-      <p:sp>
-        <p:nvSpPr>
-          <p:cNvPr id="3" name="Titolo 2">
-            <a:extLst>
-              <a:ext uri="{FF2B5EF4-FFF2-40B4-BE49-F238E27FC236}">
-                <a16:creationId xmlns:a16="http://schemas.microsoft.com/office/drawing/2014/main" id="{B9054134-716F-1CBD-D466-A5813A3D817F}"/>
-              </a:ext>
-            </a:extLst>
-          </p:cNvPr>
-          <p:cNvSpPr>
-            <a:spLocks noGrp="1"/>
-          </p:cNvSpPr>
-          <p:nvPr>
-            <p:ph type="title"/>
-          </p:nvPr>
-        </p:nvSpPr>
-        <p:spPr/>
-        <p:txBody>
-          <a:bodyPr/>
-          <a:lstStyle/>
-          <a:p>
-            <a:r>
-              <a:rPr lang="en-US" dirty="0"/>
-              <a:t>TLB xv6</a:t>
-            </a:r>
-          </a:p>
-        </p:txBody>
-      </p:sp>
-      <p:sp>
-        <p:nvSpPr>
-          <p:cNvPr id="4" name="Segnaposto testo 3">
-            <a:extLst>
-              <a:ext uri="{FF2B5EF4-FFF2-40B4-BE49-F238E27FC236}">
-                <a16:creationId xmlns:a16="http://schemas.microsoft.com/office/drawing/2014/main" id="{FE7B1D6D-BD82-2AD6-2E20-AB168A315F39}"/>
-              </a:ext>
-            </a:extLst>
-          </p:cNvPr>
-          <p:cNvSpPr>
-            <a:spLocks noGrp="1"/>
-          </p:cNvSpPr>
-          <p:nvPr>
-            <p:ph type="body" sz="quarter" idx="11"/>
-          </p:nvPr>
-        </p:nvSpPr>
-        <p:spPr/>
-        <p:txBody>
-          <a:bodyPr/>
-          <a:lstStyle/>
-          <a:p>
-            <a:r>
-              <a:rPr lang="en-US" dirty="0" err="1"/>
-              <a:t>Inserire</a:t>
-            </a:r>
-            <a:r>
-              <a:rPr lang="en-US" dirty="0"/>
-              <a:t> </a:t>
-            </a:r>
-            <a:r>
-              <a:rPr lang="en-US" dirty="0" err="1"/>
-              <a:t>codice</a:t>
-            </a:r>
-            <a:r>
-              <a:rPr lang="en-US" dirty="0"/>
-              <a:t> </a:t>
-            </a:r>
-          </a:p>
-        </p:txBody>
-      </p:sp>
-      <p:sp>
-        <p:nvSpPr>
-          <p:cNvPr id="5" name="Segnaposto piè di pagina 4">
-            <a:extLst>
-              <a:ext uri="{FF2B5EF4-FFF2-40B4-BE49-F238E27FC236}">
-                <a16:creationId xmlns:a16="http://schemas.microsoft.com/office/drawing/2014/main" id="{03C001CA-E2A8-7CFD-414C-A2FDAEBF1FC9}"/>
-              </a:ext>
-            </a:extLst>
-          </p:cNvPr>
-          <p:cNvSpPr>
-            <a:spLocks noGrp="1"/>
-          </p:cNvSpPr>
-          <p:nvPr>
-            <p:ph type="ftr" sz="quarter" idx="15"/>
-          </p:nvPr>
-        </p:nvSpPr>
-        <p:spPr>
-          <a:xfrm>
-            <a:off x="1494789" y="6332220"/>
-            <a:ext cx="2552277" cy="247651"/>
-          </a:xfrm>
-        </p:spPr>
-        <p:txBody>
-          <a:bodyPr/>
-          <a:lstStyle/>
-          <a:p>
-            <a:r>
-              <a:rPr lang="it-IT" b="0" dirty="0"/>
-              <a:t>Programmazione</a:t>
-            </a:r>
-            <a:r>
-              <a:rPr lang="en-US" b="0" dirty="0"/>
-              <a:t> di Sistema – 2023/24</a:t>
-            </a:r>
-          </a:p>
-        </p:txBody>
-      </p:sp>
-      <p:sp>
-        <p:nvSpPr>
-          <p:cNvPr id="6" name="Segnaposto numero diapositiva 5">
-            <a:extLst>
-              <a:ext uri="{FF2B5EF4-FFF2-40B4-BE49-F238E27FC236}">
-                <a16:creationId xmlns:a16="http://schemas.microsoft.com/office/drawing/2014/main" id="{333800D2-0446-E7C1-8ED8-FC146DDB7BBE}"/>
-              </a:ext>
-            </a:extLst>
-          </p:cNvPr>
-          <p:cNvSpPr>
-            <a:spLocks noGrp="1"/>
-          </p:cNvSpPr>
-          <p:nvPr>
-            <p:ph type="sldNum" sz="quarter" idx="16"/>
-          </p:nvPr>
-        </p:nvSpPr>
-        <p:spPr/>
-        <p:txBody>
-          <a:bodyPr/>
-          <a:lstStyle/>
-          <a:p>
-            <a:fld id="{294A09A9-5501-47C1-A89A-A340965A2BE2}" type="slidenum">
-              <a:rPr lang="en-US" smtClean="0"/>
-              <a:pPr/>
-              <a:t>7</a:t>
             </a:fld>
             <a:endParaRPr lang="en-US" dirty="0">
               <a:latin typeface="+mn-lt"/>
@@ -20169,6 +20703,382 @@
 </p:sld>
 </file>
 
+<file path=ppt/slides/slide7.xml><?xml version="1.0" encoding="utf-8"?>
+<p:sld xmlns:a="http://schemas.openxmlformats.org/drawingml/2006/main" xmlns:r="http://schemas.openxmlformats.org/officeDocument/2006/relationships" xmlns:p="http://schemas.openxmlformats.org/presentationml/2006/main">
+  <p:cSld>
+    <p:spTree>
+      <p:nvGrpSpPr>
+        <p:cNvPr id="1" name=""/>
+        <p:cNvGrpSpPr/>
+        <p:nvPr/>
+      </p:nvGrpSpPr>
+      <p:grpSpPr>
+        <a:xfrm>
+          <a:off x="0" y="0"/>
+          <a:ext cx="0" cy="0"/>
+          <a:chOff x="0" y="0"/>
+          <a:chExt cx="0" cy="0"/>
+        </a:xfrm>
+      </p:grpSpPr>
+      <p:sp>
+        <p:nvSpPr>
+          <p:cNvPr id="3" name="Titolo 2">
+            <a:extLst>
+              <a:ext uri="{FF2B5EF4-FFF2-40B4-BE49-F238E27FC236}">
+                <a16:creationId xmlns:a16="http://schemas.microsoft.com/office/drawing/2014/main" id="{B9054134-716F-1CBD-D466-A5813A3D817F}"/>
+              </a:ext>
+            </a:extLst>
+          </p:cNvPr>
+          <p:cNvSpPr>
+            <a:spLocks noGrp="1"/>
+          </p:cNvSpPr>
+          <p:nvPr>
+            <p:ph type="title"/>
+          </p:nvPr>
+        </p:nvSpPr>
+        <p:spPr/>
+        <p:txBody>
+          <a:bodyPr/>
+          <a:lstStyle/>
+          <a:p>
+            <a:r>
+              <a:rPr lang="en-US" dirty="0"/>
+              <a:t>MMU os161</a:t>
+            </a:r>
+          </a:p>
+        </p:txBody>
+      </p:sp>
+      <p:sp>
+        <p:nvSpPr>
+          <p:cNvPr id="4" name="Segnaposto testo 3">
+            <a:extLst>
+              <a:ext uri="{FF2B5EF4-FFF2-40B4-BE49-F238E27FC236}">
+                <a16:creationId xmlns:a16="http://schemas.microsoft.com/office/drawing/2014/main" id="{FE7B1D6D-BD82-2AD6-2E20-AB168A315F39}"/>
+              </a:ext>
+            </a:extLst>
+          </p:cNvPr>
+          <p:cNvSpPr>
+            <a:spLocks noGrp="1"/>
+          </p:cNvSpPr>
+          <p:nvPr>
+            <p:ph type="body" sz="quarter" idx="11"/>
+          </p:nvPr>
+        </p:nvSpPr>
+        <p:spPr/>
+        <p:txBody>
+          <a:bodyPr/>
+          <a:lstStyle/>
+          <a:p>
+            <a:pPr marL="285750" indent="-285750">
+              <a:buFont typeface="Arial" panose="020B0604020202020204" pitchFamily="34" charset="0"/>
+              <a:buChar char="•"/>
+            </a:pPr>
+            <a:r>
+              <a:rPr lang="en-US" b="1" dirty="0"/>
+              <a:t>Nessun</a:t>
+            </a:r>
+            <a:r>
+              <a:rPr lang="en-US" dirty="0"/>
+              <a:t> </a:t>
+            </a:r>
+            <a:r>
+              <a:rPr lang="en-US" b="1" dirty="0"/>
+              <a:t>hardware</a:t>
+            </a:r>
+            <a:r>
+              <a:rPr lang="en-US" dirty="0"/>
+              <a:t> MMU </a:t>
+            </a:r>
+            <a:r>
+              <a:rPr lang="en-US" b="1" dirty="0" err="1"/>
+              <a:t>dedicato</a:t>
+            </a:r>
+            <a:endParaRPr lang="en-US" b="1" dirty="0"/>
+          </a:p>
+          <a:p>
+            <a:pPr marL="285750" indent="-285750">
+              <a:buFont typeface="Arial" panose="020B0604020202020204" pitchFamily="34" charset="0"/>
+              <a:buChar char="•"/>
+            </a:pPr>
+            <a:r>
+              <a:rPr lang="en-US" b="1" dirty="0" err="1">
+                <a:latin typeface="Courier New" panose="02070309020205020404" pitchFamily="49" charset="0"/>
+                <a:cs typeface="Courier New" panose="02070309020205020404" pitchFamily="49" charset="0"/>
+              </a:rPr>
+              <a:t>kuseg</a:t>
+            </a:r>
+            <a:r>
+              <a:rPr lang="en-US" dirty="0"/>
+              <a:t> </a:t>
+            </a:r>
+            <a:r>
+              <a:rPr lang="en-US" dirty="0" err="1"/>
+              <a:t>mappato</a:t>
+            </a:r>
+            <a:r>
+              <a:rPr lang="en-US" dirty="0"/>
+              <a:t> in </a:t>
+            </a:r>
+            <a:r>
+              <a:rPr lang="en-US" b="1" dirty="0"/>
+              <a:t>TLB</a:t>
+            </a:r>
+          </a:p>
+          <a:p>
+            <a:pPr marL="285750" indent="-285750">
+              <a:buFont typeface="Arial" panose="020B0604020202020204" pitchFamily="34" charset="0"/>
+              <a:buChar char="•"/>
+            </a:pPr>
+            <a:r>
+              <a:rPr lang="en-US" b="1" dirty="0">
+                <a:latin typeface="Courier New" panose="02070309020205020404" pitchFamily="49" charset="0"/>
+                <a:cs typeface="Courier New" panose="02070309020205020404" pitchFamily="49" charset="0"/>
+              </a:rPr>
+              <a:t>kseg0</a:t>
+            </a:r>
+            <a:r>
+              <a:rPr lang="en-US" dirty="0"/>
+              <a:t> non </a:t>
+            </a:r>
+            <a:r>
+              <a:rPr lang="en-US" dirty="0" err="1"/>
+              <a:t>mappato</a:t>
+            </a:r>
+            <a:r>
+              <a:rPr lang="en-US" dirty="0"/>
+              <a:t> in TLB, veloce </a:t>
+            </a:r>
+            <a:r>
+              <a:rPr lang="en-US" dirty="0" err="1"/>
+              <a:t>traduzione</a:t>
+            </a:r>
+            <a:r>
+              <a:rPr lang="en-US" dirty="0"/>
+              <a:t> </a:t>
+            </a:r>
+            <a:r>
+              <a:rPr lang="en-US" dirty="0" err="1"/>
+              <a:t>sottraendo</a:t>
+            </a:r>
+            <a:r>
+              <a:rPr lang="en-US" dirty="0"/>
+              <a:t> </a:t>
+            </a:r>
+            <a:r>
+              <a:rPr lang="en-US" b="1" dirty="0">
+                <a:latin typeface="Courier New" panose="02070309020205020404" pitchFamily="49" charset="0"/>
+                <a:cs typeface="Courier New" panose="02070309020205020404" pitchFamily="49" charset="0"/>
+              </a:rPr>
+              <a:t>MIPS_KSEG0 </a:t>
+            </a:r>
+            <a:r>
+              <a:rPr lang="en-US" dirty="0" err="1"/>
+              <a:t>all’indirizzo</a:t>
+            </a:r>
+            <a:r>
+              <a:rPr lang="en-US" dirty="0"/>
+              <a:t> </a:t>
+            </a:r>
+            <a:r>
+              <a:rPr lang="en-US" dirty="0" err="1"/>
+              <a:t>fisico</a:t>
+            </a:r>
+            <a:endParaRPr lang="en-US" dirty="0"/>
+          </a:p>
+          <a:p>
+            <a:pPr marL="285750" indent="-285750">
+              <a:buFont typeface="Arial" panose="020B0604020202020204" pitchFamily="34" charset="0"/>
+              <a:buChar char="•"/>
+            </a:pPr>
+            <a:r>
+              <a:rPr lang="en-US" dirty="0" err="1"/>
+              <a:t>Traduzione</a:t>
+            </a:r>
+            <a:r>
+              <a:rPr lang="en-US" dirty="0"/>
+              <a:t> </a:t>
+            </a:r>
+            <a:r>
+              <a:rPr lang="en-US" dirty="0" err="1"/>
+              <a:t>logico</a:t>
+            </a:r>
+            <a:r>
+              <a:rPr lang="en-US" dirty="0"/>
+              <a:t> </a:t>
+            </a:r>
+            <a:r>
+              <a:rPr lang="en-US" dirty="0" err="1"/>
+              <a:t>fisico</a:t>
+            </a:r>
+            <a:r>
+              <a:rPr lang="en-US" dirty="0"/>
+              <a:t> </a:t>
+            </a:r>
+            <a:r>
+              <a:rPr lang="en-US" dirty="0" err="1"/>
+              <a:t>effettuata</a:t>
+            </a:r>
+            <a:r>
+              <a:rPr lang="en-US" dirty="0"/>
+              <a:t> </a:t>
+            </a:r>
+            <a:r>
+              <a:rPr lang="en-US" dirty="0" err="1"/>
+              <a:t>tramite</a:t>
+            </a:r>
+            <a:r>
+              <a:rPr lang="en-US" dirty="0"/>
+              <a:t> </a:t>
+            </a:r>
+            <a:r>
+              <a:rPr lang="en-US" b="1" dirty="0"/>
+              <a:t>TLB</a:t>
+            </a:r>
+          </a:p>
+          <a:p>
+            <a:pPr marL="285750" indent="-285750">
+              <a:buFont typeface="Arial" panose="020B0604020202020204" pitchFamily="34" charset="0"/>
+              <a:buChar char="•"/>
+            </a:pPr>
+            <a:r>
+              <a:rPr lang="en-US" b="1" dirty="0"/>
+              <a:t>Page fault </a:t>
+            </a:r>
+            <a:r>
+              <a:rPr lang="en-US" dirty="0"/>
+              <a:t>per </a:t>
+            </a:r>
+            <a:r>
+              <a:rPr lang="en-US" dirty="0" err="1"/>
+              <a:t>aggiungere</a:t>
+            </a:r>
+            <a:r>
+              <a:rPr lang="en-US" dirty="0"/>
+              <a:t> </a:t>
+            </a:r>
+            <a:r>
+              <a:rPr lang="en-US" dirty="0" err="1"/>
+              <a:t>una</a:t>
+            </a:r>
+            <a:r>
+              <a:rPr lang="en-US" dirty="0"/>
+              <a:t> </a:t>
+            </a:r>
+            <a:r>
+              <a:rPr lang="en-US" dirty="0" err="1"/>
+              <a:t>pagina</a:t>
+            </a:r>
+            <a:endParaRPr lang="en-US" dirty="0"/>
+          </a:p>
+        </p:txBody>
+      </p:sp>
+      <p:sp>
+        <p:nvSpPr>
+          <p:cNvPr id="5" name="Segnaposto piè di pagina 4">
+            <a:extLst>
+              <a:ext uri="{FF2B5EF4-FFF2-40B4-BE49-F238E27FC236}">
+                <a16:creationId xmlns:a16="http://schemas.microsoft.com/office/drawing/2014/main" id="{03C001CA-E2A8-7CFD-414C-A2FDAEBF1FC9}"/>
+              </a:ext>
+            </a:extLst>
+          </p:cNvPr>
+          <p:cNvSpPr>
+            <a:spLocks noGrp="1"/>
+          </p:cNvSpPr>
+          <p:nvPr>
+            <p:ph type="ftr" sz="quarter" idx="15"/>
+          </p:nvPr>
+        </p:nvSpPr>
+        <p:spPr>
+          <a:xfrm>
+            <a:off x="1494789" y="6332220"/>
+            <a:ext cx="2552277" cy="247651"/>
+          </a:xfrm>
+        </p:spPr>
+        <p:txBody>
+          <a:bodyPr/>
+          <a:lstStyle/>
+          <a:p>
+            <a:r>
+              <a:rPr lang="it-IT" b="0" dirty="0"/>
+              <a:t>Programmazione</a:t>
+            </a:r>
+            <a:r>
+              <a:rPr lang="en-US" b="0" dirty="0"/>
+              <a:t> di Sistema – 2023/24</a:t>
+            </a:r>
+          </a:p>
+        </p:txBody>
+      </p:sp>
+      <p:sp>
+        <p:nvSpPr>
+          <p:cNvPr id="6" name="Segnaposto numero diapositiva 5">
+            <a:extLst>
+              <a:ext uri="{FF2B5EF4-FFF2-40B4-BE49-F238E27FC236}">
+                <a16:creationId xmlns:a16="http://schemas.microsoft.com/office/drawing/2014/main" id="{333800D2-0446-E7C1-8ED8-FC146DDB7BBE}"/>
+              </a:ext>
+            </a:extLst>
+          </p:cNvPr>
+          <p:cNvSpPr>
+            <a:spLocks noGrp="1"/>
+          </p:cNvSpPr>
+          <p:nvPr>
+            <p:ph type="sldNum" sz="quarter" idx="16"/>
+          </p:nvPr>
+        </p:nvSpPr>
+        <p:spPr/>
+        <p:txBody>
+          <a:bodyPr/>
+          <a:lstStyle/>
+          <a:p>
+            <a:fld id="{294A09A9-5501-47C1-A89A-A340965A2BE2}" type="slidenum">
+              <a:rPr lang="en-US" smtClean="0"/>
+              <a:pPr/>
+              <a:t>7</a:t>
+            </a:fld>
+            <a:endParaRPr lang="en-US" dirty="0">
+              <a:latin typeface="+mn-lt"/>
+            </a:endParaRPr>
+          </a:p>
+        </p:txBody>
+      </p:sp>
+      <p:sp>
+        <p:nvSpPr>
+          <p:cNvPr id="7" name="Segnaposto immagine 6">
+            <a:extLst>
+              <a:ext uri="{FF2B5EF4-FFF2-40B4-BE49-F238E27FC236}">
+                <a16:creationId xmlns:a16="http://schemas.microsoft.com/office/drawing/2014/main" id="{24B5BBB5-5C0E-CB43-D9C9-B6E6E6AFEA54}"/>
+              </a:ext>
+            </a:extLst>
+          </p:cNvPr>
+          <p:cNvSpPr>
+            <a:spLocks noGrp="1"/>
+          </p:cNvSpPr>
+          <p:nvPr>
+            <p:ph type="pic" sz="quarter" idx="13"/>
+          </p:nvPr>
+        </p:nvSpPr>
+        <p:spPr/>
+        <p:txBody>
+          <a:bodyPr/>
+          <a:lstStyle/>
+          <a:p>
+            <a:endParaRPr lang="en-US"/>
+          </a:p>
+        </p:txBody>
+      </p:sp>
+    </p:spTree>
+    <p:extLst>
+      <p:ext uri="{BB962C8B-B14F-4D97-AF65-F5344CB8AC3E}">
+        <p14:creationId xmlns:p14="http://schemas.microsoft.com/office/powerpoint/2010/main" val="1159785618"/>
+      </p:ext>
+    </p:extLst>
+  </p:cSld>
+  <p:clrMapOvr>
+    <a:masterClrMapping/>
+  </p:clrMapOvr>
+</p:sld>
+</file>
+
 <file path=ppt/slides/slide8.xml><?xml version="1.0" encoding="utf-8"?>
 <p:sld xmlns:a="http://schemas.openxmlformats.org/drawingml/2006/main" xmlns:r="http://schemas.openxmlformats.org/officeDocument/2006/relationships" xmlns:p="http://schemas.openxmlformats.org/presentationml/2006/main">
   <p:cSld>
@@ -20186,31 +21096,40 @@
           <a:chExt cx="0" cy="0"/>
         </a:xfrm>
       </p:grpSpPr>
-      <p:sp>
-        <p:nvSpPr>
-          <p:cNvPr id="2" name="Segnaposto immagine 1">
-            <a:extLst>
-              <a:ext uri="{FF2B5EF4-FFF2-40B4-BE49-F238E27FC236}">
-                <a16:creationId xmlns:a16="http://schemas.microsoft.com/office/drawing/2014/main" id="{81F8BCC6-4F31-B2FB-A3C1-A884B08546A6}"/>
-              </a:ext>
-            </a:extLst>
-          </p:cNvPr>
-          <p:cNvSpPr>
-            <a:spLocks noGrp="1"/>
-          </p:cNvSpPr>
+      <p:pic>
+        <p:nvPicPr>
+          <p:cNvPr id="8" name="Segnaposto immagine 7" descr="Immagine che contiene testo, diagramma, schermata, Piano&#10;&#10;Descrizione generata automaticamente">
+            <a:extLst>
+              <a:ext uri="{FF2B5EF4-FFF2-40B4-BE49-F238E27FC236}">
+                <a16:creationId xmlns:a16="http://schemas.microsoft.com/office/drawing/2014/main" id="{DCBE728F-9718-D543-A3EC-50C8C38A8D0D}"/>
+              </a:ext>
+            </a:extLst>
+          </p:cNvPr>
+          <p:cNvPicPr>
+            <a:picLocks noGrp="1" noChangeAspect="1"/>
+          </p:cNvPicPr>
           <p:nvPr>
             <p:ph type="pic" sz="quarter" idx="13"/>
           </p:nvPr>
-        </p:nvSpPr>
-        <p:spPr/>
-        <p:txBody>
-          <a:bodyPr/>
-          <a:lstStyle/>
-          <a:p>
-            <a:endParaRPr lang="en-US"/>
-          </a:p>
-        </p:txBody>
-      </p:sp>
+        </p:nvPicPr>
+        <p:blipFill rotWithShape="1">
+          <a:blip r:embed="rId2">
+            <a:extLst>
+              <a:ext uri="{28A0092B-C50C-407E-A947-70E740481C1C}">
+                <a14:useLocalDpi xmlns:a14="http://schemas.microsoft.com/office/drawing/2010/main" val="0"/>
+              </a:ext>
+            </a:extLst>
+          </a:blip>
+          <a:srcRect l="4917" r="5801"/>
+          <a:stretch/>
+        </p:blipFill>
+        <p:spPr>
+          <a:xfrm>
+            <a:off x="6007100" y="86813"/>
+            <a:ext cx="6184900" cy="6657035"/>
+          </a:xfrm>
+        </p:spPr>
+      </p:pic>
       <p:sp>
         <p:nvSpPr>
           <p:cNvPr id="3" name="Titolo 2">
@@ -20234,7 +21153,7 @@
           <a:p>
             <a:r>
               <a:rPr lang="en-US" dirty="0"/>
-              <a:t>Scheduling os161</a:t>
+              <a:t>MMU xv6</a:t>
             </a:r>
           </a:p>
         </p:txBody>
@@ -20255,12 +21174,459 @@
             <p:ph type="body" sz="quarter" idx="11"/>
           </p:nvPr>
         </p:nvSpPr>
-        <p:spPr/>
+        <p:spPr>
+          <a:xfrm>
+            <a:off x="952499" y="2289363"/>
+            <a:ext cx="4726406" cy="3689574"/>
+          </a:xfrm>
+        </p:spPr>
         <p:txBody>
           <a:bodyPr/>
           <a:lstStyle/>
           <a:p>
-            <a:endParaRPr lang="en-US"/>
+            <a:pPr marL="285750" indent="-285750">
+              <a:buFont typeface="Arial" panose="020B0604020202020204" pitchFamily="34" charset="0"/>
+              <a:buChar char="•"/>
+            </a:pPr>
+            <a:r>
+              <a:rPr lang="en-US" dirty="0" err="1"/>
+              <a:t>Direttorio</a:t>
+            </a:r>
+            <a:r>
+              <a:rPr lang="en-US" dirty="0"/>
+              <a:t> a </a:t>
+            </a:r>
+            <a:r>
+              <a:rPr lang="en-US" b="1" dirty="0" err="1"/>
+              <a:t>tre</a:t>
+            </a:r>
+            <a:r>
+              <a:rPr lang="en-US" b="1" dirty="0"/>
+              <a:t> </a:t>
+            </a:r>
+            <a:r>
+              <a:rPr lang="en-US" b="1" dirty="0" err="1"/>
+              <a:t>livelli</a:t>
+            </a:r>
+            <a:r>
+              <a:rPr lang="en-US" b="1" dirty="0"/>
+              <a:t> </a:t>
+            </a:r>
+            <a:r>
+              <a:rPr lang="en-US" dirty="0" err="1"/>
+              <a:t>ognuno</a:t>
+            </a:r>
+            <a:r>
+              <a:rPr lang="en-US" dirty="0"/>
+              <a:t> da 512 entries</a:t>
+            </a:r>
+          </a:p>
+          <a:p>
+            <a:pPr marL="285750" indent="-285750">
+              <a:buFont typeface="Arial" panose="020B0604020202020204" pitchFamily="34" charset="0"/>
+              <a:buChar char="•"/>
+            </a:pPr>
+            <a:r>
+              <a:rPr lang="en-US" dirty="0"/>
+              <a:t>Virtual address a </a:t>
+            </a:r>
+            <a:r>
+              <a:rPr lang="en-US" dirty="0">
+                <a:latin typeface="Courier New" panose="02070309020205020404" pitchFamily="49" charset="0"/>
+                <a:cs typeface="Courier New" panose="02070309020205020404" pitchFamily="49" charset="0"/>
+              </a:rPr>
+              <a:t>39-bit </a:t>
+            </a:r>
+            <a:r>
+              <a:rPr lang="en-US" dirty="0" err="1">
+                <a:cs typeface="Courier New" panose="02070309020205020404" pitchFamily="49" charset="0"/>
+              </a:rPr>
+              <a:t>diviso</a:t>
+            </a:r>
+            <a:r>
+              <a:rPr lang="en-US" dirty="0">
+                <a:cs typeface="Courier New" panose="02070309020205020404" pitchFamily="49" charset="0"/>
+              </a:rPr>
+              <a:t> in 3 parti </a:t>
+            </a:r>
+            <a:r>
+              <a:rPr lang="en-US" dirty="0" err="1">
+                <a:cs typeface="Courier New" panose="02070309020205020404" pitchFamily="49" charset="0"/>
+              </a:rPr>
+              <a:t>ognuna</a:t>
+            </a:r>
+            <a:r>
+              <a:rPr lang="en-US" dirty="0">
+                <a:cs typeface="Courier New" panose="02070309020205020404" pitchFamily="49" charset="0"/>
+              </a:rPr>
+              <a:t> </a:t>
+            </a:r>
+            <a:r>
+              <a:rPr lang="en-US" dirty="0" err="1">
+                <a:cs typeface="Courier New" panose="02070309020205020404" pitchFamily="49" charset="0"/>
+              </a:rPr>
+              <a:t>riferita</a:t>
+            </a:r>
+            <a:r>
+              <a:rPr lang="en-US" dirty="0">
+                <a:cs typeface="Courier New" panose="02070309020205020404" pitchFamily="49" charset="0"/>
+              </a:rPr>
+              <a:t> ad un </a:t>
+            </a:r>
+            <a:r>
+              <a:rPr lang="en-US" dirty="0" err="1">
+                <a:cs typeface="Courier New" panose="02070309020205020404" pitchFamily="49" charset="0"/>
+              </a:rPr>
+              <a:t>livello</a:t>
+            </a:r>
+            <a:r>
+              <a:rPr lang="en-US" dirty="0">
+                <a:cs typeface="Courier New" panose="02070309020205020404" pitchFamily="49" charset="0"/>
+              </a:rPr>
+              <a:t> di </a:t>
+            </a:r>
+            <a:r>
+              <a:rPr lang="en-US" dirty="0" err="1">
+                <a:cs typeface="Courier New" panose="02070309020205020404" pitchFamily="49" charset="0"/>
+              </a:rPr>
+              <a:t>direttorio</a:t>
+            </a:r>
+            <a:r>
+              <a:rPr lang="en-US" dirty="0">
+                <a:cs typeface="Courier New" panose="02070309020205020404" pitchFamily="49" charset="0"/>
+              </a:rPr>
+              <a:t> + </a:t>
+            </a:r>
+            <a:r>
+              <a:rPr lang="en-US" dirty="0">
+                <a:latin typeface="Courier New" panose="02070309020205020404" pitchFamily="49" charset="0"/>
+                <a:cs typeface="Courier New" panose="02070309020205020404" pitchFamily="49" charset="0"/>
+              </a:rPr>
+              <a:t>12-bit</a:t>
+            </a:r>
+            <a:r>
+              <a:rPr lang="en-US" dirty="0">
+                <a:cs typeface="Courier New" panose="02070309020205020404" pitchFamily="49" charset="0"/>
+              </a:rPr>
+              <a:t> offset</a:t>
+            </a:r>
+            <a:endParaRPr lang="en-US" b="1" dirty="0">
+              <a:latin typeface="Courier New" panose="02070309020205020404" pitchFamily="49" charset="0"/>
+              <a:cs typeface="Courier New" panose="02070309020205020404" pitchFamily="49" charset="0"/>
+            </a:endParaRPr>
+          </a:p>
+          <a:p>
+            <a:pPr marL="285750" indent="-285750">
+              <a:buFont typeface="Arial" panose="020B0604020202020204" pitchFamily="34" charset="0"/>
+              <a:buChar char="•"/>
+            </a:pPr>
+            <a:r>
+              <a:rPr lang="en-US" dirty="0"/>
+              <a:t>Per </a:t>
+            </a:r>
+            <a:r>
+              <a:rPr lang="en-US" dirty="0" err="1"/>
+              <a:t>traduzione</a:t>
+            </a:r>
+            <a:r>
+              <a:rPr lang="en-US" dirty="0"/>
+              <a:t> </a:t>
+            </a:r>
+            <a:r>
+              <a:rPr lang="en-US" dirty="0" err="1"/>
+              <a:t>viene</a:t>
+            </a:r>
+            <a:r>
+              <a:rPr lang="en-US" dirty="0"/>
+              <a:t> </a:t>
+            </a:r>
+            <a:r>
+              <a:rPr lang="en-US" dirty="0" err="1"/>
+              <a:t>utilizzato</a:t>
+            </a:r>
+            <a:r>
+              <a:rPr lang="en-US" dirty="0"/>
+              <a:t> il </a:t>
+            </a:r>
+            <a:r>
+              <a:rPr lang="en-US" dirty="0" err="1"/>
+              <a:t>seguente</a:t>
+            </a:r>
+            <a:r>
+              <a:rPr lang="en-US" dirty="0"/>
+              <a:t> </a:t>
+            </a:r>
+            <a:r>
+              <a:rPr lang="en-US" b="1" dirty="0" err="1"/>
+              <a:t>algoritmo</a:t>
+            </a:r>
+            <a:r>
+              <a:rPr lang="en-US" dirty="0"/>
+              <a:t>:</a:t>
+            </a:r>
+          </a:p>
+          <a:p>
+            <a:pPr marL="1428750" lvl="1" indent="-742950">
+              <a:buFont typeface="+mj-lt"/>
+              <a:buAutoNum type="arabicPeriod"/>
+            </a:pPr>
+            <a:r>
+              <a:rPr lang="en-US" sz="1600" dirty="0" err="1"/>
+              <a:t>Legge</a:t>
+            </a:r>
+            <a:r>
+              <a:rPr lang="en-US" sz="1600" dirty="0"/>
+              <a:t> </a:t>
+            </a:r>
+            <a:r>
+              <a:rPr lang="en-US" sz="1600" b="1" dirty="0" err="1">
+                <a:latin typeface="Courier New" panose="02070309020205020404" pitchFamily="49" charset="0"/>
+                <a:cs typeface="Courier New" panose="02070309020205020404" pitchFamily="49" charset="0"/>
+              </a:rPr>
+              <a:t>satp</a:t>
+            </a:r>
+            <a:r>
+              <a:rPr lang="en-US" sz="1600" dirty="0"/>
+              <a:t> e </a:t>
+            </a:r>
+            <a:r>
+              <a:rPr lang="en-US" sz="1600" dirty="0" err="1"/>
+              <a:t>trova</a:t>
+            </a:r>
+            <a:r>
+              <a:rPr lang="en-US" sz="1600" dirty="0"/>
+              <a:t> </a:t>
+            </a:r>
+            <a:r>
+              <a:rPr lang="en-US" sz="1600" b="1" dirty="0">
+                <a:latin typeface="Courier New" panose="02070309020205020404" pitchFamily="49" charset="0"/>
+                <a:cs typeface="Courier New" panose="02070309020205020404" pitchFamily="49" charset="0"/>
+              </a:rPr>
+              <a:t>PPN</a:t>
+            </a:r>
+            <a:r>
+              <a:rPr lang="en-US" sz="1600" dirty="0"/>
+              <a:t> di </a:t>
+            </a:r>
+            <a:r>
+              <a:rPr lang="en-US" sz="1600" b="1" dirty="0" err="1"/>
+              <a:t>partenza</a:t>
+            </a:r>
+            <a:endParaRPr lang="en-US" sz="1600" b="1" dirty="0"/>
+          </a:p>
+          <a:p>
+            <a:pPr marL="1428750" lvl="1" indent="-742950">
+              <a:buFont typeface="+mj-lt"/>
+              <a:buAutoNum type="arabicPeriod"/>
+            </a:pPr>
+            <a:r>
+              <a:rPr lang="en-US" sz="1600" b="1" dirty="0">
+                <a:latin typeface="Courier New" panose="02070309020205020404" pitchFamily="49" charset="0"/>
+                <a:cs typeface="Courier New" panose="02070309020205020404" pitchFamily="49" charset="0"/>
+              </a:rPr>
+              <a:t>PPN * 4096 + VPN[</a:t>
+            </a:r>
+            <a:r>
+              <a:rPr lang="en-US" sz="1600" b="1" dirty="0" err="1">
+                <a:latin typeface="Courier New" panose="02070309020205020404" pitchFamily="49" charset="0"/>
+                <a:cs typeface="Courier New" panose="02070309020205020404" pitchFamily="49" charset="0"/>
+              </a:rPr>
+              <a:t>i</a:t>
+            </a:r>
+            <a:r>
+              <a:rPr lang="en-US" sz="1600" b="1" dirty="0">
+                <a:latin typeface="Courier New" panose="02070309020205020404" pitchFamily="49" charset="0"/>
+                <a:cs typeface="Courier New" panose="02070309020205020404" pitchFamily="49" charset="0"/>
+              </a:rPr>
+              <a:t>] * 8</a:t>
+            </a:r>
+          </a:p>
+          <a:p>
+            <a:pPr marL="1428750" lvl="1" indent="-742950">
+              <a:buFont typeface="+mj-lt"/>
+              <a:buAutoNum type="arabicPeriod"/>
+            </a:pPr>
+            <a:r>
+              <a:rPr lang="en-US" sz="1600" dirty="0"/>
+              <a:t>Se bit </a:t>
+            </a:r>
+            <a:r>
+              <a:rPr lang="en-US" sz="1600" dirty="0">
+                <a:latin typeface="Courier New" panose="02070309020205020404" pitchFamily="49" charset="0"/>
+                <a:cs typeface="Courier New" panose="02070309020205020404" pitchFamily="49" charset="0"/>
+              </a:rPr>
+              <a:t>V = 0 </a:t>
+            </a:r>
+            <a:r>
+              <a:rPr lang="en-US" sz="1600" dirty="0" err="1"/>
+              <a:t>allora</a:t>
+            </a:r>
+            <a:r>
+              <a:rPr lang="en-US" sz="1600" dirty="0"/>
+              <a:t> </a:t>
+            </a:r>
+            <a:r>
+              <a:rPr lang="en-US" sz="1600" b="1" dirty="0"/>
+              <a:t>page fault</a:t>
+            </a:r>
+          </a:p>
+          <a:p>
+            <a:pPr marL="1428750" lvl="1" indent="-742950">
+              <a:buFont typeface="+mj-lt"/>
+              <a:buAutoNum type="arabicPeriod"/>
+            </a:pPr>
+            <a:r>
+              <a:rPr lang="en-US" sz="1600" dirty="0"/>
+              <a:t>Se bit </a:t>
+            </a:r>
+            <a:r>
+              <a:rPr lang="en-US" sz="1600" dirty="0">
+                <a:latin typeface="Courier New" panose="02070309020205020404" pitchFamily="49" charset="0"/>
+                <a:cs typeface="Courier New" panose="02070309020205020404" pitchFamily="49" charset="0"/>
+              </a:rPr>
+              <a:t>V = 1 </a:t>
+            </a:r>
+            <a:r>
+              <a:rPr lang="en-US" sz="1600" dirty="0"/>
+              <a:t>e </a:t>
+            </a:r>
+            <a:r>
+              <a:rPr lang="en-US" sz="1600" dirty="0">
+                <a:latin typeface="Courier New" panose="02070309020205020404" pitchFamily="49" charset="0"/>
+                <a:cs typeface="Courier New" panose="02070309020205020404" pitchFamily="49" charset="0"/>
+              </a:rPr>
+              <a:t>RWX = 0 </a:t>
+            </a:r>
+            <a:r>
+              <a:rPr lang="en-US" sz="1600" b="1" dirty="0"/>
+              <a:t>branch</a:t>
+            </a:r>
+            <a:r>
+              <a:rPr lang="en-US" sz="1600" dirty="0"/>
+              <a:t> </a:t>
+            </a:r>
+            <a:r>
+              <a:rPr lang="en-US" sz="1600" dirty="0" err="1"/>
+              <a:t>altrimenti</a:t>
+            </a:r>
+            <a:r>
+              <a:rPr lang="en-US" sz="1600" dirty="0"/>
+              <a:t> è </a:t>
+            </a:r>
+            <a:r>
+              <a:rPr lang="en-US" sz="1600" dirty="0" err="1"/>
+              <a:t>l’</a:t>
+            </a:r>
+            <a:r>
+              <a:rPr lang="en-US" sz="1600" b="1" dirty="0" err="1"/>
+              <a:t>indirizzo</a:t>
+            </a:r>
+            <a:r>
+              <a:rPr lang="en-US" sz="1600" b="1" dirty="0"/>
+              <a:t> </a:t>
+            </a:r>
+            <a:r>
+              <a:rPr lang="en-US" sz="1600" b="1" dirty="0" err="1"/>
+              <a:t>cercato</a:t>
+            </a:r>
+            <a:endParaRPr lang="en-US" sz="1600" b="1" dirty="0"/>
+          </a:p>
+          <a:p>
+            <a:pPr marL="1428750" lvl="1" indent="-742950">
+              <a:buFont typeface="+mj-lt"/>
+              <a:buAutoNum type="arabicPeriod"/>
+            </a:pPr>
+            <a:r>
+              <a:rPr lang="en-US" sz="1600" dirty="0"/>
+              <a:t>Si </a:t>
+            </a:r>
+            <a:r>
+              <a:rPr lang="en-US" sz="1600" b="1" dirty="0" err="1"/>
+              <a:t>ripete</a:t>
+            </a:r>
+            <a:r>
+              <a:rPr lang="en-US" sz="1600" dirty="0"/>
+              <a:t> il punto </a:t>
+            </a:r>
+            <a:r>
+              <a:rPr lang="en-US" sz="1600" b="1" dirty="0"/>
+              <a:t>2</a:t>
+            </a:r>
+            <a:r>
+              <a:rPr lang="en-US" sz="1600" dirty="0"/>
+              <a:t> </a:t>
+            </a:r>
+          </a:p>
+          <a:p>
+            <a:pPr marL="1428750" lvl="1" indent="-742950">
+              <a:buFont typeface="+mj-lt"/>
+              <a:buAutoNum type="arabicPeriod"/>
+            </a:pPr>
+            <a:r>
+              <a:rPr lang="en-US" sz="1600" dirty="0" err="1"/>
+              <a:t>Quando</a:t>
+            </a:r>
+            <a:r>
+              <a:rPr lang="en-US" sz="1600" dirty="0"/>
+              <a:t> </a:t>
+            </a:r>
+            <a:r>
+              <a:rPr lang="en-US" sz="1600" dirty="0" err="1"/>
+              <a:t>si</a:t>
+            </a:r>
+            <a:r>
+              <a:rPr lang="en-US" sz="1600" dirty="0"/>
+              <a:t> </a:t>
+            </a:r>
+            <a:r>
+              <a:rPr lang="en-US" sz="1600" dirty="0" err="1"/>
+              <a:t>trova</a:t>
+            </a:r>
+            <a:r>
+              <a:rPr lang="en-US" sz="1600" dirty="0"/>
+              <a:t> </a:t>
+            </a:r>
+            <a:r>
+              <a:rPr lang="en-US" sz="1600" dirty="0" err="1"/>
+              <a:t>si</a:t>
+            </a:r>
+            <a:r>
+              <a:rPr lang="en-US" sz="1600" dirty="0"/>
+              <a:t> </a:t>
+            </a:r>
+            <a:r>
+              <a:rPr lang="en-US" sz="1600" dirty="0" err="1"/>
+              <a:t>comunica</a:t>
+            </a:r>
+            <a:r>
+              <a:rPr lang="en-US" sz="1600" dirty="0"/>
+              <a:t> </a:t>
+            </a:r>
+            <a:r>
+              <a:rPr lang="en-US" sz="1600" dirty="0" err="1"/>
+              <a:t>alla</a:t>
+            </a:r>
+            <a:r>
+              <a:rPr lang="en-US" sz="1600" dirty="0"/>
+              <a:t> MMU </a:t>
+            </a:r>
+            <a:r>
+              <a:rPr lang="en-US" sz="1600" dirty="0" err="1"/>
+              <a:t>l’</a:t>
+            </a:r>
+            <a:r>
+              <a:rPr lang="en-US" sz="1600" b="1" dirty="0" err="1"/>
+              <a:t>indirizzo</a:t>
+            </a:r>
+            <a:r>
+              <a:rPr lang="en-US" sz="1600" b="1" dirty="0"/>
+              <a:t> </a:t>
+            </a:r>
+            <a:r>
+              <a:rPr lang="en-US" sz="1600" b="1" dirty="0" err="1"/>
+              <a:t>fisico</a:t>
+            </a:r>
+            <a:endParaRPr lang="en-US" sz="1600" b="1" dirty="0"/>
           </a:p>
         </p:txBody>
       </p:sp>
@@ -20336,7 +21702,7 @@
     </p:spTree>
     <p:extLst>
       <p:ext uri="{BB962C8B-B14F-4D97-AF65-F5344CB8AC3E}">
-        <p14:creationId xmlns:p14="http://schemas.microsoft.com/office/powerpoint/2010/main" val="1284930803"/>
+        <p14:creationId xmlns:p14="http://schemas.microsoft.com/office/powerpoint/2010/main" val="1257716117"/>
       </p:ext>
     </p:extLst>
   </p:cSld>
@@ -20411,7 +21777,7 @@
           <a:p>
             <a:r>
               <a:rPr lang="en-US" dirty="0"/>
-              <a:t>Scheduling xv6</a:t>
+              <a:t>Scheduling os161</a:t>
             </a:r>
           </a:p>
         </p:txBody>
@@ -20437,7 +21803,112 @@
           <a:bodyPr/>
           <a:lstStyle/>
           <a:p>
-            <a:endParaRPr lang="en-US" dirty="0"/>
+            <a:pPr marL="285750" indent="-285750">
+              <a:buFont typeface="Arial" panose="020B0604020202020204" pitchFamily="34" charset="0"/>
+              <a:buChar char="•"/>
+            </a:pPr>
+            <a:r>
+              <a:rPr lang="en-US" b="1" dirty="0"/>
+              <a:t>Uno scheduler </a:t>
+            </a:r>
+            <a:r>
+              <a:rPr lang="en-US" dirty="0"/>
+              <a:t>per </a:t>
+            </a:r>
+            <a:r>
+              <a:rPr lang="en-US" dirty="0" err="1"/>
+              <a:t>l’intero</a:t>
+            </a:r>
+            <a:r>
+              <a:rPr lang="en-US" dirty="0"/>
+              <a:t> OS </a:t>
+            </a:r>
+            <a:r>
+              <a:rPr lang="en-US" dirty="0" err="1"/>
+              <a:t>che</a:t>
+            </a:r>
+            <a:r>
+              <a:rPr lang="en-US" dirty="0"/>
+              <a:t> decide in </a:t>
+            </a:r>
+            <a:r>
+              <a:rPr lang="en-US" dirty="0" err="1"/>
+              <a:t>che</a:t>
+            </a:r>
+            <a:r>
+              <a:rPr lang="en-US" dirty="0"/>
+              <a:t> CPU </a:t>
+            </a:r>
+            <a:r>
+              <a:rPr lang="en-US" dirty="0" err="1"/>
+              <a:t>migrare</a:t>
+            </a:r>
+            <a:r>
+              <a:rPr lang="en-US" dirty="0"/>
+              <a:t> il thread</a:t>
+            </a:r>
+          </a:p>
+          <a:p>
+            <a:pPr marL="285750" indent="-285750">
+              <a:buFont typeface="Arial" panose="020B0604020202020204" pitchFamily="34" charset="0"/>
+              <a:buChar char="•"/>
+            </a:pPr>
+            <a:r>
+              <a:rPr lang="en-US" b="1" dirty="0"/>
+              <a:t>Preemptive</a:t>
+            </a:r>
+          </a:p>
+          <a:p>
+            <a:pPr marL="285750" indent="-285750">
+              <a:buFont typeface="Arial" panose="020B0604020202020204" pitchFamily="34" charset="0"/>
+              <a:buChar char="•"/>
+            </a:pPr>
+            <a:r>
+              <a:rPr lang="en-US" b="1" dirty="0"/>
+              <a:t>Round-Robin</a:t>
+            </a:r>
+          </a:p>
+          <a:p>
+            <a:pPr marL="285750" indent="-285750">
+              <a:buFont typeface="Arial" panose="020B0604020202020204" pitchFamily="34" charset="0"/>
+              <a:buChar char="•"/>
+            </a:pPr>
+            <a:r>
+              <a:rPr lang="en-US" dirty="0"/>
+              <a:t>Timer Interrupt </a:t>
+            </a:r>
+            <a:r>
+              <a:rPr lang="en-US" dirty="0" err="1"/>
+              <a:t>chiamato</a:t>
+            </a:r>
+            <a:r>
+              <a:rPr lang="en-US" dirty="0"/>
+              <a:t> 100 volte al secondo, ma la </a:t>
+            </a:r>
+            <a:r>
+              <a:rPr lang="en-US" dirty="0" err="1"/>
+              <a:t>funzione</a:t>
+            </a:r>
+            <a:r>
+              <a:rPr lang="en-US" dirty="0"/>
+              <a:t> di </a:t>
+            </a:r>
+            <a:r>
+              <a:rPr lang="en-US" b="1" dirty="0"/>
+              <a:t>scheduling</a:t>
+            </a:r>
+            <a:r>
+              <a:rPr lang="en-US" dirty="0"/>
+              <a:t> </a:t>
+            </a:r>
+            <a:r>
+              <a:rPr lang="en-US" b="1" dirty="0"/>
+              <a:t>25</a:t>
+            </a:r>
+            <a:r>
+              <a:rPr lang="en-US" dirty="0"/>
+              <a:t> </a:t>
+            </a:r>
           </a:p>
         </p:txBody>
       </p:sp>
@@ -20513,7 +21984,7 @@
     </p:spTree>
     <p:extLst>
       <p:ext uri="{BB962C8B-B14F-4D97-AF65-F5344CB8AC3E}">
-        <p14:creationId xmlns:p14="http://schemas.microsoft.com/office/powerpoint/2010/main" val="145272086"/>
+        <p14:creationId xmlns:p14="http://schemas.microsoft.com/office/powerpoint/2010/main" val="1284930803"/>
       </p:ext>
     </p:extLst>
   </p:cSld>
@@ -21315,6 +22786,15 @@
 </file>
 
 <file path=customXml/item1.xml><?xml version="1.0" encoding="utf-8"?>
+<?mso-contentType ?>
+<FormTemplates xmlns="http://schemas.microsoft.com/sharepoint/v3/contenttype/forms">
+  <Display>DocumentLibraryForm</Display>
+  <Edit>DocumentLibraryForm</Edit>
+  <New>DocumentLibraryForm</New>
+</FormTemplates>
+</file>
+
+<file path=customXml/item2.xml><?xml version="1.0" encoding="utf-8"?>
 <ct:contentTypeSchema xmlns:ct="http://schemas.microsoft.com/office/2006/metadata/contentType" xmlns:ma="http://schemas.microsoft.com/office/2006/metadata/properties/metaAttributes" ct:_="" ma:_="" ma:contentTypeName="Document" ma:contentTypeID="0x01010079F111ED35F8CC479449609E8A0923A6" ma:contentTypeVersion="28" ma:contentTypeDescription="Create a new document." ma:contentTypeScope="" ma:versionID="60f5a4f2d2b0abadcf532d48ebf9cb71">
   <xsd:schema xmlns:xsd="http://www.w3.org/2001/XMLSchema" xmlns:xs="http://www.w3.org/2001/XMLSchema" xmlns:p="http://schemas.microsoft.com/office/2006/metadata/properties" xmlns:ns1="http://schemas.microsoft.com/sharepoint/v3" xmlns:ns2="71af3243-3dd4-4a8d-8c0d-dd76da1f02a5" xmlns:ns3="16c05727-aa75-4e4a-9b5f-8a80a1165891" xmlns:ns4="230e9df3-be65-4c73-a93b-d1236ebd677e" targetNamespace="http://schemas.microsoft.com/office/2006/metadata/properties" ma:root="true" ma:fieldsID="7dd78129e6a1811f84807ad11c651531" ns1:_="" ns2:_="" ns3:_="" ns4:_="">
     <xsd:import namespace="http://schemas.microsoft.com/sharepoint/v3"/>
@@ -21626,15 +23106,6 @@
 </ct:contentTypeSchema>
 </file>
 
-<file path=customXml/item2.xml><?xml version="1.0" encoding="utf-8"?>
-<?mso-contentType ?>
-<FormTemplates xmlns="http://schemas.microsoft.com/sharepoint/v3/contenttype/forms">
-  <Display>DocumentLibraryForm</Display>
-  <Edit>DocumentLibraryForm</Edit>
-  <New>DocumentLibraryForm</New>
-</FormTemplates>
-</file>
-
 <file path=customXml/item3.xml><?xml version="1.0" encoding="utf-8"?>
 <p:properties xmlns:p="http://schemas.microsoft.com/office/2006/metadata/properties" xmlns:xsi="http://www.w3.org/2001/XMLSchema-instance" xmlns:pc="http://schemas.microsoft.com/office/infopath/2007/PartnerControls">
   <documentManagement>
@@ -21656,6 +23127,14 @@
 </file>
 
 <file path=customXml/itemProps1.xml><?xml version="1.0" encoding="utf-8"?>
+<ds:datastoreItem xmlns:ds="http://schemas.openxmlformats.org/officeDocument/2006/customXml" ds:itemID="{F1446DA3-37A7-4516-A4F6-8B99D0D312BF}">
+  <ds:schemaRefs>
+    <ds:schemaRef ds:uri="http://schemas.microsoft.com/sharepoint/v3/contenttype/forms"/>
+  </ds:schemaRefs>
+</ds:datastoreItem>
+</file>
+
+<file path=customXml/itemProps2.xml><?xml version="1.0" encoding="utf-8"?>
 <ds:datastoreItem xmlns:ds="http://schemas.openxmlformats.org/officeDocument/2006/customXml" ds:itemID="{A6EBEE06-2B28-4E77-9CB6-A74873B39256}">
   <ds:schemaRefs>
     <ds:schemaRef ds:uri="http://schemas.microsoft.com/office/2006/metadata/contentType"/>
@@ -21676,14 +23155,6 @@
 </ds:datastoreItem>
 </file>
 
-<file path=customXml/itemProps2.xml><?xml version="1.0" encoding="utf-8"?>
-<ds:datastoreItem xmlns:ds="http://schemas.openxmlformats.org/officeDocument/2006/customXml" ds:itemID="{F1446DA3-37A7-4516-A4F6-8B99D0D312BF}">
-  <ds:schemaRefs>
-    <ds:schemaRef ds:uri="http://schemas.microsoft.com/sharepoint/v3/contenttype/forms"/>
-  </ds:schemaRefs>
-</ds:datastoreItem>
-</file>
-
 <file path=customXml/itemProps3.xml><?xml version="1.0" encoding="utf-8"?>
 <ds:datastoreItem xmlns:ds="http://schemas.openxmlformats.org/officeDocument/2006/customXml" ds:itemID="{6CC8E66C-AC30-44BA-8882-3290DF968F1F}">
   <ds:schemaRefs>

--- a/OS161 Project/PDS.pptx
+++ b/OS161 Project/PDS.pptx
@@ -13009,31 +13009,37 @@
           <a:chExt cx="0" cy="0"/>
         </a:xfrm>
       </p:grpSpPr>
-      <p:sp>
-        <p:nvSpPr>
-          <p:cNvPr id="2" name="Segnaposto immagine 1">
-            <a:extLst>
-              <a:ext uri="{FF2B5EF4-FFF2-40B4-BE49-F238E27FC236}">
-                <a16:creationId xmlns:a16="http://schemas.microsoft.com/office/drawing/2014/main" id="{81F8BCC6-4F31-B2FB-A3C1-A884B08546A6}"/>
-              </a:ext>
-            </a:extLst>
-          </p:cNvPr>
-          <p:cNvSpPr>
-            <a:spLocks noGrp="1"/>
-          </p:cNvSpPr>
-          <p:nvPr>
-            <p:ph type="pic" sz="quarter" idx="13"/>
-          </p:nvPr>
-        </p:nvSpPr>
-        <p:spPr/>
-        <p:txBody>
-          <a:bodyPr/>
-          <a:lstStyle/>
-          <a:p>
-            <a:endParaRPr lang="en-US"/>
-          </a:p>
-        </p:txBody>
-      </p:sp>
+      <p:pic>
+        <p:nvPicPr>
+          <p:cNvPr id="8" name="Immagine 7">
+            <a:extLst>
+              <a:ext uri="{FF2B5EF4-FFF2-40B4-BE49-F238E27FC236}">
+                <a16:creationId xmlns:a16="http://schemas.microsoft.com/office/drawing/2014/main" id="{09EF045B-4E1A-6D0A-C0B3-D009AD94DD01}"/>
+              </a:ext>
+            </a:extLst>
+          </p:cNvPr>
+          <p:cNvPicPr>
+            <a:picLocks noChangeAspect="1"/>
+          </p:cNvPicPr>
+          <p:nvPr/>
+        </p:nvPicPr>
+        <p:blipFill>
+          <a:blip r:embed="rId2"/>
+          <a:stretch>
+            <a:fillRect/>
+          </a:stretch>
+        </p:blipFill>
+        <p:spPr>
+          <a:xfrm>
+            <a:off x="5905500" y="701040"/>
+            <a:ext cx="6096000" cy="5455919"/>
+          </a:xfrm>
+          <a:prstGeom prst="rect">
+            <a:avLst/>
+          </a:prstGeom>
+          <a:noFill/>
+        </p:spPr>
+      </p:pic>
       <p:sp>
         <p:nvSpPr>
           <p:cNvPr id="3" name="Titolo 2">
@@ -13050,9 +13056,16 @@
             <p:ph type="title"/>
           </p:nvPr>
         </p:nvSpPr>
-        <p:spPr/>
-        <p:txBody>
-          <a:bodyPr/>
+        <p:spPr>
+          <a:xfrm>
+            <a:off x="964023" y="879063"/>
+            <a:ext cx="4941477" cy="610863"/>
+          </a:xfrm>
+        </p:spPr>
+        <p:txBody>
+          <a:bodyPr anchor="b">
+            <a:normAutofit/>
+          </a:bodyPr>
           <a:lstStyle/>
           <a:p>
             <a:r>
@@ -13078,9 +13091,16 @@
             <p:ph type="body" sz="quarter" idx="11"/>
           </p:nvPr>
         </p:nvSpPr>
-        <p:spPr/>
-        <p:txBody>
-          <a:bodyPr/>
+        <p:spPr>
+          <a:xfrm>
+            <a:off x="952499" y="2289363"/>
+            <a:ext cx="4572001" cy="2795232"/>
+          </a:xfrm>
+        </p:spPr>
+        <p:txBody>
+          <a:bodyPr>
+            <a:normAutofit/>
+          </a:bodyPr>
           <a:lstStyle/>
           <a:p>
             <a:pPr marL="342900" indent="-342900">
@@ -13170,20 +13190,30 @@
         </p:nvSpPr>
         <p:spPr>
           <a:xfrm>
-            <a:off x="1494789" y="6332220"/>
-            <a:ext cx="2552277" cy="247651"/>
+            <a:off x="1494790" y="6332220"/>
+            <a:ext cx="1497330" cy="247651"/>
           </a:xfrm>
         </p:spPr>
         <p:txBody>
-          <a:bodyPr/>
+          <a:bodyPr anchor="t">
+            <a:normAutofit/>
+          </a:bodyPr>
           <a:lstStyle/>
           <a:p>
-            <a:r>
-              <a:rPr lang="it-IT" b="0" dirty="0"/>
+            <a:pPr>
+              <a:lnSpc>
+                <a:spcPct val="90000"/>
+              </a:lnSpc>
+              <a:spcAft>
+                <a:spcPts val="600"/>
+              </a:spcAft>
+            </a:pPr>
+            <a:r>
+              <a:rPr lang="it-IT" sz="900" b="0"/>
               <a:t>Programmazione</a:t>
             </a:r>
             <a:r>
-              <a:rPr lang="en-US" b="0" dirty="0"/>
+              <a:rPr lang="en-US" sz="900" b="0"/>
               <a:t> di Sistema – 2023/24</a:t>
             </a:r>
           </a:p>
@@ -13205,19 +13235,33 @@
             <p:ph type="sldNum" sz="quarter" idx="16"/>
           </p:nvPr>
         </p:nvSpPr>
-        <p:spPr/>
-        <p:txBody>
-          <a:bodyPr/>
+        <p:spPr>
+          <a:xfrm>
+            <a:off x="971550" y="6332220"/>
+            <a:ext cx="523240" cy="247651"/>
+          </a:xfrm>
+        </p:spPr>
+        <p:txBody>
+          <a:bodyPr anchor="t">
+            <a:normAutofit/>
+          </a:bodyPr>
           <a:lstStyle/>
           <a:p>
+            <a:pPr>
+              <a:spcAft>
+                <a:spcPts val="600"/>
+              </a:spcAft>
+            </a:pPr>
             <a:fld id="{294A09A9-5501-47C1-A89A-A340965A2BE2}" type="slidenum">
               <a:rPr lang="en-US" smtClean="0"/>
-              <a:pPr/>
+              <a:pPr>
+                <a:spcAft>
+                  <a:spcPts val="600"/>
+                </a:spcAft>
+              </a:pPr>
               <a:t>10</a:t>
             </a:fld>
-            <a:endParaRPr lang="en-US" dirty="0">
-              <a:latin typeface="+mn-lt"/>
-            </a:endParaRPr>
+            <a:endParaRPr lang="en-US"/>
           </a:p>
         </p:txBody>
       </p:sp>
@@ -21041,31 +21085,78 @@
           </a:p>
         </p:txBody>
       </p:sp>
-      <p:sp>
-        <p:nvSpPr>
-          <p:cNvPr id="7" name="Segnaposto immagine 6">
-            <a:extLst>
-              <a:ext uri="{FF2B5EF4-FFF2-40B4-BE49-F238E27FC236}">
-                <a16:creationId xmlns:a16="http://schemas.microsoft.com/office/drawing/2014/main" id="{24B5BBB5-5C0E-CB43-D9C9-B6E6E6AFEA54}"/>
-              </a:ext>
-            </a:extLst>
-          </p:cNvPr>
-          <p:cNvSpPr>
-            <a:spLocks noGrp="1"/>
-          </p:cNvSpPr>
-          <p:nvPr>
-            <p:ph type="pic" sz="quarter" idx="13"/>
-          </p:nvPr>
-        </p:nvSpPr>
-        <p:spPr/>
-        <p:txBody>
-          <a:bodyPr/>
-          <a:lstStyle/>
-          <a:p>
-            <a:endParaRPr lang="en-US"/>
-          </a:p>
-        </p:txBody>
-      </p:sp>
+      <p:pic>
+        <p:nvPicPr>
+          <p:cNvPr id="10" name="Immagine 9" descr="Immagine che contiene testo, schermata, Carattere, software&#10;&#10;Descrizione generata automaticamente">
+            <a:extLst>
+              <a:ext uri="{FF2B5EF4-FFF2-40B4-BE49-F238E27FC236}">
+                <a16:creationId xmlns:a16="http://schemas.microsoft.com/office/drawing/2014/main" id="{976FC16E-D742-3462-8F39-110793068870}"/>
+              </a:ext>
+            </a:extLst>
+          </p:cNvPr>
+          <p:cNvPicPr>
+            <a:picLocks noChangeAspect="1"/>
+          </p:cNvPicPr>
+          <p:nvPr/>
+        </p:nvPicPr>
+        <p:blipFill>
+          <a:blip r:embed="rId2">
+            <a:extLst>
+              <a:ext uri="{28A0092B-C50C-407E-A947-70E740481C1C}">
+                <a14:useLocalDpi xmlns:a14="http://schemas.microsoft.com/office/drawing/2010/main" val="0"/>
+              </a:ext>
+            </a:extLst>
+          </a:blip>
+          <a:stretch>
+            <a:fillRect/>
+          </a:stretch>
+        </p:blipFill>
+        <p:spPr>
+          <a:xfrm>
+            <a:off x="5713836" y="2023072"/>
+            <a:ext cx="6234603" cy="3953071"/>
+          </a:xfrm>
+          <a:prstGeom prst="rect">
+            <a:avLst/>
+          </a:prstGeom>
+        </p:spPr>
+      </p:pic>
+      <p:pic>
+        <p:nvPicPr>
+          <p:cNvPr id="12" name="Immagine 11">
+            <a:extLst>
+              <a:ext uri="{FF2B5EF4-FFF2-40B4-BE49-F238E27FC236}">
+                <a16:creationId xmlns:a16="http://schemas.microsoft.com/office/drawing/2014/main" id="{DCBF9038-52EC-DF96-590C-7F698F61505A}"/>
+              </a:ext>
+            </a:extLst>
+          </p:cNvPr>
+          <p:cNvPicPr>
+            <a:picLocks noChangeAspect="1"/>
+          </p:cNvPicPr>
+          <p:nvPr/>
+        </p:nvPicPr>
+        <p:blipFill>
+          <a:blip r:embed="rId3">
+            <a:extLst>
+              <a:ext uri="{28A0092B-C50C-407E-A947-70E740481C1C}">
+                <a14:useLocalDpi xmlns:a14="http://schemas.microsoft.com/office/drawing/2010/main" val="0"/>
+              </a:ext>
+            </a:extLst>
+          </a:blip>
+          <a:stretch>
+            <a:fillRect/>
+          </a:stretch>
+        </p:blipFill>
+        <p:spPr>
+          <a:xfrm>
+            <a:off x="5713836" y="1391442"/>
+            <a:ext cx="6234604" cy="290379"/>
+          </a:xfrm>
+          <a:prstGeom prst="rect">
+            <a:avLst/>
+          </a:prstGeom>
+        </p:spPr>
+      </p:pic>
     </p:spTree>
     <p:extLst>
       <p:ext uri="{BB962C8B-B14F-4D97-AF65-F5344CB8AC3E}">
@@ -21729,31 +21820,40 @@
           <a:chExt cx="0" cy="0"/>
         </a:xfrm>
       </p:grpSpPr>
-      <p:sp>
-        <p:nvSpPr>
-          <p:cNvPr id="2" name="Segnaposto immagine 1">
-            <a:extLst>
-              <a:ext uri="{FF2B5EF4-FFF2-40B4-BE49-F238E27FC236}">
-                <a16:creationId xmlns:a16="http://schemas.microsoft.com/office/drawing/2014/main" id="{81F8BCC6-4F31-B2FB-A3C1-A884B08546A6}"/>
-              </a:ext>
-            </a:extLst>
-          </p:cNvPr>
-          <p:cNvSpPr>
-            <a:spLocks noGrp="1"/>
-          </p:cNvSpPr>
+      <p:pic>
+        <p:nvPicPr>
+          <p:cNvPr id="10" name="Segnaposto immagine 9" descr="Immagine che contiene testo, schermata, Carattere&#10;&#10;Descrizione generata automaticamente">
+            <a:extLst>
+              <a:ext uri="{FF2B5EF4-FFF2-40B4-BE49-F238E27FC236}">
+                <a16:creationId xmlns:a16="http://schemas.microsoft.com/office/drawing/2014/main" id="{0C0E5A21-2EEE-D42B-E721-007823C54DC4}"/>
+              </a:ext>
+            </a:extLst>
+          </p:cNvPr>
+          <p:cNvPicPr>
+            <a:picLocks noGrp="1" noChangeAspect="1"/>
+          </p:cNvPicPr>
           <p:nvPr>
             <p:ph type="pic" sz="quarter" idx="13"/>
           </p:nvPr>
-        </p:nvSpPr>
-        <p:spPr/>
-        <p:txBody>
-          <a:bodyPr/>
-          <a:lstStyle/>
-          <a:p>
-            <a:endParaRPr lang="en-US"/>
-          </a:p>
-        </p:txBody>
-      </p:sp>
+        </p:nvPicPr>
+        <p:blipFill rotWithShape="1">
+          <a:blip r:embed="rId2">
+            <a:extLst>
+              <a:ext uri="{28A0092B-C50C-407E-A947-70E740481C1C}">
+                <a14:useLocalDpi xmlns:a14="http://schemas.microsoft.com/office/drawing/2010/main" val="0"/>
+              </a:ext>
+            </a:extLst>
+          </a:blip>
+          <a:srcRect l="-120" r="367" b="327"/>
+          <a:stretch/>
+        </p:blipFill>
+        <p:spPr>
+          <a:xfrm>
+            <a:off x="5905500" y="4179166"/>
+            <a:ext cx="6129071" cy="1799771"/>
+          </a:xfrm>
+        </p:spPr>
+      </p:pic>
       <p:sp>
         <p:nvSpPr>
           <p:cNvPr id="3" name="Titolo 2">
@@ -21981,6 +22081,42 @@
           </a:p>
         </p:txBody>
       </p:sp>
+      <p:pic>
+        <p:nvPicPr>
+          <p:cNvPr id="14" name="Immagine 13" descr="Immagine che contiene testo, schermata, Carattere&#10;&#10;Descrizione generata automaticamente">
+            <a:extLst>
+              <a:ext uri="{FF2B5EF4-FFF2-40B4-BE49-F238E27FC236}">
+                <a16:creationId xmlns:a16="http://schemas.microsoft.com/office/drawing/2014/main" id="{41190FCC-D91E-7557-6510-06C1FC000EF7}"/>
+              </a:ext>
+            </a:extLst>
+          </p:cNvPr>
+          <p:cNvPicPr>
+            <a:picLocks noChangeAspect="1"/>
+          </p:cNvPicPr>
+          <p:nvPr/>
+        </p:nvPicPr>
+        <p:blipFill>
+          <a:blip r:embed="rId3">
+            <a:extLst>
+              <a:ext uri="{28A0092B-C50C-407E-A947-70E740481C1C}">
+                <a14:useLocalDpi xmlns:a14="http://schemas.microsoft.com/office/drawing/2010/main" val="0"/>
+              </a:ext>
+            </a:extLst>
+          </a:blip>
+          <a:stretch>
+            <a:fillRect/>
+          </a:stretch>
+        </p:blipFill>
+        <p:spPr>
+          <a:xfrm>
+            <a:off x="5905500" y="1129604"/>
+            <a:ext cx="6129071" cy="2862195"/>
+          </a:xfrm>
+          <a:prstGeom prst="rect">
+            <a:avLst/>
+          </a:prstGeom>
+        </p:spPr>
+      </p:pic>
     </p:spTree>
     <p:extLst>
       <p:ext uri="{BB962C8B-B14F-4D97-AF65-F5344CB8AC3E}">
@@ -22786,15 +22922,6 @@
 </file>
 
 <file path=customXml/item1.xml><?xml version="1.0" encoding="utf-8"?>
-<?mso-contentType ?>
-<FormTemplates xmlns="http://schemas.microsoft.com/sharepoint/v3/contenttype/forms">
-  <Display>DocumentLibraryForm</Display>
-  <Edit>DocumentLibraryForm</Edit>
-  <New>DocumentLibraryForm</New>
-</FormTemplates>
-</file>
-
-<file path=customXml/item2.xml><?xml version="1.0" encoding="utf-8"?>
 <ct:contentTypeSchema xmlns:ct="http://schemas.microsoft.com/office/2006/metadata/contentType" xmlns:ma="http://schemas.microsoft.com/office/2006/metadata/properties/metaAttributes" ct:_="" ma:_="" ma:contentTypeName="Document" ma:contentTypeID="0x01010079F111ED35F8CC479449609E8A0923A6" ma:contentTypeVersion="28" ma:contentTypeDescription="Create a new document." ma:contentTypeScope="" ma:versionID="60f5a4f2d2b0abadcf532d48ebf9cb71">
   <xsd:schema xmlns:xsd="http://www.w3.org/2001/XMLSchema" xmlns:xs="http://www.w3.org/2001/XMLSchema" xmlns:p="http://schemas.microsoft.com/office/2006/metadata/properties" xmlns:ns1="http://schemas.microsoft.com/sharepoint/v3" xmlns:ns2="71af3243-3dd4-4a8d-8c0d-dd76da1f02a5" xmlns:ns3="16c05727-aa75-4e4a-9b5f-8a80a1165891" xmlns:ns4="230e9df3-be65-4c73-a93b-d1236ebd677e" targetNamespace="http://schemas.microsoft.com/office/2006/metadata/properties" ma:root="true" ma:fieldsID="7dd78129e6a1811f84807ad11c651531" ns1:_="" ns2:_="" ns3:_="" ns4:_="">
     <xsd:import namespace="http://schemas.microsoft.com/sharepoint/v3"/>
@@ -23106,6 +23233,15 @@
 </ct:contentTypeSchema>
 </file>
 
+<file path=customXml/item2.xml><?xml version="1.0" encoding="utf-8"?>
+<?mso-contentType ?>
+<FormTemplates xmlns="http://schemas.microsoft.com/sharepoint/v3/contenttype/forms">
+  <Display>DocumentLibraryForm</Display>
+  <Edit>DocumentLibraryForm</Edit>
+  <New>DocumentLibraryForm</New>
+</FormTemplates>
+</file>
+
 <file path=customXml/item3.xml><?xml version="1.0" encoding="utf-8"?>
 <p:properties xmlns:p="http://schemas.microsoft.com/office/2006/metadata/properties" xmlns:xsi="http://www.w3.org/2001/XMLSchema-instance" xmlns:pc="http://schemas.microsoft.com/office/infopath/2007/PartnerControls">
   <documentManagement>
@@ -23127,14 +23263,6 @@
 </file>
 
 <file path=customXml/itemProps1.xml><?xml version="1.0" encoding="utf-8"?>
-<ds:datastoreItem xmlns:ds="http://schemas.openxmlformats.org/officeDocument/2006/customXml" ds:itemID="{F1446DA3-37A7-4516-A4F6-8B99D0D312BF}">
-  <ds:schemaRefs>
-    <ds:schemaRef ds:uri="http://schemas.microsoft.com/sharepoint/v3/contenttype/forms"/>
-  </ds:schemaRefs>
-</ds:datastoreItem>
-</file>
-
-<file path=customXml/itemProps2.xml><?xml version="1.0" encoding="utf-8"?>
 <ds:datastoreItem xmlns:ds="http://schemas.openxmlformats.org/officeDocument/2006/customXml" ds:itemID="{A6EBEE06-2B28-4E77-9CB6-A74873B39256}">
   <ds:schemaRefs>
     <ds:schemaRef ds:uri="http://schemas.microsoft.com/office/2006/metadata/contentType"/>
@@ -23155,6 +23283,14 @@
 </ds:datastoreItem>
 </file>
 
+<file path=customXml/itemProps2.xml><?xml version="1.0" encoding="utf-8"?>
+<ds:datastoreItem xmlns:ds="http://schemas.openxmlformats.org/officeDocument/2006/customXml" ds:itemID="{F1446DA3-37A7-4516-A4F6-8B99D0D312BF}">
+  <ds:schemaRefs>
+    <ds:schemaRef ds:uri="http://schemas.microsoft.com/sharepoint/v3/contenttype/forms"/>
+  </ds:schemaRefs>
+</ds:datastoreItem>
+</file>
+
 <file path=customXml/itemProps3.xml><?xml version="1.0" encoding="utf-8"?>
 <ds:datastoreItem xmlns:ds="http://schemas.openxmlformats.org/officeDocument/2006/customXml" ds:itemID="{6CC8E66C-AC30-44BA-8882-3290DF968F1F}">
   <ds:schemaRefs>

--- a/OS161 Project/PDS.pptx
+++ b/OS161 Project/PDS.pptx
@@ -20694,7 +20694,7 @@
         </p:blipFill>
         <p:spPr>
           <a:xfrm>
-            <a:off x="5905500" y="1184494"/>
+            <a:off x="5905501" y="1815419"/>
             <a:ext cx="6134100" cy="598813"/>
           </a:xfrm>
         </p:spPr>
@@ -20726,8 +20726,43 @@
         </p:blipFill>
         <p:spPr>
           <a:xfrm>
-            <a:off x="5905500" y="2088738"/>
+            <a:off x="5905501" y="5287541"/>
             <a:ext cx="6134100" cy="598813"/>
+          </a:xfrm>
+          <a:prstGeom prst="rect">
+            <a:avLst/>
+          </a:prstGeom>
+        </p:spPr>
+      </p:pic>
+      <p:pic>
+        <p:nvPicPr>
+          <p:cNvPr id="9" name="Immagine 8" descr="Immagine che contiene testo, schermata, software, Software multimediale&#10;&#10;Descrizione generata automaticamente">
+            <a:extLst>
+              <a:ext uri="{FF2B5EF4-FFF2-40B4-BE49-F238E27FC236}">
+                <a16:creationId xmlns:a16="http://schemas.microsoft.com/office/drawing/2014/main" id="{CE5AF71F-CF61-B02F-866E-1A535DDBE5A1}"/>
+              </a:ext>
+            </a:extLst>
+          </p:cNvPr>
+          <p:cNvPicPr>
+            <a:picLocks noChangeAspect="1"/>
+          </p:cNvPicPr>
+          <p:nvPr/>
+        </p:nvPicPr>
+        <p:blipFill rotWithShape="1">
+          <a:blip r:embed="rId4">
+            <a:extLst>
+              <a:ext uri="{28A0092B-C50C-407E-A947-70E740481C1C}">
+                <a14:useLocalDpi xmlns:a14="http://schemas.microsoft.com/office/drawing/2010/main" val="0"/>
+              </a:ext>
+            </a:extLst>
+          </a:blip>
+          <a:srcRect l="4595" t="64328"/>
+          <a:stretch/>
+        </p:blipFill>
+        <p:spPr>
+          <a:xfrm>
+            <a:off x="5905500" y="2876058"/>
+            <a:ext cx="6667501" cy="2395522"/>
           </a:xfrm>
           <a:prstGeom prst="rect">
             <a:avLst/>
@@ -21187,40 +21222,6 @@
           <a:chExt cx="0" cy="0"/>
         </a:xfrm>
       </p:grpSpPr>
-      <p:pic>
-        <p:nvPicPr>
-          <p:cNvPr id="8" name="Segnaposto immagine 7" descr="Immagine che contiene testo, diagramma, schermata, Piano&#10;&#10;Descrizione generata automaticamente">
-            <a:extLst>
-              <a:ext uri="{FF2B5EF4-FFF2-40B4-BE49-F238E27FC236}">
-                <a16:creationId xmlns:a16="http://schemas.microsoft.com/office/drawing/2014/main" id="{DCBE728F-9718-D543-A3EC-50C8C38A8D0D}"/>
-              </a:ext>
-            </a:extLst>
-          </p:cNvPr>
-          <p:cNvPicPr>
-            <a:picLocks noGrp="1" noChangeAspect="1"/>
-          </p:cNvPicPr>
-          <p:nvPr>
-            <p:ph type="pic" sz="quarter" idx="13"/>
-          </p:nvPr>
-        </p:nvPicPr>
-        <p:blipFill rotWithShape="1">
-          <a:blip r:embed="rId2">
-            <a:extLst>
-              <a:ext uri="{28A0092B-C50C-407E-A947-70E740481C1C}">
-                <a14:useLocalDpi xmlns:a14="http://schemas.microsoft.com/office/drawing/2010/main" val="0"/>
-              </a:ext>
-            </a:extLst>
-          </a:blip>
-          <a:srcRect l="4917" r="5801"/>
-          <a:stretch/>
-        </p:blipFill>
-        <p:spPr>
-          <a:xfrm>
-            <a:off x="6007100" y="86813"/>
-            <a:ext cx="6184900" cy="6657035"/>
-          </a:xfrm>
-        </p:spPr>
-      </p:pic>
       <p:sp>
         <p:nvSpPr>
           <p:cNvPr id="3" name="Titolo 2">
@@ -21790,6 +21791,41 @@
           </a:p>
         </p:txBody>
       </p:sp>
+      <p:pic>
+        <p:nvPicPr>
+          <p:cNvPr id="7" name="Immagine 6" descr="Immagine che contiene testo, schermata, software, Software multimediale&#10;&#10;Descrizione generata automaticamente">
+            <a:extLst>
+              <a:ext uri="{FF2B5EF4-FFF2-40B4-BE49-F238E27FC236}">
+                <a16:creationId xmlns:a16="http://schemas.microsoft.com/office/drawing/2014/main" id="{073E078F-6E7C-8082-CC57-462E7EC7E64D}"/>
+              </a:ext>
+            </a:extLst>
+          </p:cNvPr>
+          <p:cNvPicPr>
+            <a:picLocks noChangeAspect="1"/>
+          </p:cNvPicPr>
+          <p:nvPr/>
+        </p:nvPicPr>
+        <p:blipFill rotWithShape="1">
+          <a:blip r:embed="rId2">
+            <a:extLst>
+              <a:ext uri="{28A0092B-C50C-407E-A947-70E740481C1C}">
+                <a14:useLocalDpi xmlns:a14="http://schemas.microsoft.com/office/drawing/2010/main" val="0"/>
+              </a:ext>
+            </a:extLst>
+          </a:blip>
+          <a:srcRect b="38938"/>
+          <a:stretch/>
+        </p:blipFill>
+        <p:spPr>
+          <a:xfrm>
+            <a:off x="5538982" y="1737713"/>
+            <a:ext cx="7137105" cy="4187637"/>
+          </a:xfrm>
+          <a:prstGeom prst="rect">
+            <a:avLst/>
+          </a:prstGeom>
+        </p:spPr>
+      </p:pic>
     </p:spTree>
     <p:extLst>
       <p:ext uri="{BB962C8B-B14F-4D97-AF65-F5344CB8AC3E}">

--- a/OS161 Project/PDS.pptx
+++ b/OS161 Project/PDS.pptx
@@ -5,10 +5,10 @@
     <p:sldMasterId id="2147483658" r:id="rId4"/>
   </p:sldMasterIdLst>
   <p:notesMasterIdLst>
-    <p:notesMasterId r:id="rId32"/>
+    <p:notesMasterId r:id="rId37"/>
   </p:notesMasterIdLst>
   <p:handoutMasterIdLst>
-    <p:handoutMasterId r:id="rId33"/>
+    <p:handoutMasterId r:id="rId38"/>
   </p:handoutMasterIdLst>
   <p:sldIdLst>
     <p:sldId id="365" r:id="rId5"/>
@@ -38,6 +38,11 @@
     <p:sldId id="390" r:id="rId29"/>
     <p:sldId id="391" r:id="rId30"/>
     <p:sldId id="392" r:id="rId31"/>
+    <p:sldId id="393" r:id="rId32"/>
+    <p:sldId id="394" r:id="rId33"/>
+    <p:sldId id="395" r:id="rId34"/>
+    <p:sldId id="396" r:id="rId35"/>
+    <p:sldId id="397" r:id="rId36"/>
   </p:sldIdLst>
   <p:sldSz cx="12192000" cy="6858000"/>
   <p:notesSz cx="6858000" cy="9144000"/>
@@ -382,7 +387,7 @@
           <a:p>
             <a:fld id="{6EE7A52F-9D89-7442-A8E9-48D1527B5F6B}" type="datetimeFigureOut">
               <a:rPr lang="en-US" smtClean="0"/>
-              <a:t>12/28/2023</a:t>
+              <a:t>12/28/23</a:t>
             </a:fld>
             <a:endParaRPr lang="en-US" dirty="0"/>
           </a:p>
@@ -18909,6 +18914,1137 @@
 </p:sld>
 </file>
 
+<file path=ppt/slides/slide28.xml><?xml version="1.0" encoding="utf-8"?>
+<p:sld xmlns:a="http://schemas.openxmlformats.org/drawingml/2006/main" xmlns:r="http://schemas.openxmlformats.org/officeDocument/2006/relationships" xmlns:p="http://schemas.openxmlformats.org/presentationml/2006/main">
+  <p:cSld>
+    <p:spTree>
+      <p:nvGrpSpPr>
+        <p:cNvPr id="1" name=""/>
+        <p:cNvGrpSpPr/>
+        <p:nvPr/>
+      </p:nvGrpSpPr>
+      <p:grpSpPr>
+        <a:xfrm>
+          <a:off x="0" y="0"/>
+          <a:ext cx="0" cy="0"/>
+          <a:chOff x="0" y="0"/>
+          <a:chExt cx="0" cy="0"/>
+        </a:xfrm>
+      </p:grpSpPr>
+      <p:sp>
+        <p:nvSpPr>
+          <p:cNvPr id="3" name="Titolo 2">
+            <a:extLst>
+              <a:ext uri="{FF2B5EF4-FFF2-40B4-BE49-F238E27FC236}">
+                <a16:creationId xmlns:a16="http://schemas.microsoft.com/office/drawing/2014/main" id="{B9054134-716F-1CBD-D466-A5813A3D817F}"/>
+              </a:ext>
+            </a:extLst>
+          </p:cNvPr>
+          <p:cNvSpPr>
+            <a:spLocks noGrp="1"/>
+          </p:cNvSpPr>
+          <p:nvPr>
+            <p:ph type="title"/>
+          </p:nvPr>
+        </p:nvSpPr>
+        <p:spPr>
+          <a:xfrm>
+            <a:off x="952499" y="646310"/>
+            <a:ext cx="4941477" cy="610863"/>
+          </a:xfrm>
+        </p:spPr>
+        <p:txBody>
+          <a:bodyPr>
+            <a:normAutofit/>
+          </a:bodyPr>
+          <a:lstStyle/>
+          <a:p>
+            <a:r>
+              <a:rPr lang="en-US" dirty="0" err="1"/>
+              <a:t>Parte</a:t>
+            </a:r>
+            <a:r>
+              <a:rPr lang="en-US" dirty="0"/>
+              <a:t> 2</a:t>
+            </a:r>
+          </a:p>
+        </p:txBody>
+      </p:sp>
+      <p:sp>
+        <p:nvSpPr>
+          <p:cNvPr id="4" name="Segnaposto testo 3">
+            <a:extLst>
+              <a:ext uri="{FF2B5EF4-FFF2-40B4-BE49-F238E27FC236}">
+                <a16:creationId xmlns:a16="http://schemas.microsoft.com/office/drawing/2014/main" id="{FE7B1D6D-BD82-2AD6-2E20-AB168A315F39}"/>
+              </a:ext>
+            </a:extLst>
+          </p:cNvPr>
+          <p:cNvSpPr>
+            <a:spLocks noGrp="1"/>
+          </p:cNvSpPr>
+          <p:nvPr>
+            <p:ph type="body" sz="quarter" idx="11"/>
+          </p:nvPr>
+        </p:nvSpPr>
+        <p:spPr>
+          <a:xfrm>
+            <a:off x="952499" y="2397080"/>
+            <a:ext cx="5795142" cy="2795232"/>
+          </a:xfrm>
+        </p:spPr>
+        <p:txBody>
+          <a:bodyPr/>
+          <a:lstStyle/>
+          <a:p>
+            <a:r>
+              <a:rPr lang="en-US" sz="2400" dirty="0" err="1"/>
+              <a:t>Implementazione</a:t>
+            </a:r>
+            <a:r>
+              <a:rPr lang="en-US" sz="2400" dirty="0"/>
+              <a:t> di </a:t>
+            </a:r>
+            <a:r>
+              <a:rPr lang="en-US" sz="2400" dirty="0" err="1"/>
+              <a:t>una</a:t>
+            </a:r>
+            <a:r>
+              <a:rPr lang="en-US" sz="2400" dirty="0"/>
+              <a:t> system call in XV6</a:t>
+            </a:r>
+          </a:p>
+          <a:p>
+            <a:pPr marL="285750" indent="-285750">
+              <a:buFont typeface="Arial" panose="020B0604020202020204" pitchFamily="34" charset="0"/>
+              <a:buChar char="•"/>
+            </a:pPr>
+            <a:r>
+              <a:rPr lang="en-US" dirty="0" err="1"/>
+              <a:t>freepages</a:t>
+            </a:r>
+            <a:r>
+              <a:rPr lang="en-US" dirty="0"/>
+              <a:t>: </a:t>
+            </a:r>
+            <a:r>
+              <a:rPr lang="en-US" dirty="0" err="1"/>
+              <a:t>restituisce</a:t>
+            </a:r>
+            <a:r>
+              <a:rPr lang="en-US" dirty="0"/>
+              <a:t> il </a:t>
+            </a:r>
+            <a:r>
+              <a:rPr lang="en-US" dirty="0" err="1"/>
+              <a:t>numero</a:t>
+            </a:r>
+            <a:r>
+              <a:rPr lang="en-US" dirty="0"/>
+              <a:t> di </a:t>
+            </a:r>
+            <a:r>
+              <a:rPr lang="en-US" dirty="0" err="1"/>
+              <a:t>pagine</a:t>
+            </a:r>
+            <a:r>
+              <a:rPr lang="en-US" dirty="0"/>
+              <a:t> </a:t>
+            </a:r>
+            <a:r>
+              <a:rPr lang="en-US" dirty="0" err="1"/>
+              <a:t>libere</a:t>
+            </a:r>
+            <a:r>
+              <a:rPr lang="en-US" dirty="0"/>
+              <a:t> </a:t>
+            </a:r>
+            <a:r>
+              <a:rPr lang="en-US" dirty="0" err="1"/>
+              <a:t>nel</a:t>
+            </a:r>
+            <a:r>
+              <a:rPr lang="en-US" dirty="0"/>
+              <a:t> </a:t>
+            </a:r>
+            <a:r>
+              <a:rPr lang="en-US" dirty="0" err="1"/>
+              <a:t>sistema</a:t>
+            </a:r>
+            <a:r>
+              <a:rPr lang="en-US" dirty="0"/>
+              <a:t>.</a:t>
+            </a:r>
+          </a:p>
+          <a:p>
+            <a:pPr marL="285750" indent="-285750">
+              <a:buFont typeface="Arial" panose="020B0604020202020204" pitchFamily="34" charset="0"/>
+              <a:buChar char="•"/>
+            </a:pPr>
+            <a:r>
+              <a:rPr lang="en-US" dirty="0" err="1"/>
+              <a:t>testkalloc</a:t>
+            </a:r>
+            <a:r>
+              <a:rPr lang="en-US" dirty="0"/>
+              <a:t>: </a:t>
+            </a:r>
+            <a:r>
+              <a:rPr lang="en-US" dirty="0" err="1"/>
+              <a:t>implementata</a:t>
+            </a:r>
+            <a:r>
+              <a:rPr lang="en-US" dirty="0"/>
+              <a:t> per </a:t>
+            </a:r>
+            <a:r>
+              <a:rPr lang="en-US" dirty="0" err="1"/>
+              <a:t>testare</a:t>
+            </a:r>
+            <a:r>
+              <a:rPr lang="en-US" dirty="0"/>
+              <a:t> la </a:t>
+            </a:r>
+            <a:r>
+              <a:rPr lang="en-US" dirty="0" err="1"/>
+              <a:t>getfreepages</a:t>
+            </a:r>
+            <a:r>
+              <a:rPr lang="en-US" dirty="0"/>
+              <a:t>, </a:t>
+            </a:r>
+            <a:r>
+              <a:rPr lang="en-US" dirty="0" err="1"/>
+              <a:t>alloca</a:t>
+            </a:r>
+            <a:r>
+              <a:rPr lang="en-US" dirty="0"/>
+              <a:t> </a:t>
+            </a:r>
+            <a:r>
+              <a:rPr lang="en-US" dirty="0" err="1"/>
+              <a:t>una</a:t>
+            </a:r>
+            <a:r>
+              <a:rPr lang="en-US" dirty="0"/>
+              <a:t> </a:t>
+            </a:r>
+            <a:r>
+              <a:rPr lang="en-US" dirty="0" err="1"/>
+              <a:t>pagina</a:t>
+            </a:r>
+            <a:r>
+              <a:rPr lang="en-US" dirty="0"/>
+              <a:t> e </a:t>
+            </a:r>
+            <a:r>
+              <a:rPr lang="en-US" dirty="0" err="1"/>
+              <a:t>restituisce</a:t>
+            </a:r>
+            <a:r>
+              <a:rPr lang="en-US" dirty="0"/>
+              <a:t> il </a:t>
+            </a:r>
+            <a:r>
+              <a:rPr lang="en-US" dirty="0" err="1"/>
+              <a:t>numero</a:t>
+            </a:r>
+            <a:r>
+              <a:rPr lang="en-US" dirty="0"/>
+              <a:t> di </a:t>
+            </a:r>
+            <a:r>
+              <a:rPr lang="en-US" dirty="0" err="1"/>
+              <a:t>pagine</a:t>
+            </a:r>
+            <a:r>
+              <a:rPr lang="en-US" dirty="0"/>
+              <a:t> </a:t>
+            </a:r>
+            <a:r>
+              <a:rPr lang="en-US" dirty="0" err="1"/>
+              <a:t>libere</a:t>
+            </a:r>
+            <a:r>
+              <a:rPr lang="en-US" dirty="0"/>
+              <a:t> </a:t>
+            </a:r>
+            <a:r>
+              <a:rPr lang="en-US" dirty="0" err="1"/>
+              <a:t>chiamando</a:t>
+            </a:r>
+            <a:r>
+              <a:rPr lang="en-US" dirty="0"/>
+              <a:t> la </a:t>
+            </a:r>
+            <a:r>
+              <a:rPr lang="en-US" dirty="0" err="1"/>
+              <a:t>getfreepages</a:t>
+            </a:r>
+            <a:r>
+              <a:rPr lang="en-US" dirty="0"/>
+              <a:t>  </a:t>
+            </a:r>
+          </a:p>
+        </p:txBody>
+      </p:sp>
+      <p:sp>
+        <p:nvSpPr>
+          <p:cNvPr id="5" name="Segnaposto piè di pagina 4">
+            <a:extLst>
+              <a:ext uri="{FF2B5EF4-FFF2-40B4-BE49-F238E27FC236}">
+                <a16:creationId xmlns:a16="http://schemas.microsoft.com/office/drawing/2014/main" id="{03C001CA-E2A8-7CFD-414C-A2FDAEBF1FC9}"/>
+              </a:ext>
+            </a:extLst>
+          </p:cNvPr>
+          <p:cNvSpPr>
+            <a:spLocks noGrp="1"/>
+          </p:cNvSpPr>
+          <p:nvPr>
+            <p:ph type="ftr" sz="quarter" idx="15"/>
+          </p:nvPr>
+        </p:nvSpPr>
+        <p:spPr>
+          <a:xfrm>
+            <a:off x="1494789" y="6332220"/>
+            <a:ext cx="2552277" cy="247651"/>
+          </a:xfrm>
+        </p:spPr>
+        <p:txBody>
+          <a:bodyPr/>
+          <a:lstStyle/>
+          <a:p>
+            <a:r>
+              <a:rPr lang="it-IT" b="0" dirty="0"/>
+              <a:t>Programmazione</a:t>
+            </a:r>
+            <a:r>
+              <a:rPr lang="en-US" b="0" dirty="0"/>
+              <a:t> di Sistema – 2023/24</a:t>
+            </a:r>
+          </a:p>
+        </p:txBody>
+      </p:sp>
+      <p:sp>
+        <p:nvSpPr>
+          <p:cNvPr id="6" name="Segnaposto numero diapositiva 5">
+            <a:extLst>
+              <a:ext uri="{FF2B5EF4-FFF2-40B4-BE49-F238E27FC236}">
+                <a16:creationId xmlns:a16="http://schemas.microsoft.com/office/drawing/2014/main" id="{333800D2-0446-E7C1-8ED8-FC146DDB7BBE}"/>
+              </a:ext>
+            </a:extLst>
+          </p:cNvPr>
+          <p:cNvSpPr>
+            <a:spLocks noGrp="1"/>
+          </p:cNvSpPr>
+          <p:nvPr>
+            <p:ph type="sldNum" sz="quarter" idx="16"/>
+          </p:nvPr>
+        </p:nvSpPr>
+        <p:spPr/>
+        <p:txBody>
+          <a:bodyPr/>
+          <a:lstStyle/>
+          <a:p>
+            <a:fld id="{294A09A9-5501-47C1-A89A-A340965A2BE2}" type="slidenum">
+              <a:rPr lang="en-US" smtClean="0"/>
+              <a:pPr/>
+              <a:t>28</a:t>
+            </a:fld>
+            <a:endParaRPr lang="en-US" dirty="0">
+              <a:latin typeface="+mn-lt"/>
+            </a:endParaRPr>
+          </a:p>
+        </p:txBody>
+      </p:sp>
+      <p:pic>
+        <p:nvPicPr>
+          <p:cNvPr id="7" name="Immagine 6">
+            <a:extLst>
+              <a:ext uri="{FF2B5EF4-FFF2-40B4-BE49-F238E27FC236}">
+                <a16:creationId xmlns:a16="http://schemas.microsoft.com/office/drawing/2014/main" id="{53C9F7E2-4196-659D-3767-77D2C11A1498}"/>
+              </a:ext>
+            </a:extLst>
+          </p:cNvPr>
+          <p:cNvPicPr>
+            <a:picLocks noChangeAspect="1"/>
+          </p:cNvPicPr>
+          <p:nvPr/>
+        </p:nvPicPr>
+        <p:blipFill>
+          <a:blip r:embed="rId2">
+            <a:extLst>
+              <a:ext uri="{28A0092B-C50C-407E-A947-70E740481C1C}">
+                <a14:useLocalDpi xmlns:a14="http://schemas.microsoft.com/office/drawing/2010/main" val="0"/>
+              </a:ext>
+            </a:extLst>
+          </a:blip>
+          <a:stretch>
+            <a:fillRect/>
+          </a:stretch>
+        </p:blipFill>
+        <p:spPr>
+          <a:xfrm>
+            <a:off x="7517087" y="2397080"/>
+            <a:ext cx="3632200" cy="546100"/>
+          </a:xfrm>
+          <a:prstGeom prst="rect">
+            <a:avLst/>
+          </a:prstGeom>
+        </p:spPr>
+      </p:pic>
+      <p:sp>
+        <p:nvSpPr>
+          <p:cNvPr id="9" name="CasellaDiTesto 8">
+            <a:extLst>
+              <a:ext uri="{FF2B5EF4-FFF2-40B4-BE49-F238E27FC236}">
+                <a16:creationId xmlns:a16="http://schemas.microsoft.com/office/drawing/2014/main" id="{5ABFF281-4CF2-A87D-22E9-3874F7B72775}"/>
+              </a:ext>
+            </a:extLst>
+          </p:cNvPr>
+          <p:cNvSpPr txBox="1"/>
+          <p:nvPr/>
+        </p:nvSpPr>
+        <p:spPr>
+          <a:xfrm>
+            <a:off x="7517087" y="2970510"/>
+            <a:ext cx="1021818" cy="307777"/>
+          </a:xfrm>
+          <a:prstGeom prst="rect">
+            <a:avLst/>
+          </a:prstGeom>
+          <a:noFill/>
+        </p:spPr>
+        <p:txBody>
+          <a:bodyPr wrap="none" rtlCol="0">
+            <a:spAutoFit/>
+          </a:bodyPr>
+          <a:lstStyle/>
+          <a:p>
+            <a:r>
+              <a:rPr lang="it-IT" sz="1400" dirty="0">
+                <a:solidFill>
+                  <a:schemeClr val="bg1"/>
+                </a:solidFill>
+              </a:rPr>
+              <a:t>1. </a:t>
+            </a:r>
+            <a:r>
+              <a:rPr lang="it-IT" sz="1400" dirty="0" err="1">
+                <a:solidFill>
+                  <a:schemeClr val="bg1"/>
+                </a:solidFill>
+              </a:rPr>
+              <a:t>syscall.h</a:t>
+            </a:r>
+            <a:endParaRPr lang="it-IT" sz="1400" dirty="0">
+              <a:solidFill>
+                <a:schemeClr val="bg1"/>
+              </a:solidFill>
+            </a:endParaRPr>
+          </a:p>
+        </p:txBody>
+      </p:sp>
+      <p:pic>
+        <p:nvPicPr>
+          <p:cNvPr id="11" name="Immagine 10">
+            <a:extLst>
+              <a:ext uri="{FF2B5EF4-FFF2-40B4-BE49-F238E27FC236}">
+                <a16:creationId xmlns:a16="http://schemas.microsoft.com/office/drawing/2014/main" id="{773A8436-AD67-BCA1-3A6D-5F086F8466EC}"/>
+              </a:ext>
+            </a:extLst>
+          </p:cNvPr>
+          <p:cNvPicPr>
+            <a:picLocks noChangeAspect="1"/>
+          </p:cNvPicPr>
+          <p:nvPr/>
+        </p:nvPicPr>
+        <p:blipFill>
+          <a:blip r:embed="rId3">
+            <a:extLst>
+              <a:ext uri="{28A0092B-C50C-407E-A947-70E740481C1C}">
+                <a14:useLocalDpi xmlns:a14="http://schemas.microsoft.com/office/drawing/2010/main" val="0"/>
+              </a:ext>
+            </a:extLst>
+          </a:blip>
+          <a:stretch>
+            <a:fillRect/>
+          </a:stretch>
+        </p:blipFill>
+        <p:spPr>
+          <a:xfrm>
+            <a:off x="7517087" y="3679871"/>
+            <a:ext cx="4076700" cy="469900"/>
+          </a:xfrm>
+          <a:prstGeom prst="rect">
+            <a:avLst/>
+          </a:prstGeom>
+        </p:spPr>
+      </p:pic>
+      <p:pic>
+        <p:nvPicPr>
+          <p:cNvPr id="13" name="Immagine 12">
+            <a:extLst>
+              <a:ext uri="{FF2B5EF4-FFF2-40B4-BE49-F238E27FC236}">
+                <a16:creationId xmlns:a16="http://schemas.microsoft.com/office/drawing/2014/main" id="{21C91D16-2244-C3CA-EB6B-76B2560E7687}"/>
+              </a:ext>
+            </a:extLst>
+          </p:cNvPr>
+          <p:cNvPicPr>
+            <a:picLocks noChangeAspect="1"/>
+          </p:cNvPicPr>
+          <p:nvPr/>
+        </p:nvPicPr>
+        <p:blipFill>
+          <a:blip r:embed="rId4">
+            <a:extLst>
+              <a:ext uri="{28A0092B-C50C-407E-A947-70E740481C1C}">
+                <a14:useLocalDpi xmlns:a14="http://schemas.microsoft.com/office/drawing/2010/main" val="0"/>
+              </a:ext>
+            </a:extLst>
+          </a:blip>
+          <a:stretch>
+            <a:fillRect/>
+          </a:stretch>
+        </p:blipFill>
+        <p:spPr>
+          <a:xfrm>
+            <a:off x="7517087" y="4886462"/>
+            <a:ext cx="4356100" cy="482600"/>
+          </a:xfrm>
+          <a:prstGeom prst="rect">
+            <a:avLst/>
+          </a:prstGeom>
+        </p:spPr>
+      </p:pic>
+      <p:sp>
+        <p:nvSpPr>
+          <p:cNvPr id="14" name="CasellaDiTesto 13">
+            <a:extLst>
+              <a:ext uri="{FF2B5EF4-FFF2-40B4-BE49-F238E27FC236}">
+                <a16:creationId xmlns:a16="http://schemas.microsoft.com/office/drawing/2014/main" id="{4D2771D2-719F-28E4-A4BE-BD294D0B7E12}"/>
+              </a:ext>
+            </a:extLst>
+          </p:cNvPr>
+          <p:cNvSpPr txBox="1"/>
+          <p:nvPr/>
+        </p:nvSpPr>
+        <p:spPr>
+          <a:xfrm>
+            <a:off x="7522889" y="4149771"/>
+            <a:ext cx="1010213" cy="307777"/>
+          </a:xfrm>
+          <a:prstGeom prst="rect">
+            <a:avLst/>
+          </a:prstGeom>
+          <a:noFill/>
+        </p:spPr>
+        <p:txBody>
+          <a:bodyPr wrap="none" rtlCol="0">
+            <a:spAutoFit/>
+          </a:bodyPr>
+          <a:lstStyle/>
+          <a:p>
+            <a:r>
+              <a:rPr lang="it-IT" sz="1400" dirty="0">
+                <a:solidFill>
+                  <a:schemeClr val="bg1"/>
+                </a:solidFill>
+              </a:rPr>
+              <a:t>2. </a:t>
+            </a:r>
+            <a:r>
+              <a:rPr lang="it-IT" sz="1400" dirty="0" err="1">
+                <a:solidFill>
+                  <a:schemeClr val="bg1"/>
+                </a:solidFill>
+              </a:rPr>
+              <a:t>syscall.c</a:t>
+            </a:r>
+            <a:endParaRPr lang="it-IT" sz="1400" dirty="0">
+              <a:solidFill>
+                <a:schemeClr val="bg1"/>
+              </a:solidFill>
+            </a:endParaRPr>
+          </a:p>
+        </p:txBody>
+      </p:sp>
+      <p:sp>
+        <p:nvSpPr>
+          <p:cNvPr id="15" name="CasellaDiTesto 14">
+            <a:extLst>
+              <a:ext uri="{FF2B5EF4-FFF2-40B4-BE49-F238E27FC236}">
+                <a16:creationId xmlns:a16="http://schemas.microsoft.com/office/drawing/2014/main" id="{5F5759C6-7865-2880-7EF6-A8110CD375B9}"/>
+              </a:ext>
+            </a:extLst>
+          </p:cNvPr>
+          <p:cNvSpPr txBox="1"/>
+          <p:nvPr/>
+        </p:nvSpPr>
+        <p:spPr>
+          <a:xfrm>
+            <a:off x="7509986" y="5392908"/>
+            <a:ext cx="1010213" cy="307777"/>
+          </a:xfrm>
+          <a:prstGeom prst="rect">
+            <a:avLst/>
+          </a:prstGeom>
+          <a:noFill/>
+        </p:spPr>
+        <p:txBody>
+          <a:bodyPr wrap="none" rtlCol="0">
+            <a:spAutoFit/>
+          </a:bodyPr>
+          <a:lstStyle/>
+          <a:p>
+            <a:r>
+              <a:rPr lang="it-IT" sz="1400" dirty="0">
+                <a:solidFill>
+                  <a:schemeClr val="bg1"/>
+                </a:solidFill>
+              </a:rPr>
+              <a:t>3. </a:t>
+            </a:r>
+            <a:r>
+              <a:rPr lang="it-IT" sz="1400" dirty="0" err="1">
+                <a:solidFill>
+                  <a:schemeClr val="bg1"/>
+                </a:solidFill>
+              </a:rPr>
+              <a:t>syscall.c</a:t>
+            </a:r>
+            <a:endParaRPr lang="it-IT" sz="1400" dirty="0">
+              <a:solidFill>
+                <a:schemeClr val="bg1"/>
+              </a:solidFill>
+            </a:endParaRPr>
+          </a:p>
+        </p:txBody>
+      </p:sp>
+    </p:spTree>
+    <p:extLst>
+      <p:ext uri="{BB962C8B-B14F-4D97-AF65-F5344CB8AC3E}">
+        <p14:creationId xmlns:p14="http://schemas.microsoft.com/office/powerpoint/2010/main" val="897826514"/>
+      </p:ext>
+    </p:extLst>
+  </p:cSld>
+  <p:clrMapOvr>
+    <a:masterClrMapping/>
+  </p:clrMapOvr>
+</p:sld>
+</file>
+
+<file path=ppt/slides/slide29.xml><?xml version="1.0" encoding="utf-8"?>
+<p:sld xmlns:a="http://schemas.openxmlformats.org/drawingml/2006/main" xmlns:r="http://schemas.openxmlformats.org/officeDocument/2006/relationships" xmlns:p="http://schemas.openxmlformats.org/presentationml/2006/main">
+  <p:cSld>
+    <p:spTree>
+      <p:nvGrpSpPr>
+        <p:cNvPr id="1" name=""/>
+        <p:cNvGrpSpPr/>
+        <p:nvPr/>
+      </p:nvGrpSpPr>
+      <p:grpSpPr>
+        <a:xfrm>
+          <a:off x="0" y="0"/>
+          <a:ext cx="0" cy="0"/>
+          <a:chOff x="0" y="0"/>
+          <a:chExt cx="0" cy="0"/>
+        </a:xfrm>
+      </p:grpSpPr>
+      <p:sp>
+        <p:nvSpPr>
+          <p:cNvPr id="3" name="Titolo 2">
+            <a:extLst>
+              <a:ext uri="{FF2B5EF4-FFF2-40B4-BE49-F238E27FC236}">
+                <a16:creationId xmlns:a16="http://schemas.microsoft.com/office/drawing/2014/main" id="{B9054134-716F-1CBD-D466-A5813A3D817F}"/>
+              </a:ext>
+            </a:extLst>
+          </p:cNvPr>
+          <p:cNvSpPr>
+            <a:spLocks noGrp="1"/>
+          </p:cNvSpPr>
+          <p:nvPr>
+            <p:ph type="title"/>
+          </p:nvPr>
+        </p:nvSpPr>
+        <p:spPr>
+          <a:xfrm>
+            <a:off x="952499" y="646310"/>
+            <a:ext cx="4941477" cy="610863"/>
+          </a:xfrm>
+        </p:spPr>
+        <p:txBody>
+          <a:bodyPr>
+            <a:normAutofit/>
+          </a:bodyPr>
+          <a:lstStyle/>
+          <a:p>
+            <a:r>
+              <a:rPr lang="en-US" dirty="0" err="1"/>
+              <a:t>freepages</a:t>
+            </a:r>
+            <a:endParaRPr lang="en-US" dirty="0"/>
+          </a:p>
+        </p:txBody>
+      </p:sp>
+      <p:sp>
+        <p:nvSpPr>
+          <p:cNvPr id="4" name="Segnaposto testo 3">
+            <a:extLst>
+              <a:ext uri="{FF2B5EF4-FFF2-40B4-BE49-F238E27FC236}">
+                <a16:creationId xmlns:a16="http://schemas.microsoft.com/office/drawing/2014/main" id="{FE7B1D6D-BD82-2AD6-2E20-AB168A315F39}"/>
+              </a:ext>
+            </a:extLst>
+          </p:cNvPr>
+          <p:cNvSpPr>
+            <a:spLocks noGrp="1"/>
+          </p:cNvSpPr>
+          <p:nvPr>
+            <p:ph type="body" sz="quarter" idx="11"/>
+          </p:nvPr>
+        </p:nvSpPr>
+        <p:spPr>
+          <a:xfrm>
+            <a:off x="952499" y="2397080"/>
+            <a:ext cx="5479832" cy="2795232"/>
+          </a:xfrm>
+        </p:spPr>
+        <p:txBody>
+          <a:bodyPr/>
+          <a:lstStyle/>
+          <a:p>
+            <a:r>
+              <a:rPr lang="en-US" sz="2400" dirty="0"/>
+              <a:t>int </a:t>
+            </a:r>
+            <a:r>
+              <a:rPr lang="en-US" sz="2400" dirty="0" err="1"/>
+              <a:t>kfreepages</a:t>
+            </a:r>
+            <a:r>
+              <a:rPr lang="en-US" sz="2400" dirty="0"/>
+              <a:t>()</a:t>
+            </a:r>
+          </a:p>
+          <a:p>
+            <a:pPr marL="285750" indent="-285750">
+              <a:buFont typeface="Arial" panose="020B0604020202020204" pitchFamily="34" charset="0"/>
+              <a:buChar char="•"/>
+            </a:pPr>
+            <a:r>
+              <a:rPr lang="en-US" dirty="0"/>
+              <a:t>E’ </a:t>
+            </a:r>
+            <a:r>
+              <a:rPr lang="en-US" dirty="0" err="1"/>
+              <a:t>stata</a:t>
+            </a:r>
+            <a:r>
+              <a:rPr lang="en-US" dirty="0"/>
+              <a:t> </a:t>
+            </a:r>
+            <a:r>
+              <a:rPr lang="en-US" dirty="0" err="1"/>
+              <a:t>creata</a:t>
+            </a:r>
+            <a:r>
+              <a:rPr lang="en-US" dirty="0"/>
+              <a:t> </a:t>
+            </a:r>
+            <a:r>
+              <a:rPr lang="en-US" dirty="0" err="1"/>
+              <a:t>una</a:t>
+            </a:r>
+            <a:r>
+              <a:rPr lang="en-US" dirty="0"/>
+              <a:t> </a:t>
+            </a:r>
+            <a:r>
+              <a:rPr lang="en-US" dirty="0" err="1"/>
+              <a:t>funzione</a:t>
+            </a:r>
+            <a:r>
+              <a:rPr lang="en-US" dirty="0"/>
+              <a:t> </a:t>
+            </a:r>
+            <a:r>
+              <a:rPr lang="en-US" dirty="0" err="1"/>
+              <a:t>che</a:t>
+            </a:r>
+            <a:r>
+              <a:rPr lang="en-US" dirty="0"/>
+              <a:t> </a:t>
+            </a:r>
+            <a:r>
+              <a:rPr lang="en-US" dirty="0" err="1"/>
+              <a:t>conta</a:t>
+            </a:r>
+            <a:r>
+              <a:rPr lang="en-US" dirty="0"/>
+              <a:t> il </a:t>
+            </a:r>
+            <a:r>
+              <a:rPr lang="en-US" dirty="0" err="1"/>
+              <a:t>numero</a:t>
+            </a:r>
+            <a:r>
+              <a:rPr lang="en-US" dirty="0"/>
+              <a:t> di </a:t>
+            </a:r>
+            <a:r>
+              <a:rPr lang="en-US" dirty="0" err="1"/>
+              <a:t>pagine</a:t>
+            </a:r>
+            <a:r>
+              <a:rPr lang="en-US" dirty="0"/>
+              <a:t> </a:t>
+            </a:r>
+            <a:r>
+              <a:rPr lang="en-US" dirty="0" err="1"/>
+              <a:t>libere</a:t>
+            </a:r>
+            <a:r>
+              <a:rPr lang="en-US" dirty="0"/>
+              <a:t>.</a:t>
+            </a:r>
+          </a:p>
+          <a:p>
+            <a:pPr marL="285750" indent="-285750">
+              <a:buFont typeface="Arial" panose="020B0604020202020204" pitchFamily="34" charset="0"/>
+              <a:buChar char="•"/>
+            </a:pPr>
+            <a:r>
+              <a:rPr lang="en-US" dirty="0"/>
+              <a:t>Per </a:t>
+            </a:r>
+            <a:r>
+              <a:rPr lang="en-US" dirty="0" err="1"/>
+              <a:t>ogni</a:t>
+            </a:r>
+            <a:r>
+              <a:rPr lang="en-US" dirty="0"/>
+              <a:t> frame libero </a:t>
+            </a:r>
+            <a:r>
+              <a:rPr lang="en-US" dirty="0" err="1"/>
+              <a:t>presente</a:t>
+            </a:r>
+            <a:r>
+              <a:rPr lang="en-US" dirty="0"/>
+              <a:t> </a:t>
+            </a:r>
+            <a:r>
+              <a:rPr lang="en-US" dirty="0" err="1"/>
+              <a:t>nella</a:t>
+            </a:r>
+            <a:r>
+              <a:rPr lang="en-US" dirty="0"/>
+              <a:t> </a:t>
+            </a:r>
+            <a:r>
+              <a:rPr lang="en-US" dirty="0" err="1"/>
+              <a:t>freelist</a:t>
+            </a:r>
+            <a:r>
+              <a:rPr lang="en-US" dirty="0"/>
+              <a:t> </a:t>
+            </a:r>
+            <a:r>
+              <a:rPr lang="en-US" dirty="0" err="1"/>
+              <a:t>viene</a:t>
+            </a:r>
+            <a:r>
+              <a:rPr lang="en-US" dirty="0"/>
+              <a:t> </a:t>
+            </a:r>
+            <a:r>
+              <a:rPr lang="en-US" dirty="0" err="1"/>
+              <a:t>incrementato</a:t>
+            </a:r>
+            <a:r>
+              <a:rPr lang="en-US" dirty="0"/>
+              <a:t> un </a:t>
+            </a:r>
+            <a:r>
+              <a:rPr lang="en-US" dirty="0" err="1"/>
+              <a:t>contatore</a:t>
+            </a:r>
+            <a:r>
+              <a:rPr lang="en-US" dirty="0"/>
+              <a:t>.</a:t>
+            </a:r>
+          </a:p>
+          <a:p>
+            <a:pPr marL="285750" indent="-285750">
+              <a:buFont typeface="Arial" panose="020B0604020202020204" pitchFamily="34" charset="0"/>
+              <a:buChar char="•"/>
+            </a:pPr>
+            <a:r>
+              <a:rPr lang="en-US" dirty="0" err="1"/>
+              <a:t>Operazione</a:t>
+            </a:r>
+            <a:r>
+              <a:rPr lang="en-US" dirty="0"/>
+              <a:t> </a:t>
+            </a:r>
+            <a:r>
+              <a:rPr lang="en-US" dirty="0" err="1"/>
+              <a:t>protetta</a:t>
+            </a:r>
+            <a:r>
+              <a:rPr lang="en-US" dirty="0"/>
+              <a:t> da spinlock per </a:t>
+            </a:r>
+            <a:r>
+              <a:rPr lang="en-US" dirty="0" err="1"/>
+              <a:t>evitare</a:t>
+            </a:r>
+            <a:r>
+              <a:rPr lang="en-US" dirty="0"/>
+              <a:t> problem di </a:t>
+            </a:r>
+            <a:r>
+              <a:rPr lang="en-US" dirty="0" err="1"/>
+              <a:t>sincronizzazione</a:t>
+            </a:r>
+            <a:r>
+              <a:rPr lang="en-US" dirty="0"/>
+              <a:t>.</a:t>
+            </a:r>
+          </a:p>
+        </p:txBody>
+      </p:sp>
+      <p:sp>
+        <p:nvSpPr>
+          <p:cNvPr id="5" name="Segnaposto piè di pagina 4">
+            <a:extLst>
+              <a:ext uri="{FF2B5EF4-FFF2-40B4-BE49-F238E27FC236}">
+                <a16:creationId xmlns:a16="http://schemas.microsoft.com/office/drawing/2014/main" id="{03C001CA-E2A8-7CFD-414C-A2FDAEBF1FC9}"/>
+              </a:ext>
+            </a:extLst>
+          </p:cNvPr>
+          <p:cNvSpPr>
+            <a:spLocks noGrp="1"/>
+          </p:cNvSpPr>
+          <p:nvPr>
+            <p:ph type="ftr" sz="quarter" idx="15"/>
+          </p:nvPr>
+        </p:nvSpPr>
+        <p:spPr>
+          <a:xfrm>
+            <a:off x="1494789" y="6332220"/>
+            <a:ext cx="2552277" cy="247651"/>
+          </a:xfrm>
+        </p:spPr>
+        <p:txBody>
+          <a:bodyPr/>
+          <a:lstStyle/>
+          <a:p>
+            <a:r>
+              <a:rPr lang="it-IT" b="0" dirty="0"/>
+              <a:t>Programmazione</a:t>
+            </a:r>
+            <a:r>
+              <a:rPr lang="en-US" b="0" dirty="0"/>
+              <a:t> di Sistema – 2023/24</a:t>
+            </a:r>
+          </a:p>
+        </p:txBody>
+      </p:sp>
+      <p:sp>
+        <p:nvSpPr>
+          <p:cNvPr id="6" name="Segnaposto numero diapositiva 5">
+            <a:extLst>
+              <a:ext uri="{FF2B5EF4-FFF2-40B4-BE49-F238E27FC236}">
+                <a16:creationId xmlns:a16="http://schemas.microsoft.com/office/drawing/2014/main" id="{333800D2-0446-E7C1-8ED8-FC146DDB7BBE}"/>
+              </a:ext>
+            </a:extLst>
+          </p:cNvPr>
+          <p:cNvSpPr>
+            <a:spLocks noGrp="1"/>
+          </p:cNvSpPr>
+          <p:nvPr>
+            <p:ph type="sldNum" sz="quarter" idx="16"/>
+          </p:nvPr>
+        </p:nvSpPr>
+        <p:spPr/>
+        <p:txBody>
+          <a:bodyPr/>
+          <a:lstStyle/>
+          <a:p>
+            <a:fld id="{294A09A9-5501-47C1-A89A-A340965A2BE2}" type="slidenum">
+              <a:rPr lang="en-US" smtClean="0"/>
+              <a:pPr/>
+              <a:t>29</a:t>
+            </a:fld>
+            <a:endParaRPr lang="en-US" dirty="0">
+              <a:latin typeface="+mn-lt"/>
+            </a:endParaRPr>
+          </a:p>
+        </p:txBody>
+      </p:sp>
+      <p:sp>
+        <p:nvSpPr>
+          <p:cNvPr id="15" name="CasellaDiTesto 14">
+            <a:extLst>
+              <a:ext uri="{FF2B5EF4-FFF2-40B4-BE49-F238E27FC236}">
+                <a16:creationId xmlns:a16="http://schemas.microsoft.com/office/drawing/2014/main" id="{5F5759C6-7865-2880-7EF6-A8110CD375B9}"/>
+              </a:ext>
+            </a:extLst>
+          </p:cNvPr>
+          <p:cNvSpPr txBox="1"/>
+          <p:nvPr/>
+        </p:nvSpPr>
+        <p:spPr>
+          <a:xfrm>
+            <a:off x="6717211" y="3821310"/>
+            <a:ext cx="904991" cy="307777"/>
+          </a:xfrm>
+          <a:prstGeom prst="rect">
+            <a:avLst/>
+          </a:prstGeom>
+          <a:noFill/>
+        </p:spPr>
+        <p:txBody>
+          <a:bodyPr wrap="none" rtlCol="0">
+            <a:spAutoFit/>
+          </a:bodyPr>
+          <a:lstStyle/>
+          <a:p>
+            <a:r>
+              <a:rPr lang="it-IT" sz="1400" dirty="0">
+                <a:solidFill>
+                  <a:schemeClr val="bg1"/>
+                </a:solidFill>
+              </a:rPr>
+              <a:t>1.kalloc.c</a:t>
+            </a:r>
+          </a:p>
+        </p:txBody>
+      </p:sp>
+      <p:pic>
+        <p:nvPicPr>
+          <p:cNvPr id="8" name="Immagine 7" descr="Immagine che contiene testo, schermata, Carattere&#10;&#10;Descrizione generata automaticamente">
+            <a:extLst>
+              <a:ext uri="{FF2B5EF4-FFF2-40B4-BE49-F238E27FC236}">
+                <a16:creationId xmlns:a16="http://schemas.microsoft.com/office/drawing/2014/main" id="{318F1831-1FA3-4BB2-1234-A397E666CD00}"/>
+              </a:ext>
+            </a:extLst>
+          </p:cNvPr>
+          <p:cNvPicPr>
+            <a:picLocks noChangeAspect="1"/>
+          </p:cNvPicPr>
+          <p:nvPr/>
+        </p:nvPicPr>
+        <p:blipFill>
+          <a:blip r:embed="rId2">
+            <a:extLst>
+              <a:ext uri="{28A0092B-C50C-407E-A947-70E740481C1C}">
+                <a14:useLocalDpi xmlns:a14="http://schemas.microsoft.com/office/drawing/2010/main" val="0"/>
+              </a:ext>
+            </a:extLst>
+          </a:blip>
+          <a:stretch>
+            <a:fillRect/>
+          </a:stretch>
+        </p:blipFill>
+        <p:spPr>
+          <a:xfrm>
+            <a:off x="6717211" y="646310"/>
+            <a:ext cx="3136900" cy="3175000"/>
+          </a:xfrm>
+          <a:prstGeom prst="rect">
+            <a:avLst/>
+          </a:prstGeom>
+        </p:spPr>
+      </p:pic>
+      <p:pic>
+        <p:nvPicPr>
+          <p:cNvPr id="12" name="Immagine 11" descr="Immagine che contiene testo, schermata, Carattere, numero&#10;&#10;Descrizione generata automaticamente">
+            <a:extLst>
+              <a:ext uri="{FF2B5EF4-FFF2-40B4-BE49-F238E27FC236}">
+                <a16:creationId xmlns:a16="http://schemas.microsoft.com/office/drawing/2014/main" id="{2BD31ABB-44BF-DA87-6D93-40BFE9491D1B}"/>
+              </a:ext>
+            </a:extLst>
+          </p:cNvPr>
+          <p:cNvPicPr>
+            <a:picLocks noChangeAspect="1"/>
+          </p:cNvPicPr>
+          <p:nvPr/>
+        </p:nvPicPr>
+        <p:blipFill>
+          <a:blip r:embed="rId3">
+            <a:extLst>
+              <a:ext uri="{28A0092B-C50C-407E-A947-70E740481C1C}">
+                <a14:useLocalDpi xmlns:a14="http://schemas.microsoft.com/office/drawing/2010/main" val="0"/>
+              </a:ext>
+            </a:extLst>
+          </a:blip>
+          <a:stretch>
+            <a:fillRect/>
+          </a:stretch>
+        </p:blipFill>
+        <p:spPr>
+          <a:xfrm>
+            <a:off x="6717211" y="4443532"/>
+            <a:ext cx="5143500" cy="1143000"/>
+          </a:xfrm>
+          <a:prstGeom prst="rect">
+            <a:avLst/>
+          </a:prstGeom>
+        </p:spPr>
+      </p:pic>
+      <p:sp>
+        <p:nvSpPr>
+          <p:cNvPr id="16" name="CasellaDiTesto 15">
+            <a:extLst>
+              <a:ext uri="{FF2B5EF4-FFF2-40B4-BE49-F238E27FC236}">
+                <a16:creationId xmlns:a16="http://schemas.microsoft.com/office/drawing/2014/main" id="{12D1438F-6689-CABA-CAC9-D7354D409BAB}"/>
+              </a:ext>
+            </a:extLst>
+          </p:cNvPr>
+          <p:cNvSpPr txBox="1"/>
+          <p:nvPr/>
+        </p:nvSpPr>
+        <p:spPr>
+          <a:xfrm>
+            <a:off x="6717211" y="5593200"/>
+            <a:ext cx="803425" cy="307777"/>
+          </a:xfrm>
+          <a:prstGeom prst="rect">
+            <a:avLst/>
+          </a:prstGeom>
+          <a:noFill/>
+        </p:spPr>
+        <p:txBody>
+          <a:bodyPr wrap="none" rtlCol="0">
+            <a:spAutoFit/>
+          </a:bodyPr>
+          <a:lstStyle/>
+          <a:p>
+            <a:r>
+              <a:rPr lang="it-IT" sz="1400" dirty="0">
+                <a:solidFill>
+                  <a:schemeClr val="bg1"/>
+                </a:solidFill>
+              </a:rPr>
+              <a:t>2.defs.h</a:t>
+            </a:r>
+          </a:p>
+        </p:txBody>
+      </p:sp>
+    </p:spTree>
+    <p:extLst>
+      <p:ext uri="{BB962C8B-B14F-4D97-AF65-F5344CB8AC3E}">
+        <p14:creationId xmlns:p14="http://schemas.microsoft.com/office/powerpoint/2010/main" val="2145523216"/>
+      </p:ext>
+    </p:extLst>
+  </p:cSld>
+  <p:clrMapOvr>
+    <a:masterClrMapping/>
+  </p:clrMapOvr>
+</p:sld>
+</file>
+
 <file path=ppt/slides/slide3.xml><?xml version="1.0" encoding="utf-8"?>
 <p:sld xmlns:a="http://schemas.openxmlformats.org/drawingml/2006/main" xmlns:r="http://schemas.openxmlformats.org/officeDocument/2006/relationships" xmlns:p="http://schemas.openxmlformats.org/presentationml/2006/main">
   <p:cSld>
@@ -19470,6 +20606,1898 @@
     <p:extLst>
       <p:ext uri="{BB962C8B-B14F-4D97-AF65-F5344CB8AC3E}">
         <p14:creationId xmlns:p14="http://schemas.microsoft.com/office/powerpoint/2010/main" val="1466200937"/>
+      </p:ext>
+    </p:extLst>
+  </p:cSld>
+  <p:clrMapOvr>
+    <a:masterClrMapping/>
+  </p:clrMapOvr>
+</p:sld>
+</file>
+
+<file path=ppt/slides/slide30.xml><?xml version="1.0" encoding="utf-8"?>
+<p:sld xmlns:a="http://schemas.openxmlformats.org/drawingml/2006/main" xmlns:r="http://schemas.openxmlformats.org/officeDocument/2006/relationships" xmlns:p="http://schemas.openxmlformats.org/presentationml/2006/main">
+  <p:cSld>
+    <p:spTree>
+      <p:nvGrpSpPr>
+        <p:cNvPr id="1" name=""/>
+        <p:cNvGrpSpPr/>
+        <p:nvPr/>
+      </p:nvGrpSpPr>
+      <p:grpSpPr>
+        <a:xfrm>
+          <a:off x="0" y="0"/>
+          <a:ext cx="0" cy="0"/>
+          <a:chOff x="0" y="0"/>
+          <a:chExt cx="0" cy="0"/>
+        </a:xfrm>
+      </p:grpSpPr>
+      <p:sp>
+        <p:nvSpPr>
+          <p:cNvPr id="3" name="Titolo 2">
+            <a:extLst>
+              <a:ext uri="{FF2B5EF4-FFF2-40B4-BE49-F238E27FC236}">
+                <a16:creationId xmlns:a16="http://schemas.microsoft.com/office/drawing/2014/main" id="{B9054134-716F-1CBD-D466-A5813A3D817F}"/>
+              </a:ext>
+            </a:extLst>
+          </p:cNvPr>
+          <p:cNvSpPr>
+            <a:spLocks noGrp="1"/>
+          </p:cNvSpPr>
+          <p:nvPr>
+            <p:ph type="title"/>
+          </p:nvPr>
+        </p:nvSpPr>
+        <p:spPr>
+          <a:xfrm>
+            <a:off x="952499" y="646310"/>
+            <a:ext cx="4941477" cy="610863"/>
+          </a:xfrm>
+        </p:spPr>
+        <p:txBody>
+          <a:bodyPr>
+            <a:normAutofit/>
+          </a:bodyPr>
+          <a:lstStyle/>
+          <a:p>
+            <a:r>
+              <a:rPr lang="en-US" dirty="0" err="1"/>
+              <a:t>freepages</a:t>
+            </a:r>
+            <a:endParaRPr lang="en-US" dirty="0"/>
+          </a:p>
+        </p:txBody>
+      </p:sp>
+      <p:sp>
+        <p:nvSpPr>
+          <p:cNvPr id="4" name="Segnaposto testo 3">
+            <a:extLst>
+              <a:ext uri="{FF2B5EF4-FFF2-40B4-BE49-F238E27FC236}">
+                <a16:creationId xmlns:a16="http://schemas.microsoft.com/office/drawing/2014/main" id="{FE7B1D6D-BD82-2AD6-2E20-AB168A315F39}"/>
+              </a:ext>
+            </a:extLst>
+          </p:cNvPr>
+          <p:cNvSpPr>
+            <a:spLocks noGrp="1"/>
+          </p:cNvSpPr>
+          <p:nvPr>
+            <p:ph type="body" sz="quarter" idx="11"/>
+          </p:nvPr>
+        </p:nvSpPr>
+        <p:spPr>
+          <a:xfrm>
+            <a:off x="952499" y="2397080"/>
+            <a:ext cx="5479832" cy="2795232"/>
+          </a:xfrm>
+        </p:spPr>
+        <p:txBody>
+          <a:bodyPr/>
+          <a:lstStyle/>
+          <a:p>
+            <a:r>
+              <a:rPr lang="en-US" sz="2400" dirty="0"/>
+              <a:t>uint64 </a:t>
+            </a:r>
+            <a:r>
+              <a:rPr lang="en-US" sz="2400" dirty="0" err="1"/>
+              <a:t>sys_freepages</a:t>
+            </a:r>
+            <a:r>
+              <a:rPr lang="en-US" sz="2400" dirty="0"/>
+              <a:t>(void)</a:t>
+            </a:r>
+          </a:p>
+          <a:p>
+            <a:pPr marL="285750" indent="-285750">
+              <a:buFont typeface="Arial" panose="020B0604020202020204" pitchFamily="34" charset="0"/>
+              <a:buChar char="•"/>
+            </a:pPr>
+            <a:r>
+              <a:rPr lang="en-US" dirty="0"/>
+              <a:t>System call </a:t>
+            </a:r>
+            <a:r>
+              <a:rPr lang="en-US" dirty="0" err="1"/>
+              <a:t>che</a:t>
+            </a:r>
+            <a:r>
+              <a:rPr lang="en-US" dirty="0"/>
+              <a:t> </a:t>
+            </a:r>
+            <a:r>
+              <a:rPr lang="en-US" dirty="0" err="1"/>
+              <a:t>chiama</a:t>
+            </a:r>
+            <a:r>
+              <a:rPr lang="en-US" dirty="0"/>
+              <a:t> </a:t>
+            </a:r>
+            <a:r>
+              <a:rPr lang="en-US" dirty="0" err="1"/>
+              <a:t>kfreepages</a:t>
+            </a:r>
+            <a:r>
+              <a:rPr lang="en-US" dirty="0"/>
+              <a:t>() e </a:t>
+            </a:r>
+            <a:r>
+              <a:rPr lang="en-US" dirty="0" err="1"/>
+              <a:t>restituisce</a:t>
+            </a:r>
+            <a:r>
+              <a:rPr lang="en-US" dirty="0"/>
+              <a:t> il </a:t>
+            </a:r>
+            <a:r>
+              <a:rPr lang="en-US" dirty="0" err="1"/>
+              <a:t>numero</a:t>
+            </a:r>
+            <a:r>
+              <a:rPr lang="en-US" dirty="0"/>
+              <a:t> di </a:t>
+            </a:r>
+            <a:r>
+              <a:rPr lang="en-US" dirty="0" err="1"/>
+              <a:t>pagine</a:t>
+            </a:r>
+            <a:r>
+              <a:rPr lang="en-US" dirty="0"/>
+              <a:t> </a:t>
+            </a:r>
+            <a:r>
+              <a:rPr lang="en-US" dirty="0" err="1"/>
+              <a:t>libere</a:t>
+            </a:r>
+            <a:r>
+              <a:rPr lang="en-US" dirty="0"/>
+              <a:t>.</a:t>
+            </a:r>
+          </a:p>
+          <a:p>
+            <a:r>
+              <a:rPr lang="en-US" sz="2400" dirty="0" err="1"/>
+              <a:t>getfreepages</a:t>
+            </a:r>
+            <a:endParaRPr lang="en-US" sz="2400" dirty="0"/>
+          </a:p>
+          <a:p>
+            <a:pPr marL="285750" indent="-285750">
+              <a:buFont typeface="Arial" panose="020B0604020202020204" pitchFamily="34" charset="0"/>
+              <a:buChar char="•"/>
+            </a:pPr>
+            <a:r>
+              <a:rPr lang="en-US" dirty="0" err="1"/>
+              <a:t>Lato</a:t>
+            </a:r>
+            <a:r>
+              <a:rPr lang="en-US" dirty="0"/>
+              <a:t> user </a:t>
+            </a:r>
+            <a:r>
+              <a:rPr lang="en-US" dirty="0" err="1"/>
+              <a:t>è</a:t>
+            </a:r>
+            <a:r>
+              <a:rPr lang="en-US" dirty="0"/>
+              <a:t> </a:t>
+            </a:r>
+            <a:r>
+              <a:rPr lang="en-US" dirty="0" err="1"/>
+              <a:t>stata</a:t>
+            </a:r>
+            <a:r>
+              <a:rPr lang="en-US" dirty="0"/>
+              <a:t> </a:t>
+            </a:r>
+            <a:r>
+              <a:rPr lang="en-US" dirty="0" err="1"/>
+              <a:t>creata</a:t>
+            </a:r>
+            <a:r>
+              <a:rPr lang="en-US" dirty="0"/>
+              <a:t> </a:t>
+            </a:r>
+            <a:r>
+              <a:rPr lang="en-US" dirty="0" err="1"/>
+              <a:t>una</a:t>
+            </a:r>
+            <a:r>
+              <a:rPr lang="en-US" dirty="0"/>
+              <a:t> </a:t>
+            </a:r>
+            <a:r>
+              <a:rPr lang="en-US" dirty="0" err="1"/>
+              <a:t>funzione</a:t>
+            </a:r>
+            <a:r>
+              <a:rPr lang="en-US" dirty="0"/>
+              <a:t> </a:t>
+            </a:r>
+            <a:r>
+              <a:rPr lang="en-US" dirty="0" err="1"/>
+              <a:t>che</a:t>
+            </a:r>
+            <a:r>
+              <a:rPr lang="en-US" dirty="0"/>
+              <a:t> </a:t>
+            </a:r>
+            <a:r>
+              <a:rPr lang="en-US" dirty="0" err="1"/>
+              <a:t>chiama</a:t>
+            </a:r>
+            <a:r>
+              <a:rPr lang="en-US" dirty="0"/>
+              <a:t> la </a:t>
+            </a:r>
+            <a:r>
+              <a:rPr lang="en-US" dirty="0" err="1"/>
+              <a:t>freepages</a:t>
+            </a:r>
+            <a:r>
+              <a:rPr lang="en-US" dirty="0"/>
+              <a:t> e </a:t>
+            </a:r>
+            <a:r>
+              <a:rPr lang="en-US" dirty="0" err="1"/>
+              <a:t>stampa</a:t>
+            </a:r>
+            <a:r>
+              <a:rPr lang="en-US" dirty="0"/>
+              <a:t> a </a:t>
+            </a:r>
+            <a:r>
+              <a:rPr lang="en-US" dirty="0" err="1"/>
+              <a:t>schermo</a:t>
+            </a:r>
+            <a:r>
+              <a:rPr lang="en-US" dirty="0"/>
+              <a:t> il </a:t>
+            </a:r>
+            <a:r>
+              <a:rPr lang="en-US" dirty="0" err="1"/>
+              <a:t>numero</a:t>
+            </a:r>
+            <a:r>
+              <a:rPr lang="en-US" dirty="0"/>
+              <a:t> di </a:t>
+            </a:r>
+            <a:r>
+              <a:rPr lang="en-US" dirty="0" err="1"/>
+              <a:t>pagine</a:t>
+            </a:r>
+            <a:r>
+              <a:rPr lang="en-US" dirty="0"/>
+              <a:t> </a:t>
+            </a:r>
+            <a:r>
+              <a:rPr lang="en-US" dirty="0" err="1"/>
+              <a:t>libere</a:t>
+            </a:r>
+            <a:endParaRPr lang="en-US" dirty="0"/>
+          </a:p>
+        </p:txBody>
+      </p:sp>
+      <p:sp>
+        <p:nvSpPr>
+          <p:cNvPr id="5" name="Segnaposto piè di pagina 4">
+            <a:extLst>
+              <a:ext uri="{FF2B5EF4-FFF2-40B4-BE49-F238E27FC236}">
+                <a16:creationId xmlns:a16="http://schemas.microsoft.com/office/drawing/2014/main" id="{03C001CA-E2A8-7CFD-414C-A2FDAEBF1FC9}"/>
+              </a:ext>
+            </a:extLst>
+          </p:cNvPr>
+          <p:cNvSpPr>
+            <a:spLocks noGrp="1"/>
+          </p:cNvSpPr>
+          <p:nvPr>
+            <p:ph type="ftr" sz="quarter" idx="15"/>
+          </p:nvPr>
+        </p:nvSpPr>
+        <p:spPr>
+          <a:xfrm>
+            <a:off x="1494789" y="6332220"/>
+            <a:ext cx="2552277" cy="247651"/>
+          </a:xfrm>
+        </p:spPr>
+        <p:txBody>
+          <a:bodyPr/>
+          <a:lstStyle/>
+          <a:p>
+            <a:r>
+              <a:rPr lang="it-IT" b="0" dirty="0"/>
+              <a:t>Programmazione</a:t>
+            </a:r>
+            <a:r>
+              <a:rPr lang="en-US" b="0" dirty="0"/>
+              <a:t> di Sistema – 2023/24</a:t>
+            </a:r>
+          </a:p>
+        </p:txBody>
+      </p:sp>
+      <p:sp>
+        <p:nvSpPr>
+          <p:cNvPr id="6" name="Segnaposto numero diapositiva 5">
+            <a:extLst>
+              <a:ext uri="{FF2B5EF4-FFF2-40B4-BE49-F238E27FC236}">
+                <a16:creationId xmlns:a16="http://schemas.microsoft.com/office/drawing/2014/main" id="{333800D2-0446-E7C1-8ED8-FC146DDB7BBE}"/>
+              </a:ext>
+            </a:extLst>
+          </p:cNvPr>
+          <p:cNvSpPr>
+            <a:spLocks noGrp="1"/>
+          </p:cNvSpPr>
+          <p:nvPr>
+            <p:ph type="sldNum" sz="quarter" idx="16"/>
+          </p:nvPr>
+        </p:nvSpPr>
+        <p:spPr/>
+        <p:txBody>
+          <a:bodyPr/>
+          <a:lstStyle/>
+          <a:p>
+            <a:fld id="{294A09A9-5501-47C1-A89A-A340965A2BE2}" type="slidenum">
+              <a:rPr lang="en-US" smtClean="0"/>
+              <a:pPr/>
+              <a:t>30</a:t>
+            </a:fld>
+            <a:endParaRPr lang="en-US" dirty="0">
+              <a:latin typeface="+mn-lt"/>
+            </a:endParaRPr>
+          </a:p>
+        </p:txBody>
+      </p:sp>
+      <p:sp>
+        <p:nvSpPr>
+          <p:cNvPr id="15" name="CasellaDiTesto 14">
+            <a:extLst>
+              <a:ext uri="{FF2B5EF4-FFF2-40B4-BE49-F238E27FC236}">
+                <a16:creationId xmlns:a16="http://schemas.microsoft.com/office/drawing/2014/main" id="{5F5759C6-7865-2880-7EF6-A8110CD375B9}"/>
+              </a:ext>
+            </a:extLst>
+          </p:cNvPr>
+          <p:cNvSpPr txBox="1"/>
+          <p:nvPr/>
+        </p:nvSpPr>
+        <p:spPr>
+          <a:xfrm>
+            <a:off x="6605134" y="2786629"/>
+            <a:ext cx="1031373" cy="307777"/>
+          </a:xfrm>
+          <a:prstGeom prst="rect">
+            <a:avLst/>
+          </a:prstGeom>
+          <a:noFill/>
+        </p:spPr>
+        <p:txBody>
+          <a:bodyPr wrap="none" rtlCol="0">
+            <a:spAutoFit/>
+          </a:bodyPr>
+          <a:lstStyle/>
+          <a:p>
+            <a:r>
+              <a:rPr lang="it-IT" sz="1400" dirty="0">
+                <a:solidFill>
+                  <a:schemeClr val="bg1"/>
+                </a:solidFill>
+              </a:rPr>
+              <a:t>1.sysproc.c</a:t>
+            </a:r>
+          </a:p>
+        </p:txBody>
+      </p:sp>
+      <p:sp>
+        <p:nvSpPr>
+          <p:cNvPr id="16" name="CasellaDiTesto 15">
+            <a:extLst>
+              <a:ext uri="{FF2B5EF4-FFF2-40B4-BE49-F238E27FC236}">
+                <a16:creationId xmlns:a16="http://schemas.microsoft.com/office/drawing/2014/main" id="{12D1438F-6689-CABA-CAC9-D7354D409BAB}"/>
+              </a:ext>
+            </a:extLst>
+          </p:cNvPr>
+          <p:cNvSpPr txBox="1"/>
+          <p:nvPr/>
+        </p:nvSpPr>
+        <p:spPr>
+          <a:xfrm>
+            <a:off x="6706700" y="5819371"/>
+            <a:ext cx="1868525" cy="307777"/>
+          </a:xfrm>
+          <a:prstGeom prst="rect">
+            <a:avLst/>
+          </a:prstGeom>
+          <a:noFill/>
+        </p:spPr>
+        <p:txBody>
+          <a:bodyPr wrap="none" rtlCol="0">
+            <a:spAutoFit/>
+          </a:bodyPr>
+          <a:lstStyle/>
+          <a:p>
+            <a:r>
+              <a:rPr lang="it-IT" sz="1400" dirty="0">
+                <a:solidFill>
+                  <a:schemeClr val="bg1"/>
+                </a:solidFill>
+              </a:rPr>
+              <a:t>2.user/</a:t>
+            </a:r>
+            <a:r>
+              <a:rPr lang="it-IT" sz="1400" dirty="0" err="1">
+                <a:solidFill>
+                  <a:schemeClr val="bg1"/>
+                </a:solidFill>
+              </a:rPr>
+              <a:t>getfreepages.c</a:t>
+            </a:r>
+            <a:endParaRPr lang="it-IT" sz="1400" dirty="0">
+              <a:solidFill>
+                <a:schemeClr val="bg1"/>
+              </a:solidFill>
+            </a:endParaRPr>
+          </a:p>
+        </p:txBody>
+      </p:sp>
+      <p:pic>
+        <p:nvPicPr>
+          <p:cNvPr id="7" name="Immagine 6" descr="Immagine che contiene testo, Carattere, schermata, numero&#10;&#10;Descrizione generata automaticamente">
+            <a:extLst>
+              <a:ext uri="{FF2B5EF4-FFF2-40B4-BE49-F238E27FC236}">
+                <a16:creationId xmlns:a16="http://schemas.microsoft.com/office/drawing/2014/main" id="{EF411543-79ED-B089-6354-217822AD8CFD}"/>
+              </a:ext>
+            </a:extLst>
+          </p:cNvPr>
+          <p:cNvPicPr>
+            <a:picLocks noChangeAspect="1"/>
+          </p:cNvPicPr>
+          <p:nvPr/>
+        </p:nvPicPr>
+        <p:blipFill>
+          <a:blip r:embed="rId2">
+            <a:extLst>
+              <a:ext uri="{28A0092B-C50C-407E-A947-70E740481C1C}">
+                <a14:useLocalDpi xmlns:a14="http://schemas.microsoft.com/office/drawing/2010/main" val="0"/>
+              </a:ext>
+            </a:extLst>
+          </a:blip>
+          <a:stretch>
+            <a:fillRect/>
+          </a:stretch>
+        </p:blipFill>
+        <p:spPr>
+          <a:xfrm>
+            <a:off x="6659887" y="1559236"/>
+            <a:ext cx="2882900" cy="1168400"/>
+          </a:xfrm>
+          <a:prstGeom prst="rect">
+            <a:avLst/>
+          </a:prstGeom>
+        </p:spPr>
+      </p:pic>
+      <p:pic>
+        <p:nvPicPr>
+          <p:cNvPr id="10" name="Immagine 9" descr="Immagine che contiene testo, schermata, Carattere&#10;&#10;Descrizione generata automaticamente">
+            <a:extLst>
+              <a:ext uri="{FF2B5EF4-FFF2-40B4-BE49-F238E27FC236}">
+                <a16:creationId xmlns:a16="http://schemas.microsoft.com/office/drawing/2014/main" id="{FA59BA85-10F3-A7CF-8467-18CB11A15D49}"/>
+              </a:ext>
+            </a:extLst>
+          </p:cNvPr>
+          <p:cNvPicPr>
+            <a:picLocks noChangeAspect="1"/>
+          </p:cNvPicPr>
+          <p:nvPr/>
+        </p:nvPicPr>
+        <p:blipFill>
+          <a:blip r:embed="rId3">
+            <a:extLst>
+              <a:ext uri="{28A0092B-C50C-407E-A947-70E740481C1C}">
+                <a14:useLocalDpi xmlns:a14="http://schemas.microsoft.com/office/drawing/2010/main" val="0"/>
+              </a:ext>
+            </a:extLst>
+          </a:blip>
+          <a:stretch>
+            <a:fillRect/>
+          </a:stretch>
+        </p:blipFill>
+        <p:spPr>
+          <a:xfrm>
+            <a:off x="6706700" y="3558771"/>
+            <a:ext cx="5092700" cy="2260600"/>
+          </a:xfrm>
+          <a:prstGeom prst="rect">
+            <a:avLst/>
+          </a:prstGeom>
+        </p:spPr>
+      </p:pic>
+    </p:spTree>
+    <p:extLst>
+      <p:ext uri="{BB962C8B-B14F-4D97-AF65-F5344CB8AC3E}">
+        <p14:creationId xmlns:p14="http://schemas.microsoft.com/office/powerpoint/2010/main" val="2016673347"/>
+      </p:ext>
+    </p:extLst>
+  </p:cSld>
+  <p:clrMapOvr>
+    <a:masterClrMapping/>
+  </p:clrMapOvr>
+</p:sld>
+</file>
+
+<file path=ppt/slides/slide31.xml><?xml version="1.0" encoding="utf-8"?>
+<p:sld xmlns:a="http://schemas.openxmlformats.org/drawingml/2006/main" xmlns:r="http://schemas.openxmlformats.org/officeDocument/2006/relationships" xmlns:p="http://schemas.openxmlformats.org/presentationml/2006/main">
+  <p:cSld>
+    <p:spTree>
+      <p:nvGrpSpPr>
+        <p:cNvPr id="1" name=""/>
+        <p:cNvGrpSpPr/>
+        <p:nvPr/>
+      </p:nvGrpSpPr>
+      <p:grpSpPr>
+        <a:xfrm>
+          <a:off x="0" y="0"/>
+          <a:ext cx="0" cy="0"/>
+          <a:chOff x="0" y="0"/>
+          <a:chExt cx="0" cy="0"/>
+        </a:xfrm>
+      </p:grpSpPr>
+      <p:sp>
+        <p:nvSpPr>
+          <p:cNvPr id="3" name="Titolo 2">
+            <a:extLst>
+              <a:ext uri="{FF2B5EF4-FFF2-40B4-BE49-F238E27FC236}">
+                <a16:creationId xmlns:a16="http://schemas.microsoft.com/office/drawing/2014/main" id="{B9054134-716F-1CBD-D466-A5813A3D817F}"/>
+              </a:ext>
+            </a:extLst>
+          </p:cNvPr>
+          <p:cNvSpPr>
+            <a:spLocks noGrp="1"/>
+          </p:cNvSpPr>
+          <p:nvPr>
+            <p:ph type="title"/>
+          </p:nvPr>
+        </p:nvSpPr>
+        <p:spPr>
+          <a:xfrm>
+            <a:off x="952499" y="646310"/>
+            <a:ext cx="4941477" cy="610863"/>
+          </a:xfrm>
+        </p:spPr>
+        <p:txBody>
+          <a:bodyPr>
+            <a:normAutofit/>
+          </a:bodyPr>
+          <a:lstStyle/>
+          <a:p>
+            <a:r>
+              <a:rPr lang="en-US" dirty="0" err="1"/>
+              <a:t>testkalloc</a:t>
+            </a:r>
+            <a:endParaRPr lang="en-US" dirty="0"/>
+          </a:p>
+        </p:txBody>
+      </p:sp>
+      <p:sp>
+        <p:nvSpPr>
+          <p:cNvPr id="4" name="Segnaposto testo 3">
+            <a:extLst>
+              <a:ext uri="{FF2B5EF4-FFF2-40B4-BE49-F238E27FC236}">
+                <a16:creationId xmlns:a16="http://schemas.microsoft.com/office/drawing/2014/main" id="{FE7B1D6D-BD82-2AD6-2E20-AB168A315F39}"/>
+              </a:ext>
+            </a:extLst>
+          </p:cNvPr>
+          <p:cNvSpPr>
+            <a:spLocks noGrp="1"/>
+          </p:cNvSpPr>
+          <p:nvPr>
+            <p:ph type="body" sz="quarter" idx="11"/>
+          </p:nvPr>
+        </p:nvSpPr>
+        <p:spPr>
+          <a:xfrm>
+            <a:off x="952499" y="2186872"/>
+            <a:ext cx="4913053" cy="3057789"/>
+          </a:xfrm>
+        </p:spPr>
+        <p:txBody>
+          <a:bodyPr/>
+          <a:lstStyle/>
+          <a:p>
+            <a:r>
+              <a:rPr lang="en-US" sz="2400" dirty="0"/>
+              <a:t>uint64 </a:t>
+            </a:r>
+            <a:r>
+              <a:rPr lang="en-US" sz="2400" dirty="0" err="1"/>
+              <a:t>sys_testkalloc</a:t>
+            </a:r>
+            <a:r>
+              <a:rPr lang="en-US" sz="2400" dirty="0"/>
+              <a:t>(void)</a:t>
+            </a:r>
+          </a:p>
+          <a:p>
+            <a:pPr marL="285750" indent="-285750">
+              <a:buFont typeface="Arial" panose="020B0604020202020204" pitchFamily="34" charset="0"/>
+              <a:buChar char="•"/>
+            </a:pPr>
+            <a:r>
+              <a:rPr lang="en-US" dirty="0"/>
+              <a:t>System call </a:t>
+            </a:r>
+            <a:r>
+              <a:rPr lang="en-US" dirty="0" err="1"/>
+              <a:t>che</a:t>
+            </a:r>
+            <a:r>
+              <a:rPr lang="en-US" dirty="0"/>
+              <a:t> </a:t>
+            </a:r>
+            <a:r>
+              <a:rPr lang="en-US" dirty="0" err="1"/>
+              <a:t>chiama</a:t>
+            </a:r>
+            <a:r>
+              <a:rPr lang="en-US" dirty="0"/>
+              <a:t> </a:t>
+            </a:r>
+            <a:r>
+              <a:rPr lang="en-US" dirty="0" err="1"/>
+              <a:t>kalloc</a:t>
+            </a:r>
+            <a:r>
+              <a:rPr lang="en-US" dirty="0"/>
+              <a:t>() per </a:t>
+            </a:r>
+            <a:r>
+              <a:rPr lang="en-US" dirty="0" err="1"/>
+              <a:t>allocare</a:t>
+            </a:r>
+            <a:r>
+              <a:rPr lang="en-US" dirty="0"/>
+              <a:t> </a:t>
+            </a:r>
+            <a:r>
+              <a:rPr lang="en-US" dirty="0" err="1"/>
+              <a:t>una</a:t>
+            </a:r>
+            <a:r>
+              <a:rPr lang="en-US" dirty="0"/>
+              <a:t> </a:t>
+            </a:r>
+            <a:r>
+              <a:rPr lang="en-US" dirty="0" err="1"/>
+              <a:t>pagina</a:t>
+            </a:r>
+            <a:r>
+              <a:rPr lang="en-US" dirty="0"/>
+              <a:t>.</a:t>
+            </a:r>
+          </a:p>
+          <a:p>
+            <a:pPr marL="285750" indent="-285750">
+              <a:buFont typeface="Arial" panose="020B0604020202020204" pitchFamily="34" charset="0"/>
+              <a:buChar char="•"/>
+            </a:pPr>
+            <a:r>
+              <a:rPr lang="en-US" dirty="0" err="1"/>
+              <a:t>Creata</a:t>
+            </a:r>
+            <a:r>
+              <a:rPr lang="en-US" dirty="0"/>
+              <a:t> per </a:t>
+            </a:r>
+            <a:r>
+              <a:rPr lang="en-US" dirty="0" err="1"/>
+              <a:t>verificare</a:t>
+            </a:r>
+            <a:r>
+              <a:rPr lang="en-US" dirty="0"/>
+              <a:t> il </a:t>
+            </a:r>
+            <a:r>
+              <a:rPr lang="en-US" dirty="0" err="1"/>
+              <a:t>corretto</a:t>
+            </a:r>
+            <a:r>
+              <a:rPr lang="en-US" dirty="0"/>
+              <a:t> </a:t>
+            </a:r>
+            <a:r>
+              <a:rPr lang="en-US" dirty="0" err="1"/>
+              <a:t>funzionamento</a:t>
+            </a:r>
+            <a:r>
+              <a:rPr lang="en-US" dirty="0"/>
+              <a:t> </a:t>
+            </a:r>
+            <a:r>
+              <a:rPr lang="en-US" dirty="0" err="1"/>
+              <a:t>della</a:t>
+            </a:r>
+            <a:r>
+              <a:rPr lang="en-US" dirty="0"/>
+              <a:t> system call </a:t>
+            </a:r>
+            <a:r>
+              <a:rPr lang="en-US" dirty="0" err="1"/>
+              <a:t>freepages</a:t>
+            </a:r>
+            <a:r>
+              <a:rPr lang="en-US" dirty="0"/>
+              <a:t>.</a:t>
+            </a:r>
+          </a:p>
+          <a:p>
+            <a:r>
+              <a:rPr lang="en-US" sz="2400" dirty="0" err="1"/>
+              <a:t>testkalloc</a:t>
+            </a:r>
+            <a:endParaRPr lang="en-US" sz="2400" dirty="0"/>
+          </a:p>
+          <a:p>
+            <a:pPr marL="285750" indent="-285750">
+              <a:buFont typeface="Arial" panose="020B0604020202020204" pitchFamily="34" charset="0"/>
+              <a:buChar char="•"/>
+            </a:pPr>
+            <a:r>
+              <a:rPr lang="en-US" dirty="0" err="1"/>
+              <a:t>Lato</a:t>
+            </a:r>
+            <a:r>
+              <a:rPr lang="en-US" dirty="0"/>
+              <a:t> user </a:t>
+            </a:r>
+            <a:r>
+              <a:rPr lang="en-US" dirty="0" err="1"/>
+              <a:t>è</a:t>
+            </a:r>
+            <a:r>
+              <a:rPr lang="en-US" dirty="0"/>
+              <a:t> </a:t>
+            </a:r>
+            <a:r>
+              <a:rPr lang="en-US" dirty="0" err="1"/>
+              <a:t>stata</a:t>
+            </a:r>
+            <a:r>
+              <a:rPr lang="en-US" dirty="0"/>
+              <a:t> </a:t>
+            </a:r>
+            <a:r>
+              <a:rPr lang="en-US" dirty="0" err="1"/>
+              <a:t>creata</a:t>
+            </a:r>
+            <a:r>
+              <a:rPr lang="en-US" dirty="0"/>
+              <a:t> </a:t>
+            </a:r>
+            <a:r>
+              <a:rPr lang="en-US" dirty="0" err="1"/>
+              <a:t>una</a:t>
+            </a:r>
+            <a:r>
+              <a:rPr lang="en-US" dirty="0"/>
+              <a:t> </a:t>
+            </a:r>
+            <a:r>
+              <a:rPr lang="en-US" dirty="0" err="1"/>
+              <a:t>funzione</a:t>
+            </a:r>
+            <a:r>
+              <a:rPr lang="en-US" dirty="0"/>
+              <a:t> </a:t>
+            </a:r>
+            <a:r>
+              <a:rPr lang="en-US" dirty="0" err="1"/>
+              <a:t>che</a:t>
+            </a:r>
+            <a:r>
+              <a:rPr lang="en-US" dirty="0"/>
+              <a:t> </a:t>
+            </a:r>
+            <a:r>
+              <a:rPr lang="en-US" dirty="0" err="1"/>
+              <a:t>chiama</a:t>
+            </a:r>
+            <a:r>
+              <a:rPr lang="en-US" dirty="0"/>
+              <a:t> la </a:t>
+            </a:r>
+            <a:r>
+              <a:rPr lang="en-US" dirty="0" err="1"/>
+              <a:t>testkalloc</a:t>
+            </a:r>
+            <a:r>
+              <a:rPr lang="en-US" dirty="0"/>
+              <a:t> e </a:t>
+            </a:r>
+            <a:r>
+              <a:rPr lang="en-US" dirty="0" err="1"/>
+              <a:t>stampa</a:t>
+            </a:r>
+            <a:r>
+              <a:rPr lang="en-US" dirty="0"/>
+              <a:t> a </a:t>
+            </a:r>
+            <a:r>
+              <a:rPr lang="en-US" dirty="0" err="1"/>
+              <a:t>schermo</a:t>
+            </a:r>
+            <a:r>
+              <a:rPr lang="en-US" dirty="0"/>
+              <a:t> il </a:t>
+            </a:r>
+            <a:r>
+              <a:rPr lang="en-US" dirty="0" err="1"/>
+              <a:t>numero</a:t>
+            </a:r>
+            <a:r>
+              <a:rPr lang="en-US" dirty="0"/>
+              <a:t> di </a:t>
+            </a:r>
+            <a:r>
+              <a:rPr lang="en-US" dirty="0" err="1"/>
+              <a:t>pagine</a:t>
+            </a:r>
+            <a:r>
+              <a:rPr lang="en-US" dirty="0"/>
+              <a:t> </a:t>
+            </a:r>
+            <a:r>
+              <a:rPr lang="en-US" dirty="0" err="1"/>
+              <a:t>libere</a:t>
+            </a:r>
+            <a:r>
+              <a:rPr lang="en-US" dirty="0"/>
+              <a:t> prima e dopo aver </a:t>
+            </a:r>
+            <a:r>
+              <a:rPr lang="en-US" dirty="0" err="1"/>
+              <a:t>allocato</a:t>
+            </a:r>
+            <a:r>
+              <a:rPr lang="en-US" dirty="0"/>
+              <a:t> </a:t>
+            </a:r>
+            <a:r>
+              <a:rPr lang="en-US" dirty="0" err="1"/>
+              <a:t>una</a:t>
+            </a:r>
+            <a:r>
+              <a:rPr lang="en-US" dirty="0"/>
+              <a:t> </a:t>
+            </a:r>
+            <a:r>
+              <a:rPr lang="en-US" dirty="0" err="1"/>
+              <a:t>pagina</a:t>
+            </a:r>
+            <a:r>
+              <a:rPr lang="en-US" dirty="0"/>
+              <a:t>.</a:t>
+            </a:r>
+          </a:p>
+        </p:txBody>
+      </p:sp>
+      <p:sp>
+        <p:nvSpPr>
+          <p:cNvPr id="5" name="Segnaposto piè di pagina 4">
+            <a:extLst>
+              <a:ext uri="{FF2B5EF4-FFF2-40B4-BE49-F238E27FC236}">
+                <a16:creationId xmlns:a16="http://schemas.microsoft.com/office/drawing/2014/main" id="{03C001CA-E2A8-7CFD-414C-A2FDAEBF1FC9}"/>
+              </a:ext>
+            </a:extLst>
+          </p:cNvPr>
+          <p:cNvSpPr>
+            <a:spLocks noGrp="1"/>
+          </p:cNvSpPr>
+          <p:nvPr>
+            <p:ph type="ftr" sz="quarter" idx="15"/>
+          </p:nvPr>
+        </p:nvSpPr>
+        <p:spPr>
+          <a:xfrm>
+            <a:off x="1494789" y="6332220"/>
+            <a:ext cx="2552277" cy="247651"/>
+          </a:xfrm>
+        </p:spPr>
+        <p:txBody>
+          <a:bodyPr/>
+          <a:lstStyle/>
+          <a:p>
+            <a:r>
+              <a:rPr lang="it-IT" b="0" dirty="0"/>
+              <a:t>Programmazione</a:t>
+            </a:r>
+            <a:r>
+              <a:rPr lang="en-US" b="0" dirty="0"/>
+              <a:t> di Sistema – 2023/24</a:t>
+            </a:r>
+          </a:p>
+        </p:txBody>
+      </p:sp>
+      <p:sp>
+        <p:nvSpPr>
+          <p:cNvPr id="6" name="Segnaposto numero diapositiva 5">
+            <a:extLst>
+              <a:ext uri="{FF2B5EF4-FFF2-40B4-BE49-F238E27FC236}">
+                <a16:creationId xmlns:a16="http://schemas.microsoft.com/office/drawing/2014/main" id="{333800D2-0446-E7C1-8ED8-FC146DDB7BBE}"/>
+              </a:ext>
+            </a:extLst>
+          </p:cNvPr>
+          <p:cNvSpPr>
+            <a:spLocks noGrp="1"/>
+          </p:cNvSpPr>
+          <p:nvPr>
+            <p:ph type="sldNum" sz="quarter" idx="16"/>
+          </p:nvPr>
+        </p:nvSpPr>
+        <p:spPr/>
+        <p:txBody>
+          <a:bodyPr/>
+          <a:lstStyle/>
+          <a:p>
+            <a:fld id="{294A09A9-5501-47C1-A89A-A340965A2BE2}" type="slidenum">
+              <a:rPr lang="en-US" smtClean="0"/>
+              <a:pPr/>
+              <a:t>31</a:t>
+            </a:fld>
+            <a:endParaRPr lang="en-US" dirty="0">
+              <a:latin typeface="+mn-lt"/>
+            </a:endParaRPr>
+          </a:p>
+        </p:txBody>
+      </p:sp>
+      <p:sp>
+        <p:nvSpPr>
+          <p:cNvPr id="15" name="CasellaDiTesto 14">
+            <a:extLst>
+              <a:ext uri="{FF2B5EF4-FFF2-40B4-BE49-F238E27FC236}">
+                <a16:creationId xmlns:a16="http://schemas.microsoft.com/office/drawing/2014/main" id="{5F5759C6-7865-2880-7EF6-A8110CD375B9}"/>
+              </a:ext>
+            </a:extLst>
+          </p:cNvPr>
+          <p:cNvSpPr txBox="1"/>
+          <p:nvPr/>
+        </p:nvSpPr>
+        <p:spPr>
+          <a:xfrm>
+            <a:off x="6096000" y="2650307"/>
+            <a:ext cx="1031373" cy="307777"/>
+          </a:xfrm>
+          <a:prstGeom prst="rect">
+            <a:avLst/>
+          </a:prstGeom>
+          <a:noFill/>
+        </p:spPr>
+        <p:txBody>
+          <a:bodyPr wrap="none" rtlCol="0">
+            <a:spAutoFit/>
+          </a:bodyPr>
+          <a:lstStyle/>
+          <a:p>
+            <a:r>
+              <a:rPr lang="it-IT" sz="1400" dirty="0">
+                <a:solidFill>
+                  <a:schemeClr val="bg1"/>
+                </a:solidFill>
+              </a:rPr>
+              <a:t>1.sysproc.c</a:t>
+            </a:r>
+          </a:p>
+        </p:txBody>
+      </p:sp>
+      <p:sp>
+        <p:nvSpPr>
+          <p:cNvPr id="16" name="CasellaDiTesto 15">
+            <a:extLst>
+              <a:ext uri="{FF2B5EF4-FFF2-40B4-BE49-F238E27FC236}">
+                <a16:creationId xmlns:a16="http://schemas.microsoft.com/office/drawing/2014/main" id="{12D1438F-6689-CABA-CAC9-D7354D409BAB}"/>
+              </a:ext>
+            </a:extLst>
+          </p:cNvPr>
+          <p:cNvSpPr txBox="1"/>
+          <p:nvPr/>
+        </p:nvSpPr>
+        <p:spPr>
+          <a:xfrm>
+            <a:off x="6070466" y="5854505"/>
+            <a:ext cx="1603644" cy="307777"/>
+          </a:xfrm>
+          <a:prstGeom prst="rect">
+            <a:avLst/>
+          </a:prstGeom>
+          <a:noFill/>
+        </p:spPr>
+        <p:txBody>
+          <a:bodyPr wrap="none" rtlCol="0">
+            <a:spAutoFit/>
+          </a:bodyPr>
+          <a:lstStyle/>
+          <a:p>
+            <a:r>
+              <a:rPr lang="it-IT" sz="1400" dirty="0">
+                <a:solidFill>
+                  <a:schemeClr val="bg1"/>
+                </a:solidFill>
+              </a:rPr>
+              <a:t>2.user/</a:t>
+            </a:r>
+            <a:r>
+              <a:rPr lang="it-IT" sz="1400" dirty="0" err="1">
+                <a:solidFill>
+                  <a:schemeClr val="bg1"/>
+                </a:solidFill>
+              </a:rPr>
+              <a:t>testkalloc.c</a:t>
+            </a:r>
+            <a:endParaRPr lang="it-IT" sz="1400" dirty="0">
+              <a:solidFill>
+                <a:schemeClr val="bg1"/>
+              </a:solidFill>
+            </a:endParaRPr>
+          </a:p>
+        </p:txBody>
+      </p:sp>
+      <p:pic>
+        <p:nvPicPr>
+          <p:cNvPr id="8" name="Immagine 7" descr="Immagine che contiene testo, Carattere, schermata, numero&#10;&#10;Descrizione generata automaticamente">
+            <a:extLst>
+              <a:ext uri="{FF2B5EF4-FFF2-40B4-BE49-F238E27FC236}">
+                <a16:creationId xmlns:a16="http://schemas.microsoft.com/office/drawing/2014/main" id="{54D26D9F-CE8F-BEB5-F45F-BE7EAE7B7DFE}"/>
+              </a:ext>
+            </a:extLst>
+          </p:cNvPr>
+          <p:cNvPicPr>
+            <a:picLocks noChangeAspect="1"/>
+          </p:cNvPicPr>
+          <p:nvPr/>
+        </p:nvPicPr>
+        <p:blipFill>
+          <a:blip r:embed="rId2">
+            <a:extLst>
+              <a:ext uri="{28A0092B-C50C-407E-A947-70E740481C1C}">
+                <a14:useLocalDpi xmlns:a14="http://schemas.microsoft.com/office/drawing/2010/main" val="0"/>
+              </a:ext>
+            </a:extLst>
+          </a:blip>
+          <a:stretch>
+            <a:fillRect/>
+          </a:stretch>
+        </p:blipFill>
+        <p:spPr>
+          <a:xfrm>
+            <a:off x="6070466" y="1520007"/>
+            <a:ext cx="2794000" cy="1130300"/>
+          </a:xfrm>
+          <a:prstGeom prst="rect">
+            <a:avLst/>
+          </a:prstGeom>
+        </p:spPr>
+      </p:pic>
+      <p:pic>
+        <p:nvPicPr>
+          <p:cNvPr id="11" name="Immagine 10" descr="Immagine che contiene testo, schermata, Carattere&#10;&#10;Descrizione generata automaticamente">
+            <a:extLst>
+              <a:ext uri="{FF2B5EF4-FFF2-40B4-BE49-F238E27FC236}">
+                <a16:creationId xmlns:a16="http://schemas.microsoft.com/office/drawing/2014/main" id="{8822B09A-240F-AF1C-532F-10BEE85D0C97}"/>
+              </a:ext>
+            </a:extLst>
+          </p:cNvPr>
+          <p:cNvPicPr>
+            <a:picLocks noChangeAspect="1"/>
+          </p:cNvPicPr>
+          <p:nvPr/>
+        </p:nvPicPr>
+        <p:blipFill>
+          <a:blip r:embed="rId3">
+            <a:extLst>
+              <a:ext uri="{28A0092B-C50C-407E-A947-70E740481C1C}">
+                <a14:useLocalDpi xmlns:a14="http://schemas.microsoft.com/office/drawing/2010/main" val="0"/>
+              </a:ext>
+            </a:extLst>
+          </a:blip>
+          <a:stretch>
+            <a:fillRect/>
+          </a:stretch>
+        </p:blipFill>
+        <p:spPr>
+          <a:xfrm>
+            <a:off x="6070466" y="3059273"/>
+            <a:ext cx="5745755" cy="2795232"/>
+          </a:xfrm>
+          <a:prstGeom prst="rect">
+            <a:avLst/>
+          </a:prstGeom>
+        </p:spPr>
+      </p:pic>
+    </p:spTree>
+    <p:extLst>
+      <p:ext uri="{BB962C8B-B14F-4D97-AF65-F5344CB8AC3E}">
+        <p14:creationId xmlns:p14="http://schemas.microsoft.com/office/powerpoint/2010/main" val="4015907271"/>
+      </p:ext>
+    </p:extLst>
+  </p:cSld>
+  <p:clrMapOvr>
+    <a:masterClrMapping/>
+  </p:clrMapOvr>
+</p:sld>
+</file>
+
+<file path=ppt/slides/slide32.xml><?xml version="1.0" encoding="utf-8"?>
+<p:sld xmlns:a="http://schemas.openxmlformats.org/drawingml/2006/main" xmlns:r="http://schemas.openxmlformats.org/officeDocument/2006/relationships" xmlns:p="http://schemas.openxmlformats.org/presentationml/2006/main">
+  <p:cSld>
+    <p:spTree>
+      <p:nvGrpSpPr>
+        <p:cNvPr id="1" name=""/>
+        <p:cNvGrpSpPr/>
+        <p:nvPr/>
+      </p:nvGrpSpPr>
+      <p:grpSpPr>
+        <a:xfrm>
+          <a:off x="0" y="0"/>
+          <a:ext cx="0" cy="0"/>
+          <a:chOff x="0" y="0"/>
+          <a:chExt cx="0" cy="0"/>
+        </a:xfrm>
+      </p:grpSpPr>
+      <p:sp>
+        <p:nvSpPr>
+          <p:cNvPr id="3" name="Titolo 2">
+            <a:extLst>
+              <a:ext uri="{FF2B5EF4-FFF2-40B4-BE49-F238E27FC236}">
+                <a16:creationId xmlns:a16="http://schemas.microsoft.com/office/drawing/2014/main" id="{B9054134-716F-1CBD-D466-A5813A3D817F}"/>
+              </a:ext>
+            </a:extLst>
+          </p:cNvPr>
+          <p:cNvSpPr>
+            <a:spLocks noGrp="1"/>
+          </p:cNvSpPr>
+          <p:nvPr>
+            <p:ph type="title"/>
+          </p:nvPr>
+        </p:nvSpPr>
+        <p:spPr>
+          <a:xfrm>
+            <a:off x="952499" y="646310"/>
+            <a:ext cx="4941477" cy="610863"/>
+          </a:xfrm>
+        </p:spPr>
+        <p:txBody>
+          <a:bodyPr>
+            <a:normAutofit/>
+          </a:bodyPr>
+          <a:lstStyle/>
+          <a:p>
+            <a:r>
+              <a:rPr lang="en-US" dirty="0"/>
+              <a:t>Test </a:t>
+            </a:r>
+            <a:r>
+              <a:rPr lang="en-US" dirty="0" err="1"/>
+              <a:t>delle</a:t>
+            </a:r>
+            <a:r>
+              <a:rPr lang="en-US" dirty="0"/>
+              <a:t> </a:t>
+            </a:r>
+            <a:r>
+              <a:rPr lang="en-US" dirty="0" err="1"/>
+              <a:t>syscall</a:t>
+            </a:r>
+            <a:endParaRPr lang="en-US" dirty="0"/>
+          </a:p>
+        </p:txBody>
+      </p:sp>
+      <p:sp>
+        <p:nvSpPr>
+          <p:cNvPr id="4" name="Segnaposto testo 3">
+            <a:extLst>
+              <a:ext uri="{FF2B5EF4-FFF2-40B4-BE49-F238E27FC236}">
+                <a16:creationId xmlns:a16="http://schemas.microsoft.com/office/drawing/2014/main" id="{FE7B1D6D-BD82-2AD6-2E20-AB168A315F39}"/>
+              </a:ext>
+            </a:extLst>
+          </p:cNvPr>
+          <p:cNvSpPr>
+            <a:spLocks noGrp="1"/>
+          </p:cNvSpPr>
+          <p:nvPr>
+            <p:ph type="body" sz="quarter" idx="11"/>
+          </p:nvPr>
+        </p:nvSpPr>
+        <p:spPr>
+          <a:xfrm>
+            <a:off x="952500" y="2186872"/>
+            <a:ext cx="4941476" cy="3057789"/>
+          </a:xfrm>
+        </p:spPr>
+        <p:txBody>
+          <a:bodyPr/>
+          <a:lstStyle/>
+          <a:p>
+            <a:r>
+              <a:rPr lang="en-US" dirty="0" err="1"/>
+              <a:t>All’avvio</a:t>
+            </a:r>
+            <a:r>
+              <a:rPr lang="en-US" dirty="0"/>
+              <a:t> del kernel </a:t>
+            </a:r>
+            <a:r>
+              <a:rPr lang="en-US" dirty="0" err="1"/>
+              <a:t>viene</a:t>
+            </a:r>
+            <a:r>
+              <a:rPr lang="en-US" dirty="0"/>
+              <a:t> </a:t>
+            </a:r>
+            <a:r>
+              <a:rPr lang="en-US" dirty="0" err="1"/>
+              <a:t>mostrato</a:t>
+            </a:r>
+            <a:r>
+              <a:rPr lang="en-US" dirty="0"/>
+              <a:t> a </a:t>
+            </a:r>
+            <a:r>
+              <a:rPr lang="en-US" dirty="0" err="1"/>
+              <a:t>schermo</a:t>
+            </a:r>
+            <a:r>
+              <a:rPr lang="en-US" dirty="0"/>
+              <a:t> il </a:t>
+            </a:r>
+            <a:r>
+              <a:rPr lang="en-US" dirty="0" err="1"/>
+              <a:t>numero</a:t>
+            </a:r>
+            <a:r>
+              <a:rPr lang="en-US" dirty="0"/>
+              <a:t> di </a:t>
+            </a:r>
+            <a:r>
+              <a:rPr lang="en-US" dirty="0" err="1"/>
+              <a:t>pagine</a:t>
+            </a:r>
+            <a:r>
+              <a:rPr lang="en-US" dirty="0"/>
+              <a:t> </a:t>
+            </a:r>
+            <a:r>
+              <a:rPr lang="en-US" dirty="0" err="1"/>
+              <a:t>libere</a:t>
+            </a:r>
+            <a:r>
+              <a:rPr lang="en-US" dirty="0"/>
+              <a:t>, per fare </a:t>
+            </a:r>
+            <a:r>
+              <a:rPr lang="en-US" dirty="0" err="1"/>
+              <a:t>ciò</a:t>
+            </a:r>
+            <a:r>
+              <a:rPr lang="en-US" dirty="0"/>
+              <a:t> </a:t>
+            </a:r>
+            <a:r>
+              <a:rPr lang="en-US" dirty="0" err="1"/>
+              <a:t>è</a:t>
+            </a:r>
+            <a:r>
+              <a:rPr lang="en-US" dirty="0"/>
+              <a:t> </a:t>
+            </a:r>
+            <a:r>
+              <a:rPr lang="en-US" dirty="0" err="1"/>
+              <a:t>stata</a:t>
+            </a:r>
+            <a:r>
+              <a:rPr lang="en-US" dirty="0"/>
+              <a:t> </a:t>
+            </a:r>
+            <a:r>
+              <a:rPr lang="en-US" dirty="0" err="1"/>
+              <a:t>aggiunta</a:t>
+            </a:r>
+            <a:r>
+              <a:rPr lang="en-US" dirty="0"/>
+              <a:t> </a:t>
+            </a:r>
+            <a:r>
+              <a:rPr lang="en-US" dirty="0" err="1"/>
+              <a:t>una</a:t>
+            </a:r>
+            <a:r>
+              <a:rPr lang="en-US" dirty="0"/>
+              <a:t> </a:t>
+            </a:r>
+            <a:r>
+              <a:rPr lang="en-US" dirty="0" err="1"/>
+              <a:t>printf</a:t>
+            </a:r>
+            <a:r>
+              <a:rPr lang="en-US" dirty="0"/>
+              <a:t> </a:t>
+            </a:r>
+            <a:r>
+              <a:rPr lang="en-US" dirty="0" err="1"/>
+              <a:t>che</a:t>
+            </a:r>
+            <a:r>
+              <a:rPr lang="en-US" dirty="0"/>
+              <a:t> </a:t>
+            </a:r>
+            <a:r>
+              <a:rPr lang="en-US" dirty="0" err="1"/>
+              <a:t>chiama</a:t>
+            </a:r>
+            <a:r>
+              <a:rPr lang="en-US" dirty="0"/>
+              <a:t> la </a:t>
+            </a:r>
+            <a:r>
+              <a:rPr lang="en-US" dirty="0" err="1"/>
+              <a:t>freepages</a:t>
+            </a:r>
+            <a:r>
+              <a:rPr lang="en-US" dirty="0"/>
+              <a:t>.</a:t>
+            </a:r>
+          </a:p>
+          <a:p>
+            <a:r>
+              <a:rPr lang="en-US" dirty="0"/>
+              <a:t>A </a:t>
+            </a:r>
+            <a:r>
+              <a:rPr lang="en-US" dirty="0" err="1"/>
+              <a:t>destra</a:t>
+            </a:r>
+            <a:r>
+              <a:rPr lang="en-US" dirty="0"/>
+              <a:t> </a:t>
+            </a:r>
+            <a:r>
+              <a:rPr lang="en-US" dirty="0" err="1"/>
+              <a:t>possiamo</a:t>
+            </a:r>
+            <a:r>
+              <a:rPr lang="en-US" dirty="0"/>
+              <a:t> </a:t>
+            </a:r>
+            <a:r>
+              <a:rPr lang="en-US" dirty="0" err="1"/>
+              <a:t>vedere</a:t>
+            </a:r>
+            <a:r>
+              <a:rPr lang="en-US" dirty="0"/>
+              <a:t> </a:t>
+            </a:r>
+            <a:r>
+              <a:rPr lang="en-US" dirty="0" err="1"/>
+              <a:t>cosa</a:t>
+            </a:r>
+            <a:r>
+              <a:rPr lang="en-US" dirty="0"/>
+              <a:t> </a:t>
+            </a:r>
+            <a:r>
+              <a:rPr lang="en-US" dirty="0" err="1"/>
+              <a:t>viene</a:t>
+            </a:r>
+            <a:r>
+              <a:rPr lang="en-US" dirty="0"/>
+              <a:t> </a:t>
+            </a:r>
+            <a:r>
+              <a:rPr lang="en-US" dirty="0" err="1"/>
+              <a:t>visualizzato</a:t>
+            </a:r>
+            <a:r>
+              <a:rPr lang="en-US" dirty="0"/>
+              <a:t> </a:t>
+            </a:r>
+            <a:r>
+              <a:rPr lang="en-US" dirty="0" err="1"/>
+              <a:t>sul</a:t>
+            </a:r>
+            <a:r>
+              <a:rPr lang="en-US" dirty="0"/>
+              <a:t> </a:t>
+            </a:r>
+            <a:r>
+              <a:rPr lang="en-US" dirty="0" err="1"/>
+              <a:t>terminale</a:t>
+            </a:r>
+            <a:r>
+              <a:rPr lang="en-US" dirty="0"/>
+              <a:t>:</a:t>
+            </a:r>
+          </a:p>
+          <a:p>
+            <a:pPr marL="342900" indent="-342900">
+              <a:buFont typeface="+mj-lt"/>
+              <a:buAutoNum type="arabicPeriod"/>
+            </a:pPr>
+            <a:r>
+              <a:rPr lang="en-US" dirty="0" err="1"/>
+              <a:t>All’avvio</a:t>
+            </a:r>
+            <a:r>
+              <a:rPr lang="en-US" dirty="0"/>
+              <a:t> del kernel</a:t>
+            </a:r>
+          </a:p>
+          <a:p>
+            <a:pPr marL="342900" indent="-342900">
+              <a:buFont typeface="+mj-lt"/>
+              <a:buAutoNum type="arabicPeriod"/>
+            </a:pPr>
+            <a:r>
+              <a:rPr lang="en-US" dirty="0"/>
+              <a:t>Dopo aver </a:t>
+            </a:r>
+            <a:r>
+              <a:rPr lang="en-US" dirty="0" err="1"/>
+              <a:t>chiamato</a:t>
+            </a:r>
+            <a:r>
+              <a:rPr lang="en-US" dirty="0"/>
+              <a:t> la </a:t>
+            </a:r>
+            <a:r>
+              <a:rPr lang="en-US" dirty="0" err="1"/>
+              <a:t>getfreepages</a:t>
+            </a:r>
+            <a:endParaRPr lang="en-US" dirty="0"/>
+          </a:p>
+          <a:p>
+            <a:pPr marL="342900" indent="-342900">
+              <a:buFont typeface="+mj-lt"/>
+              <a:buAutoNum type="arabicPeriod"/>
+            </a:pPr>
+            <a:r>
+              <a:rPr lang="en-US" dirty="0"/>
+              <a:t>Dopo aver </a:t>
+            </a:r>
+            <a:r>
+              <a:rPr lang="en-US" dirty="0" err="1"/>
+              <a:t>chiamato</a:t>
+            </a:r>
+            <a:r>
+              <a:rPr lang="en-US" dirty="0"/>
+              <a:t> la </a:t>
+            </a:r>
+            <a:r>
+              <a:rPr lang="en-US" dirty="0" err="1"/>
+              <a:t>testkalloc</a:t>
+            </a:r>
+            <a:endParaRPr lang="en-US" dirty="0"/>
+          </a:p>
+        </p:txBody>
+      </p:sp>
+      <p:sp>
+        <p:nvSpPr>
+          <p:cNvPr id="5" name="Segnaposto piè di pagina 4">
+            <a:extLst>
+              <a:ext uri="{FF2B5EF4-FFF2-40B4-BE49-F238E27FC236}">
+                <a16:creationId xmlns:a16="http://schemas.microsoft.com/office/drawing/2014/main" id="{03C001CA-E2A8-7CFD-414C-A2FDAEBF1FC9}"/>
+              </a:ext>
+            </a:extLst>
+          </p:cNvPr>
+          <p:cNvSpPr>
+            <a:spLocks noGrp="1"/>
+          </p:cNvSpPr>
+          <p:nvPr>
+            <p:ph type="ftr" sz="quarter" idx="15"/>
+          </p:nvPr>
+        </p:nvSpPr>
+        <p:spPr>
+          <a:xfrm>
+            <a:off x="1494789" y="6332220"/>
+            <a:ext cx="2552277" cy="247651"/>
+          </a:xfrm>
+        </p:spPr>
+        <p:txBody>
+          <a:bodyPr/>
+          <a:lstStyle/>
+          <a:p>
+            <a:r>
+              <a:rPr lang="it-IT" b="0" dirty="0"/>
+              <a:t>Programmazione</a:t>
+            </a:r>
+            <a:r>
+              <a:rPr lang="en-US" b="0" dirty="0"/>
+              <a:t> di Sistema – 2023/24</a:t>
+            </a:r>
+          </a:p>
+        </p:txBody>
+      </p:sp>
+      <p:sp>
+        <p:nvSpPr>
+          <p:cNvPr id="6" name="Segnaposto numero diapositiva 5">
+            <a:extLst>
+              <a:ext uri="{FF2B5EF4-FFF2-40B4-BE49-F238E27FC236}">
+                <a16:creationId xmlns:a16="http://schemas.microsoft.com/office/drawing/2014/main" id="{333800D2-0446-E7C1-8ED8-FC146DDB7BBE}"/>
+              </a:ext>
+            </a:extLst>
+          </p:cNvPr>
+          <p:cNvSpPr>
+            <a:spLocks noGrp="1"/>
+          </p:cNvSpPr>
+          <p:nvPr>
+            <p:ph type="sldNum" sz="quarter" idx="16"/>
+          </p:nvPr>
+        </p:nvSpPr>
+        <p:spPr/>
+        <p:txBody>
+          <a:bodyPr/>
+          <a:lstStyle/>
+          <a:p>
+            <a:fld id="{294A09A9-5501-47C1-A89A-A340965A2BE2}" type="slidenum">
+              <a:rPr lang="en-US" smtClean="0"/>
+              <a:pPr/>
+              <a:t>32</a:t>
+            </a:fld>
+            <a:endParaRPr lang="en-US" dirty="0">
+              <a:latin typeface="+mn-lt"/>
+            </a:endParaRPr>
+          </a:p>
+        </p:txBody>
+      </p:sp>
+      <p:pic>
+        <p:nvPicPr>
+          <p:cNvPr id="7" name="Immagine 6" descr="Immagine che contiene testo, schermata, Carattere, software&#10;&#10;Descrizione generata automaticamente">
+            <a:extLst>
+              <a:ext uri="{FF2B5EF4-FFF2-40B4-BE49-F238E27FC236}">
+                <a16:creationId xmlns:a16="http://schemas.microsoft.com/office/drawing/2014/main" id="{E7A33B76-7284-1E22-1561-F4A71CAAC04D}"/>
+              </a:ext>
+            </a:extLst>
+          </p:cNvPr>
+          <p:cNvPicPr>
+            <a:picLocks noChangeAspect="1"/>
+          </p:cNvPicPr>
+          <p:nvPr/>
+        </p:nvPicPr>
+        <p:blipFill>
+          <a:blip r:embed="rId2">
+            <a:extLst>
+              <a:ext uri="{28A0092B-C50C-407E-A947-70E740481C1C}">
+                <a14:useLocalDpi xmlns:a14="http://schemas.microsoft.com/office/drawing/2010/main" val="0"/>
+              </a:ext>
+            </a:extLst>
+          </a:blip>
+          <a:stretch>
+            <a:fillRect/>
+          </a:stretch>
+        </p:blipFill>
+        <p:spPr>
+          <a:xfrm>
+            <a:off x="6688520" y="383552"/>
+            <a:ext cx="4969337" cy="2117114"/>
+          </a:xfrm>
+          <a:prstGeom prst="rect">
+            <a:avLst/>
+          </a:prstGeom>
+        </p:spPr>
+      </p:pic>
+      <p:sp>
+        <p:nvSpPr>
+          <p:cNvPr id="9" name="CasellaDiTesto 8">
+            <a:extLst>
+              <a:ext uri="{FF2B5EF4-FFF2-40B4-BE49-F238E27FC236}">
+                <a16:creationId xmlns:a16="http://schemas.microsoft.com/office/drawing/2014/main" id="{54228287-26A3-DFE8-662F-4D0D0B64C6B6}"/>
+              </a:ext>
+            </a:extLst>
+          </p:cNvPr>
+          <p:cNvSpPr txBox="1"/>
+          <p:nvPr/>
+        </p:nvSpPr>
+        <p:spPr>
+          <a:xfrm>
+            <a:off x="6688520" y="2520962"/>
+            <a:ext cx="692818" cy="307777"/>
+          </a:xfrm>
+          <a:prstGeom prst="rect">
+            <a:avLst/>
+          </a:prstGeom>
+          <a:noFill/>
+        </p:spPr>
+        <p:txBody>
+          <a:bodyPr wrap="none" rtlCol="0">
+            <a:spAutoFit/>
+          </a:bodyPr>
+          <a:lstStyle/>
+          <a:p>
+            <a:r>
+              <a:rPr lang="it-IT" sz="1400" dirty="0" err="1">
+                <a:solidFill>
+                  <a:schemeClr val="bg1"/>
+                </a:solidFill>
+              </a:rPr>
+              <a:t>Main.c</a:t>
+            </a:r>
+            <a:endParaRPr lang="it-IT" sz="1400" dirty="0">
+              <a:solidFill>
+                <a:schemeClr val="bg1"/>
+              </a:solidFill>
+            </a:endParaRPr>
+          </a:p>
+        </p:txBody>
+      </p:sp>
+      <p:pic>
+        <p:nvPicPr>
+          <p:cNvPr id="12" name="Immagine 11" descr="Immagine che contiene testo, Carattere, schermata, nero&#10;&#10;Descrizione generata automaticamente">
+            <a:extLst>
+              <a:ext uri="{FF2B5EF4-FFF2-40B4-BE49-F238E27FC236}">
+                <a16:creationId xmlns:a16="http://schemas.microsoft.com/office/drawing/2014/main" id="{E0B62B8F-FE2F-8B24-5297-5AC5922FCE5A}"/>
+              </a:ext>
+            </a:extLst>
+          </p:cNvPr>
+          <p:cNvPicPr>
+            <a:picLocks noChangeAspect="1"/>
+          </p:cNvPicPr>
+          <p:nvPr/>
+        </p:nvPicPr>
+        <p:blipFill>
+          <a:blip r:embed="rId3">
+            <a:extLst>
+              <a:ext uri="{28A0092B-C50C-407E-A947-70E740481C1C}">
+                <a14:useLocalDpi xmlns:a14="http://schemas.microsoft.com/office/drawing/2010/main" val="0"/>
+              </a:ext>
+            </a:extLst>
+          </a:blip>
+          <a:stretch>
+            <a:fillRect/>
+          </a:stretch>
+        </p:blipFill>
+        <p:spPr>
+          <a:xfrm>
+            <a:off x="6688520" y="2978137"/>
+            <a:ext cx="3461926" cy="1259973"/>
+          </a:xfrm>
+          <a:prstGeom prst="rect">
+            <a:avLst/>
+          </a:prstGeom>
+        </p:spPr>
+      </p:pic>
+      <p:pic>
+        <p:nvPicPr>
+          <p:cNvPr id="14" name="Immagine 13">
+            <a:extLst>
+              <a:ext uri="{FF2B5EF4-FFF2-40B4-BE49-F238E27FC236}">
+                <a16:creationId xmlns:a16="http://schemas.microsoft.com/office/drawing/2014/main" id="{2CBBC019-687D-B379-ACB0-4F35F5BEBB9A}"/>
+              </a:ext>
+            </a:extLst>
+          </p:cNvPr>
+          <p:cNvPicPr>
+            <a:picLocks noChangeAspect="1"/>
+          </p:cNvPicPr>
+          <p:nvPr/>
+        </p:nvPicPr>
+        <p:blipFill>
+          <a:blip r:embed="rId4">
+            <a:extLst>
+              <a:ext uri="{28A0092B-C50C-407E-A947-70E740481C1C}">
+                <a14:useLocalDpi xmlns:a14="http://schemas.microsoft.com/office/drawing/2010/main" val="0"/>
+              </a:ext>
+            </a:extLst>
+          </a:blip>
+          <a:stretch>
+            <a:fillRect/>
+          </a:stretch>
+        </p:blipFill>
+        <p:spPr>
+          <a:xfrm>
+            <a:off x="6688520" y="4611852"/>
+            <a:ext cx="3461926" cy="376560"/>
+          </a:xfrm>
+          <a:prstGeom prst="rect">
+            <a:avLst/>
+          </a:prstGeom>
+        </p:spPr>
+      </p:pic>
+      <p:pic>
+        <p:nvPicPr>
+          <p:cNvPr id="18" name="Immagine 17" descr="Immagine che contiene testo, Carattere, schermata, tipografia&#10;&#10;Descrizione generata automaticamente">
+            <a:extLst>
+              <a:ext uri="{FF2B5EF4-FFF2-40B4-BE49-F238E27FC236}">
+                <a16:creationId xmlns:a16="http://schemas.microsoft.com/office/drawing/2014/main" id="{B8883927-C100-3931-6BF2-FAAC849407F9}"/>
+              </a:ext>
+            </a:extLst>
+          </p:cNvPr>
+          <p:cNvPicPr>
+            <a:picLocks noChangeAspect="1"/>
+          </p:cNvPicPr>
+          <p:nvPr/>
+        </p:nvPicPr>
+        <p:blipFill>
+          <a:blip r:embed="rId5">
+            <a:extLst>
+              <a:ext uri="{28A0092B-C50C-407E-A947-70E740481C1C}">
+                <a14:useLocalDpi xmlns:a14="http://schemas.microsoft.com/office/drawing/2010/main" val="0"/>
+              </a:ext>
+            </a:extLst>
+          </a:blip>
+          <a:stretch>
+            <a:fillRect/>
+          </a:stretch>
+        </p:blipFill>
+        <p:spPr>
+          <a:xfrm>
+            <a:off x="6688520" y="5411658"/>
+            <a:ext cx="3461926" cy="740519"/>
+          </a:xfrm>
+          <a:prstGeom prst="rect">
+            <a:avLst/>
+          </a:prstGeom>
+        </p:spPr>
+      </p:pic>
+      <p:sp>
+        <p:nvSpPr>
+          <p:cNvPr id="19" name="CasellaDiTesto 18">
+            <a:extLst>
+              <a:ext uri="{FF2B5EF4-FFF2-40B4-BE49-F238E27FC236}">
+                <a16:creationId xmlns:a16="http://schemas.microsoft.com/office/drawing/2014/main" id="{8C25BDE9-FA53-78C3-7EB9-0843F1FD6B1C}"/>
+              </a:ext>
+            </a:extLst>
+          </p:cNvPr>
+          <p:cNvSpPr txBox="1"/>
+          <p:nvPr/>
+        </p:nvSpPr>
+        <p:spPr>
+          <a:xfrm>
+            <a:off x="6688520" y="4233619"/>
+            <a:ext cx="1280928" cy="307777"/>
+          </a:xfrm>
+          <a:prstGeom prst="rect">
+            <a:avLst/>
+          </a:prstGeom>
+          <a:noFill/>
+        </p:spPr>
+        <p:txBody>
+          <a:bodyPr wrap="none" rtlCol="0">
+            <a:spAutoFit/>
+          </a:bodyPr>
+          <a:lstStyle/>
+          <a:p>
+            <a:r>
+              <a:rPr lang="it-IT" sz="1400" dirty="0">
+                <a:solidFill>
+                  <a:schemeClr val="bg1"/>
+                </a:solidFill>
+              </a:rPr>
+              <a:t>1. Avvio kernel</a:t>
+            </a:r>
+          </a:p>
+        </p:txBody>
+      </p:sp>
+      <p:sp>
+        <p:nvSpPr>
+          <p:cNvPr id="20" name="CasellaDiTesto 19">
+            <a:extLst>
+              <a:ext uri="{FF2B5EF4-FFF2-40B4-BE49-F238E27FC236}">
+                <a16:creationId xmlns:a16="http://schemas.microsoft.com/office/drawing/2014/main" id="{F53FFE77-7CFF-D7C0-ACCF-3005022DB30B}"/>
+              </a:ext>
+            </a:extLst>
+          </p:cNvPr>
+          <p:cNvSpPr txBox="1"/>
+          <p:nvPr/>
+        </p:nvSpPr>
+        <p:spPr>
+          <a:xfrm>
+            <a:off x="6636166" y="4988412"/>
+            <a:ext cx="1369990" cy="307777"/>
+          </a:xfrm>
+          <a:prstGeom prst="rect">
+            <a:avLst/>
+          </a:prstGeom>
+          <a:noFill/>
+        </p:spPr>
+        <p:txBody>
+          <a:bodyPr wrap="none" rtlCol="0">
+            <a:spAutoFit/>
+          </a:bodyPr>
+          <a:lstStyle/>
+          <a:p>
+            <a:r>
+              <a:rPr lang="it-IT" sz="1400" dirty="0">
+                <a:solidFill>
+                  <a:schemeClr val="bg1"/>
+                </a:solidFill>
+              </a:rPr>
+              <a:t>2. </a:t>
+            </a:r>
+            <a:r>
+              <a:rPr lang="it-IT" sz="1400" dirty="0" err="1">
+                <a:solidFill>
+                  <a:schemeClr val="bg1"/>
+                </a:solidFill>
+              </a:rPr>
+              <a:t>getfreepages</a:t>
+            </a:r>
+            <a:endParaRPr lang="it-IT" sz="1400" dirty="0">
+              <a:solidFill>
+                <a:schemeClr val="bg1"/>
+              </a:solidFill>
+            </a:endParaRPr>
+          </a:p>
+        </p:txBody>
+      </p:sp>
+      <p:sp>
+        <p:nvSpPr>
+          <p:cNvPr id="21" name="CasellaDiTesto 20">
+            <a:extLst>
+              <a:ext uri="{FF2B5EF4-FFF2-40B4-BE49-F238E27FC236}">
+                <a16:creationId xmlns:a16="http://schemas.microsoft.com/office/drawing/2014/main" id="{A54D217C-8786-C7A3-C9AE-B4836A2F8C7D}"/>
+              </a:ext>
+            </a:extLst>
+          </p:cNvPr>
+          <p:cNvSpPr txBox="1"/>
+          <p:nvPr/>
+        </p:nvSpPr>
+        <p:spPr>
+          <a:xfrm>
+            <a:off x="6636166" y="6113757"/>
+            <a:ext cx="1105111" cy="307777"/>
+          </a:xfrm>
+          <a:prstGeom prst="rect">
+            <a:avLst/>
+          </a:prstGeom>
+          <a:noFill/>
+        </p:spPr>
+        <p:txBody>
+          <a:bodyPr wrap="none" rtlCol="0">
+            <a:spAutoFit/>
+          </a:bodyPr>
+          <a:lstStyle/>
+          <a:p>
+            <a:r>
+              <a:rPr lang="it-IT" sz="1400" dirty="0">
+                <a:solidFill>
+                  <a:schemeClr val="bg1"/>
+                </a:solidFill>
+              </a:rPr>
+              <a:t>3. </a:t>
+            </a:r>
+            <a:r>
+              <a:rPr lang="it-IT" sz="1400" dirty="0" err="1">
+                <a:solidFill>
+                  <a:schemeClr val="bg1"/>
+                </a:solidFill>
+              </a:rPr>
+              <a:t>testkalloc</a:t>
+            </a:r>
+            <a:endParaRPr lang="it-IT" sz="1400" dirty="0">
+              <a:solidFill>
+                <a:schemeClr val="bg1"/>
+              </a:solidFill>
+            </a:endParaRPr>
+          </a:p>
+        </p:txBody>
+      </p:sp>
+    </p:spTree>
+    <p:extLst>
+      <p:ext uri="{BB962C8B-B14F-4D97-AF65-F5344CB8AC3E}">
+        <p14:creationId xmlns:p14="http://schemas.microsoft.com/office/powerpoint/2010/main" val="284463565"/>
       </p:ext>
     </p:extLst>
   </p:cSld>
